--- a/Obvio Microbio.pptx
+++ b/Obvio Microbio.pptx
@@ -9,7 +9,8 @@
     <p:sldId id="257" r:id="rId6"/>
     <p:sldId id="258" r:id="rId7"/>
     <p:sldId id="259" r:id="rId8"/>
-    <p:sldId id="261" r:id="rId9"/>
+    <p:sldId id="262" r:id="rId9"/>
+    <p:sldId id="261" r:id="rId10"/>
   </p:sldIdLst>
   <p:sldSz cx="12192000" cy="6858000"/>
   <p:notesSz cx="6858000" cy="9144000"/>
@@ -108,6 +109,11 @@
       </a:defRPr>
     </a:lvl9pPr>
   </p:defaultTextStyle>
+  <p:extLst>
+    <p:ext uri="{EFAFB233-063F-42B5-8137-9DF3F51BA10A}">
+      <p15:sldGuideLst xmlns:p15="http://schemas.microsoft.com/office/powerpoint/2012/main"/>
+    </p:ext>
+  </p:extLst>
 </p:presentation>
 </file>
 
@@ -115,12 +121,232 @@
 <p1510:revInfo xmlns:a="http://schemas.openxmlformats.org/drawingml/2006/main" xmlns:r="http://schemas.openxmlformats.org/officeDocument/2006/relationships" xmlns:p1510="http://schemas.microsoft.com/office/powerpoint/2015/10/main">
   <p1510:revLst>
     <p1510:client id="{2129604C-F01F-40CD-8BD8-E7558B492AD4}" v="122" dt="2019-11-01T18:22:57.835"/>
+    <p1510:client id="{6E45B117-F3B8-48AF-AC24-D31C05631FEC}" v="15" dt="2019-11-01T21:17:49.040"/>
   </p1510:revLst>
 </p1510:revInfo>
 </file>
 
 <file path=ppt/changesInfos/changesInfo1.xml><?xml version="1.0" encoding="utf-8"?>
 <pc:chgInfo xmlns:a="http://schemas.openxmlformats.org/drawingml/2006/main" xmlns:r="http://schemas.openxmlformats.org/officeDocument/2006/relationships" xmlns:ac="http://schemas.microsoft.com/office/drawing/2013/main/command" xmlns:pc="http://schemas.microsoft.com/office/powerpoint/2013/main/command">
+  <pc:docChgLst>
+    <pc:chgData name="Rubén González Villanueva" userId="316062c3b860cbf8" providerId="LiveId" clId="{6E45B117-F3B8-48AF-AC24-D31C05631FEC}"/>
+    <pc:docChg chg="undo custSel mod addSld modSld">
+      <pc:chgData name="Rubén González Villanueva" userId="316062c3b860cbf8" providerId="LiveId" clId="{6E45B117-F3B8-48AF-AC24-D31C05631FEC}" dt="2019-11-01T21:32:14.805" v="58" actId="1076"/>
+      <pc:docMkLst>
+        <pc:docMk/>
+      </pc:docMkLst>
+      <pc:sldChg chg="addSp delSp modSp">
+        <pc:chgData name="Rubén González Villanueva" userId="316062c3b860cbf8" providerId="LiveId" clId="{6E45B117-F3B8-48AF-AC24-D31C05631FEC}" dt="2019-11-01T21:08:03.224" v="2" actId="14826"/>
+        <pc:sldMkLst>
+          <pc:docMk/>
+          <pc:sldMk cId="567220051" sldId="256"/>
+        </pc:sldMkLst>
+        <pc:picChg chg="add del mod">
+          <ac:chgData name="Rubén González Villanueva" userId="316062c3b860cbf8" providerId="LiveId" clId="{6E45B117-F3B8-48AF-AC24-D31C05631FEC}" dt="2019-11-01T21:08:03.224" v="2" actId="14826"/>
+          <ac:picMkLst>
+            <pc:docMk/>
+            <pc:sldMk cId="567220051" sldId="256"/>
+            <ac:picMk id="5" creationId="{B8F98EAE-13DD-4C7F-A54F-445FD8605DF4}"/>
+          </ac:picMkLst>
+        </pc:picChg>
+      </pc:sldChg>
+      <pc:sldChg chg="addSp delSp modSp modTransition delDesignElem">
+        <pc:chgData name="Rubén González Villanueva" userId="316062c3b860cbf8" providerId="LiveId" clId="{6E45B117-F3B8-48AF-AC24-D31C05631FEC}" dt="2019-11-01T21:17:33.817" v="25"/>
+        <pc:sldMkLst>
+          <pc:docMk/>
+          <pc:sldMk cId="405230702" sldId="257"/>
+        </pc:sldMkLst>
+        <pc:spChg chg="mod ord">
+          <ac:chgData name="Rubén González Villanueva" userId="316062c3b860cbf8" providerId="LiveId" clId="{6E45B117-F3B8-48AF-AC24-D31C05631FEC}" dt="2019-11-01T21:11:36.422" v="7" actId="26606"/>
+          <ac:spMkLst>
+            <pc:docMk/>
+            <pc:sldMk cId="405230702" sldId="257"/>
+            <ac:spMk id="2" creationId="{DB4BD388-4E4C-4729-9C98-FDCE73F701DE}"/>
+          </ac:spMkLst>
+        </pc:spChg>
+        <pc:spChg chg="add del mod">
+          <ac:chgData name="Rubén González Villanueva" userId="316062c3b860cbf8" providerId="LiveId" clId="{6E45B117-F3B8-48AF-AC24-D31C05631FEC}" dt="2019-11-01T21:11:58.828" v="10"/>
+          <ac:spMkLst>
+            <pc:docMk/>
+            <pc:sldMk cId="405230702" sldId="257"/>
+            <ac:spMk id="3" creationId="{E90C55DF-14C5-46D4-9AF8-881C2753A224}"/>
+          </ac:spMkLst>
+        </pc:spChg>
+        <pc:spChg chg="mod">
+          <ac:chgData name="Rubén González Villanueva" userId="316062c3b860cbf8" providerId="LiveId" clId="{6E45B117-F3B8-48AF-AC24-D31C05631FEC}" dt="2019-11-01T21:17:11.644" v="23" actId="255"/>
+          <ac:spMkLst>
+            <pc:docMk/>
+            <pc:sldMk cId="405230702" sldId="257"/>
+            <ac:spMk id="8" creationId="{115E2BAF-7EC9-45CB-AE80-C410061A963D}"/>
+          </ac:spMkLst>
+        </pc:spChg>
+        <pc:spChg chg="add del">
+          <ac:chgData name="Rubén González Villanueva" userId="316062c3b860cbf8" providerId="LiveId" clId="{6E45B117-F3B8-48AF-AC24-D31C05631FEC}" dt="2019-11-01T21:11:27.065" v="6" actId="26606"/>
+          <ac:spMkLst>
+            <pc:docMk/>
+            <pc:sldMk cId="405230702" sldId="257"/>
+            <ac:spMk id="66" creationId="{4AE9D071-98CF-435C-BD2B-976514544DC5}"/>
+          </ac:spMkLst>
+        </pc:spChg>
+        <pc:spChg chg="add del">
+          <ac:chgData name="Rubén González Villanueva" userId="316062c3b860cbf8" providerId="LiveId" clId="{6E45B117-F3B8-48AF-AC24-D31C05631FEC}" dt="2019-11-01T21:11:27.031" v="5" actId="26606"/>
+          <ac:spMkLst>
+            <pc:docMk/>
+            <pc:sldMk cId="405230702" sldId="257"/>
+            <ac:spMk id="76" creationId="{EE15E636-2C9E-42CB-B482-436AA81BF93B}"/>
+          </ac:spMkLst>
+        </pc:spChg>
+        <pc:spChg chg="add del">
+          <ac:chgData name="Rubén González Villanueva" userId="316062c3b860cbf8" providerId="LiveId" clId="{6E45B117-F3B8-48AF-AC24-D31C05631FEC}" dt="2019-11-01T21:11:36.422" v="7" actId="26606"/>
+          <ac:spMkLst>
+            <pc:docMk/>
+            <pc:sldMk cId="405230702" sldId="257"/>
+            <ac:spMk id="82" creationId="{3FE9758B-E361-4084-8D9F-729FA6C4AD7E}"/>
+          </ac:spMkLst>
+        </pc:spChg>
+        <pc:spChg chg="add del">
+          <ac:chgData name="Rubén González Villanueva" userId="316062c3b860cbf8" providerId="LiveId" clId="{6E45B117-F3B8-48AF-AC24-D31C05631FEC}" dt="2019-11-01T21:11:49.984" v="9"/>
+          <ac:spMkLst>
+            <pc:docMk/>
+            <pc:sldMk cId="405230702" sldId="257"/>
+            <ac:spMk id="87" creationId="{BABD8CBF-1782-456F-AF12-36CD021CCCF6}"/>
+          </ac:spMkLst>
+        </pc:spChg>
+        <pc:spChg chg="add del">
+          <ac:chgData name="Rubén González Villanueva" userId="316062c3b860cbf8" providerId="LiveId" clId="{6E45B117-F3B8-48AF-AC24-D31C05631FEC}" dt="2019-11-01T21:11:49.984" v="9"/>
+          <ac:spMkLst>
+            <pc:docMk/>
+            <pc:sldMk cId="405230702" sldId="257"/>
+            <ac:spMk id="89" creationId="{18A186C0-DD3C-4FF4-B165-943244CBD116}"/>
+          </ac:spMkLst>
+        </pc:spChg>
+        <pc:grpChg chg="add del">
+          <ac:chgData name="Rubén González Villanueva" userId="316062c3b860cbf8" providerId="LiveId" clId="{6E45B117-F3B8-48AF-AC24-D31C05631FEC}" dt="2019-11-01T21:11:27.065" v="6" actId="26606"/>
+          <ac:grpSpMkLst>
+            <pc:docMk/>
+            <pc:sldMk cId="405230702" sldId="257"/>
+            <ac:grpSpMk id="68" creationId="{D619FC33-16ED-4246-9596-BEFEB55E4CF6}"/>
+          </ac:grpSpMkLst>
+        </pc:grpChg>
+        <pc:grpChg chg="add del">
+          <ac:chgData name="Rubén González Villanueva" userId="316062c3b860cbf8" providerId="LiveId" clId="{6E45B117-F3B8-48AF-AC24-D31C05631FEC}" dt="2019-11-01T21:11:27.031" v="5" actId="26606"/>
+          <ac:grpSpMkLst>
+            <pc:docMk/>
+            <pc:sldMk cId="405230702" sldId="257"/>
+            <ac:grpSpMk id="78" creationId="{01D4AEDF-0CF9-4271-ABB7-3D3489BB42D0}"/>
+          </ac:grpSpMkLst>
+        </pc:grpChg>
+        <pc:grpChg chg="add del">
+          <ac:chgData name="Rubén González Villanueva" userId="316062c3b860cbf8" providerId="LiveId" clId="{6E45B117-F3B8-48AF-AC24-D31C05631FEC}" dt="2019-11-01T21:11:49.984" v="9"/>
+          <ac:grpSpMkLst>
+            <pc:docMk/>
+            <pc:sldMk cId="405230702" sldId="257"/>
+            <ac:grpSpMk id="91" creationId="{7E6B15A5-F4B5-4786-934F-E57C7FA30298}"/>
+          </ac:grpSpMkLst>
+        </pc:grpChg>
+        <pc:picChg chg="mod ord">
+          <ac:chgData name="Rubén González Villanueva" userId="316062c3b860cbf8" providerId="LiveId" clId="{6E45B117-F3B8-48AF-AC24-D31C05631FEC}" dt="2019-11-01T21:11:36.422" v="7" actId="26606"/>
+          <ac:picMkLst>
+            <pc:docMk/>
+            <pc:sldMk cId="405230702" sldId="257"/>
+            <ac:picMk id="61" creationId="{052FCFAE-1A38-436C-85A0-2F4259F4281A}"/>
+          </ac:picMkLst>
+        </pc:picChg>
+      </pc:sldChg>
+      <pc:sldChg chg="modSp">
+        <pc:chgData name="Rubén González Villanueva" userId="316062c3b860cbf8" providerId="LiveId" clId="{6E45B117-F3B8-48AF-AC24-D31C05631FEC}" dt="2019-11-01T21:14:58.305" v="16" actId="12"/>
+        <pc:sldMkLst>
+          <pc:docMk/>
+          <pc:sldMk cId="4006534359" sldId="258"/>
+        </pc:sldMkLst>
+        <pc:spChg chg="mod">
+          <ac:chgData name="Rubén González Villanueva" userId="316062c3b860cbf8" providerId="LiveId" clId="{6E45B117-F3B8-48AF-AC24-D31C05631FEC}" dt="2019-11-01T21:14:58.305" v="16" actId="12"/>
+          <ac:spMkLst>
+            <pc:docMk/>
+            <pc:sldMk cId="4006534359" sldId="258"/>
+            <ac:spMk id="3" creationId="{CACE088F-D1B1-498E-941F-DEB7C7104F69}"/>
+          </ac:spMkLst>
+        </pc:spChg>
+        <pc:spChg chg="mod">
+          <ac:chgData name="Rubén González Villanueva" userId="316062c3b860cbf8" providerId="LiveId" clId="{6E45B117-F3B8-48AF-AC24-D31C05631FEC}" dt="2019-11-01T21:14:54.363" v="15" actId="12"/>
+          <ac:spMkLst>
+            <pc:docMk/>
+            <pc:sldMk cId="4006534359" sldId="258"/>
+            <ac:spMk id="4" creationId="{3CD0E60B-8AB2-4C81-88B9-741CB5CAD2C5}"/>
+          </ac:spMkLst>
+        </pc:spChg>
+        <pc:picChg chg="mod">
+          <ac:chgData name="Rubén González Villanueva" userId="316062c3b860cbf8" providerId="LiveId" clId="{6E45B117-F3B8-48AF-AC24-D31C05631FEC}" dt="2019-11-01T21:12:29.362" v="11" actId="14826"/>
+          <ac:picMkLst>
+            <pc:docMk/>
+            <pc:sldMk cId="4006534359" sldId="258"/>
+            <ac:picMk id="9" creationId="{FA69D7F2-F553-423E-9C42-65D164A2303C}"/>
+          </ac:picMkLst>
+        </pc:picChg>
+      </pc:sldChg>
+      <pc:sldChg chg="delSp modSp">
+        <pc:chgData name="Rubén González Villanueva" userId="316062c3b860cbf8" providerId="LiveId" clId="{6E45B117-F3B8-48AF-AC24-D31C05631FEC}" dt="2019-11-01T21:15:38.239" v="21" actId="1076"/>
+        <pc:sldMkLst>
+          <pc:docMk/>
+          <pc:sldMk cId="2183553396" sldId="259"/>
+        </pc:sldMkLst>
+        <pc:spChg chg="mod">
+          <ac:chgData name="Rubén González Villanueva" userId="316062c3b860cbf8" providerId="LiveId" clId="{6E45B117-F3B8-48AF-AC24-D31C05631FEC}" dt="2019-11-01T21:15:24.455" v="19" actId="27636"/>
+          <ac:spMkLst>
+            <pc:docMk/>
+            <pc:sldMk cId="2183553396" sldId="259"/>
+            <ac:spMk id="11" creationId="{AA36E30A-A112-48F5-B417-C6CD0FB4093F}"/>
+          </ac:spMkLst>
+        </pc:spChg>
+        <pc:spChg chg="del">
+          <ac:chgData name="Rubén González Villanueva" userId="316062c3b860cbf8" providerId="LiveId" clId="{6E45B117-F3B8-48AF-AC24-D31C05631FEC}" dt="2019-11-01T21:15:16.833" v="17"/>
+          <ac:spMkLst>
+            <pc:docMk/>
+            <pc:sldMk cId="2183553396" sldId="259"/>
+            <ac:spMk id="12" creationId="{7AA28FEA-A436-4D31-B02C-504862B03FCB}"/>
+          </ac:spMkLst>
+        </pc:spChg>
+        <pc:picChg chg="mod">
+          <ac:chgData name="Rubén González Villanueva" userId="316062c3b860cbf8" providerId="LiveId" clId="{6E45B117-F3B8-48AF-AC24-D31C05631FEC}" dt="2019-11-01T21:15:38.239" v="21" actId="1076"/>
+          <ac:picMkLst>
+            <pc:docMk/>
+            <pc:sldMk cId="2183553396" sldId="259"/>
+            <ac:picMk id="9" creationId="{D8B0F239-9FF8-47DA-BE11-452A081BBFA2}"/>
+          </ac:picMkLst>
+        </pc:picChg>
+      </pc:sldChg>
+      <pc:sldChg chg="modSp">
+        <pc:chgData name="Rubén González Villanueva" userId="316062c3b860cbf8" providerId="LiveId" clId="{6E45B117-F3B8-48AF-AC24-D31C05631FEC}" dt="2019-11-01T21:16:09.886" v="22" actId="14826"/>
+        <pc:sldMkLst>
+          <pc:docMk/>
+          <pc:sldMk cId="925306443" sldId="261"/>
+        </pc:sldMkLst>
+        <pc:picChg chg="mod">
+          <ac:chgData name="Rubén González Villanueva" userId="316062c3b860cbf8" providerId="LiveId" clId="{6E45B117-F3B8-48AF-AC24-D31C05631FEC}" dt="2019-11-01T21:16:09.886" v="22" actId="14826"/>
+          <ac:picMkLst>
+            <pc:docMk/>
+            <pc:sldMk cId="925306443" sldId="261"/>
+            <ac:picMk id="19" creationId="{3D5F8449-5863-43B5-8C99-25B181CD7E3C}"/>
+          </ac:picMkLst>
+        </pc:picChg>
+      </pc:sldChg>
+      <pc:sldChg chg="modSp add">
+        <pc:chgData name="Rubén González Villanueva" userId="316062c3b860cbf8" providerId="LiveId" clId="{6E45B117-F3B8-48AF-AC24-D31C05631FEC}" dt="2019-11-01T21:32:14.805" v="58" actId="1076"/>
+        <pc:sldMkLst>
+          <pc:docMk/>
+          <pc:sldMk cId="3571924505" sldId="262"/>
+        </pc:sldMkLst>
+        <pc:spChg chg="mod">
+          <ac:chgData name="Rubén González Villanueva" userId="316062c3b860cbf8" providerId="LiveId" clId="{6E45B117-F3B8-48AF-AC24-D31C05631FEC}" dt="2019-11-01T21:32:14.805" v="58" actId="1076"/>
+          <ac:spMkLst>
+            <pc:docMk/>
+            <pc:sldMk cId="3571924505" sldId="262"/>
+            <ac:spMk id="2" creationId="{61DD6FAC-6BAA-4C07-B6B2-0E9A3567DF65}"/>
+          </ac:spMkLst>
+        </pc:spChg>
+      </pc:sldChg>
+    </pc:docChg>
+  </pc:docChgLst>
   <pc:docChgLst>
     <pc:chgData name="Rubén González Villanueva" userId="c8c16a74-be0f-439b-9b67-6b666a436255" providerId="ADAL" clId="{2129604C-F01F-40CD-8BD8-E7558B492AD4}"/>
     <pc:docChg chg="undo custSel mod addSld delSld modSld">
@@ -4690,161 +4916,16 @@
           </p:cNvPicPr>
           <p:nvPr/>
         </p:nvPicPr>
-        <p:blipFill rotWithShape="1">
-          <a:blip r:embed="rId2">
-            <a:extLst>
-              <a:ext uri="{BEBA8EAE-BF5A-486C-A8C5-ECC9F3942E4B}">
-                <a14:imgProps xmlns:a14="http://schemas.microsoft.com/office/drawing/2010/main">
-                  <a14:imgLayer r:embed="rId3">
-                    <a14:imgEffect>
-                      <a14:backgroundRemoval t="3571" b="94958" l="3607" r="97705">
-                        <a14:foregroundMark x1="21148" y1="21429" x2="21148" y2="21429"/>
-                        <a14:foregroundMark x1="13770" y1="12395" x2="20164" y2="25420"/>
-                        <a14:foregroundMark x1="16721" y1="21849" x2="32459" y2="51681"/>
-                        <a14:foregroundMark x1="32131" y1="52521" x2="34262" y2="52521"/>
-                        <a14:foregroundMark x1="22951" y1="37605" x2="16230" y2="38866"/>
-                        <a14:foregroundMark x1="16230" y1="38866" x2="10164" y2="43277"/>
-                        <a14:foregroundMark x1="10164" y1="43277" x2="4754" y2="59244"/>
-                        <a14:foregroundMark x1="4754" y1="59244" x2="4918" y2="68067"/>
-                        <a14:foregroundMark x1="4918" y1="68067" x2="7541" y2="77521"/>
-                        <a14:foregroundMark x1="7541" y1="77521" x2="15082" y2="82143"/>
-                        <a14:foregroundMark x1="15082" y1="82143" x2="23115" y2="83824"/>
-                        <a14:foregroundMark x1="23115" y1="83824" x2="31148" y2="80462"/>
-                        <a14:foregroundMark x1="31148" y1="80462" x2="37049" y2="73109"/>
-                        <a14:foregroundMark x1="37049" y1="73109" x2="37213" y2="72479"/>
-                        <a14:foregroundMark x1="3770" y1="52941" x2="3770" y2="56933"/>
-                        <a14:foregroundMark x1="8852" y1="5462" x2="11639" y2="6933"/>
-                        <a14:foregroundMark x1="17541" y1="89076" x2="15738" y2="95168"/>
-                        <a14:foregroundMark x1="43279" y1="52521" x2="43279" y2="52521"/>
-                        <a14:foregroundMark x1="43115" y1="29412" x2="40984" y2="30462"/>
-                        <a14:foregroundMark x1="40607" y1="39334" x2="40492" y2="40546"/>
-                        <a14:foregroundMark x1="41311" y1="31933" x2="41193" y2="33168"/>
-                        <a14:foregroundMark x1="40492" y1="40546" x2="41320" y2="39410"/>
-                        <a14:foregroundMark x1="43463" y1="31224" x2="43279" y2="30882"/>
-                        <a14:foregroundMark x1="45082" y1="34244" x2="43925" y2="32086"/>
-                        <a14:foregroundMark x1="49090" y1="38025" x2="49016" y2="40126"/>
-                        <a14:foregroundMark x1="49105" y1="37605" x2="49090" y2="38025"/>
-                        <a14:foregroundMark x1="49344" y1="30882" x2="49188" y2="35284"/>
-                        <a14:foregroundMark x1="50373" y1="35406" x2="51311" y2="32143"/>
-                        <a14:foregroundMark x1="49016" y1="40126" x2="49502" y2="38434"/>
-                        <a14:foregroundMark x1="51983" y1="38025" x2="52295" y2="40756"/>
-                        <a14:foregroundMark x1="51935" y1="37605" x2="51983" y2="38025"/>
-                        <a14:foregroundMark x1="51442" y1="33290" x2="51935" y2="37605"/>
-                        <a14:foregroundMark x1="50950" y1="41085" x2="48852" y2="41597"/>
-                        <a14:foregroundMark x1="56393" y1="31303" x2="56885" y2="39496"/>
-                        <a14:foregroundMark x1="56885" y1="39496" x2="58852" y2="35714"/>
-                        <a14:foregroundMark x1="65574" y1="30252" x2="66721" y2="30252"/>
-                        <a14:foregroundMark x1="61311" y1="42017" x2="64262" y2="41807"/>
-                        <a14:foregroundMark x1="62951" y1="41807" x2="64590" y2="33403"/>
-                        <a14:foregroundMark x1="64590" y1="33403" x2="66066" y2="30042"/>
-                        <a14:foregroundMark x1="70106" y1="31854" x2="69340" y2="33219"/>
-                        <a14:foregroundMark x1="71475" y1="29412" x2="70194" y2="31696"/>
-                        <a14:foregroundMark x1="72193" y1="30429" x2="71803" y2="29622"/>
-                        <a14:foregroundMark x1="73869" y1="33899" x2="72920" y2="31935"/>
-                        <a14:foregroundMark x1="73139" y1="33789" x2="73607" y2="33613"/>
-                        <a14:foregroundMark x1="71582" y1="40174" x2="71148" y2="41176"/>
-                        <a14:foregroundMark x1="74426" y1="33613" x2="74276" y2="33960"/>
-                        <a14:foregroundMark x1="71148" y1="41176" x2="68033" y2="38655"/>
-                        <a14:foregroundMark x1="39508" y1="58613" x2="41967" y2="51050"/>
-                        <a14:foregroundMark x1="45136" y1="54832" x2="46721" y2="56723"/>
-                        <a14:foregroundMark x1="44784" y1="54412" x2="45136" y2="54832"/>
-                        <a14:foregroundMark x1="44256" y1="53782" x2="44784" y2="54412"/>
-                        <a14:foregroundMark x1="41967" y1="51050" x2="44256" y2="53782"/>
-                        <a14:foregroundMark x1="46721" y1="56723" x2="46393" y2="57983"/>
-                        <a14:foregroundMark x1="50984" y1="48319" x2="53115" y2="48319"/>
-                        <a14:foregroundMark x1="52295" y1="48319" x2="49016" y2="59664"/>
-                        <a14:foregroundMark x1="57705" y1="51050" x2="57492" y2="51232"/>
-                        <a14:foregroundMark x1="58688" y1="50210" x2="57705" y2="51050"/>
-                        <a14:foregroundMark x1="59180" y1="49790" x2="58688" y2="50210"/>
-                        <a14:foregroundMark x1="56407" y1="57330" x2="57377" y2="58403"/>
-                        <a14:foregroundMark x1="54809" y1="55562" x2="55190" y2="55983"/>
-                        <a14:foregroundMark x1="62796" y1="51261" x2="63443" y2="48529"/>
-                        <a14:foregroundMark x1="60656" y1="60294" x2="62796" y2="51261"/>
-                        <a14:foregroundMark x1="69164" y1="53571" x2="69016" y2="53782"/>
-                        <a14:foregroundMark x1="70341" y1="51889" x2="69164" y2="53571"/>
-                        <a14:foregroundMark x1="73279" y1="47689" x2="70998" y2="50950"/>
-                        <a14:foregroundMark x1="69016" y1="53782" x2="71555" y2="53439"/>
-                        <a14:foregroundMark x1="75237" y1="52698" x2="75082" y2="48529"/>
-                        <a14:foregroundMark x1="79672" y1="48529" x2="77869" y2="56723"/>
-                        <a14:foregroundMark x1="77869" y1="56723" x2="80164" y2="53782"/>
-                        <a14:foregroundMark x1="90164" y1="48319" x2="87705" y2="58613"/>
-                        <a14:foregroundMark x1="91963" y1="56723" x2="91803" y2="57353"/>
-                        <a14:foregroundMark x1="92176" y1="55882" x2="91963" y2="56723"/>
-                        <a14:foregroundMark x1="92336" y1="55252" x2="92176" y2="55882"/>
-                        <a14:foregroundMark x1="92742" y1="53649" x2="92336" y2="55252"/>
-                        <a14:foregroundMark x1="93934" y1="48950" x2="93254" y2="51631"/>
-                        <a14:foregroundMark x1="96231" y1="54832" x2="97705" y2="53992"/>
-                        <a14:foregroundMark x1="95490" y1="55254" x2="96231" y2="54832"/>
-                        <a14:foregroundMark x1="92909" y1="56723" x2="93478" y2="56399"/>
-                        <a14:foregroundMark x1="91803" y1="57353" x2="92909" y2="56723"/>
-                        <a14:foregroundMark x1="95104" y1="50052" x2="94098" y2="48529"/>
-                        <a14:foregroundMark x1="97427" y1="53571" x2="96996" y2="52918"/>
-                        <a14:foregroundMark x1="97705" y1="53992" x2="97427" y2="53571"/>
-                        <a14:foregroundMark x1="9344" y1="4832" x2="11311" y2="3571"/>
-                        <a14:backgroundMark x1="42131" y1="35504" x2="42131" y2="35504"/>
-                        <a14:backgroundMark x1="42951" y1="33613" x2="42459" y2="36765"/>
-                        <a14:backgroundMark x1="42295" y1="36975" x2="42131" y2="39496"/>
-                        <a14:backgroundMark x1="40984" y1="39496" x2="40984" y2="39496"/>
-                        <a14:backgroundMark x1="40984" y1="36765" x2="40984" y2="36765"/>
-                        <a14:backgroundMark x1="40984" y1="36765" x2="40984" y2="36765"/>
-                        <a14:backgroundMark x1="40984" y1="36765" x2="40984" y2="36765"/>
-                        <a14:backgroundMark x1="40820" y1="36765" x2="43770" y2="32563"/>
-                        <a14:backgroundMark x1="70820" y1="34034" x2="70492" y2="38025"/>
-                        <a14:backgroundMark x1="71475" y1="35924" x2="70492" y2="33193"/>
-                        <a14:backgroundMark x1="70820" y1="33193" x2="72295" y2="33193"/>
-                        <a14:backgroundMark x1="71967" y1="33613" x2="71639" y2="37185"/>
-                        <a14:backgroundMark x1="70656" y1="34034" x2="69344" y2="39286"/>
-                        <a14:backgroundMark x1="72951" y1="50630" x2="73770" y2="50630"/>
-                        <a14:backgroundMark x1="73279" y1="51891" x2="72787" y2="53782"/>
-                        <a14:backgroundMark x1="81639" y1="50000" x2="81803" y2="49790"/>
-                        <a14:backgroundMark x1="94426" y1="50630" x2="96230" y2="53571"/>
-                        <a14:backgroundMark x1="95246" y1="55462" x2="94918" y2="55462"/>
-                        <a14:backgroundMark x1="95246" y1="56303" x2="94426" y2="57353"/>
-                        <a14:backgroundMark x1="94426" y1="57353" x2="94426" y2="57353"/>
-                        <a14:backgroundMark x1="94426" y1="56723" x2="94426" y2="56723"/>
-                        <a14:backgroundMark x1="94754" y1="55882" x2="94754" y2="55882"/>
-                        <a14:backgroundMark x1="94754" y1="55882" x2="94754" y2="55882"/>
-                        <a14:backgroundMark x1="94754" y1="55882" x2="95410" y2="55462"/>
-                        <a14:backgroundMark x1="95410" y1="55252" x2="95410" y2="55252"/>
-                        <a14:backgroundMark x1="95410" y1="55252" x2="95410" y2="55252"/>
-                        <a14:backgroundMark x1="95902" y1="55252" x2="95902" y2="55252"/>
-                        <a14:backgroundMark x1="96066" y1="54832" x2="96066" y2="54832"/>
-                        <a14:backgroundMark x1="96066" y1="54832" x2="96066" y2="54832"/>
-                        <a14:backgroundMark x1="96230" y1="53571" x2="96230" y2="53571"/>
-                        <a14:backgroundMark x1="96230" y1="53571" x2="96230" y2="53571"/>
-                        <a14:backgroundMark x1="57541" y1="51261" x2="55738" y2="56092"/>
-                        <a14:backgroundMark x1="58033" y1="50210" x2="58033" y2="50210"/>
-                        <a14:backgroundMark x1="57541" y1="51050" x2="57541" y2="51050"/>
-                        <a14:backgroundMark x1="55410" y1="55882" x2="55902" y2="57563"/>
-                        <a14:backgroundMark x1="64918" y1="51261" x2="64918" y2="51261"/>
-                        <a14:backgroundMark x1="71639" y1="53571" x2="71639" y2="53571"/>
-                        <a14:backgroundMark x1="71148" y1="53571" x2="71148" y2="53571"/>
-                        <a14:backgroundMark x1="71148" y1="53571" x2="71148" y2="53571"/>
-                        <a14:backgroundMark x1="71148" y1="53571" x2="71148" y2="53571"/>
-                        <a14:backgroundMark x1="50164" y1="38866" x2="52951" y2="38866"/>
-                        <a14:backgroundMark x1="50820" y1="32563" x2="51803" y2="32563"/>
-                        <a14:backgroundMark x1="50492" y1="37605" x2="50492" y2="37605"/>
-                        <a14:backgroundMark x1="51475" y1="37605" x2="51475" y2="37605"/>
-                        <a14:backgroundMark x1="51639" y1="38025" x2="51639" y2="38025"/>
-                        <a14:backgroundMark x1="51803" y1="38025" x2="49508" y2="38445"/>
-                        <a14:backgroundMark x1="45246" y1="54412" x2="45246" y2="54412"/>
-                        <a14:backgroundMark x1="45082" y1="53782" x2="45082" y2="53782"/>
-                        <a14:backgroundMark x1="44918" y1="54412" x2="44918" y2="54412"/>
-                        <a14:backgroundMark x1="44754" y1="54832" x2="44754" y2="54832"/>
-                      </a14:backgroundRemoval>
-                    </a14:imgEffect>
-                  </a14:imgLayer>
-                </a14:imgProps>
-              </a:ext>
-            </a:extLst>
-          </a:blip>
-          <a:srcRect r="2" b="2943"/>
-          <a:stretch/>
+        <p:blipFill>
+          <a:blip r:embed="rId2"/>
+          <a:stretch>
+            <a:fillRect/>
+          </a:stretch>
         </p:blipFill>
         <p:spPr>
           <a:xfrm>
-            <a:off x="446534" y="723899"/>
-            <a:ext cx="7498616" cy="5676901"/>
+            <a:off x="446534" y="750368"/>
+            <a:ext cx="7498616" cy="5623962"/>
           </a:xfrm>
           <a:prstGeom prst="rect">
             <a:avLst/>
@@ -5345,13 +5426,13 @@
   <p:clrMapOvr>
     <a:masterClrMapping/>
   </p:clrMapOvr>
-  <mc:AlternateContent xmlns:mc="http://schemas.openxmlformats.org/markup-compatibility/2006">
-    <mc:Choice xmlns:p159="http://schemas.microsoft.com/office/powerpoint/2015/09/main" Requires="p159">
+  <mc:AlternateContent xmlns:mc="http://schemas.openxmlformats.org/markup-compatibility/2006" xmlns:p159="http://schemas.microsoft.com/office/powerpoint/2015/09/main">
+    <mc:Choice Requires="p159">
       <p:transition xmlns:p14="http://schemas.microsoft.com/office/powerpoint/2010/main" spd="slow" p14:dur="2000">
         <p159:morph option="byObject"/>
       </p:transition>
     </mc:Choice>
-    <mc:Fallback>
+    <mc:Fallback xmlns="">
       <p:transition spd="slow">
         <p:fade/>
       </p:transition>
@@ -5385,66 +5466,6 @@
           <a:chExt cx="0" cy="0"/>
         </a:xfrm>
       </p:grpSpPr>
-      <p:sp useBgFill="1">
-        <p:nvSpPr>
-          <p:cNvPr id="66" name="Rectangle 65">
-            <a:extLst>
-              <a:ext uri="{FF2B5EF4-FFF2-40B4-BE49-F238E27FC236}">
-                <a16:creationId xmlns:a16="http://schemas.microsoft.com/office/drawing/2014/main" id="{4AE9D071-98CF-435C-BD2B-976514544DC5}"/>
-              </a:ext>
-              <a:ext uri="{C183D7F6-B498-43B3-948B-1728B52AA6E4}">
-                <adec:decorative xmlns:adec="http://schemas.microsoft.com/office/drawing/2017/decorative" val="1"/>
-              </a:ext>
-            </a:extLst>
-          </p:cNvPr>
-          <p:cNvSpPr>
-            <a:spLocks noGrp="1" noRot="1" noChangeAspect="1" noMove="1" noResize="1" noEditPoints="1" noAdjustHandles="1" noChangeArrowheads="1" noChangeShapeType="1" noTextEdit="1"/>
-          </p:cNvSpPr>
-          <p:nvPr>
-            <p:extLst>
-              <p:ext uri="{386F3935-93C4-4BCD-93E2-E3B085C9AB24}">
-                <p16:designElem xmlns:p16="http://schemas.microsoft.com/office/powerpoint/2015/main" val="1"/>
-              </p:ext>
-            </p:extLst>
-          </p:nvPr>
-        </p:nvSpPr>
-        <p:spPr>
-          <a:xfrm>
-            <a:off x="0" y="0"/>
-            <a:ext cx="12192000" cy="6858000"/>
-          </a:xfrm>
-          <a:prstGeom prst="rect">
-            <a:avLst/>
-          </a:prstGeom>
-          <a:ln>
-            <a:noFill/>
-          </a:ln>
-        </p:spPr>
-        <p:style>
-          <a:lnRef idx="2">
-            <a:schemeClr val="accent1">
-              <a:shade val="50000"/>
-            </a:schemeClr>
-          </a:lnRef>
-          <a:fillRef idx="1">
-            <a:schemeClr val="accent1"/>
-          </a:fillRef>
-          <a:effectRef idx="0">
-            <a:schemeClr val="accent1"/>
-          </a:effectRef>
-          <a:fontRef idx="minor">
-            <a:schemeClr val="lt1"/>
-          </a:fontRef>
-        </p:style>
-        <p:txBody>
-          <a:bodyPr rtlCol="0" anchor="ctr"/>
-          <a:lstStyle/>
-          <a:p>
-            <a:pPr algn="ctr"/>
-            <a:endParaRPr lang="en-US"/>
-          </a:p>
-        </p:txBody>
-      </p:sp>
       <p:pic>
         <p:nvPicPr>
           <p:cNvPr id="61" name="Picture 60">
@@ -5461,153 +5482,17 @@
         </p:nvPicPr>
         <p:blipFill rotWithShape="1">
           <a:blip r:embed="rId2">
-            <a:extLst>
-              <a:ext uri="{BEBA8EAE-BF5A-486C-A8C5-ECC9F3942E4B}">
-                <a14:imgProps xmlns:a14="http://schemas.microsoft.com/office/drawing/2010/main">
-                  <a14:imgLayer r:embed="rId3">
-                    <a14:imgEffect>
-                      <a14:backgroundRemoval t="3571" b="94958" l="3607" r="97705">
-                        <a14:foregroundMark x1="21148" y1="21429" x2="21148" y2="21429"/>
-                        <a14:foregroundMark x1="13770" y1="12395" x2="20164" y2="25420"/>
-                        <a14:foregroundMark x1="16721" y1="21849" x2="32459" y2="51681"/>
-                        <a14:foregroundMark x1="32131" y1="52521" x2="34262" y2="52521"/>
-                        <a14:foregroundMark x1="22951" y1="37605" x2="16230" y2="38866"/>
-                        <a14:foregroundMark x1="16230" y1="38866" x2="10164" y2="43277"/>
-                        <a14:foregroundMark x1="10164" y1="43277" x2="4754" y2="59244"/>
-                        <a14:foregroundMark x1="4754" y1="59244" x2="4918" y2="68067"/>
-                        <a14:foregroundMark x1="4918" y1="68067" x2="7541" y2="77521"/>
-                        <a14:foregroundMark x1="7541" y1="77521" x2="15082" y2="82143"/>
-                        <a14:foregroundMark x1="15082" y1="82143" x2="23115" y2="83824"/>
-                        <a14:foregroundMark x1="23115" y1="83824" x2="31148" y2="80462"/>
-                        <a14:foregroundMark x1="31148" y1="80462" x2="37049" y2="73109"/>
-                        <a14:foregroundMark x1="37049" y1="73109" x2="37213" y2="72479"/>
-                        <a14:foregroundMark x1="3770" y1="52941" x2="3770" y2="56933"/>
-                        <a14:foregroundMark x1="8852" y1="5462" x2="11639" y2="6933"/>
-                        <a14:foregroundMark x1="17541" y1="89076" x2="15738" y2="95168"/>
-                        <a14:foregroundMark x1="43279" y1="52521" x2="43279" y2="52521"/>
-                        <a14:foregroundMark x1="43115" y1="29412" x2="40984" y2="30462"/>
-                        <a14:foregroundMark x1="40607" y1="39334" x2="40492" y2="40546"/>
-                        <a14:foregroundMark x1="41311" y1="31933" x2="41193" y2="33168"/>
-                        <a14:foregroundMark x1="40492" y1="40546" x2="41320" y2="39410"/>
-                        <a14:foregroundMark x1="43463" y1="31224" x2="43279" y2="30882"/>
-                        <a14:foregroundMark x1="45082" y1="34244" x2="43925" y2="32086"/>
-                        <a14:foregroundMark x1="49090" y1="38025" x2="49016" y2="40126"/>
-                        <a14:foregroundMark x1="49105" y1="37605" x2="49090" y2="38025"/>
-                        <a14:foregroundMark x1="49344" y1="30882" x2="49188" y2="35284"/>
-                        <a14:foregroundMark x1="50373" y1="35406" x2="51311" y2="32143"/>
-                        <a14:foregroundMark x1="49016" y1="40126" x2="49502" y2="38434"/>
-                        <a14:foregroundMark x1="51983" y1="38025" x2="52295" y2="40756"/>
-                        <a14:foregroundMark x1="51935" y1="37605" x2="51983" y2="38025"/>
-                        <a14:foregroundMark x1="51442" y1="33290" x2="51935" y2="37605"/>
-                        <a14:foregroundMark x1="50950" y1="41085" x2="48852" y2="41597"/>
-                        <a14:foregroundMark x1="56393" y1="31303" x2="56885" y2="39496"/>
-                        <a14:foregroundMark x1="56885" y1="39496" x2="58852" y2="35714"/>
-                        <a14:foregroundMark x1="65574" y1="30252" x2="66721" y2="30252"/>
-                        <a14:foregroundMark x1="61311" y1="42017" x2="64262" y2="41807"/>
-                        <a14:foregroundMark x1="62951" y1="41807" x2="64590" y2="33403"/>
-                        <a14:foregroundMark x1="64590" y1="33403" x2="66066" y2="30042"/>
-                        <a14:foregroundMark x1="70106" y1="31854" x2="69340" y2="33219"/>
-                        <a14:foregroundMark x1="71475" y1="29412" x2="70194" y2="31696"/>
-                        <a14:foregroundMark x1="72193" y1="30429" x2="71803" y2="29622"/>
-                        <a14:foregroundMark x1="73869" y1="33899" x2="72920" y2="31935"/>
-                        <a14:foregroundMark x1="73139" y1="33789" x2="73607" y2="33613"/>
-                        <a14:foregroundMark x1="71582" y1="40174" x2="71148" y2="41176"/>
-                        <a14:foregroundMark x1="74426" y1="33613" x2="74276" y2="33960"/>
-                        <a14:foregroundMark x1="71148" y1="41176" x2="68033" y2="38655"/>
-                        <a14:foregroundMark x1="39508" y1="58613" x2="41967" y2="51050"/>
-                        <a14:foregroundMark x1="45136" y1="54832" x2="46721" y2="56723"/>
-                        <a14:foregroundMark x1="44784" y1="54412" x2="45136" y2="54832"/>
-                        <a14:foregroundMark x1="44256" y1="53782" x2="44784" y2="54412"/>
-                        <a14:foregroundMark x1="41967" y1="51050" x2="44256" y2="53782"/>
-                        <a14:foregroundMark x1="46721" y1="56723" x2="46393" y2="57983"/>
-                        <a14:foregroundMark x1="50984" y1="48319" x2="53115" y2="48319"/>
-                        <a14:foregroundMark x1="52295" y1="48319" x2="49016" y2="59664"/>
-                        <a14:foregroundMark x1="57705" y1="51050" x2="57492" y2="51232"/>
-                        <a14:foregroundMark x1="58688" y1="50210" x2="57705" y2="51050"/>
-                        <a14:foregroundMark x1="59180" y1="49790" x2="58688" y2="50210"/>
-                        <a14:foregroundMark x1="56407" y1="57330" x2="57377" y2="58403"/>
-                        <a14:foregroundMark x1="54809" y1="55562" x2="55190" y2="55983"/>
-                        <a14:foregroundMark x1="62796" y1="51261" x2="63443" y2="48529"/>
-                        <a14:foregroundMark x1="60656" y1="60294" x2="62796" y2="51261"/>
-                        <a14:foregroundMark x1="69164" y1="53571" x2="69016" y2="53782"/>
-                        <a14:foregroundMark x1="70341" y1="51889" x2="69164" y2="53571"/>
-                        <a14:foregroundMark x1="73279" y1="47689" x2="70998" y2="50950"/>
-                        <a14:foregroundMark x1="69016" y1="53782" x2="71555" y2="53439"/>
-                        <a14:foregroundMark x1="75237" y1="52698" x2="75082" y2="48529"/>
-                        <a14:foregroundMark x1="79672" y1="48529" x2="77869" y2="56723"/>
-                        <a14:foregroundMark x1="77869" y1="56723" x2="80164" y2="53782"/>
-                        <a14:foregroundMark x1="90164" y1="48319" x2="87705" y2="58613"/>
-                        <a14:foregroundMark x1="91963" y1="56723" x2="91803" y2="57353"/>
-                        <a14:foregroundMark x1="92176" y1="55882" x2="91963" y2="56723"/>
-                        <a14:foregroundMark x1="92336" y1="55252" x2="92176" y2="55882"/>
-                        <a14:foregroundMark x1="92742" y1="53649" x2="92336" y2="55252"/>
-                        <a14:foregroundMark x1="93934" y1="48950" x2="93254" y2="51631"/>
-                        <a14:foregroundMark x1="96231" y1="54832" x2="97705" y2="53992"/>
-                        <a14:foregroundMark x1="95490" y1="55254" x2="96231" y2="54832"/>
-                        <a14:foregroundMark x1="92909" y1="56723" x2="93478" y2="56399"/>
-                        <a14:foregroundMark x1="91803" y1="57353" x2="92909" y2="56723"/>
-                        <a14:foregroundMark x1="95104" y1="50052" x2="94098" y2="48529"/>
-                        <a14:foregroundMark x1="97427" y1="53571" x2="96996" y2="52918"/>
-                        <a14:foregroundMark x1="97705" y1="53992" x2="97427" y2="53571"/>
-                        <a14:foregroundMark x1="9344" y1="4832" x2="11311" y2="3571"/>
-                        <a14:backgroundMark x1="42131" y1="35504" x2="42131" y2="35504"/>
-                        <a14:backgroundMark x1="42951" y1="33613" x2="42459" y2="36765"/>
-                        <a14:backgroundMark x1="42295" y1="36975" x2="42131" y2="39496"/>
-                        <a14:backgroundMark x1="40984" y1="39496" x2="40984" y2="39496"/>
-                        <a14:backgroundMark x1="40984" y1="36765" x2="40984" y2="36765"/>
-                        <a14:backgroundMark x1="40984" y1="36765" x2="40984" y2="36765"/>
-                        <a14:backgroundMark x1="40984" y1="36765" x2="40984" y2="36765"/>
-                        <a14:backgroundMark x1="40820" y1="36765" x2="43770" y2="32563"/>
-                        <a14:backgroundMark x1="70820" y1="34034" x2="70492" y2="38025"/>
-                        <a14:backgroundMark x1="71475" y1="35924" x2="70492" y2="33193"/>
-                        <a14:backgroundMark x1="70820" y1="33193" x2="72295" y2="33193"/>
-                        <a14:backgroundMark x1="71967" y1="33613" x2="71639" y2="37185"/>
-                        <a14:backgroundMark x1="70656" y1="34034" x2="69344" y2="39286"/>
-                        <a14:backgroundMark x1="72951" y1="50630" x2="73770" y2="50630"/>
-                        <a14:backgroundMark x1="73279" y1="51891" x2="72787" y2="53782"/>
-                        <a14:backgroundMark x1="81639" y1="50000" x2="81803" y2="49790"/>
-                        <a14:backgroundMark x1="94426" y1="50630" x2="96230" y2="53571"/>
-                        <a14:backgroundMark x1="95246" y1="55462" x2="94918" y2="55462"/>
-                        <a14:backgroundMark x1="95246" y1="56303" x2="94426" y2="57353"/>
-                        <a14:backgroundMark x1="94426" y1="57353" x2="94426" y2="57353"/>
-                        <a14:backgroundMark x1="94426" y1="56723" x2="94426" y2="56723"/>
-                        <a14:backgroundMark x1="94754" y1="55882" x2="94754" y2="55882"/>
-                        <a14:backgroundMark x1="94754" y1="55882" x2="94754" y2="55882"/>
-                        <a14:backgroundMark x1="94754" y1="55882" x2="95410" y2="55462"/>
-                        <a14:backgroundMark x1="95410" y1="55252" x2="95410" y2="55252"/>
-                        <a14:backgroundMark x1="95410" y1="55252" x2="95410" y2="55252"/>
-                        <a14:backgroundMark x1="95902" y1="55252" x2="95902" y2="55252"/>
-                        <a14:backgroundMark x1="96066" y1="54832" x2="96066" y2="54832"/>
-                        <a14:backgroundMark x1="96066" y1="54832" x2="96066" y2="54832"/>
-                        <a14:backgroundMark x1="96230" y1="53571" x2="96230" y2="53571"/>
-                        <a14:backgroundMark x1="96230" y1="53571" x2="96230" y2="53571"/>
-                        <a14:backgroundMark x1="57541" y1="51261" x2="55738" y2="56092"/>
-                        <a14:backgroundMark x1="58033" y1="50210" x2="58033" y2="50210"/>
-                        <a14:backgroundMark x1="57541" y1="51050" x2="57541" y2="51050"/>
-                        <a14:backgroundMark x1="55410" y1="55882" x2="55902" y2="57563"/>
-                        <a14:backgroundMark x1="64918" y1="51261" x2="64918" y2="51261"/>
-                        <a14:backgroundMark x1="71639" y1="53571" x2="71639" y2="53571"/>
-                        <a14:backgroundMark x1="71148" y1="53571" x2="71148" y2="53571"/>
-                        <a14:backgroundMark x1="71148" y1="53571" x2="71148" y2="53571"/>
-                        <a14:backgroundMark x1="71148" y1="53571" x2="71148" y2="53571"/>
-                        <a14:backgroundMark x1="50164" y1="38866" x2="52951" y2="38866"/>
-                        <a14:backgroundMark x1="50820" y1="32563" x2="51803" y2="32563"/>
-                        <a14:backgroundMark x1="50492" y1="37605" x2="50492" y2="37605"/>
-                        <a14:backgroundMark x1="51475" y1="37605" x2="51475" y2="37605"/>
-                        <a14:backgroundMark x1="51639" y1="38025" x2="51639" y2="38025"/>
-                        <a14:backgroundMark x1="51803" y1="38025" x2="49508" y2="38445"/>
-                        <a14:backgroundMark x1="45246" y1="54412" x2="45246" y2="54412"/>
-                        <a14:backgroundMark x1="45082" y1="53782" x2="45082" y2="53782"/>
-                        <a14:backgroundMark x1="44918" y1="54412" x2="44918" y2="54412"/>
-                        <a14:backgroundMark x1="44754" y1="54832" x2="44754" y2="54832"/>
-                      </a14:backgroundRemoval>
-                    </a14:imgEffect>
-                  </a14:imgLayer>
-                </a14:imgProps>
-              </a:ext>
-            </a:extLst>
+            <a:duotone>
+              <a:schemeClr val="bg2">
+                <a:shade val="45000"/>
+                <a:satMod val="135000"/>
+              </a:schemeClr>
+              <a:prstClr val="white"/>
+            </a:duotone>
+            <a:alphaModFix amt="35000"/>
+            <a:extLst/>
           </a:blip>
-          <a:srcRect b="27885"/>
+          <a:srcRect t="3006" b="21994"/>
           <a:stretch/>
         </p:blipFill>
         <p:spPr>
@@ -5620,196 +5505,6 @@
           </a:prstGeom>
         </p:spPr>
       </p:pic>
-      <p:grpSp>
-        <p:nvGrpSpPr>
-          <p:cNvPr id="68" name="Group 67">
-            <a:extLst>
-              <a:ext uri="{FF2B5EF4-FFF2-40B4-BE49-F238E27FC236}">
-                <a16:creationId xmlns:a16="http://schemas.microsoft.com/office/drawing/2014/main" id="{D619FC33-16ED-4246-9596-BEFEB55E4CF6}"/>
-              </a:ext>
-              <a:ext uri="{C183D7F6-B498-43B3-948B-1728B52AA6E4}">
-                <adec:decorative xmlns:adec="http://schemas.microsoft.com/office/drawing/2017/decorative" val="1"/>
-              </a:ext>
-            </a:extLst>
-          </p:cNvPr>
-          <p:cNvGrpSpPr>
-            <a:grpSpLocks noGrp="1" noUngrp="1" noRot="1" noChangeAspect="1" noMove="1" noResize="1"/>
-          </p:cNvGrpSpPr>
-          <p:nvPr>
-            <p:extLst>
-              <p:ext uri="{386F3935-93C4-4BCD-93E2-E3B085C9AB24}">
-                <p16:designElem xmlns:p16="http://schemas.microsoft.com/office/powerpoint/2015/main" val="1"/>
-              </p:ext>
-            </p:extLst>
-          </p:nvPr>
-        </p:nvGrpSpPr>
-        <p:grpSpPr>
-          <a:xfrm>
-            <a:off x="438067" y="457200"/>
-            <a:ext cx="7507083" cy="5935132"/>
-            <a:chOff x="438067" y="457200"/>
-            <a:chExt cx="7507083" cy="5935132"/>
-          </a:xfrm>
-        </p:grpSpPr>
-        <p:sp>
-          <p:nvSpPr>
-            <p:cNvPr id="69" name="Rectangle 68">
-              <a:extLst>
-                <a:ext uri="{FF2B5EF4-FFF2-40B4-BE49-F238E27FC236}">
-                  <a16:creationId xmlns:a16="http://schemas.microsoft.com/office/drawing/2014/main" id="{2EEA80E1-F99F-4009-837F-2F72F8A5D580}"/>
-                </a:ext>
-                <a:ext uri="{C183D7F6-B498-43B3-948B-1728B52AA6E4}">
-                  <adec:decorative xmlns:adec="http://schemas.microsoft.com/office/drawing/2017/decorative" val="1"/>
-                </a:ext>
-              </a:extLst>
-            </p:cNvPr>
-            <p:cNvSpPr/>
-            <p:nvPr>
-              <p:extLst>
-                <p:ext uri="{386F3935-93C4-4BCD-93E2-E3B085C9AB24}">
-                  <p16:designElem xmlns:p16="http://schemas.microsoft.com/office/powerpoint/2015/main" val="1"/>
-                </p:ext>
-              </p:extLst>
-            </p:nvPr>
-          </p:nvSpPr>
-          <p:spPr>
-            <a:xfrm>
-              <a:off x="438067" y="618067"/>
-              <a:ext cx="7503665" cy="5774265"/>
-            </a:xfrm>
-            <a:prstGeom prst="rect">
-              <a:avLst/>
-            </a:prstGeom>
-            <a:solidFill>
-              <a:schemeClr val="accent1">
-                <a:alpha val="97000"/>
-              </a:schemeClr>
-            </a:solidFill>
-            <a:ln w="6350" cmpd="sng">
-              <a:noFill/>
-            </a:ln>
-            <a:effectLst/>
-          </p:spPr>
-          <p:style>
-            <a:lnRef idx="1">
-              <a:schemeClr val="accent1"/>
-            </a:lnRef>
-            <a:fillRef idx="3">
-              <a:schemeClr val="accent1"/>
-            </a:fillRef>
-            <a:effectRef idx="2">
-              <a:schemeClr val="accent1"/>
-            </a:effectRef>
-            <a:fontRef idx="minor">
-              <a:schemeClr val="lt1"/>
-            </a:fontRef>
-          </p:style>
-        </p:sp>
-        <p:sp>
-          <p:nvSpPr>
-            <p:cNvPr id="70" name="Rectangle 69">
-              <a:extLst>
-                <a:ext uri="{FF2B5EF4-FFF2-40B4-BE49-F238E27FC236}">
-                  <a16:creationId xmlns:a16="http://schemas.microsoft.com/office/drawing/2014/main" id="{0230AF9A-4641-4BD8-9F95-9607CD304039}"/>
-                </a:ext>
-                <a:ext uri="{C183D7F6-B498-43B3-948B-1728B52AA6E4}">
-                  <adec:decorative xmlns:adec="http://schemas.microsoft.com/office/drawing/2017/decorative" val="1"/>
-                </a:ext>
-              </a:extLst>
-            </p:cNvPr>
-            <p:cNvSpPr/>
-            <p:nvPr>
-              <p:extLst>
-                <p:ext uri="{386F3935-93C4-4BCD-93E2-E3B085C9AB24}">
-                  <p16:designElem xmlns:p16="http://schemas.microsoft.com/office/powerpoint/2015/main" val="1"/>
-                </p:ext>
-              </p:extLst>
-            </p:nvPr>
-          </p:nvSpPr>
-          <p:spPr>
-            <a:xfrm>
-              <a:off x="438068" y="457200"/>
-              <a:ext cx="3703320" cy="94997"/>
-            </a:xfrm>
-            <a:prstGeom prst="rect">
-              <a:avLst/>
-            </a:prstGeom>
-            <a:solidFill>
-              <a:schemeClr val="accent1"/>
-            </a:solidFill>
-            <a:ln>
-              <a:noFill/>
-            </a:ln>
-            <a:effectLst/>
-          </p:spPr>
-          <p:style>
-            <a:lnRef idx="1">
-              <a:schemeClr val="accent1"/>
-            </a:lnRef>
-            <a:fillRef idx="3">
-              <a:schemeClr val="accent1"/>
-            </a:fillRef>
-            <a:effectRef idx="2">
-              <a:schemeClr val="accent1"/>
-            </a:effectRef>
-            <a:fontRef idx="minor">
-              <a:schemeClr val="lt1"/>
-            </a:fontRef>
-          </p:style>
-        </p:sp>
-        <p:sp>
-          <p:nvSpPr>
-            <p:cNvPr id="71" name="Rectangle 70">
-              <a:extLst>
-                <a:ext uri="{FF2B5EF4-FFF2-40B4-BE49-F238E27FC236}">
-                  <a16:creationId xmlns:a16="http://schemas.microsoft.com/office/drawing/2014/main" id="{8703D4EC-9389-41B6-B88B-B6FDC8CD3330}"/>
-                </a:ext>
-                <a:ext uri="{C183D7F6-B498-43B3-948B-1728B52AA6E4}">
-                  <adec:decorative xmlns:adec="http://schemas.microsoft.com/office/drawing/2017/decorative" val="1"/>
-                </a:ext>
-              </a:extLst>
-            </p:cNvPr>
-            <p:cNvSpPr/>
-            <p:nvPr>
-              <p:extLst>
-                <p:ext uri="{386F3935-93C4-4BCD-93E2-E3B085C9AB24}">
-                  <p16:designElem xmlns:p16="http://schemas.microsoft.com/office/powerpoint/2015/main" val="1"/>
-                </p:ext>
-              </p:extLst>
-            </p:nvPr>
-          </p:nvSpPr>
-          <p:spPr>
-            <a:xfrm>
-              <a:off x="4241830" y="457200"/>
-              <a:ext cx="3703320" cy="91440"/>
-            </a:xfrm>
-            <a:prstGeom prst="rect">
-              <a:avLst/>
-            </a:prstGeom>
-            <a:solidFill>
-              <a:schemeClr val="accent2"/>
-            </a:solidFill>
-            <a:ln>
-              <a:noFill/>
-            </a:ln>
-            <a:effectLst/>
-          </p:spPr>
-          <p:style>
-            <a:lnRef idx="1">
-              <a:schemeClr val="accent1"/>
-            </a:lnRef>
-            <a:fillRef idx="3">
-              <a:schemeClr val="accent1"/>
-            </a:fillRef>
-            <a:effectRef idx="2">
-              <a:schemeClr val="accent1"/>
-            </a:effectRef>
-            <a:fontRef idx="minor">
-              <a:schemeClr val="lt1"/>
-            </a:fontRef>
-          </p:style>
-        </p:sp>
-      </p:grpSp>
       <p:sp>
         <p:nvSpPr>
           <p:cNvPr id="2" name="Title 1">
@@ -5826,14 +5521,9 @@
             <p:ph type="title"/>
           </p:nvPr>
         </p:nvSpPr>
-        <p:spPr>
-          <a:xfrm>
-            <a:off x="584200" y="1006956"/>
-            <a:ext cx="7213600" cy="1372177"/>
-          </a:xfrm>
-        </p:spPr>
-        <p:txBody>
-          <a:bodyPr vert="horz" lIns="91440" tIns="45720" rIns="91440" bIns="45720" rtlCol="0" anchor="ctr">
+        <p:spPr/>
+        <p:txBody>
+          <a:bodyPr vert="horz" lIns="91440" tIns="45720" rIns="91440" bIns="45720" rtlCol="0">
             <a:normAutofit/>
           </a:bodyPr>
           <a:lstStyle/>
@@ -5865,12 +5555,7 @@
             <p:ph idx="1"/>
           </p:nvPr>
         </p:nvSpPr>
-        <p:spPr>
-          <a:xfrm>
-            <a:off x="581192" y="2438399"/>
-            <a:ext cx="7216607" cy="3564467"/>
-          </a:xfrm>
-        </p:spPr>
+        <p:spPr/>
         <p:txBody>
           <a:bodyPr vert="horz" lIns="91440" tIns="45720" rIns="91440" bIns="45720" rtlCol="0">
             <a:normAutofit/>
@@ -5878,15 +5563,364 @@
           <a:lstStyle/>
           <a:p>
             <a:r>
-              <a:rPr lang="en-US" sz="1800" kern="1200">
-                <a:solidFill>
-                  <a:schemeClr val="bg1"/>
-                </a:solidFill>
+              <a:rPr lang="en-US" sz="3200" kern="1200" dirty="0">
                 <a:latin typeface="+mn-lt"/>
                 <a:ea typeface="+mn-ea"/>
                 <a:cs typeface="+mn-cs"/>
               </a:rPr>
-              <a:t>El Proyecto Obvio Microbio está conformado por una simulación de un entorno en el cual van a existir una cantidad de variables que lo modifican, y dentro de ella, se van a agregar bacterias donde se podrá observar cómo son afectadas por esas variables y por su entorno. </a:t>
+              <a:t>El Proyecto </a:t>
+            </a:r>
+            <a:r>
+              <a:rPr lang="en-US" sz="3200" kern="1200" dirty="0" err="1">
+                <a:latin typeface="+mn-lt"/>
+                <a:ea typeface="+mn-ea"/>
+                <a:cs typeface="+mn-cs"/>
+              </a:rPr>
+              <a:t>Obvio</a:t>
+            </a:r>
+            <a:r>
+              <a:rPr lang="en-US" sz="3200" kern="1200" dirty="0">
+                <a:latin typeface="+mn-lt"/>
+                <a:ea typeface="+mn-ea"/>
+                <a:cs typeface="+mn-cs"/>
+              </a:rPr>
+              <a:t> </a:t>
+            </a:r>
+            <a:r>
+              <a:rPr lang="en-US" sz="3200" kern="1200" dirty="0" err="1">
+                <a:latin typeface="+mn-lt"/>
+                <a:ea typeface="+mn-ea"/>
+                <a:cs typeface="+mn-cs"/>
+              </a:rPr>
+              <a:t>Microbio</a:t>
+            </a:r>
+            <a:r>
+              <a:rPr lang="en-US" sz="3200" kern="1200" dirty="0">
+                <a:latin typeface="+mn-lt"/>
+                <a:ea typeface="+mn-ea"/>
+                <a:cs typeface="+mn-cs"/>
+              </a:rPr>
+              <a:t> </a:t>
+            </a:r>
+            <a:r>
+              <a:rPr lang="en-US" sz="3200" kern="1200" dirty="0" err="1">
+                <a:latin typeface="+mn-lt"/>
+                <a:ea typeface="+mn-ea"/>
+                <a:cs typeface="+mn-cs"/>
+              </a:rPr>
+              <a:t>está</a:t>
+            </a:r>
+            <a:r>
+              <a:rPr lang="en-US" sz="3200" kern="1200" dirty="0">
+                <a:latin typeface="+mn-lt"/>
+                <a:ea typeface="+mn-ea"/>
+                <a:cs typeface="+mn-cs"/>
+              </a:rPr>
+              <a:t> </a:t>
+            </a:r>
+            <a:r>
+              <a:rPr lang="en-US" sz="3200" kern="1200" dirty="0" err="1">
+                <a:latin typeface="+mn-lt"/>
+                <a:ea typeface="+mn-ea"/>
+                <a:cs typeface="+mn-cs"/>
+              </a:rPr>
+              <a:t>conformado</a:t>
+            </a:r>
+            <a:r>
+              <a:rPr lang="en-US" sz="3200" kern="1200" dirty="0">
+                <a:latin typeface="+mn-lt"/>
+                <a:ea typeface="+mn-ea"/>
+                <a:cs typeface="+mn-cs"/>
+              </a:rPr>
+              <a:t> por una </a:t>
+            </a:r>
+            <a:r>
+              <a:rPr lang="en-US" sz="3200" kern="1200" dirty="0" err="1">
+                <a:latin typeface="+mn-lt"/>
+                <a:ea typeface="+mn-ea"/>
+                <a:cs typeface="+mn-cs"/>
+              </a:rPr>
+              <a:t>simulación</a:t>
+            </a:r>
+            <a:r>
+              <a:rPr lang="en-US" sz="3200" kern="1200" dirty="0">
+                <a:latin typeface="+mn-lt"/>
+                <a:ea typeface="+mn-ea"/>
+                <a:cs typeface="+mn-cs"/>
+              </a:rPr>
+              <a:t> de un </a:t>
+            </a:r>
+            <a:r>
+              <a:rPr lang="en-US" sz="3200" kern="1200" dirty="0" err="1">
+                <a:latin typeface="+mn-lt"/>
+                <a:ea typeface="+mn-ea"/>
+                <a:cs typeface="+mn-cs"/>
+              </a:rPr>
+              <a:t>entorno</a:t>
+            </a:r>
+            <a:r>
+              <a:rPr lang="en-US" sz="3200" kern="1200" dirty="0">
+                <a:latin typeface="+mn-lt"/>
+                <a:ea typeface="+mn-ea"/>
+                <a:cs typeface="+mn-cs"/>
+              </a:rPr>
+              <a:t> </a:t>
+            </a:r>
+            <a:r>
+              <a:rPr lang="en-US" sz="3200" kern="1200" dirty="0" err="1">
+                <a:latin typeface="+mn-lt"/>
+                <a:ea typeface="+mn-ea"/>
+                <a:cs typeface="+mn-cs"/>
+              </a:rPr>
+              <a:t>en</a:t>
+            </a:r>
+            <a:r>
+              <a:rPr lang="en-US" sz="3200" kern="1200" dirty="0">
+                <a:latin typeface="+mn-lt"/>
+                <a:ea typeface="+mn-ea"/>
+                <a:cs typeface="+mn-cs"/>
+              </a:rPr>
+              <a:t> el </a:t>
+            </a:r>
+            <a:r>
+              <a:rPr lang="en-US" sz="3200" kern="1200" dirty="0" err="1">
+                <a:latin typeface="+mn-lt"/>
+                <a:ea typeface="+mn-ea"/>
+                <a:cs typeface="+mn-cs"/>
+              </a:rPr>
+              <a:t>cual</a:t>
+            </a:r>
+            <a:r>
+              <a:rPr lang="en-US" sz="3200" kern="1200" dirty="0">
+                <a:latin typeface="+mn-lt"/>
+                <a:ea typeface="+mn-ea"/>
+                <a:cs typeface="+mn-cs"/>
+              </a:rPr>
+              <a:t> van a </a:t>
+            </a:r>
+            <a:r>
+              <a:rPr lang="en-US" sz="3200" kern="1200" dirty="0" err="1">
+                <a:latin typeface="+mn-lt"/>
+                <a:ea typeface="+mn-ea"/>
+                <a:cs typeface="+mn-cs"/>
+              </a:rPr>
+              <a:t>existir</a:t>
+            </a:r>
+            <a:r>
+              <a:rPr lang="en-US" sz="3200" kern="1200" dirty="0">
+                <a:latin typeface="+mn-lt"/>
+                <a:ea typeface="+mn-ea"/>
+                <a:cs typeface="+mn-cs"/>
+              </a:rPr>
+              <a:t> una </a:t>
+            </a:r>
+            <a:r>
+              <a:rPr lang="en-US" sz="3200" kern="1200" dirty="0" err="1">
+                <a:latin typeface="+mn-lt"/>
+                <a:ea typeface="+mn-ea"/>
+                <a:cs typeface="+mn-cs"/>
+              </a:rPr>
+              <a:t>cantidad</a:t>
+            </a:r>
+            <a:r>
+              <a:rPr lang="en-US" sz="3200" kern="1200" dirty="0">
+                <a:latin typeface="+mn-lt"/>
+                <a:ea typeface="+mn-ea"/>
+                <a:cs typeface="+mn-cs"/>
+              </a:rPr>
+              <a:t> de variables que lo </a:t>
+            </a:r>
+            <a:r>
+              <a:rPr lang="en-US" sz="3200" kern="1200" dirty="0" err="1">
+                <a:latin typeface="+mn-lt"/>
+                <a:ea typeface="+mn-ea"/>
+                <a:cs typeface="+mn-cs"/>
+              </a:rPr>
+              <a:t>modifican</a:t>
+            </a:r>
+            <a:r>
+              <a:rPr lang="en-US" sz="3200" kern="1200" dirty="0">
+                <a:latin typeface="+mn-lt"/>
+                <a:ea typeface="+mn-ea"/>
+                <a:cs typeface="+mn-cs"/>
+              </a:rPr>
+              <a:t>, y dentro de </a:t>
+            </a:r>
+            <a:r>
+              <a:rPr lang="en-US" sz="3200" kern="1200" dirty="0" err="1">
+                <a:latin typeface="+mn-lt"/>
+                <a:ea typeface="+mn-ea"/>
+                <a:cs typeface="+mn-cs"/>
+              </a:rPr>
+              <a:t>ella</a:t>
+            </a:r>
+            <a:r>
+              <a:rPr lang="en-US" sz="3200" kern="1200" dirty="0">
+                <a:latin typeface="+mn-lt"/>
+                <a:ea typeface="+mn-ea"/>
+                <a:cs typeface="+mn-cs"/>
+              </a:rPr>
+              <a:t>, se van a </a:t>
+            </a:r>
+            <a:r>
+              <a:rPr lang="en-US" sz="3200" kern="1200" dirty="0" err="1">
+                <a:latin typeface="+mn-lt"/>
+                <a:ea typeface="+mn-ea"/>
+                <a:cs typeface="+mn-cs"/>
+              </a:rPr>
+              <a:t>agregar</a:t>
+            </a:r>
+            <a:r>
+              <a:rPr lang="en-US" sz="3200" kern="1200" dirty="0">
+                <a:latin typeface="+mn-lt"/>
+                <a:ea typeface="+mn-ea"/>
+                <a:cs typeface="+mn-cs"/>
+              </a:rPr>
+              <a:t> </a:t>
+            </a:r>
+            <a:r>
+              <a:rPr lang="en-US" sz="3200" kern="1200" dirty="0" err="1">
+                <a:latin typeface="+mn-lt"/>
+                <a:ea typeface="+mn-ea"/>
+                <a:cs typeface="+mn-cs"/>
+              </a:rPr>
+              <a:t>bacterias</a:t>
+            </a:r>
+            <a:r>
+              <a:rPr lang="en-US" sz="3200" kern="1200" dirty="0">
+                <a:latin typeface="+mn-lt"/>
+                <a:ea typeface="+mn-ea"/>
+                <a:cs typeface="+mn-cs"/>
+              </a:rPr>
+              <a:t> </a:t>
+            </a:r>
+            <a:r>
+              <a:rPr lang="en-US" sz="3200" kern="1200" dirty="0" err="1">
+                <a:latin typeface="+mn-lt"/>
+                <a:ea typeface="+mn-ea"/>
+                <a:cs typeface="+mn-cs"/>
+              </a:rPr>
+              <a:t>donde</a:t>
+            </a:r>
+            <a:r>
+              <a:rPr lang="en-US" sz="3200" kern="1200" dirty="0">
+                <a:latin typeface="+mn-lt"/>
+                <a:ea typeface="+mn-ea"/>
+                <a:cs typeface="+mn-cs"/>
+              </a:rPr>
+              <a:t> se </a:t>
+            </a:r>
+            <a:r>
+              <a:rPr lang="en-US" sz="3200" kern="1200" dirty="0" err="1">
+                <a:latin typeface="+mn-lt"/>
+                <a:ea typeface="+mn-ea"/>
+                <a:cs typeface="+mn-cs"/>
+              </a:rPr>
+              <a:t>podrá</a:t>
+            </a:r>
+            <a:r>
+              <a:rPr lang="en-US" sz="3200" kern="1200" dirty="0">
+                <a:latin typeface="+mn-lt"/>
+                <a:ea typeface="+mn-ea"/>
+                <a:cs typeface="+mn-cs"/>
+              </a:rPr>
+              <a:t> </a:t>
+            </a:r>
+            <a:r>
+              <a:rPr lang="en-US" sz="3200" kern="1200" dirty="0" err="1">
+                <a:latin typeface="+mn-lt"/>
+                <a:ea typeface="+mn-ea"/>
+                <a:cs typeface="+mn-cs"/>
+              </a:rPr>
+              <a:t>observar</a:t>
+            </a:r>
+            <a:r>
+              <a:rPr lang="en-US" sz="3200" kern="1200" dirty="0">
+                <a:latin typeface="+mn-lt"/>
+                <a:ea typeface="+mn-ea"/>
+                <a:cs typeface="+mn-cs"/>
+              </a:rPr>
+              <a:t> </a:t>
+            </a:r>
+            <a:r>
+              <a:rPr lang="en-US" sz="3200" kern="1200" dirty="0" err="1">
+                <a:latin typeface="+mn-lt"/>
+                <a:ea typeface="+mn-ea"/>
+                <a:cs typeface="+mn-cs"/>
+              </a:rPr>
+              <a:t>cómo</a:t>
+            </a:r>
+            <a:r>
+              <a:rPr lang="en-US" sz="3200" kern="1200" dirty="0">
+                <a:latin typeface="+mn-lt"/>
+                <a:ea typeface="+mn-ea"/>
+                <a:cs typeface="+mn-cs"/>
+              </a:rPr>
+              <a:t> son </a:t>
+            </a:r>
+            <a:r>
+              <a:rPr lang="en-US" sz="3200" kern="1200" dirty="0" err="1">
+                <a:latin typeface="+mn-lt"/>
+                <a:ea typeface="+mn-ea"/>
+                <a:cs typeface="+mn-cs"/>
+              </a:rPr>
+              <a:t>afectadas</a:t>
+            </a:r>
+            <a:r>
+              <a:rPr lang="en-US" sz="3200" kern="1200" dirty="0">
+                <a:latin typeface="+mn-lt"/>
+                <a:ea typeface="+mn-ea"/>
+                <a:cs typeface="+mn-cs"/>
+              </a:rPr>
+              <a:t> por </a:t>
+            </a:r>
+            <a:r>
+              <a:rPr lang="en-US" sz="3200" kern="1200" dirty="0" err="1">
+                <a:latin typeface="+mn-lt"/>
+                <a:ea typeface="+mn-ea"/>
+                <a:cs typeface="+mn-cs"/>
+              </a:rPr>
+              <a:t>esas</a:t>
+            </a:r>
+            <a:r>
+              <a:rPr lang="en-US" sz="3200" kern="1200" dirty="0">
+                <a:latin typeface="+mn-lt"/>
+                <a:ea typeface="+mn-ea"/>
+                <a:cs typeface="+mn-cs"/>
+              </a:rPr>
+              <a:t> variables y por </a:t>
+            </a:r>
+            <a:r>
+              <a:rPr lang="en-US" sz="3200" kern="1200" dirty="0" err="1">
+                <a:latin typeface="+mn-lt"/>
+                <a:ea typeface="+mn-ea"/>
+                <a:cs typeface="+mn-cs"/>
+              </a:rPr>
+              <a:t>su</a:t>
+            </a:r>
+            <a:r>
+              <a:rPr lang="en-US" sz="3200" kern="1200" dirty="0">
+                <a:latin typeface="+mn-lt"/>
+                <a:ea typeface="+mn-ea"/>
+                <a:cs typeface="+mn-cs"/>
+              </a:rPr>
+              <a:t> </a:t>
+            </a:r>
+            <a:r>
+              <a:rPr lang="en-US" sz="3200" kern="1200" dirty="0" err="1">
+                <a:latin typeface="+mn-lt"/>
+                <a:ea typeface="+mn-ea"/>
+                <a:cs typeface="+mn-cs"/>
+              </a:rPr>
+              <a:t>entorno</a:t>
+            </a:r>
+            <a:r>
+              <a:rPr lang="en-US" sz="3200" kern="1200" dirty="0">
+                <a:latin typeface="+mn-lt"/>
+                <a:ea typeface="+mn-ea"/>
+                <a:cs typeface="+mn-cs"/>
+              </a:rPr>
+              <a:t>. </a:t>
             </a:r>
           </a:p>
         </p:txBody>
@@ -6013,6 +6047,10 @@
           </a:bodyPr>
           <a:lstStyle/>
           <a:p>
+            <a:pPr marL="342900" indent="-342900">
+              <a:buFont typeface="+mj-lt"/>
+              <a:buAutoNum type="arabicPeriod"/>
+            </a:pPr>
             <a:r>
               <a:rPr lang="es-ES" dirty="0"/>
               <a:t>Modelar un ambiente controlado para visualizar por medio de una simulación programada, el comportamiento y desarrollo de cinco tipos de bacterias en condiciones variantes.</a:t>
@@ -6076,30 +6114,50 @@
           </a:bodyPr>
           <a:lstStyle/>
           <a:p>
+            <a:pPr marL="342900" indent="-342900">
+              <a:buFont typeface="+mj-lt"/>
+              <a:buAutoNum type="arabicPeriod"/>
+            </a:pPr>
             <a:r>
               <a:rPr lang="es-ES" dirty="0"/>
               <a:t>Simular la reacción de las bacterias al momento de experimentar un cambio en la acidez de su entorno, para así observar su comportamiento</a:t>
             </a:r>
           </a:p>
           <a:p>
+            <a:pPr marL="342900" indent="-342900">
+              <a:buFont typeface="+mj-lt"/>
+              <a:buAutoNum type="arabicPeriod"/>
+            </a:pPr>
             <a:r>
               <a:rPr lang="es-ES" dirty="0"/>
               <a:t>Analizar el comportamiento de las bacterias con respecto a un incremento o decremento en la humedad de su entorno, y poder observar su reacción</a:t>
             </a:r>
           </a:p>
           <a:p>
+            <a:pPr marL="342900" indent="-342900">
+              <a:buFont typeface="+mj-lt"/>
+              <a:buAutoNum type="arabicPeriod"/>
+            </a:pPr>
             <a:r>
               <a:rPr lang="es-ES" dirty="0"/>
               <a:t>Examinar la reacción de las bacterias al sufrir una variación en los niveles de oxígeno del entorno, para así observar su comportamiento</a:t>
             </a:r>
           </a:p>
           <a:p>
+            <a:pPr marL="342900" indent="-342900">
+              <a:buFont typeface="+mj-lt"/>
+              <a:buAutoNum type="arabicPeriod"/>
+            </a:pPr>
             <a:r>
               <a:rPr lang="es-ES" dirty="0"/>
               <a:t>Estudiar la reacción de las bacterias al contar con diferentes niveles de nutrientes en su entorno, para así observar su comportamiento</a:t>
             </a:r>
           </a:p>
           <a:p>
+            <a:pPr marL="342900" indent="-342900">
+              <a:buFont typeface="+mj-lt"/>
+              <a:buAutoNum type="arabicPeriod"/>
+            </a:pPr>
             <a:r>
               <a:rPr lang="es-ES" dirty="0"/>
               <a:t>Adaptar la simulación por medio de la modificación de las variables del entorno con controles de CP5 en tiempo real.</a:t>
@@ -6122,161 +6180,16 @@
           </p:cNvPicPr>
           <p:nvPr/>
         </p:nvPicPr>
-        <p:blipFill rotWithShape="1">
-          <a:blip r:embed="rId2">
-            <a:extLst>
-              <a:ext uri="{BEBA8EAE-BF5A-486C-A8C5-ECC9F3942E4B}">
-                <a14:imgProps xmlns:a14="http://schemas.microsoft.com/office/drawing/2010/main">
-                  <a14:imgLayer r:embed="rId3">
-                    <a14:imgEffect>
-                      <a14:backgroundRemoval t="3571" b="94958" l="3607" r="97705">
-                        <a14:foregroundMark x1="21148" y1="21429" x2="21148" y2="21429"/>
-                        <a14:foregroundMark x1="13770" y1="12395" x2="20164" y2="25420"/>
-                        <a14:foregroundMark x1="16721" y1="21849" x2="32459" y2="51681"/>
-                        <a14:foregroundMark x1="32131" y1="52521" x2="34262" y2="52521"/>
-                        <a14:foregroundMark x1="22951" y1="37605" x2="16230" y2="38866"/>
-                        <a14:foregroundMark x1="16230" y1="38866" x2="10164" y2="43277"/>
-                        <a14:foregroundMark x1="10164" y1="43277" x2="4754" y2="59244"/>
-                        <a14:foregroundMark x1="4754" y1="59244" x2="4918" y2="68067"/>
-                        <a14:foregroundMark x1="4918" y1="68067" x2="7541" y2="77521"/>
-                        <a14:foregroundMark x1="7541" y1="77521" x2="15082" y2="82143"/>
-                        <a14:foregroundMark x1="15082" y1="82143" x2="23115" y2="83824"/>
-                        <a14:foregroundMark x1="23115" y1="83824" x2="31148" y2="80462"/>
-                        <a14:foregroundMark x1="31148" y1="80462" x2="37049" y2="73109"/>
-                        <a14:foregroundMark x1="37049" y1="73109" x2="37213" y2="72479"/>
-                        <a14:foregroundMark x1="3770" y1="52941" x2="3770" y2="56933"/>
-                        <a14:foregroundMark x1="8852" y1="5462" x2="11639" y2="6933"/>
-                        <a14:foregroundMark x1="17541" y1="89076" x2="15738" y2="95168"/>
-                        <a14:foregroundMark x1="43279" y1="52521" x2="43279" y2="52521"/>
-                        <a14:foregroundMark x1="43115" y1="29412" x2="40984" y2="30462"/>
-                        <a14:foregroundMark x1="40607" y1="39334" x2="40492" y2="40546"/>
-                        <a14:foregroundMark x1="41311" y1="31933" x2="41193" y2="33168"/>
-                        <a14:foregroundMark x1="40492" y1="40546" x2="41320" y2="39410"/>
-                        <a14:foregroundMark x1="43463" y1="31224" x2="43279" y2="30882"/>
-                        <a14:foregroundMark x1="45082" y1="34244" x2="43925" y2="32086"/>
-                        <a14:foregroundMark x1="49090" y1="38025" x2="49016" y2="40126"/>
-                        <a14:foregroundMark x1="49105" y1="37605" x2="49090" y2="38025"/>
-                        <a14:foregroundMark x1="49344" y1="30882" x2="49188" y2="35284"/>
-                        <a14:foregroundMark x1="50373" y1="35406" x2="51311" y2="32143"/>
-                        <a14:foregroundMark x1="49016" y1="40126" x2="49502" y2="38434"/>
-                        <a14:foregroundMark x1="51983" y1="38025" x2="52295" y2="40756"/>
-                        <a14:foregroundMark x1="51935" y1="37605" x2="51983" y2="38025"/>
-                        <a14:foregroundMark x1="51442" y1="33290" x2="51935" y2="37605"/>
-                        <a14:foregroundMark x1="50950" y1="41085" x2="48852" y2="41597"/>
-                        <a14:foregroundMark x1="56393" y1="31303" x2="56885" y2="39496"/>
-                        <a14:foregroundMark x1="56885" y1="39496" x2="58852" y2="35714"/>
-                        <a14:foregroundMark x1="65574" y1="30252" x2="66721" y2="30252"/>
-                        <a14:foregroundMark x1="61311" y1="42017" x2="64262" y2="41807"/>
-                        <a14:foregroundMark x1="62951" y1="41807" x2="64590" y2="33403"/>
-                        <a14:foregroundMark x1="64590" y1="33403" x2="66066" y2="30042"/>
-                        <a14:foregroundMark x1="70106" y1="31854" x2="69340" y2="33219"/>
-                        <a14:foregroundMark x1="71475" y1="29412" x2="70194" y2="31696"/>
-                        <a14:foregroundMark x1="72193" y1="30429" x2="71803" y2="29622"/>
-                        <a14:foregroundMark x1="73869" y1="33899" x2="72920" y2="31935"/>
-                        <a14:foregroundMark x1="73139" y1="33789" x2="73607" y2="33613"/>
-                        <a14:foregroundMark x1="71582" y1="40174" x2="71148" y2="41176"/>
-                        <a14:foregroundMark x1="74426" y1="33613" x2="74276" y2="33960"/>
-                        <a14:foregroundMark x1="71148" y1="41176" x2="68033" y2="38655"/>
-                        <a14:foregroundMark x1="39508" y1="58613" x2="41967" y2="51050"/>
-                        <a14:foregroundMark x1="45136" y1="54832" x2="46721" y2="56723"/>
-                        <a14:foregroundMark x1="44784" y1="54412" x2="45136" y2="54832"/>
-                        <a14:foregroundMark x1="44256" y1="53782" x2="44784" y2="54412"/>
-                        <a14:foregroundMark x1="41967" y1="51050" x2="44256" y2="53782"/>
-                        <a14:foregroundMark x1="46721" y1="56723" x2="46393" y2="57983"/>
-                        <a14:foregroundMark x1="50984" y1="48319" x2="53115" y2="48319"/>
-                        <a14:foregroundMark x1="52295" y1="48319" x2="49016" y2="59664"/>
-                        <a14:foregroundMark x1="57705" y1="51050" x2="57492" y2="51232"/>
-                        <a14:foregroundMark x1="58688" y1="50210" x2="57705" y2="51050"/>
-                        <a14:foregroundMark x1="59180" y1="49790" x2="58688" y2="50210"/>
-                        <a14:foregroundMark x1="56407" y1="57330" x2="57377" y2="58403"/>
-                        <a14:foregroundMark x1="54809" y1="55562" x2="55190" y2="55983"/>
-                        <a14:foregroundMark x1="62796" y1="51261" x2="63443" y2="48529"/>
-                        <a14:foregroundMark x1="60656" y1="60294" x2="62796" y2="51261"/>
-                        <a14:foregroundMark x1="69164" y1="53571" x2="69016" y2="53782"/>
-                        <a14:foregroundMark x1="70341" y1="51889" x2="69164" y2="53571"/>
-                        <a14:foregroundMark x1="73279" y1="47689" x2="70998" y2="50950"/>
-                        <a14:foregroundMark x1="69016" y1="53782" x2="71555" y2="53439"/>
-                        <a14:foregroundMark x1="75237" y1="52698" x2="75082" y2="48529"/>
-                        <a14:foregroundMark x1="79672" y1="48529" x2="77869" y2="56723"/>
-                        <a14:foregroundMark x1="77869" y1="56723" x2="80164" y2="53782"/>
-                        <a14:foregroundMark x1="90164" y1="48319" x2="87705" y2="58613"/>
-                        <a14:foregroundMark x1="91963" y1="56723" x2="91803" y2="57353"/>
-                        <a14:foregroundMark x1="92176" y1="55882" x2="91963" y2="56723"/>
-                        <a14:foregroundMark x1="92336" y1="55252" x2="92176" y2="55882"/>
-                        <a14:foregroundMark x1="92742" y1="53649" x2="92336" y2="55252"/>
-                        <a14:foregroundMark x1="93934" y1="48950" x2="93254" y2="51631"/>
-                        <a14:foregroundMark x1="96231" y1="54832" x2="97705" y2="53992"/>
-                        <a14:foregroundMark x1="95490" y1="55254" x2="96231" y2="54832"/>
-                        <a14:foregroundMark x1="92909" y1="56723" x2="93478" y2="56399"/>
-                        <a14:foregroundMark x1="91803" y1="57353" x2="92909" y2="56723"/>
-                        <a14:foregroundMark x1="95104" y1="50052" x2="94098" y2="48529"/>
-                        <a14:foregroundMark x1="97427" y1="53571" x2="96996" y2="52918"/>
-                        <a14:foregroundMark x1="97705" y1="53992" x2="97427" y2="53571"/>
-                        <a14:foregroundMark x1="9344" y1="4832" x2="11311" y2="3571"/>
-                        <a14:backgroundMark x1="42131" y1="35504" x2="42131" y2="35504"/>
-                        <a14:backgroundMark x1="42951" y1="33613" x2="42459" y2="36765"/>
-                        <a14:backgroundMark x1="42295" y1="36975" x2="42131" y2="39496"/>
-                        <a14:backgroundMark x1="40984" y1="39496" x2="40984" y2="39496"/>
-                        <a14:backgroundMark x1="40984" y1="36765" x2="40984" y2="36765"/>
-                        <a14:backgroundMark x1="40984" y1="36765" x2="40984" y2="36765"/>
-                        <a14:backgroundMark x1="40984" y1="36765" x2="40984" y2="36765"/>
-                        <a14:backgroundMark x1="40820" y1="36765" x2="43770" y2="32563"/>
-                        <a14:backgroundMark x1="70820" y1="34034" x2="70492" y2="38025"/>
-                        <a14:backgroundMark x1="71475" y1="35924" x2="70492" y2="33193"/>
-                        <a14:backgroundMark x1="70820" y1="33193" x2="72295" y2="33193"/>
-                        <a14:backgroundMark x1="71967" y1="33613" x2="71639" y2="37185"/>
-                        <a14:backgroundMark x1="70656" y1="34034" x2="69344" y2="39286"/>
-                        <a14:backgroundMark x1="72951" y1="50630" x2="73770" y2="50630"/>
-                        <a14:backgroundMark x1="73279" y1="51891" x2="72787" y2="53782"/>
-                        <a14:backgroundMark x1="81639" y1="50000" x2="81803" y2="49790"/>
-                        <a14:backgroundMark x1="94426" y1="50630" x2="96230" y2="53571"/>
-                        <a14:backgroundMark x1="95246" y1="55462" x2="94918" y2="55462"/>
-                        <a14:backgroundMark x1="95246" y1="56303" x2="94426" y2="57353"/>
-                        <a14:backgroundMark x1="94426" y1="57353" x2="94426" y2="57353"/>
-                        <a14:backgroundMark x1="94426" y1="56723" x2="94426" y2="56723"/>
-                        <a14:backgroundMark x1="94754" y1="55882" x2="94754" y2="55882"/>
-                        <a14:backgroundMark x1="94754" y1="55882" x2="94754" y2="55882"/>
-                        <a14:backgroundMark x1="94754" y1="55882" x2="95410" y2="55462"/>
-                        <a14:backgroundMark x1="95410" y1="55252" x2="95410" y2="55252"/>
-                        <a14:backgroundMark x1="95410" y1="55252" x2="95410" y2="55252"/>
-                        <a14:backgroundMark x1="95902" y1="55252" x2="95902" y2="55252"/>
-                        <a14:backgroundMark x1="96066" y1="54832" x2="96066" y2="54832"/>
-                        <a14:backgroundMark x1="96066" y1="54832" x2="96066" y2="54832"/>
-                        <a14:backgroundMark x1="96230" y1="53571" x2="96230" y2="53571"/>
-                        <a14:backgroundMark x1="96230" y1="53571" x2="96230" y2="53571"/>
-                        <a14:backgroundMark x1="57541" y1="51261" x2="55738" y2="56092"/>
-                        <a14:backgroundMark x1="58033" y1="50210" x2="58033" y2="50210"/>
-                        <a14:backgroundMark x1="57541" y1="51050" x2="57541" y2="51050"/>
-                        <a14:backgroundMark x1="55410" y1="55882" x2="55902" y2="57563"/>
-                        <a14:backgroundMark x1="64918" y1="51261" x2="64918" y2="51261"/>
-                        <a14:backgroundMark x1="71639" y1="53571" x2="71639" y2="53571"/>
-                        <a14:backgroundMark x1="71148" y1="53571" x2="71148" y2="53571"/>
-                        <a14:backgroundMark x1="71148" y1="53571" x2="71148" y2="53571"/>
-                        <a14:backgroundMark x1="71148" y1="53571" x2="71148" y2="53571"/>
-                        <a14:backgroundMark x1="50164" y1="38866" x2="52951" y2="38866"/>
-                        <a14:backgroundMark x1="50820" y1="32563" x2="51803" y2="32563"/>
-                        <a14:backgroundMark x1="50492" y1="37605" x2="50492" y2="37605"/>
-                        <a14:backgroundMark x1="51475" y1="37605" x2="51475" y2="37605"/>
-                        <a14:backgroundMark x1="51639" y1="38025" x2="51639" y2="38025"/>
-                        <a14:backgroundMark x1="51803" y1="38025" x2="49508" y2="38445"/>
-                        <a14:backgroundMark x1="45246" y1="54412" x2="45246" y2="54412"/>
-                        <a14:backgroundMark x1="45082" y1="53782" x2="45082" y2="53782"/>
-                        <a14:backgroundMark x1="44918" y1="54412" x2="44918" y2="54412"/>
-                        <a14:backgroundMark x1="44754" y1="54832" x2="44754" y2="54832"/>
-                      </a14:backgroundRemoval>
-                    </a14:imgEffect>
-                  </a14:imgLayer>
-                </a14:imgProps>
-              </a:ext>
-            </a:extLst>
-          </a:blip>
-          <a:srcRect r="2" b="2943"/>
-          <a:stretch/>
+        <p:blipFill>
+          <a:blip r:embed="rId2"/>
+          <a:stretch>
+            <a:fillRect/>
+          </a:stretch>
         </p:blipFill>
         <p:spPr>
           <a:xfrm>
-            <a:off x="887219" y="4043500"/>
-            <a:ext cx="2753866" cy="2084842"/>
+            <a:off x="887219" y="4052661"/>
+            <a:ext cx="2753866" cy="2066519"/>
           </a:xfrm>
           <a:prstGeom prst="rect">
             <a:avLst/>
@@ -6293,13 +6206,13 @@
   <p:clrMapOvr>
     <a:masterClrMapping/>
   </p:clrMapOvr>
-  <mc:AlternateContent xmlns:mc="http://schemas.openxmlformats.org/markup-compatibility/2006">
-    <mc:Choice xmlns:p159="http://schemas.microsoft.com/office/powerpoint/2015/09/main" Requires="p159">
+  <mc:AlternateContent xmlns:mc="http://schemas.openxmlformats.org/markup-compatibility/2006" xmlns:p159="http://schemas.microsoft.com/office/powerpoint/2015/09/main">
+    <mc:Choice Requires="p159">
       <p:transition xmlns:p14="http://schemas.microsoft.com/office/powerpoint/2010/main" spd="slow" p14:dur="2000">
         <p159:morph option="byObject"/>
       </p:transition>
     </mc:Choice>
-    <mc:Fallback>
+    <mc:Fallback xmlns="">
       <p:transition spd="slow">
         <p:fade/>
       </p:transition>
@@ -6391,31 +6304,6 @@
           </a:p>
         </p:txBody>
       </p:sp>
-      <p:sp>
-        <p:nvSpPr>
-          <p:cNvPr id="12" name="Text Placeholder 11">
-            <a:extLst>
-              <a:ext uri="{FF2B5EF4-FFF2-40B4-BE49-F238E27FC236}">
-                <a16:creationId xmlns:a16="http://schemas.microsoft.com/office/drawing/2014/main" id="{7AA28FEA-A436-4D31-B02C-504862B03FCB}"/>
-              </a:ext>
-            </a:extLst>
-          </p:cNvPr>
-          <p:cNvSpPr>
-            <a:spLocks noGrp="1"/>
-          </p:cNvSpPr>
-          <p:nvPr>
-            <p:ph type="body" sz="half" idx="2"/>
-          </p:nvPr>
-        </p:nvSpPr>
-        <p:spPr/>
-        <p:txBody>
-          <a:bodyPr/>
-          <a:lstStyle/>
-          <a:p>
-            <a:endParaRPr lang="en-US"/>
-          </a:p>
-        </p:txBody>
-      </p:sp>
       <p:pic>
         <p:nvPicPr>
           <p:cNvPr id="9" name="Picture 8">
@@ -6430,161 +6318,16 @@
           </p:cNvPicPr>
           <p:nvPr/>
         </p:nvPicPr>
-        <p:blipFill rotWithShape="1">
-          <a:blip r:embed="rId2">
-            <a:extLst>
-              <a:ext uri="{BEBA8EAE-BF5A-486C-A8C5-ECC9F3942E4B}">
-                <a14:imgProps xmlns:a14="http://schemas.microsoft.com/office/drawing/2010/main">
-                  <a14:imgLayer r:embed="rId3">
-                    <a14:imgEffect>
-                      <a14:backgroundRemoval t="3571" b="94958" l="3607" r="97705">
-                        <a14:foregroundMark x1="21148" y1="21429" x2="21148" y2="21429"/>
-                        <a14:foregroundMark x1="13770" y1="12395" x2="20164" y2="25420"/>
-                        <a14:foregroundMark x1="16721" y1="21849" x2="32459" y2="51681"/>
-                        <a14:foregroundMark x1="32131" y1="52521" x2="34262" y2="52521"/>
-                        <a14:foregroundMark x1="22951" y1="37605" x2="16230" y2="38866"/>
-                        <a14:foregroundMark x1="16230" y1="38866" x2="10164" y2="43277"/>
-                        <a14:foregroundMark x1="10164" y1="43277" x2="4754" y2="59244"/>
-                        <a14:foregroundMark x1="4754" y1="59244" x2="4918" y2="68067"/>
-                        <a14:foregroundMark x1="4918" y1="68067" x2="7541" y2="77521"/>
-                        <a14:foregroundMark x1="7541" y1="77521" x2="15082" y2="82143"/>
-                        <a14:foregroundMark x1="15082" y1="82143" x2="23115" y2="83824"/>
-                        <a14:foregroundMark x1="23115" y1="83824" x2="31148" y2="80462"/>
-                        <a14:foregroundMark x1="31148" y1="80462" x2="37049" y2="73109"/>
-                        <a14:foregroundMark x1="37049" y1="73109" x2="37213" y2="72479"/>
-                        <a14:foregroundMark x1="3770" y1="52941" x2="3770" y2="56933"/>
-                        <a14:foregroundMark x1="8852" y1="5462" x2="11639" y2="6933"/>
-                        <a14:foregroundMark x1="17541" y1="89076" x2="15738" y2="95168"/>
-                        <a14:foregroundMark x1="43279" y1="52521" x2="43279" y2="52521"/>
-                        <a14:foregroundMark x1="43115" y1="29412" x2="40984" y2="30462"/>
-                        <a14:foregroundMark x1="40607" y1="39334" x2="40492" y2="40546"/>
-                        <a14:foregroundMark x1="41311" y1="31933" x2="41193" y2="33168"/>
-                        <a14:foregroundMark x1="40492" y1="40546" x2="41320" y2="39410"/>
-                        <a14:foregroundMark x1="43463" y1="31224" x2="43279" y2="30882"/>
-                        <a14:foregroundMark x1="45082" y1="34244" x2="43925" y2="32086"/>
-                        <a14:foregroundMark x1="49090" y1="38025" x2="49016" y2="40126"/>
-                        <a14:foregroundMark x1="49105" y1="37605" x2="49090" y2="38025"/>
-                        <a14:foregroundMark x1="49344" y1="30882" x2="49188" y2="35284"/>
-                        <a14:foregroundMark x1="50373" y1="35406" x2="51311" y2="32143"/>
-                        <a14:foregroundMark x1="49016" y1="40126" x2="49502" y2="38434"/>
-                        <a14:foregroundMark x1="51983" y1="38025" x2="52295" y2="40756"/>
-                        <a14:foregroundMark x1="51935" y1="37605" x2="51983" y2="38025"/>
-                        <a14:foregroundMark x1="51442" y1="33290" x2="51935" y2="37605"/>
-                        <a14:foregroundMark x1="50950" y1="41085" x2="48852" y2="41597"/>
-                        <a14:foregroundMark x1="56393" y1="31303" x2="56885" y2="39496"/>
-                        <a14:foregroundMark x1="56885" y1="39496" x2="58852" y2="35714"/>
-                        <a14:foregroundMark x1="65574" y1="30252" x2="66721" y2="30252"/>
-                        <a14:foregroundMark x1="61311" y1="42017" x2="64262" y2="41807"/>
-                        <a14:foregroundMark x1="62951" y1="41807" x2="64590" y2="33403"/>
-                        <a14:foregroundMark x1="64590" y1="33403" x2="66066" y2="30042"/>
-                        <a14:foregroundMark x1="70106" y1="31854" x2="69340" y2="33219"/>
-                        <a14:foregroundMark x1="71475" y1="29412" x2="70194" y2="31696"/>
-                        <a14:foregroundMark x1="72193" y1="30429" x2="71803" y2="29622"/>
-                        <a14:foregroundMark x1="73869" y1="33899" x2="72920" y2="31935"/>
-                        <a14:foregroundMark x1="73139" y1="33789" x2="73607" y2="33613"/>
-                        <a14:foregroundMark x1="71582" y1="40174" x2="71148" y2="41176"/>
-                        <a14:foregroundMark x1="74426" y1="33613" x2="74276" y2="33960"/>
-                        <a14:foregroundMark x1="71148" y1="41176" x2="68033" y2="38655"/>
-                        <a14:foregroundMark x1="39508" y1="58613" x2="41967" y2="51050"/>
-                        <a14:foregroundMark x1="45136" y1="54832" x2="46721" y2="56723"/>
-                        <a14:foregroundMark x1="44784" y1="54412" x2="45136" y2="54832"/>
-                        <a14:foregroundMark x1="44256" y1="53782" x2="44784" y2="54412"/>
-                        <a14:foregroundMark x1="41967" y1="51050" x2="44256" y2="53782"/>
-                        <a14:foregroundMark x1="46721" y1="56723" x2="46393" y2="57983"/>
-                        <a14:foregroundMark x1="50984" y1="48319" x2="53115" y2="48319"/>
-                        <a14:foregroundMark x1="52295" y1="48319" x2="49016" y2="59664"/>
-                        <a14:foregroundMark x1="57705" y1="51050" x2="57492" y2="51232"/>
-                        <a14:foregroundMark x1="58688" y1="50210" x2="57705" y2="51050"/>
-                        <a14:foregroundMark x1="59180" y1="49790" x2="58688" y2="50210"/>
-                        <a14:foregroundMark x1="56407" y1="57330" x2="57377" y2="58403"/>
-                        <a14:foregroundMark x1="54809" y1="55562" x2="55190" y2="55983"/>
-                        <a14:foregroundMark x1="62796" y1="51261" x2="63443" y2="48529"/>
-                        <a14:foregroundMark x1="60656" y1="60294" x2="62796" y2="51261"/>
-                        <a14:foregroundMark x1="69164" y1="53571" x2="69016" y2="53782"/>
-                        <a14:foregroundMark x1="70341" y1="51889" x2="69164" y2="53571"/>
-                        <a14:foregroundMark x1="73279" y1="47689" x2="70998" y2="50950"/>
-                        <a14:foregroundMark x1="69016" y1="53782" x2="71555" y2="53439"/>
-                        <a14:foregroundMark x1="75237" y1="52698" x2="75082" y2="48529"/>
-                        <a14:foregroundMark x1="79672" y1="48529" x2="77869" y2="56723"/>
-                        <a14:foregroundMark x1="77869" y1="56723" x2="80164" y2="53782"/>
-                        <a14:foregroundMark x1="90164" y1="48319" x2="87705" y2="58613"/>
-                        <a14:foregroundMark x1="91963" y1="56723" x2="91803" y2="57353"/>
-                        <a14:foregroundMark x1="92176" y1="55882" x2="91963" y2="56723"/>
-                        <a14:foregroundMark x1="92336" y1="55252" x2="92176" y2="55882"/>
-                        <a14:foregroundMark x1="92742" y1="53649" x2="92336" y2="55252"/>
-                        <a14:foregroundMark x1="93934" y1="48950" x2="93254" y2="51631"/>
-                        <a14:foregroundMark x1="96231" y1="54832" x2="97705" y2="53992"/>
-                        <a14:foregroundMark x1="95490" y1="55254" x2="96231" y2="54832"/>
-                        <a14:foregroundMark x1="92909" y1="56723" x2="93478" y2="56399"/>
-                        <a14:foregroundMark x1="91803" y1="57353" x2="92909" y2="56723"/>
-                        <a14:foregroundMark x1="95104" y1="50052" x2="94098" y2="48529"/>
-                        <a14:foregroundMark x1="97427" y1="53571" x2="96996" y2="52918"/>
-                        <a14:foregroundMark x1="97705" y1="53992" x2="97427" y2="53571"/>
-                        <a14:foregroundMark x1="9344" y1="4832" x2="11311" y2="3571"/>
-                        <a14:backgroundMark x1="42131" y1="35504" x2="42131" y2="35504"/>
-                        <a14:backgroundMark x1="42951" y1="33613" x2="42459" y2="36765"/>
-                        <a14:backgroundMark x1="42295" y1="36975" x2="42131" y2="39496"/>
-                        <a14:backgroundMark x1="40984" y1="39496" x2="40984" y2="39496"/>
-                        <a14:backgroundMark x1="40984" y1="36765" x2="40984" y2="36765"/>
-                        <a14:backgroundMark x1="40984" y1="36765" x2="40984" y2="36765"/>
-                        <a14:backgroundMark x1="40984" y1="36765" x2="40984" y2="36765"/>
-                        <a14:backgroundMark x1="40820" y1="36765" x2="43770" y2="32563"/>
-                        <a14:backgroundMark x1="70820" y1="34034" x2="70492" y2="38025"/>
-                        <a14:backgroundMark x1="71475" y1="35924" x2="70492" y2="33193"/>
-                        <a14:backgroundMark x1="70820" y1="33193" x2="72295" y2="33193"/>
-                        <a14:backgroundMark x1="71967" y1="33613" x2="71639" y2="37185"/>
-                        <a14:backgroundMark x1="70656" y1="34034" x2="69344" y2="39286"/>
-                        <a14:backgroundMark x1="72951" y1="50630" x2="73770" y2="50630"/>
-                        <a14:backgroundMark x1="73279" y1="51891" x2="72787" y2="53782"/>
-                        <a14:backgroundMark x1="81639" y1="50000" x2="81803" y2="49790"/>
-                        <a14:backgroundMark x1="94426" y1="50630" x2="96230" y2="53571"/>
-                        <a14:backgroundMark x1="95246" y1="55462" x2="94918" y2="55462"/>
-                        <a14:backgroundMark x1="95246" y1="56303" x2="94426" y2="57353"/>
-                        <a14:backgroundMark x1="94426" y1="57353" x2="94426" y2="57353"/>
-                        <a14:backgroundMark x1="94426" y1="56723" x2="94426" y2="56723"/>
-                        <a14:backgroundMark x1="94754" y1="55882" x2="94754" y2="55882"/>
-                        <a14:backgroundMark x1="94754" y1="55882" x2="94754" y2="55882"/>
-                        <a14:backgroundMark x1="94754" y1="55882" x2="95410" y2="55462"/>
-                        <a14:backgroundMark x1="95410" y1="55252" x2="95410" y2="55252"/>
-                        <a14:backgroundMark x1="95410" y1="55252" x2="95410" y2="55252"/>
-                        <a14:backgroundMark x1="95902" y1="55252" x2="95902" y2="55252"/>
-                        <a14:backgroundMark x1="96066" y1="54832" x2="96066" y2="54832"/>
-                        <a14:backgroundMark x1="96066" y1="54832" x2="96066" y2="54832"/>
-                        <a14:backgroundMark x1="96230" y1="53571" x2="96230" y2="53571"/>
-                        <a14:backgroundMark x1="96230" y1="53571" x2="96230" y2="53571"/>
-                        <a14:backgroundMark x1="57541" y1="51261" x2="55738" y2="56092"/>
-                        <a14:backgroundMark x1="58033" y1="50210" x2="58033" y2="50210"/>
-                        <a14:backgroundMark x1="57541" y1="51050" x2="57541" y2="51050"/>
-                        <a14:backgroundMark x1="55410" y1="55882" x2="55902" y2="57563"/>
-                        <a14:backgroundMark x1="64918" y1="51261" x2="64918" y2="51261"/>
-                        <a14:backgroundMark x1="71639" y1="53571" x2="71639" y2="53571"/>
-                        <a14:backgroundMark x1="71148" y1="53571" x2="71148" y2="53571"/>
-                        <a14:backgroundMark x1="71148" y1="53571" x2="71148" y2="53571"/>
-                        <a14:backgroundMark x1="71148" y1="53571" x2="71148" y2="53571"/>
-                        <a14:backgroundMark x1="50164" y1="38866" x2="52951" y2="38866"/>
-                        <a14:backgroundMark x1="50820" y1="32563" x2="51803" y2="32563"/>
-                        <a14:backgroundMark x1="50492" y1="37605" x2="50492" y2="37605"/>
-                        <a14:backgroundMark x1="51475" y1="37605" x2="51475" y2="37605"/>
-                        <a14:backgroundMark x1="51639" y1="38025" x2="51639" y2="38025"/>
-                        <a14:backgroundMark x1="51803" y1="38025" x2="49508" y2="38445"/>
-                        <a14:backgroundMark x1="45246" y1="54412" x2="45246" y2="54412"/>
-                        <a14:backgroundMark x1="45082" y1="53782" x2="45082" y2="53782"/>
-                        <a14:backgroundMark x1="44918" y1="54412" x2="44918" y2="54412"/>
-                        <a14:backgroundMark x1="44754" y1="54832" x2="44754" y2="54832"/>
-                      </a14:backgroundRemoval>
-                    </a14:imgEffect>
-                  </a14:imgLayer>
-                </a14:imgProps>
-              </a:ext>
-            </a:extLst>
-          </a:blip>
-          <a:srcRect r="2" b="2943"/>
-          <a:stretch/>
+        <p:blipFill>
+          <a:blip r:embed="rId2"/>
+          <a:stretch>
+            <a:fillRect/>
+          </a:stretch>
         </p:blipFill>
         <p:spPr>
           <a:xfrm>
-            <a:off x="8428922" y="654347"/>
-            <a:ext cx="2753866" cy="2084842"/>
+            <a:off x="8959009" y="4256820"/>
+            <a:ext cx="2753866" cy="2066519"/>
           </a:xfrm>
           <a:prstGeom prst="rect">
             <a:avLst/>
@@ -6601,13 +6344,13 @@
   <p:clrMapOvr>
     <a:masterClrMapping/>
   </p:clrMapOvr>
-  <mc:AlternateContent xmlns:mc="http://schemas.openxmlformats.org/markup-compatibility/2006">
-    <mc:Choice xmlns:p159="http://schemas.microsoft.com/office/powerpoint/2015/09/main" Requires="p159">
+  <mc:AlternateContent xmlns:mc="http://schemas.openxmlformats.org/markup-compatibility/2006" xmlns:p159="http://schemas.microsoft.com/office/powerpoint/2015/09/main">
+    <mc:Choice Requires="p159">
       <p:transition xmlns:p14="http://schemas.microsoft.com/office/powerpoint/2010/main" spd="slow" p14:dur="2000">
         <p159:morph option="byObject"/>
       </p:transition>
     </mc:Choice>
-    <mc:Fallback>
+    <mc:Fallback xmlns="">
       <p:transition spd="slow">
         <p:fade/>
       </p:transition>
@@ -6635,6 +6378,112 @@
       </p:grpSpPr>
       <p:sp>
         <p:nvSpPr>
+          <p:cNvPr id="2" name="Title 1">
+            <a:extLst>
+              <a:ext uri="{FF2B5EF4-FFF2-40B4-BE49-F238E27FC236}">
+                <a16:creationId xmlns:a16="http://schemas.microsoft.com/office/drawing/2014/main" id="{61DD6FAC-6BAA-4C07-B6B2-0E9A3567DF65}"/>
+              </a:ext>
+            </a:extLst>
+          </p:cNvPr>
+          <p:cNvSpPr>
+            <a:spLocks noGrp="1"/>
+          </p:cNvSpPr>
+          <p:nvPr>
+            <p:ph type="title"/>
+          </p:nvPr>
+        </p:nvSpPr>
+        <p:spPr>
+          <a:xfrm>
+            <a:off x="581191" y="840174"/>
+            <a:ext cx="11029616" cy="716755"/>
+          </a:xfrm>
+        </p:spPr>
+        <p:txBody>
+          <a:bodyPr numCol="3" anchor="ctr">
+            <a:normAutofit/>
+          </a:bodyPr>
+          <a:lstStyle/>
+          <a:p>
+            <a:pPr algn="ctr"/>
+            <a:r>
+              <a:rPr lang="en-US" dirty="0" err="1"/>
+              <a:t>Logro</a:t>
+            </a:r>
+            <a:br>
+              <a:rPr lang="en-US" dirty="0"/>
+            </a:br>
+            <a:r>
+              <a:rPr lang="en-US" dirty="0" err="1"/>
+              <a:t>Mejorar</a:t>
+            </a:r>
+            <a:br>
+              <a:rPr lang="en-US" dirty="0"/>
+            </a:br>
+            <a:r>
+              <a:rPr lang="en-US" dirty="0" err="1"/>
+              <a:t>Faltó</a:t>
+            </a:r>
+            <a:endParaRPr lang="en-US" dirty="0"/>
+          </a:p>
+        </p:txBody>
+      </p:sp>
+      <p:sp>
+        <p:nvSpPr>
+          <p:cNvPr id="3" name="Content Placeholder 2">
+            <a:extLst>
+              <a:ext uri="{FF2B5EF4-FFF2-40B4-BE49-F238E27FC236}">
+                <a16:creationId xmlns:a16="http://schemas.microsoft.com/office/drawing/2014/main" id="{6DA9A8D3-9343-4B0A-B6C2-6E8B84A4F58D}"/>
+              </a:ext>
+            </a:extLst>
+          </p:cNvPr>
+          <p:cNvSpPr>
+            <a:spLocks noGrp="1"/>
+          </p:cNvSpPr>
+          <p:nvPr>
+            <p:ph idx="1"/>
+          </p:nvPr>
+        </p:nvSpPr>
+        <p:spPr/>
+        <p:txBody>
+          <a:bodyPr/>
+          <a:lstStyle/>
+          <a:p>
+            <a:endParaRPr lang="en-US"/>
+          </a:p>
+        </p:txBody>
+      </p:sp>
+    </p:spTree>
+    <p:extLst>
+      <p:ext uri="{BB962C8B-B14F-4D97-AF65-F5344CB8AC3E}">
+        <p14:creationId xmlns:p14="http://schemas.microsoft.com/office/powerpoint/2010/main" val="3571924505"/>
+      </p:ext>
+    </p:extLst>
+  </p:cSld>
+  <p:clrMapOvr>
+    <a:masterClrMapping/>
+  </p:clrMapOvr>
+</p:sld>
+</file>
+
+<file path=ppt/slides/slide6.xml><?xml version="1.0" encoding="utf-8"?>
+<p:sld xmlns:a="http://schemas.openxmlformats.org/drawingml/2006/main" xmlns:r="http://schemas.openxmlformats.org/officeDocument/2006/relationships" xmlns:p="http://schemas.openxmlformats.org/presentationml/2006/main">
+  <p:cSld>
+    <p:spTree>
+      <p:nvGrpSpPr>
+        <p:cNvPr id="1" name=""/>
+        <p:cNvGrpSpPr/>
+        <p:nvPr/>
+      </p:nvGrpSpPr>
+      <p:grpSpPr>
+        <a:xfrm>
+          <a:off x="0" y="0"/>
+          <a:ext cx="0" cy="0"/>
+          <a:chOff x="0" y="0"/>
+          <a:chExt cx="0" cy="0"/>
+        </a:xfrm>
+      </p:grpSpPr>
+      <p:sp>
+        <p:nvSpPr>
           <p:cNvPr id="14" name="Title 13">
             <a:extLst>
               <a:ext uri="{FF2B5EF4-FFF2-40B4-BE49-F238E27FC236}">
@@ -6761,161 +6610,16 @@
           </p:cNvPicPr>
           <p:nvPr/>
         </p:nvPicPr>
-        <p:blipFill rotWithShape="1">
-          <a:blip r:embed="rId2">
-            <a:extLst>
-              <a:ext uri="{BEBA8EAE-BF5A-486C-A8C5-ECC9F3942E4B}">
-                <a14:imgProps xmlns:a14="http://schemas.microsoft.com/office/drawing/2010/main">
-                  <a14:imgLayer r:embed="rId3">
-                    <a14:imgEffect>
-                      <a14:backgroundRemoval t="3571" b="94958" l="3607" r="97705">
-                        <a14:foregroundMark x1="21148" y1="21429" x2="21148" y2="21429"/>
-                        <a14:foregroundMark x1="13770" y1="12395" x2="20164" y2="25420"/>
-                        <a14:foregroundMark x1="16721" y1="21849" x2="32459" y2="51681"/>
-                        <a14:foregroundMark x1="32131" y1="52521" x2="34262" y2="52521"/>
-                        <a14:foregroundMark x1="22951" y1="37605" x2="16230" y2="38866"/>
-                        <a14:foregroundMark x1="16230" y1="38866" x2="10164" y2="43277"/>
-                        <a14:foregroundMark x1="10164" y1="43277" x2="4754" y2="59244"/>
-                        <a14:foregroundMark x1="4754" y1="59244" x2="4918" y2="68067"/>
-                        <a14:foregroundMark x1="4918" y1="68067" x2="7541" y2="77521"/>
-                        <a14:foregroundMark x1="7541" y1="77521" x2="15082" y2="82143"/>
-                        <a14:foregroundMark x1="15082" y1="82143" x2="23115" y2="83824"/>
-                        <a14:foregroundMark x1="23115" y1="83824" x2="31148" y2="80462"/>
-                        <a14:foregroundMark x1="31148" y1="80462" x2="37049" y2="73109"/>
-                        <a14:foregroundMark x1="37049" y1="73109" x2="37213" y2="72479"/>
-                        <a14:foregroundMark x1="3770" y1="52941" x2="3770" y2="56933"/>
-                        <a14:foregroundMark x1="8852" y1="5462" x2="11639" y2="6933"/>
-                        <a14:foregroundMark x1="17541" y1="89076" x2="15738" y2="95168"/>
-                        <a14:foregroundMark x1="43279" y1="52521" x2="43279" y2="52521"/>
-                        <a14:foregroundMark x1="43115" y1="29412" x2="40984" y2="30462"/>
-                        <a14:foregroundMark x1="40607" y1="39334" x2="40492" y2="40546"/>
-                        <a14:foregroundMark x1="41311" y1="31933" x2="41193" y2="33168"/>
-                        <a14:foregroundMark x1="40492" y1="40546" x2="41320" y2="39410"/>
-                        <a14:foregroundMark x1="43463" y1="31224" x2="43279" y2="30882"/>
-                        <a14:foregroundMark x1="45082" y1="34244" x2="43925" y2="32086"/>
-                        <a14:foregroundMark x1="49090" y1="38025" x2="49016" y2="40126"/>
-                        <a14:foregroundMark x1="49105" y1="37605" x2="49090" y2="38025"/>
-                        <a14:foregroundMark x1="49344" y1="30882" x2="49188" y2="35284"/>
-                        <a14:foregroundMark x1="50373" y1="35406" x2="51311" y2="32143"/>
-                        <a14:foregroundMark x1="49016" y1="40126" x2="49502" y2="38434"/>
-                        <a14:foregroundMark x1="51983" y1="38025" x2="52295" y2="40756"/>
-                        <a14:foregroundMark x1="51935" y1="37605" x2="51983" y2="38025"/>
-                        <a14:foregroundMark x1="51442" y1="33290" x2="51935" y2="37605"/>
-                        <a14:foregroundMark x1="50950" y1="41085" x2="48852" y2="41597"/>
-                        <a14:foregroundMark x1="56393" y1="31303" x2="56885" y2="39496"/>
-                        <a14:foregroundMark x1="56885" y1="39496" x2="58852" y2="35714"/>
-                        <a14:foregroundMark x1="65574" y1="30252" x2="66721" y2="30252"/>
-                        <a14:foregroundMark x1="61311" y1="42017" x2="64262" y2="41807"/>
-                        <a14:foregroundMark x1="62951" y1="41807" x2="64590" y2="33403"/>
-                        <a14:foregroundMark x1="64590" y1="33403" x2="66066" y2="30042"/>
-                        <a14:foregroundMark x1="70106" y1="31854" x2="69340" y2="33219"/>
-                        <a14:foregroundMark x1="71475" y1="29412" x2="70194" y2="31696"/>
-                        <a14:foregroundMark x1="72193" y1="30429" x2="71803" y2="29622"/>
-                        <a14:foregroundMark x1="73869" y1="33899" x2="72920" y2="31935"/>
-                        <a14:foregroundMark x1="73139" y1="33789" x2="73607" y2="33613"/>
-                        <a14:foregroundMark x1="71582" y1="40174" x2="71148" y2="41176"/>
-                        <a14:foregroundMark x1="74426" y1="33613" x2="74276" y2="33960"/>
-                        <a14:foregroundMark x1="71148" y1="41176" x2="68033" y2="38655"/>
-                        <a14:foregroundMark x1="39508" y1="58613" x2="41967" y2="51050"/>
-                        <a14:foregroundMark x1="45136" y1="54832" x2="46721" y2="56723"/>
-                        <a14:foregroundMark x1="44784" y1="54412" x2="45136" y2="54832"/>
-                        <a14:foregroundMark x1="44256" y1="53782" x2="44784" y2="54412"/>
-                        <a14:foregroundMark x1="41967" y1="51050" x2="44256" y2="53782"/>
-                        <a14:foregroundMark x1="46721" y1="56723" x2="46393" y2="57983"/>
-                        <a14:foregroundMark x1="50984" y1="48319" x2="53115" y2="48319"/>
-                        <a14:foregroundMark x1="52295" y1="48319" x2="49016" y2="59664"/>
-                        <a14:foregroundMark x1="57705" y1="51050" x2="57492" y2="51232"/>
-                        <a14:foregroundMark x1="58688" y1="50210" x2="57705" y2="51050"/>
-                        <a14:foregroundMark x1="59180" y1="49790" x2="58688" y2="50210"/>
-                        <a14:foregroundMark x1="56407" y1="57330" x2="57377" y2="58403"/>
-                        <a14:foregroundMark x1="54809" y1="55562" x2="55190" y2="55983"/>
-                        <a14:foregroundMark x1="62796" y1="51261" x2="63443" y2="48529"/>
-                        <a14:foregroundMark x1="60656" y1="60294" x2="62796" y2="51261"/>
-                        <a14:foregroundMark x1="69164" y1="53571" x2="69016" y2="53782"/>
-                        <a14:foregroundMark x1="70341" y1="51889" x2="69164" y2="53571"/>
-                        <a14:foregroundMark x1="73279" y1="47689" x2="70998" y2="50950"/>
-                        <a14:foregroundMark x1="69016" y1="53782" x2="71555" y2="53439"/>
-                        <a14:foregroundMark x1="75237" y1="52698" x2="75082" y2="48529"/>
-                        <a14:foregroundMark x1="79672" y1="48529" x2="77869" y2="56723"/>
-                        <a14:foregroundMark x1="77869" y1="56723" x2="80164" y2="53782"/>
-                        <a14:foregroundMark x1="90164" y1="48319" x2="87705" y2="58613"/>
-                        <a14:foregroundMark x1="91963" y1="56723" x2="91803" y2="57353"/>
-                        <a14:foregroundMark x1="92176" y1="55882" x2="91963" y2="56723"/>
-                        <a14:foregroundMark x1="92336" y1="55252" x2="92176" y2="55882"/>
-                        <a14:foregroundMark x1="92742" y1="53649" x2="92336" y2="55252"/>
-                        <a14:foregroundMark x1="93934" y1="48950" x2="93254" y2="51631"/>
-                        <a14:foregroundMark x1="96231" y1="54832" x2="97705" y2="53992"/>
-                        <a14:foregroundMark x1="95490" y1="55254" x2="96231" y2="54832"/>
-                        <a14:foregroundMark x1="92909" y1="56723" x2="93478" y2="56399"/>
-                        <a14:foregroundMark x1="91803" y1="57353" x2="92909" y2="56723"/>
-                        <a14:foregroundMark x1="95104" y1="50052" x2="94098" y2="48529"/>
-                        <a14:foregroundMark x1="97427" y1="53571" x2="96996" y2="52918"/>
-                        <a14:foregroundMark x1="97705" y1="53992" x2="97427" y2="53571"/>
-                        <a14:foregroundMark x1="9344" y1="4832" x2="11311" y2="3571"/>
-                        <a14:backgroundMark x1="42131" y1="35504" x2="42131" y2="35504"/>
-                        <a14:backgroundMark x1="42951" y1="33613" x2="42459" y2="36765"/>
-                        <a14:backgroundMark x1="42295" y1="36975" x2="42131" y2="39496"/>
-                        <a14:backgroundMark x1="40984" y1="39496" x2="40984" y2="39496"/>
-                        <a14:backgroundMark x1="40984" y1="36765" x2="40984" y2="36765"/>
-                        <a14:backgroundMark x1="40984" y1="36765" x2="40984" y2="36765"/>
-                        <a14:backgroundMark x1="40984" y1="36765" x2="40984" y2="36765"/>
-                        <a14:backgroundMark x1="40820" y1="36765" x2="43770" y2="32563"/>
-                        <a14:backgroundMark x1="70820" y1="34034" x2="70492" y2="38025"/>
-                        <a14:backgroundMark x1="71475" y1="35924" x2="70492" y2="33193"/>
-                        <a14:backgroundMark x1="70820" y1="33193" x2="72295" y2="33193"/>
-                        <a14:backgroundMark x1="71967" y1="33613" x2="71639" y2="37185"/>
-                        <a14:backgroundMark x1="70656" y1="34034" x2="69344" y2="39286"/>
-                        <a14:backgroundMark x1="72951" y1="50630" x2="73770" y2="50630"/>
-                        <a14:backgroundMark x1="73279" y1="51891" x2="72787" y2="53782"/>
-                        <a14:backgroundMark x1="81639" y1="50000" x2="81803" y2="49790"/>
-                        <a14:backgroundMark x1="94426" y1="50630" x2="96230" y2="53571"/>
-                        <a14:backgroundMark x1="95246" y1="55462" x2="94918" y2="55462"/>
-                        <a14:backgroundMark x1="95246" y1="56303" x2="94426" y2="57353"/>
-                        <a14:backgroundMark x1="94426" y1="57353" x2="94426" y2="57353"/>
-                        <a14:backgroundMark x1="94426" y1="56723" x2="94426" y2="56723"/>
-                        <a14:backgroundMark x1="94754" y1="55882" x2="94754" y2="55882"/>
-                        <a14:backgroundMark x1="94754" y1="55882" x2="94754" y2="55882"/>
-                        <a14:backgroundMark x1="94754" y1="55882" x2="95410" y2="55462"/>
-                        <a14:backgroundMark x1="95410" y1="55252" x2="95410" y2="55252"/>
-                        <a14:backgroundMark x1="95410" y1="55252" x2="95410" y2="55252"/>
-                        <a14:backgroundMark x1="95902" y1="55252" x2="95902" y2="55252"/>
-                        <a14:backgroundMark x1="96066" y1="54832" x2="96066" y2="54832"/>
-                        <a14:backgroundMark x1="96066" y1="54832" x2="96066" y2="54832"/>
-                        <a14:backgroundMark x1="96230" y1="53571" x2="96230" y2="53571"/>
-                        <a14:backgroundMark x1="96230" y1="53571" x2="96230" y2="53571"/>
-                        <a14:backgroundMark x1="57541" y1="51261" x2="55738" y2="56092"/>
-                        <a14:backgroundMark x1="58033" y1="50210" x2="58033" y2="50210"/>
-                        <a14:backgroundMark x1="57541" y1="51050" x2="57541" y2="51050"/>
-                        <a14:backgroundMark x1="55410" y1="55882" x2="55902" y2="57563"/>
-                        <a14:backgroundMark x1="64918" y1="51261" x2="64918" y2="51261"/>
-                        <a14:backgroundMark x1="71639" y1="53571" x2="71639" y2="53571"/>
-                        <a14:backgroundMark x1="71148" y1="53571" x2="71148" y2="53571"/>
-                        <a14:backgroundMark x1="71148" y1="53571" x2="71148" y2="53571"/>
-                        <a14:backgroundMark x1="71148" y1="53571" x2="71148" y2="53571"/>
-                        <a14:backgroundMark x1="50164" y1="38866" x2="52951" y2="38866"/>
-                        <a14:backgroundMark x1="50820" y1="32563" x2="51803" y2="32563"/>
-                        <a14:backgroundMark x1="50492" y1="37605" x2="50492" y2="37605"/>
-                        <a14:backgroundMark x1="51475" y1="37605" x2="51475" y2="37605"/>
-                        <a14:backgroundMark x1="51639" y1="38025" x2="51639" y2="38025"/>
-                        <a14:backgroundMark x1="51803" y1="38025" x2="49508" y2="38445"/>
-                        <a14:backgroundMark x1="45246" y1="54412" x2="45246" y2="54412"/>
-                        <a14:backgroundMark x1="45082" y1="53782" x2="45082" y2="53782"/>
-                        <a14:backgroundMark x1="44918" y1="54412" x2="44918" y2="54412"/>
-                        <a14:backgroundMark x1="44754" y1="54832" x2="44754" y2="54832"/>
-                      </a14:backgroundRemoval>
-                    </a14:imgEffect>
-                  </a14:imgLayer>
-                </a14:imgProps>
-              </a:ext>
-            </a:extLst>
-          </a:blip>
-          <a:srcRect r="2" b="2943"/>
-          <a:stretch/>
+        <p:blipFill>
+          <a:blip r:embed="rId2"/>
+          <a:stretch>
+            <a:fillRect/>
+          </a:stretch>
         </p:blipFill>
         <p:spPr>
           <a:xfrm>
-            <a:off x="5203386" y="5517111"/>
-            <a:ext cx="1374036" cy="1040228"/>
+            <a:off x="5203386" y="5521682"/>
+            <a:ext cx="1374036" cy="1031085"/>
           </a:xfrm>
           <a:prstGeom prst="rect">
             <a:avLst/>
@@ -6932,13 +6636,13 @@
   <p:clrMapOvr>
     <a:masterClrMapping/>
   </p:clrMapOvr>
-  <mc:AlternateContent xmlns:mc="http://schemas.openxmlformats.org/markup-compatibility/2006">
-    <mc:Choice xmlns:p159="http://schemas.microsoft.com/office/powerpoint/2015/09/main" Requires="p159">
+  <mc:AlternateContent xmlns:mc="http://schemas.openxmlformats.org/markup-compatibility/2006" xmlns:p159="http://schemas.microsoft.com/office/powerpoint/2015/09/main">
+    <mc:Choice Requires="p159">
       <p:transition xmlns:p14="http://schemas.microsoft.com/office/powerpoint/2010/main" spd="slow" p14:dur="2000">
         <p159:morph option="byObject"/>
       </p:transition>
     </mc:Choice>
-    <mc:Fallback>
+    <mc:Fallback xmlns="">
       <p:transition spd="slow">
         <p:fade/>
       </p:transition>
@@ -7217,6 +6921,21 @@
 </file>
 
 <file path=customXml/item1.xml><?xml version="1.0" encoding="utf-8"?>
+<p:properties xmlns:p="http://schemas.microsoft.com/office/2006/metadata/properties" xmlns:xsi="http://www.w3.org/2001/XMLSchema-instance" xmlns:pc="http://schemas.microsoft.com/office/infopath/2007/PartnerControls">
+  <documentManagement/>
+</p:properties>
+</file>
+
+<file path=customXml/item2.xml><?xml version="1.0" encoding="utf-8"?>
+<?mso-contentType ?>
+<FormTemplates xmlns="http://schemas.microsoft.com/sharepoint/v3/contenttype/forms">
+  <Display>DocumentLibraryForm</Display>
+  <Edit>DocumentLibraryForm</Edit>
+  <New>DocumentLibraryForm</New>
+</FormTemplates>
+</file>
+
+<file path=customXml/item3.xml><?xml version="1.0" encoding="utf-8"?>
 <ct:contentTypeSchema xmlns:ct="http://schemas.microsoft.com/office/2006/metadata/contentType" xmlns:ma="http://schemas.microsoft.com/office/2006/metadata/properties/metaAttributes" ct:_="" ma:_="" ma:contentTypeName="Document" ma:contentTypeID="0x0101007F0340628DD03C4C97A13F312C30CF97" ma:contentTypeVersion="8" ma:contentTypeDescription="Create a new document." ma:contentTypeScope="" ma:versionID="2edb230a84a2023c44b062f788daebe4">
   <xsd:schema xmlns:xsd="http://www.w3.org/2001/XMLSchema" xmlns:xs="http://www.w3.org/2001/XMLSchema" xmlns:p="http://schemas.microsoft.com/office/2006/metadata/properties" xmlns:ns3="0811c003-7578-4121-b22f-e2c15845dba8" targetNamespace="http://schemas.microsoft.com/office/2006/metadata/properties" ma:root="true" ma:fieldsID="d088462eeaee687163d6f8262f736d68" ns3:_="">
     <xsd:import namespace="0811c003-7578-4121-b22f-e2c15845dba8"/>
@@ -7386,22 +7105,24 @@
 </ct:contentTypeSchema>
 </file>
 
-<file path=customXml/item2.xml><?xml version="1.0" encoding="utf-8"?>
-<?mso-contentType ?>
-<FormTemplates xmlns="http://schemas.microsoft.com/sharepoint/v3/contenttype/forms">
-  <Display>DocumentLibraryForm</Display>
-  <Edit>DocumentLibraryForm</Edit>
-  <New>DocumentLibraryForm</New>
-</FormTemplates>
+<file path=customXml/itemProps1.xml><?xml version="1.0" encoding="utf-8"?>
+<ds:datastoreItem xmlns:ds="http://schemas.openxmlformats.org/officeDocument/2006/customXml" ds:itemID="{1D62F7FD-2AED-4AAA-96DB-99B2DDF24ED4}">
+  <ds:schemaRefs>
+    <ds:schemaRef ds:uri="http://schemas.microsoft.com/office/2006/metadata/properties"/>
+    <ds:schemaRef ds:uri="http://schemas.microsoft.com/office/infopath/2007/PartnerControls"/>
+  </ds:schemaRefs>
+</ds:datastoreItem>
 </file>
 
-<file path=customXml/item3.xml><?xml version="1.0" encoding="utf-8"?>
-<p:properties xmlns:p="http://schemas.microsoft.com/office/2006/metadata/properties" xmlns:xsi="http://www.w3.org/2001/XMLSchema-instance" xmlns:pc="http://schemas.microsoft.com/office/infopath/2007/PartnerControls">
-  <documentManagement/>
-</p:properties>
+<file path=customXml/itemProps2.xml><?xml version="1.0" encoding="utf-8"?>
+<ds:datastoreItem xmlns:ds="http://schemas.openxmlformats.org/officeDocument/2006/customXml" ds:itemID="{084214A2-5E5B-4F3C-91D2-90F682A9FB22}">
+  <ds:schemaRefs>
+    <ds:schemaRef ds:uri="http://schemas.microsoft.com/sharepoint/v3/contenttype/forms"/>
+  </ds:schemaRefs>
+</ds:datastoreItem>
 </file>
 
-<file path=customXml/itemProps1.xml><?xml version="1.0" encoding="utf-8"?>
+<file path=customXml/itemProps3.xml><?xml version="1.0" encoding="utf-8"?>
 <ds:datastoreItem xmlns:ds="http://schemas.openxmlformats.org/officeDocument/2006/customXml" ds:itemID="{F816D79F-1159-4C90-A86C-7D56E1594DFA}">
   <ds:schemaRefs>
     <ds:schemaRef ds:uri="http://schemas.microsoft.com/office/2006/metadata/contentType"/>
@@ -7417,21 +7138,4 @@
     <ds:schemaRef ds:uri="http://schemas.microsoft.com/internal/obd"/>
   </ds:schemaRefs>
 </ds:datastoreItem>
-</file>
-
-<file path=customXml/itemProps2.xml><?xml version="1.0" encoding="utf-8"?>
-<ds:datastoreItem xmlns:ds="http://schemas.openxmlformats.org/officeDocument/2006/customXml" ds:itemID="{084214A2-5E5B-4F3C-91D2-90F682A9FB22}">
-  <ds:schemaRefs>
-    <ds:schemaRef ds:uri="http://schemas.microsoft.com/sharepoint/v3/contenttype/forms"/>
-  </ds:schemaRefs>
-</ds:datastoreItem>
-</file>
-
-<file path=customXml/itemProps3.xml><?xml version="1.0" encoding="utf-8"?>
-<ds:datastoreItem xmlns:ds="http://schemas.openxmlformats.org/officeDocument/2006/customXml" ds:itemID="{1D62F7FD-2AED-4AAA-96DB-99B2DDF24ED4}">
-  <ds:schemaRefs>
-    <ds:schemaRef ds:uri="http://schemas.microsoft.com/office/2006/metadata/properties"/>
-    <ds:schemaRef ds:uri="http://schemas.microsoft.com/office/infopath/2007/PartnerControls"/>
-  </ds:schemaRefs>
-</ds:datastoreItem>
 </file>
--- a/Obvio Microbio.pptx
+++ b/Obvio Microbio.pptx
@@ -120,7 +120,6 @@
 <file path=ppt/revisionInfo.xml><?xml version="1.0" encoding="utf-8"?>
 <p1510:revInfo xmlns:a="http://schemas.openxmlformats.org/drawingml/2006/main" xmlns:r="http://schemas.openxmlformats.org/officeDocument/2006/relationships" xmlns:p1510="http://schemas.microsoft.com/office/powerpoint/2015/10/main">
   <p1510:revLst>
-    <p1510:client id="{2129604C-F01F-40CD-8BD8-E7558B492AD4}" v="122" dt="2019-11-01T18:22:57.835"/>
     <p1510:client id="{6E45B117-F3B8-48AF-AC24-D31C05631FEC}" v="15" dt="2019-11-01T21:17:49.040"/>
   </p1510:revLst>
 </p1510:revInfo>
@@ -131,7 +130,7 @@
   <pc:docChgLst>
     <pc:chgData name="Rubén González Villanueva" userId="316062c3b860cbf8" providerId="LiveId" clId="{6E45B117-F3B8-48AF-AC24-D31C05631FEC}"/>
     <pc:docChg chg="undo custSel mod addSld modSld">
-      <pc:chgData name="Rubén González Villanueva" userId="316062c3b860cbf8" providerId="LiveId" clId="{6E45B117-F3B8-48AF-AC24-D31C05631FEC}" dt="2019-11-01T21:32:14.805" v="58" actId="1076"/>
+      <pc:chgData name="Rubén González Villanueva" userId="316062c3b860cbf8" providerId="LiveId" clId="{6E45B117-F3B8-48AF-AC24-D31C05631FEC}" dt="2019-11-07T03:16:35.581" v="59" actId="20577"/>
       <pc:docMkLst>
         <pc:docMk/>
       </pc:docMkLst>
@@ -285,13 +284,13 @@
         </pc:picChg>
       </pc:sldChg>
       <pc:sldChg chg="delSp modSp">
-        <pc:chgData name="Rubén González Villanueva" userId="316062c3b860cbf8" providerId="LiveId" clId="{6E45B117-F3B8-48AF-AC24-D31C05631FEC}" dt="2019-11-01T21:15:38.239" v="21" actId="1076"/>
+        <pc:chgData name="Rubén González Villanueva" userId="316062c3b860cbf8" providerId="LiveId" clId="{6E45B117-F3B8-48AF-AC24-D31C05631FEC}" dt="2019-11-07T03:16:35.581" v="59" actId="20577"/>
         <pc:sldMkLst>
           <pc:docMk/>
           <pc:sldMk cId="2183553396" sldId="259"/>
         </pc:sldMkLst>
         <pc:spChg chg="mod">
-          <ac:chgData name="Rubén González Villanueva" userId="316062c3b860cbf8" providerId="LiveId" clId="{6E45B117-F3B8-48AF-AC24-D31C05631FEC}" dt="2019-11-01T21:15:24.455" v="19" actId="27636"/>
+          <ac:chgData name="Rubén González Villanueva" userId="316062c3b860cbf8" providerId="LiveId" clId="{6E45B117-F3B8-48AF-AC24-D31C05631FEC}" dt="2019-11-07T03:16:35.581" v="59" actId="20577"/>
           <ac:spMkLst>
             <pc:docMk/>
             <pc:sldMk cId="2183553396" sldId="259"/>
@@ -877,109 +876,6 @@
             <ac:picMk id="9" creationId="{D8B0F239-9FF8-47DA-BE11-452A081BBFA2}"/>
           </ac:picMkLst>
         </pc:picChg>
-      </pc:sldChg>
-      <pc:sldChg chg="addSp delSp modSp add del">
-        <pc:chgData name="Rubén González Villanueva" userId="c8c16a74-be0f-439b-9b67-6b666a436255" providerId="ADAL" clId="{2129604C-F01F-40CD-8BD8-E7558B492AD4}" dt="2019-11-01T18:22:29.015" v="425" actId="2696"/>
-        <pc:sldMkLst>
-          <pc:docMk/>
-          <pc:sldMk cId="277499726" sldId="260"/>
-        </pc:sldMkLst>
-        <pc:spChg chg="del mod">
-          <ac:chgData name="Rubén González Villanueva" userId="c8c16a74-be0f-439b-9b67-6b666a436255" providerId="ADAL" clId="{2129604C-F01F-40CD-8BD8-E7558B492AD4}" dt="2019-11-01T18:17:58.430" v="277" actId="478"/>
-          <ac:spMkLst>
-            <pc:docMk/>
-            <pc:sldMk cId="277499726" sldId="260"/>
-            <ac:spMk id="2" creationId="{57B98392-8F82-41FA-B6F2-E173F7341555}"/>
-          </ac:spMkLst>
-        </pc:spChg>
-        <pc:spChg chg="del">
-          <ac:chgData name="Rubén González Villanueva" userId="c8c16a74-be0f-439b-9b67-6b666a436255" providerId="ADAL" clId="{2129604C-F01F-40CD-8BD8-E7558B492AD4}" dt="2019-11-01T18:17:52.540" v="276"/>
-          <ac:spMkLst>
-            <pc:docMk/>
-            <pc:sldMk cId="277499726" sldId="260"/>
-            <ac:spMk id="3" creationId="{BF68F4F7-57E8-4360-A650-282135874F8B}"/>
-          </ac:spMkLst>
-        </pc:spChg>
-        <pc:spChg chg="add del mod">
-          <ac:chgData name="Rubén González Villanueva" userId="c8c16a74-be0f-439b-9b67-6b666a436255" providerId="ADAL" clId="{2129604C-F01F-40CD-8BD8-E7558B492AD4}" dt="2019-11-01T18:18:07.852" v="279"/>
-          <ac:spMkLst>
-            <pc:docMk/>
-            <pc:sldMk cId="277499726" sldId="260"/>
-            <ac:spMk id="4" creationId="{250308BF-815C-483A-9AC8-C80FD0D131D4}"/>
-          </ac:spMkLst>
-        </pc:spChg>
-        <pc:spChg chg="add del mod">
-          <ac:chgData name="Rubén González Villanueva" userId="c8c16a74-be0f-439b-9b67-6b666a436255" providerId="ADAL" clId="{2129604C-F01F-40CD-8BD8-E7558B492AD4}" dt="2019-11-01T18:18:07.852" v="279"/>
-          <ac:spMkLst>
-            <pc:docMk/>
-            <pc:sldMk cId="277499726" sldId="260"/>
-            <ac:spMk id="5" creationId="{FFBD3716-6374-42B6-8943-9C26AA2BDC18}"/>
-          </ac:spMkLst>
-        </pc:spChg>
-        <pc:spChg chg="add del mod">
-          <ac:chgData name="Rubén González Villanueva" userId="c8c16a74-be0f-439b-9b67-6b666a436255" providerId="ADAL" clId="{2129604C-F01F-40CD-8BD8-E7558B492AD4}" dt="2019-11-01T18:18:07.852" v="279"/>
-          <ac:spMkLst>
-            <pc:docMk/>
-            <pc:sldMk cId="277499726" sldId="260"/>
-            <ac:spMk id="6" creationId="{ED8DE816-9CD0-4A09-9BD7-49DE7B5923F6}"/>
-          </ac:spMkLst>
-        </pc:spChg>
-        <pc:spChg chg="add del mod">
-          <ac:chgData name="Rubén González Villanueva" userId="c8c16a74-be0f-439b-9b67-6b666a436255" providerId="ADAL" clId="{2129604C-F01F-40CD-8BD8-E7558B492AD4}" dt="2019-11-01T18:18:07.852" v="279"/>
-          <ac:spMkLst>
-            <pc:docMk/>
-            <pc:sldMk cId="277499726" sldId="260"/>
-            <ac:spMk id="7" creationId="{FB889318-F4B9-47F1-9682-15E83B7FC781}"/>
-          </ac:spMkLst>
-        </pc:spChg>
-        <pc:spChg chg="add del mod">
-          <ac:chgData name="Rubén González Villanueva" userId="c8c16a74-be0f-439b-9b67-6b666a436255" providerId="ADAL" clId="{2129604C-F01F-40CD-8BD8-E7558B492AD4}" dt="2019-11-01T18:17:59.551" v="278" actId="478"/>
-          <ac:spMkLst>
-            <pc:docMk/>
-            <pc:sldMk cId="277499726" sldId="260"/>
-            <ac:spMk id="9" creationId="{5B263578-6CE3-4EC3-9D9C-7EEE80264A04}"/>
-          </ac:spMkLst>
-        </pc:spChg>
-        <pc:spChg chg="add del mod">
-          <ac:chgData name="Rubén González Villanueva" userId="c8c16a74-be0f-439b-9b67-6b666a436255" providerId="ADAL" clId="{2129604C-F01F-40CD-8BD8-E7558B492AD4}" dt="2019-11-01T18:18:52.519" v="316" actId="478"/>
-          <ac:spMkLst>
-            <pc:docMk/>
-            <pc:sldMk cId="277499726" sldId="260"/>
-            <ac:spMk id="10" creationId="{0B760184-B138-404B-8B94-413E5DCB08C1}"/>
-          </ac:spMkLst>
-        </pc:spChg>
-        <pc:spChg chg="add del">
-          <ac:chgData name="Rubén González Villanueva" userId="c8c16a74-be0f-439b-9b67-6b666a436255" providerId="ADAL" clId="{2129604C-F01F-40CD-8BD8-E7558B492AD4}" dt="2019-11-01T18:18:54.676" v="317" actId="478"/>
-          <ac:spMkLst>
-            <pc:docMk/>
-            <pc:sldMk cId="277499726" sldId="260"/>
-            <ac:spMk id="11" creationId="{9AA6A4A2-FFBD-429C-86A3-D6BDCA58602F}"/>
-          </ac:spMkLst>
-        </pc:spChg>
-        <pc:spChg chg="add del">
-          <ac:chgData name="Rubén González Villanueva" userId="c8c16a74-be0f-439b-9b67-6b666a436255" providerId="ADAL" clId="{2129604C-F01F-40CD-8BD8-E7558B492AD4}" dt="2019-11-01T18:18:58.435" v="319" actId="478"/>
-          <ac:spMkLst>
-            <pc:docMk/>
-            <pc:sldMk cId="277499726" sldId="260"/>
-            <ac:spMk id="12" creationId="{EAC7C2BC-F69B-4698-8071-F97F2D7E8E5F}"/>
-          </ac:spMkLst>
-        </pc:spChg>
-        <pc:spChg chg="add del">
-          <ac:chgData name="Rubén González Villanueva" userId="c8c16a74-be0f-439b-9b67-6b666a436255" providerId="ADAL" clId="{2129604C-F01F-40CD-8BD8-E7558B492AD4}" dt="2019-11-01T18:18:56.493" v="318" actId="478"/>
-          <ac:spMkLst>
-            <pc:docMk/>
-            <pc:sldMk cId="277499726" sldId="260"/>
-            <ac:spMk id="13" creationId="{2493DA5A-4BC0-4102-8004-639970D981B7}"/>
-          </ac:spMkLst>
-        </pc:spChg>
-        <pc:spChg chg="add del mod">
-          <ac:chgData name="Rubén González Villanueva" userId="c8c16a74-be0f-439b-9b67-6b666a436255" providerId="ADAL" clId="{2129604C-F01F-40CD-8BD8-E7558B492AD4}" dt="2019-11-01T18:19:28.231" v="324" actId="478"/>
-          <ac:spMkLst>
-            <pc:docMk/>
-            <pc:sldMk cId="277499726" sldId="260"/>
-            <ac:spMk id="14" creationId="{03C4BC58-8C5F-4886-A625-012EBC207B31}"/>
-          </ac:spMkLst>
-        </pc:spChg>
       </pc:sldChg>
       <pc:sldChg chg="addSp delSp modSp add modTransition">
         <pc:chgData name="Rubén González Villanueva" userId="c8c16a74-be0f-439b-9b67-6b666a436255" providerId="ADAL" clId="{2129604C-F01F-40CD-8BD8-E7558B492AD4}" dt="2019-11-01T18:22:04.171" v="424"/>
@@ -1367,7 +1263,7 @@
             <a:fld id="{B61BEF0D-F0BB-DE4B-95CE-6DB70DBA9567}" type="datetimeFigureOut">
               <a:rPr lang="en-US" dirty="0"/>
               <a:pPr/>
-              <a:t>11/1/2019</a:t>
+              <a:t>11/6/2019</a:t>
             </a:fld>
             <a:endParaRPr lang="en-US" dirty="0"/>
           </a:p>
@@ -1626,7 +1522,7 @@
             <a:fld id="{B61BEF0D-F0BB-DE4B-95CE-6DB70DBA9567}" type="datetimeFigureOut">
               <a:rPr lang="en-US" dirty="0"/>
               <a:pPr/>
-              <a:t>11/1/2019</a:t>
+              <a:t>11/6/2019</a:t>
             </a:fld>
             <a:endParaRPr lang="en-US" dirty="0"/>
           </a:p>
@@ -1858,7 +1754,7 @@
             <a:fld id="{B61BEF0D-F0BB-DE4B-95CE-6DB70DBA9567}" type="datetimeFigureOut">
               <a:rPr lang="en-US" dirty="0"/>
               <a:pPr/>
-              <a:t>11/1/2019</a:t>
+              <a:t>11/6/2019</a:t>
             </a:fld>
             <a:endParaRPr lang="en-US" dirty="0"/>
           </a:p>
@@ -2095,7 +1991,7 @@
             <a:fld id="{B61BEF0D-F0BB-DE4B-95CE-6DB70DBA9567}" type="datetimeFigureOut">
               <a:rPr lang="en-US" dirty="0"/>
               <a:pPr/>
-              <a:t>11/1/2019</a:t>
+              <a:t>11/6/2019</a:t>
             </a:fld>
             <a:endParaRPr lang="en-US" dirty="0"/>
           </a:p>
@@ -2399,7 +2295,7 @@
             <a:fld id="{B61BEF0D-F0BB-DE4B-95CE-6DB70DBA9567}" type="datetimeFigureOut">
               <a:rPr lang="en-US" dirty="0"/>
               <a:pPr/>
-              <a:t>11/1/2019</a:t>
+              <a:t>11/6/2019</a:t>
             </a:fld>
             <a:endParaRPr lang="en-US" dirty="0"/>
           </a:p>
@@ -2698,7 +2594,7 @@
             <a:fld id="{B61BEF0D-F0BB-DE4B-95CE-6DB70DBA9567}" type="datetimeFigureOut">
               <a:rPr lang="en-US" dirty="0"/>
               <a:pPr/>
-              <a:t>11/1/2019</a:t>
+              <a:t>11/6/2019</a:t>
             </a:fld>
             <a:endParaRPr lang="en-US" dirty="0"/>
           </a:p>
@@ -3117,7 +3013,7 @@
             <a:fld id="{B61BEF0D-F0BB-DE4B-95CE-6DB70DBA9567}" type="datetimeFigureOut">
               <a:rPr lang="en-US" dirty="0"/>
               <a:pPr/>
-              <a:t>11/1/2019</a:t>
+              <a:t>11/6/2019</a:t>
             </a:fld>
             <a:endParaRPr lang="en-US" dirty="0"/>
           </a:p>
@@ -3209,7 +3105,7 @@
             <a:fld id="{B61BEF0D-F0BB-DE4B-95CE-6DB70DBA9567}" type="datetimeFigureOut">
               <a:rPr lang="en-US" dirty="0"/>
               <a:pPr/>
-              <a:t>11/1/2019</a:t>
+              <a:t>11/6/2019</a:t>
             </a:fld>
             <a:endParaRPr lang="en-US" dirty="0"/>
           </a:p>
@@ -3368,7 +3264,7 @@
             <a:fld id="{B61BEF0D-F0BB-DE4B-95CE-6DB70DBA9567}" type="datetimeFigureOut">
               <a:rPr lang="en-US" dirty="0"/>
               <a:pPr/>
-              <a:t>11/1/2019</a:t>
+              <a:t>11/6/2019</a:t>
             </a:fld>
             <a:endParaRPr lang="en-US" dirty="0"/>
           </a:p>
@@ -3743,7 +3639,7 @@
             <a:fld id="{B61BEF0D-F0BB-DE4B-95CE-6DB70DBA9567}" type="datetimeFigureOut">
               <a:rPr lang="en-US" dirty="0"/>
               <a:pPr/>
-              <a:t>11/1/2019</a:t>
+              <a:t>11/6/2019</a:t>
             </a:fld>
             <a:endParaRPr lang="en-US" dirty="0"/>
           </a:p>
@@ -4029,7 +3925,7 @@
             <a:fld id="{B61BEF0D-F0BB-DE4B-95CE-6DB70DBA9567}" type="datetimeFigureOut">
               <a:rPr lang="en-US" dirty="0"/>
               <a:pPr/>
-              <a:t>11/1/2019</a:t>
+              <a:t>11/6/2019</a:t>
             </a:fld>
             <a:endParaRPr lang="en-US" dirty="0"/>
           </a:p>
@@ -4237,7 +4133,7 @@
             <a:fld id="{B61BEF0D-F0BB-DE4B-95CE-6DB70DBA9567}" type="datetimeFigureOut">
               <a:rPr lang="en-US" dirty="0"/>
               <a:pPr/>
-              <a:t>11/1/2019</a:t>
+              <a:t>11/6/2019</a:t>
             </a:fld>
             <a:endParaRPr lang="en-US" dirty="0"/>
           </a:p>
@@ -5935,13 +5831,13 @@
   <p:clrMapOvr>
     <a:masterClrMapping/>
   </p:clrMapOvr>
-  <mc:AlternateContent xmlns:mc="http://schemas.openxmlformats.org/markup-compatibility/2006">
-    <mc:Choice xmlns:p159="http://schemas.microsoft.com/office/powerpoint/2015/09/main" Requires="p159">
+  <mc:AlternateContent xmlns:mc="http://schemas.openxmlformats.org/markup-compatibility/2006" xmlns:p159="http://schemas.microsoft.com/office/powerpoint/2015/09/main">
+    <mc:Choice Requires="p159">
       <p:transition xmlns:p14="http://schemas.microsoft.com/office/powerpoint/2010/main" spd="slow" p14:dur="2000">
         <p159:morph option="byObject"/>
       </p:transition>
     </mc:Choice>
-    <mc:Fallback>
+    <mc:Fallback xmlns="">
       <p:transition spd="slow">
         <p:fade/>
       </p:transition>
@@ -6292,15 +6188,13 @@
           <a:p>
             <a:r>
               <a:rPr lang="es-ES" dirty="0"/>
-              <a:t>3.1. Cómo se resolvió el problema planteado por el proyecto</a:t>
-            </a:r>
-          </a:p>
-          <a:p>
-            <a:r>
-              <a:rPr lang="es-ES" dirty="0"/>
-              <a:t>3.2. Análisis crítico: lo que se logró, lo que faltó y lo que se puede mejorar</a:t>
-            </a:r>
-            <a:endParaRPr lang="en-US" dirty="0"/>
+              <a:t>3.1. Cómo se resolvió el problema planteado por </a:t>
+            </a:r>
+            <a:r>
+              <a:rPr lang="es-ES"/>
+              <a:t>el proyecto</a:t>
+            </a:r>
+            <a:endParaRPr lang="es-ES" dirty="0"/>
           </a:p>
         </p:txBody>
       </p:sp>
@@ -6921,21 +6815,6 @@
 </file>
 
 <file path=customXml/item1.xml><?xml version="1.0" encoding="utf-8"?>
-<p:properties xmlns:p="http://schemas.microsoft.com/office/2006/metadata/properties" xmlns:xsi="http://www.w3.org/2001/XMLSchema-instance" xmlns:pc="http://schemas.microsoft.com/office/infopath/2007/PartnerControls">
-  <documentManagement/>
-</p:properties>
-</file>
-
-<file path=customXml/item2.xml><?xml version="1.0" encoding="utf-8"?>
-<?mso-contentType ?>
-<FormTemplates xmlns="http://schemas.microsoft.com/sharepoint/v3/contenttype/forms">
-  <Display>DocumentLibraryForm</Display>
-  <Edit>DocumentLibraryForm</Edit>
-  <New>DocumentLibraryForm</New>
-</FormTemplates>
-</file>
-
-<file path=customXml/item3.xml><?xml version="1.0" encoding="utf-8"?>
 <ct:contentTypeSchema xmlns:ct="http://schemas.microsoft.com/office/2006/metadata/contentType" xmlns:ma="http://schemas.microsoft.com/office/2006/metadata/properties/metaAttributes" ct:_="" ma:_="" ma:contentTypeName="Document" ma:contentTypeID="0x0101007F0340628DD03C4C97A13F312C30CF97" ma:contentTypeVersion="8" ma:contentTypeDescription="Create a new document." ma:contentTypeScope="" ma:versionID="2edb230a84a2023c44b062f788daebe4">
   <xsd:schema xmlns:xsd="http://www.w3.org/2001/XMLSchema" xmlns:xs="http://www.w3.org/2001/XMLSchema" xmlns:p="http://schemas.microsoft.com/office/2006/metadata/properties" xmlns:ns3="0811c003-7578-4121-b22f-e2c15845dba8" targetNamespace="http://schemas.microsoft.com/office/2006/metadata/properties" ma:root="true" ma:fieldsID="d088462eeaee687163d6f8262f736d68" ns3:_="">
     <xsd:import namespace="0811c003-7578-4121-b22f-e2c15845dba8"/>
@@ -7105,24 +6984,22 @@
 </ct:contentTypeSchema>
 </file>
 
-<file path=customXml/itemProps1.xml><?xml version="1.0" encoding="utf-8"?>
-<ds:datastoreItem xmlns:ds="http://schemas.openxmlformats.org/officeDocument/2006/customXml" ds:itemID="{1D62F7FD-2AED-4AAA-96DB-99B2DDF24ED4}">
-  <ds:schemaRefs>
-    <ds:schemaRef ds:uri="http://schemas.microsoft.com/office/2006/metadata/properties"/>
-    <ds:schemaRef ds:uri="http://schemas.microsoft.com/office/infopath/2007/PartnerControls"/>
-  </ds:schemaRefs>
-</ds:datastoreItem>
+<file path=customXml/item2.xml><?xml version="1.0" encoding="utf-8"?>
+<?mso-contentType ?>
+<FormTemplates xmlns="http://schemas.microsoft.com/sharepoint/v3/contenttype/forms">
+  <Display>DocumentLibraryForm</Display>
+  <Edit>DocumentLibraryForm</Edit>
+  <New>DocumentLibraryForm</New>
+</FormTemplates>
 </file>
 
-<file path=customXml/itemProps2.xml><?xml version="1.0" encoding="utf-8"?>
-<ds:datastoreItem xmlns:ds="http://schemas.openxmlformats.org/officeDocument/2006/customXml" ds:itemID="{084214A2-5E5B-4F3C-91D2-90F682A9FB22}">
-  <ds:schemaRefs>
-    <ds:schemaRef ds:uri="http://schemas.microsoft.com/sharepoint/v3/contenttype/forms"/>
-  </ds:schemaRefs>
-</ds:datastoreItem>
+<file path=customXml/item3.xml><?xml version="1.0" encoding="utf-8"?>
+<p:properties xmlns:p="http://schemas.microsoft.com/office/2006/metadata/properties" xmlns:xsi="http://www.w3.org/2001/XMLSchema-instance" xmlns:pc="http://schemas.microsoft.com/office/infopath/2007/PartnerControls">
+  <documentManagement/>
+</p:properties>
 </file>
 
-<file path=customXml/itemProps3.xml><?xml version="1.0" encoding="utf-8"?>
+<file path=customXml/itemProps1.xml><?xml version="1.0" encoding="utf-8"?>
 <ds:datastoreItem xmlns:ds="http://schemas.openxmlformats.org/officeDocument/2006/customXml" ds:itemID="{F816D79F-1159-4C90-A86C-7D56E1594DFA}">
   <ds:schemaRefs>
     <ds:schemaRef ds:uri="http://schemas.microsoft.com/office/2006/metadata/contentType"/>
@@ -7138,4 +7015,21 @@
     <ds:schemaRef ds:uri="http://schemas.microsoft.com/internal/obd"/>
   </ds:schemaRefs>
 </ds:datastoreItem>
+</file>
+
+<file path=customXml/itemProps2.xml><?xml version="1.0" encoding="utf-8"?>
+<ds:datastoreItem xmlns:ds="http://schemas.openxmlformats.org/officeDocument/2006/customXml" ds:itemID="{084214A2-5E5B-4F3C-91D2-90F682A9FB22}">
+  <ds:schemaRefs>
+    <ds:schemaRef ds:uri="http://schemas.microsoft.com/sharepoint/v3/contenttype/forms"/>
+  </ds:schemaRefs>
+</ds:datastoreItem>
+</file>
+
+<file path=customXml/itemProps3.xml><?xml version="1.0" encoding="utf-8"?>
+<ds:datastoreItem xmlns:ds="http://schemas.openxmlformats.org/officeDocument/2006/customXml" ds:itemID="{1D62F7FD-2AED-4AAA-96DB-99B2DDF24ED4}">
+  <ds:schemaRefs>
+    <ds:schemaRef ds:uri="http://schemas.microsoft.com/office/2006/metadata/properties"/>
+    <ds:schemaRef ds:uri="http://schemas.microsoft.com/office/infopath/2007/PartnerControls"/>
+  </ds:schemaRefs>
+</ds:datastoreItem>
 </file>
--- a/Obvio Microbio.pptx
+++ b/Obvio Microbio.pptx
@@ -9,8 +9,9 @@
     <p:sldId id="257" r:id="rId6"/>
     <p:sldId id="258" r:id="rId7"/>
     <p:sldId id="259" r:id="rId8"/>
-    <p:sldId id="262" r:id="rId9"/>
-    <p:sldId id="261" r:id="rId10"/>
+    <p:sldId id="263" r:id="rId9"/>
+    <p:sldId id="262" r:id="rId10"/>
+    <p:sldId id="261" r:id="rId11"/>
   </p:sldIdLst>
   <p:sldSz cx="12192000" cy="6858000"/>
   <p:notesSz cx="6858000" cy="9144000"/>
@@ -120,7 +121,7 @@
 <file path=ppt/revisionInfo.xml><?xml version="1.0" encoding="utf-8"?>
 <p1510:revInfo xmlns:a="http://schemas.openxmlformats.org/drawingml/2006/main" xmlns:r="http://schemas.openxmlformats.org/officeDocument/2006/relationships" xmlns:p1510="http://schemas.microsoft.com/office/powerpoint/2015/10/main">
   <p1510:revLst>
-    <p1510:client id="{6E45B117-F3B8-48AF-AC24-D31C05631FEC}" v="15" dt="2019-11-01T21:17:49.040"/>
+    <p1510:client id="{6E45B117-F3B8-48AF-AC24-D31C05631FEC}" v="24" dt="2019-11-11T18:08:40.037"/>
   </p1510:revLst>
 </p1510:revInfo>
 </file>
@@ -130,7 +131,7 @@
   <pc:docChgLst>
     <pc:chgData name="Rubén González Villanueva" userId="316062c3b860cbf8" providerId="LiveId" clId="{6E45B117-F3B8-48AF-AC24-D31C05631FEC}"/>
     <pc:docChg chg="undo custSel mod addSld modSld">
-      <pc:chgData name="Rubén González Villanueva" userId="316062c3b860cbf8" providerId="LiveId" clId="{6E45B117-F3B8-48AF-AC24-D31C05631FEC}" dt="2019-11-07T03:16:35.581" v="59" actId="20577"/>
+      <pc:chgData name="Rubén González Villanueva" userId="316062c3b860cbf8" providerId="LiveId" clId="{6E45B117-F3B8-48AF-AC24-D31C05631FEC}" dt="2019-11-11T18:12:11.343" v="380" actId="20577"/>
       <pc:docMkLst>
         <pc:docMk/>
       </pc:docMkLst>
@@ -253,12 +254,20 @@
         </pc:picChg>
       </pc:sldChg>
       <pc:sldChg chg="modSp">
-        <pc:chgData name="Rubén González Villanueva" userId="316062c3b860cbf8" providerId="LiveId" clId="{6E45B117-F3B8-48AF-AC24-D31C05631FEC}" dt="2019-11-01T21:14:58.305" v="16" actId="12"/>
+        <pc:chgData name="Rubén González Villanueva" userId="316062c3b860cbf8" providerId="LiveId" clId="{6E45B117-F3B8-48AF-AC24-D31C05631FEC}" dt="2019-11-11T18:06:10.992" v="187" actId="242"/>
         <pc:sldMkLst>
           <pc:docMk/>
           <pc:sldMk cId="4006534359" sldId="258"/>
         </pc:sldMkLst>
         <pc:spChg chg="mod">
+          <ac:chgData name="Rubén González Villanueva" userId="316062c3b860cbf8" providerId="LiveId" clId="{6E45B117-F3B8-48AF-AC24-D31C05631FEC}" dt="2019-11-11T18:06:10.992" v="187" actId="242"/>
+          <ac:spMkLst>
+            <pc:docMk/>
+            <pc:sldMk cId="4006534359" sldId="258"/>
+            <ac:spMk id="2" creationId="{95AF7728-5CDB-45BD-94F9-C8062FF60583}"/>
+          </ac:spMkLst>
+        </pc:spChg>
+        <pc:spChg chg="mod">
           <ac:chgData name="Rubén González Villanueva" userId="316062c3b860cbf8" providerId="LiveId" clId="{6E45B117-F3B8-48AF-AC24-D31C05631FEC}" dt="2019-11-01T21:14:58.305" v="16" actId="12"/>
           <ac:spMkLst>
             <pc:docMk/>
@@ -283,14 +292,38 @@
           </ac:picMkLst>
         </pc:picChg>
       </pc:sldChg>
-      <pc:sldChg chg="delSp modSp">
-        <pc:chgData name="Rubén González Villanueva" userId="316062c3b860cbf8" providerId="LiveId" clId="{6E45B117-F3B8-48AF-AC24-D31C05631FEC}" dt="2019-11-07T03:16:35.581" v="59" actId="20577"/>
+      <pc:sldChg chg="addSp delSp modSp">
+        <pc:chgData name="Rubén González Villanueva" userId="316062c3b860cbf8" providerId="LiveId" clId="{6E45B117-F3B8-48AF-AC24-D31C05631FEC}" dt="2019-11-11T18:04:33.851" v="184" actId="1076"/>
         <pc:sldMkLst>
           <pc:docMk/>
           <pc:sldMk cId="2183553396" sldId="259"/>
         </pc:sldMkLst>
+        <pc:spChg chg="add del mod">
+          <ac:chgData name="Rubén González Villanueva" userId="316062c3b860cbf8" providerId="LiveId" clId="{6E45B117-F3B8-48AF-AC24-D31C05631FEC}" dt="2019-11-11T18:01:14.540" v="61" actId="931"/>
+          <ac:spMkLst>
+            <pc:docMk/>
+            <pc:sldMk cId="2183553396" sldId="259"/>
+            <ac:spMk id="3" creationId="{B9829932-EF44-469A-BD7A-4F24E2010F2F}"/>
+          </ac:spMkLst>
+        </pc:spChg>
+        <pc:spChg chg="add mod">
+          <ac:chgData name="Rubén González Villanueva" userId="316062c3b860cbf8" providerId="LiveId" clId="{6E45B117-F3B8-48AF-AC24-D31C05631FEC}" dt="2019-11-11T18:04:28.954" v="182" actId="14100"/>
+          <ac:spMkLst>
+            <pc:docMk/>
+            <pc:sldMk cId="2183553396" sldId="259"/>
+            <ac:spMk id="6" creationId="{43410FD3-E575-4657-9972-1294D3D1E1F6}"/>
+          </ac:spMkLst>
+        </pc:spChg>
         <pc:spChg chg="mod">
-          <ac:chgData name="Rubén González Villanueva" userId="316062c3b860cbf8" providerId="LiveId" clId="{6E45B117-F3B8-48AF-AC24-D31C05631FEC}" dt="2019-11-07T03:16:35.581" v="59" actId="20577"/>
+          <ac:chgData name="Rubén González Villanueva" userId="316062c3b860cbf8" providerId="LiveId" clId="{6E45B117-F3B8-48AF-AC24-D31C05631FEC}" dt="2019-11-11T18:01:52.386" v="70" actId="242"/>
+          <ac:spMkLst>
+            <pc:docMk/>
+            <pc:sldMk cId="2183553396" sldId="259"/>
+            <ac:spMk id="7" creationId="{7A63CBD4-BF79-47E1-927B-F35FC3B78E17}"/>
+          </ac:spMkLst>
+        </pc:spChg>
+        <pc:spChg chg="del mod">
+          <ac:chgData name="Rubén González Villanueva" userId="316062c3b860cbf8" providerId="LiveId" clId="{6E45B117-F3B8-48AF-AC24-D31C05631FEC}" dt="2019-11-11T18:01:04.973" v="60" actId="478"/>
           <ac:spMkLst>
             <pc:docMk/>
             <pc:sldMk cId="2183553396" sldId="259"/>
@@ -305,8 +338,16 @@
             <ac:spMk id="12" creationId="{7AA28FEA-A436-4D31-B02C-504862B03FCB}"/>
           </ac:spMkLst>
         </pc:spChg>
+        <pc:picChg chg="add mod">
+          <ac:chgData name="Rubén González Villanueva" userId="316062c3b860cbf8" providerId="LiveId" clId="{6E45B117-F3B8-48AF-AC24-D31C05631FEC}" dt="2019-11-11T18:04:33.851" v="184" actId="1076"/>
+          <ac:picMkLst>
+            <pc:docMk/>
+            <pc:sldMk cId="2183553396" sldId="259"/>
+            <ac:picMk id="5" creationId="{A9BAF62B-2CEA-42B0-84C8-4DCFB7514906}"/>
+          </ac:picMkLst>
+        </pc:picChg>
         <pc:picChg chg="mod">
-          <ac:chgData name="Rubén González Villanueva" userId="316062c3b860cbf8" providerId="LiveId" clId="{6E45B117-F3B8-48AF-AC24-D31C05631FEC}" dt="2019-11-01T21:15:38.239" v="21" actId="1076"/>
+          <ac:chgData name="Rubén González Villanueva" userId="316062c3b860cbf8" providerId="LiveId" clId="{6E45B117-F3B8-48AF-AC24-D31C05631FEC}" dt="2019-11-11T18:01:33.883" v="67" actId="1076"/>
           <ac:picMkLst>
             <pc:docMk/>
             <pc:sldMk cId="2183553396" sldId="259"/>
@@ -329,8 +370,8 @@
           </ac:picMkLst>
         </pc:picChg>
       </pc:sldChg>
-      <pc:sldChg chg="modSp add">
-        <pc:chgData name="Rubén González Villanueva" userId="316062c3b860cbf8" providerId="LiveId" clId="{6E45B117-F3B8-48AF-AC24-D31C05631FEC}" dt="2019-11-01T21:32:14.805" v="58" actId="1076"/>
+      <pc:sldChg chg="modSp add modTransition">
+        <pc:chgData name="Rubén González Villanueva" userId="316062c3b860cbf8" providerId="LiveId" clId="{6E45B117-F3B8-48AF-AC24-D31C05631FEC}" dt="2019-11-11T18:05:11.836" v="185"/>
         <pc:sldMkLst>
           <pc:docMk/>
           <pc:sldMk cId="3571924505" sldId="262"/>
@@ -343,6 +384,69 @@
             <ac:spMk id="2" creationId="{61DD6FAC-6BAA-4C07-B6B2-0E9A3567DF65}"/>
           </ac:spMkLst>
         </pc:spChg>
+      </pc:sldChg>
+      <pc:sldChg chg="addSp delSp modSp add modTransition">
+        <pc:chgData name="Rubén González Villanueva" userId="316062c3b860cbf8" providerId="LiveId" clId="{6E45B117-F3B8-48AF-AC24-D31C05631FEC}" dt="2019-11-11T18:12:11.343" v="380" actId="20577"/>
+        <pc:sldMkLst>
+          <pc:docMk/>
+          <pc:sldMk cId="1195560405" sldId="263"/>
+        </pc:sldMkLst>
+        <pc:spChg chg="mod">
+          <ac:chgData name="Rubén González Villanueva" userId="316062c3b860cbf8" providerId="LiveId" clId="{6E45B117-F3B8-48AF-AC24-D31C05631FEC}" dt="2019-11-11T18:08:47.189" v="254" actId="20577"/>
+          <ac:spMkLst>
+            <pc:docMk/>
+            <pc:sldMk cId="1195560405" sldId="263"/>
+            <ac:spMk id="2" creationId="{2695194C-DA76-4C3A-84BF-B351927EF8E0}"/>
+          </ac:spMkLst>
+        </pc:spChg>
+        <pc:spChg chg="mod">
+          <ac:chgData name="Rubén González Villanueva" userId="316062c3b860cbf8" providerId="LiveId" clId="{6E45B117-F3B8-48AF-AC24-D31C05631FEC}" dt="2019-11-11T18:10:36.151" v="341" actId="27636"/>
+          <ac:spMkLst>
+            <pc:docMk/>
+            <pc:sldMk cId="1195560405" sldId="263"/>
+            <ac:spMk id="3" creationId="{E9B2338D-E5F4-4A1E-89A1-B362C271F346}"/>
+          </ac:spMkLst>
+        </pc:spChg>
+        <pc:spChg chg="del mod">
+          <ac:chgData name="Rubén González Villanueva" userId="316062c3b860cbf8" providerId="LiveId" clId="{6E45B117-F3B8-48AF-AC24-D31C05631FEC}" dt="2019-11-11T18:08:40.037" v="233"/>
+          <ac:spMkLst>
+            <pc:docMk/>
+            <pc:sldMk cId="1195560405" sldId="263"/>
+            <ac:spMk id="4" creationId="{C1ECC8E9-1B7C-4DA1-A306-7CC3C9D241CA}"/>
+          </ac:spMkLst>
+        </pc:spChg>
+        <pc:spChg chg="add mod">
+          <ac:chgData name="Rubén González Villanueva" userId="316062c3b860cbf8" providerId="LiveId" clId="{6E45B117-F3B8-48AF-AC24-D31C05631FEC}" dt="2019-11-11T18:08:43.555" v="244" actId="20577"/>
+          <ac:spMkLst>
+            <pc:docMk/>
+            <pc:sldMk cId="1195560405" sldId="263"/>
+            <ac:spMk id="6" creationId="{949D551B-B45C-4B2A-9317-31AF15A48BFB}"/>
+          </ac:spMkLst>
+        </pc:spChg>
+        <pc:spChg chg="add mod">
+          <ac:chgData name="Rubén González Villanueva" userId="316062c3b860cbf8" providerId="LiveId" clId="{6E45B117-F3B8-48AF-AC24-D31C05631FEC}" dt="2019-11-11T18:12:11.343" v="380" actId="20577"/>
+          <ac:spMkLst>
+            <pc:docMk/>
+            <pc:sldMk cId="1195560405" sldId="263"/>
+            <ac:spMk id="7" creationId="{68D7DBD9-0FC7-4D5D-B8DF-A7F6016F1335}"/>
+          </ac:spMkLst>
+        </pc:spChg>
+        <pc:spChg chg="add mod">
+          <ac:chgData name="Rubén González Villanueva" userId="316062c3b860cbf8" providerId="LiveId" clId="{6E45B117-F3B8-48AF-AC24-D31C05631FEC}" dt="2019-11-11T18:11:49.781" v="370" actId="20577"/>
+          <ac:spMkLst>
+            <pc:docMk/>
+            <pc:sldMk cId="1195560405" sldId="263"/>
+            <ac:spMk id="8" creationId="{F299ED4B-FA56-46C1-ABA8-B8CC23D386D8}"/>
+          </ac:spMkLst>
+        </pc:spChg>
+        <pc:picChg chg="add mod">
+          <ac:chgData name="Rubén González Villanueva" userId="316062c3b860cbf8" providerId="LiveId" clId="{6E45B117-F3B8-48AF-AC24-D31C05631FEC}" dt="2019-11-11T18:12:00.674" v="373" actId="1076"/>
+          <ac:picMkLst>
+            <pc:docMk/>
+            <pc:sldMk cId="1195560405" sldId="263"/>
+            <ac:picMk id="5" creationId="{6D315456-F9FE-45E9-8B9E-0A1E4E191581}"/>
+          </ac:picMkLst>
+        </pc:picChg>
       </pc:sldChg>
     </pc:docChg>
   </pc:docChgLst>
@@ -1263,7 +1367,7 @@
             <a:fld id="{B61BEF0D-F0BB-DE4B-95CE-6DB70DBA9567}" type="datetimeFigureOut">
               <a:rPr lang="en-US" dirty="0"/>
               <a:pPr/>
-              <a:t>11/6/2019</a:t>
+              <a:t>11/11/2019</a:t>
             </a:fld>
             <a:endParaRPr lang="en-US" dirty="0"/>
           </a:p>
@@ -1522,7 +1626,7 @@
             <a:fld id="{B61BEF0D-F0BB-DE4B-95CE-6DB70DBA9567}" type="datetimeFigureOut">
               <a:rPr lang="en-US" dirty="0"/>
               <a:pPr/>
-              <a:t>11/6/2019</a:t>
+              <a:t>11/11/2019</a:t>
             </a:fld>
             <a:endParaRPr lang="en-US" dirty="0"/>
           </a:p>
@@ -1754,7 +1858,7 @@
             <a:fld id="{B61BEF0D-F0BB-DE4B-95CE-6DB70DBA9567}" type="datetimeFigureOut">
               <a:rPr lang="en-US" dirty="0"/>
               <a:pPr/>
-              <a:t>11/6/2019</a:t>
+              <a:t>11/11/2019</a:t>
             </a:fld>
             <a:endParaRPr lang="en-US" dirty="0"/>
           </a:p>
@@ -1991,7 +2095,7 @@
             <a:fld id="{B61BEF0D-F0BB-DE4B-95CE-6DB70DBA9567}" type="datetimeFigureOut">
               <a:rPr lang="en-US" dirty="0"/>
               <a:pPr/>
-              <a:t>11/6/2019</a:t>
+              <a:t>11/11/2019</a:t>
             </a:fld>
             <a:endParaRPr lang="en-US" dirty="0"/>
           </a:p>
@@ -2295,7 +2399,7 @@
             <a:fld id="{B61BEF0D-F0BB-DE4B-95CE-6DB70DBA9567}" type="datetimeFigureOut">
               <a:rPr lang="en-US" dirty="0"/>
               <a:pPr/>
-              <a:t>11/6/2019</a:t>
+              <a:t>11/11/2019</a:t>
             </a:fld>
             <a:endParaRPr lang="en-US" dirty="0"/>
           </a:p>
@@ -2594,7 +2698,7 @@
             <a:fld id="{B61BEF0D-F0BB-DE4B-95CE-6DB70DBA9567}" type="datetimeFigureOut">
               <a:rPr lang="en-US" dirty="0"/>
               <a:pPr/>
-              <a:t>11/6/2019</a:t>
+              <a:t>11/11/2019</a:t>
             </a:fld>
             <a:endParaRPr lang="en-US" dirty="0"/>
           </a:p>
@@ -3013,7 +3117,7 @@
             <a:fld id="{B61BEF0D-F0BB-DE4B-95CE-6DB70DBA9567}" type="datetimeFigureOut">
               <a:rPr lang="en-US" dirty="0"/>
               <a:pPr/>
-              <a:t>11/6/2019</a:t>
+              <a:t>11/11/2019</a:t>
             </a:fld>
             <a:endParaRPr lang="en-US" dirty="0"/>
           </a:p>
@@ -3105,7 +3209,7 @@
             <a:fld id="{B61BEF0D-F0BB-DE4B-95CE-6DB70DBA9567}" type="datetimeFigureOut">
               <a:rPr lang="en-US" dirty="0"/>
               <a:pPr/>
-              <a:t>11/6/2019</a:t>
+              <a:t>11/11/2019</a:t>
             </a:fld>
             <a:endParaRPr lang="en-US" dirty="0"/>
           </a:p>
@@ -3264,7 +3368,7 @@
             <a:fld id="{B61BEF0D-F0BB-DE4B-95CE-6DB70DBA9567}" type="datetimeFigureOut">
               <a:rPr lang="en-US" dirty="0"/>
               <a:pPr/>
-              <a:t>11/6/2019</a:t>
+              <a:t>11/11/2019</a:t>
             </a:fld>
             <a:endParaRPr lang="en-US" dirty="0"/>
           </a:p>
@@ -3639,7 +3743,7 @@
             <a:fld id="{B61BEF0D-F0BB-DE4B-95CE-6DB70DBA9567}" type="datetimeFigureOut">
               <a:rPr lang="en-US" dirty="0"/>
               <a:pPr/>
-              <a:t>11/6/2019</a:t>
+              <a:t>11/11/2019</a:t>
             </a:fld>
             <a:endParaRPr lang="en-US" dirty="0"/>
           </a:p>
@@ -3925,7 +4029,7 @@
             <a:fld id="{B61BEF0D-F0BB-DE4B-95CE-6DB70DBA9567}" type="datetimeFigureOut">
               <a:rPr lang="en-US" dirty="0"/>
               <a:pPr/>
-              <a:t>11/6/2019</a:t>
+              <a:t>11/11/2019</a:t>
             </a:fld>
             <a:endParaRPr lang="en-US" dirty="0"/>
           </a:p>
@@ -4133,7 +4237,7 @@
             <a:fld id="{B61BEF0D-F0BB-DE4B-95CE-6DB70DBA9567}" type="datetimeFigureOut">
               <a:rPr lang="en-US" dirty="0"/>
               <a:pPr/>
-              <a:t>11/6/2019</a:t>
+              <a:t>11/11/2019</a:t>
             </a:fld>
             <a:endParaRPr lang="en-US" dirty="0"/>
           </a:p>
@@ -5881,7 +5985,7 @@
         </p:nvSpPr>
         <p:spPr/>
         <p:txBody>
-          <a:bodyPr/>
+          <a:bodyPr anchor="ctr"/>
           <a:lstStyle/>
           <a:p>
             <a:r>
@@ -6152,7 +6256,7 @@
         </p:nvSpPr>
         <p:spPr/>
         <p:txBody>
-          <a:bodyPr/>
+          <a:bodyPr anchor="ctr"/>
           <a:lstStyle/>
           <a:p>
             <a:r>
@@ -6163,38 +6267,122 @@
           </a:p>
         </p:txBody>
       </p:sp>
-      <p:sp>
-        <p:nvSpPr>
-          <p:cNvPr id="11" name="Subtitle 10">
+      <p:pic>
+        <p:nvPicPr>
+          <p:cNvPr id="5" name="Content Placeholder 4">
             <a:extLst>
               <a:ext uri="{FF2B5EF4-FFF2-40B4-BE49-F238E27FC236}">
-                <a16:creationId xmlns:a16="http://schemas.microsoft.com/office/drawing/2014/main" id="{AA36E30A-A112-48F5-B417-C6CD0FB4093F}"/>
+                <a16:creationId xmlns:a16="http://schemas.microsoft.com/office/drawing/2014/main" id="{A9BAF62B-2CEA-42B0-84C8-4DCFB7514906}"/>
               </a:ext>
             </a:extLst>
           </p:cNvPr>
-          <p:cNvSpPr>
-            <a:spLocks noGrp="1"/>
-          </p:cNvSpPr>
-          <p:nvPr>
-            <p:ph idx="1"/>
-          </p:nvPr>
-        </p:nvSpPr>
-        <p:spPr/>
+          <p:cNvPicPr>
+            <a:picLocks noGrp="1" noChangeAspect="1"/>
+          </p:cNvPicPr>
+          <p:nvPr>
+            <p:ph sz="half" idx="1"/>
+          </p:nvPr>
+        </p:nvPicPr>
+        <p:blipFill>
+          <a:blip r:embed="rId2"/>
+          <a:stretch>
+            <a:fillRect/>
+          </a:stretch>
+        </p:blipFill>
+        <p:spPr>
+          <a:xfrm>
+            <a:off x="581191" y="2040395"/>
+            <a:ext cx="7211253" cy="4377505"/>
+          </a:xfrm>
+        </p:spPr>
+      </p:pic>
+      <p:sp>
+        <p:nvSpPr>
+          <p:cNvPr id="6" name="Content Placeholder 5">
+            <a:extLst>
+              <a:ext uri="{FF2B5EF4-FFF2-40B4-BE49-F238E27FC236}">
+                <a16:creationId xmlns:a16="http://schemas.microsoft.com/office/drawing/2014/main" id="{43410FD3-E575-4657-9972-1294D3D1E1F6}"/>
+              </a:ext>
+            </a:extLst>
+          </p:cNvPr>
+          <p:cNvSpPr>
+            <a:spLocks noGrp="1"/>
+          </p:cNvSpPr>
+          <p:nvPr>
+            <p:ph sz="half" idx="2"/>
+          </p:nvPr>
+        </p:nvSpPr>
+        <p:spPr>
+          <a:xfrm>
+            <a:off x="8627165" y="2228003"/>
+            <a:ext cx="2983644" cy="3900339"/>
+          </a:xfrm>
+        </p:spPr>
         <p:txBody>
           <a:bodyPr>
             <a:normAutofit/>
           </a:bodyPr>
           <a:lstStyle/>
           <a:p>
-            <a:r>
-              <a:rPr lang="es-ES" dirty="0"/>
-              <a:t>3.1. Cómo se resolvió el problema planteado por </a:t>
-            </a:r>
-            <a:r>
-              <a:rPr lang="es-ES"/>
-              <a:t>el proyecto</a:t>
-            </a:r>
-            <a:endParaRPr lang="es-ES" dirty="0"/>
+            <a:pPr marL="0" indent="0">
+              <a:buNone/>
+            </a:pPr>
+            <a:r>
+              <a:rPr lang="en-US" sz="2000" dirty="0"/>
+              <a:t>Processing con </a:t>
+            </a:r>
+            <a:r>
+              <a:rPr lang="en-US" sz="2000" dirty="0" err="1"/>
+              <a:t>librerías</a:t>
+            </a:r>
+            <a:r>
+              <a:rPr lang="en-US" sz="2000" dirty="0"/>
+              <a:t>:</a:t>
+            </a:r>
+          </a:p>
+          <a:p>
+            <a:r>
+              <a:rPr lang="en-US" sz="2000" dirty="0"/>
+              <a:t>Box2d: </a:t>
+            </a:r>
+            <a:r>
+              <a:rPr lang="en-US" sz="2000" dirty="0" err="1"/>
+              <a:t>Colisiones</a:t>
+            </a:r>
+            <a:endParaRPr lang="en-US" sz="2000" dirty="0"/>
+          </a:p>
+          <a:p>
+            <a:r>
+              <a:rPr lang="en-US" sz="2000" dirty="0"/>
+              <a:t>ControlP5: </a:t>
+            </a:r>
+            <a:r>
+              <a:rPr lang="en-US" sz="2000" dirty="0" err="1"/>
+              <a:t>Modificaciones</a:t>
+            </a:r>
+            <a:r>
+              <a:rPr lang="en-US" sz="2000" dirty="0"/>
+              <a:t> </a:t>
+            </a:r>
+            <a:r>
+              <a:rPr lang="en-US" sz="2000" dirty="0" err="1"/>
+              <a:t>en</a:t>
+            </a:r>
+            <a:r>
+              <a:rPr lang="en-US" sz="2000" dirty="0"/>
+              <a:t> vivo</a:t>
+            </a:r>
+          </a:p>
+          <a:p>
+            <a:r>
+              <a:rPr lang="en-US" sz="2000" dirty="0"/>
+              <a:t>Minim: </a:t>
+            </a:r>
+            <a:r>
+              <a:rPr lang="en-US" sz="2000" dirty="0" err="1"/>
+              <a:t>Sonidos</a:t>
+            </a:r>
+            <a:endParaRPr lang="en-US" sz="2000" dirty="0"/>
           </a:p>
         </p:txBody>
       </p:sp>
@@ -6213,15 +6401,15 @@
           <p:nvPr/>
         </p:nvPicPr>
         <p:blipFill>
-          <a:blip r:embed="rId2"/>
+          <a:blip r:embed="rId3"/>
           <a:stretch>
             <a:fillRect/>
           </a:stretch>
         </p:blipFill>
         <p:spPr>
           <a:xfrm>
-            <a:off x="8959009" y="4256820"/>
-            <a:ext cx="2753866" cy="2066519"/>
+            <a:off x="10084904" y="636532"/>
+            <a:ext cx="1525904" cy="1145048"/>
           </a:xfrm>
           <a:prstGeom prst="rect">
             <a:avLst/>
@@ -6275,6 +6463,302 @@
           <p:cNvPr id="2" name="Title 1">
             <a:extLst>
               <a:ext uri="{FF2B5EF4-FFF2-40B4-BE49-F238E27FC236}">
+                <a16:creationId xmlns:a16="http://schemas.microsoft.com/office/drawing/2014/main" id="{2695194C-DA76-4C3A-84BF-B351927EF8E0}"/>
+              </a:ext>
+            </a:extLst>
+          </p:cNvPr>
+          <p:cNvSpPr>
+            <a:spLocks noGrp="1"/>
+          </p:cNvSpPr>
+          <p:nvPr>
+            <p:ph type="title"/>
+          </p:nvPr>
+        </p:nvSpPr>
+        <p:spPr/>
+        <p:txBody>
+          <a:bodyPr anchor="ctr"/>
+          <a:lstStyle/>
+          <a:p>
+            <a:r>
+              <a:rPr lang="en-US" dirty="0" err="1"/>
+              <a:t>Características</a:t>
+            </a:r>
+            <a:r>
+              <a:rPr lang="en-US" dirty="0"/>
+              <a:t> del </a:t>
+            </a:r>
+            <a:r>
+              <a:rPr lang="en-US" dirty="0" err="1"/>
+              <a:t>modelo</a:t>
+            </a:r>
+            <a:endParaRPr lang="en-US" dirty="0"/>
+          </a:p>
+        </p:txBody>
+      </p:sp>
+      <p:sp>
+        <p:nvSpPr>
+          <p:cNvPr id="6" name="Text Placeholder 5">
+            <a:extLst>
+              <a:ext uri="{FF2B5EF4-FFF2-40B4-BE49-F238E27FC236}">
+                <a16:creationId xmlns:a16="http://schemas.microsoft.com/office/drawing/2014/main" id="{949D551B-B45C-4B2A-9317-31AF15A48BFB}"/>
+              </a:ext>
+            </a:extLst>
+          </p:cNvPr>
+          <p:cNvSpPr>
+            <a:spLocks noGrp="1"/>
+          </p:cNvSpPr>
+          <p:nvPr>
+            <p:ph type="body" idx="1"/>
+          </p:nvPr>
+        </p:nvSpPr>
+        <p:spPr/>
+        <p:txBody>
+          <a:bodyPr/>
+          <a:lstStyle/>
+          <a:p>
+            <a:r>
+              <a:rPr lang="en-US" dirty="0" err="1"/>
+              <a:t>Bacterias</a:t>
+            </a:r>
+            <a:endParaRPr lang="en-US" dirty="0"/>
+          </a:p>
+        </p:txBody>
+      </p:sp>
+      <p:sp>
+        <p:nvSpPr>
+          <p:cNvPr id="3" name="Content Placeholder 2">
+            <a:extLst>
+              <a:ext uri="{FF2B5EF4-FFF2-40B4-BE49-F238E27FC236}">
+                <a16:creationId xmlns:a16="http://schemas.microsoft.com/office/drawing/2014/main" id="{E9B2338D-E5F4-4A1E-89A1-B362C271F346}"/>
+              </a:ext>
+            </a:extLst>
+          </p:cNvPr>
+          <p:cNvSpPr>
+            <a:spLocks noGrp="1"/>
+          </p:cNvSpPr>
+          <p:nvPr>
+            <p:ph sz="half" idx="2"/>
+          </p:nvPr>
+        </p:nvSpPr>
+        <p:spPr/>
+        <p:txBody>
+          <a:bodyPr>
+            <a:normAutofit fontScale="92500" lnSpcReduction="10000"/>
+          </a:bodyPr>
+          <a:lstStyle/>
+          <a:p>
+            <a:r>
+              <a:rPr lang="en-US" dirty="0" err="1"/>
+              <a:t>Tamaño</a:t>
+            </a:r>
+            <a:endParaRPr lang="en-US" dirty="0"/>
+          </a:p>
+          <a:p>
+            <a:r>
+              <a:rPr lang="en-US" dirty="0" err="1"/>
+              <a:t>Ubicación</a:t>
+            </a:r>
+            <a:endParaRPr lang="en-US" dirty="0"/>
+          </a:p>
+          <a:p>
+            <a:r>
+              <a:rPr lang="en-US" dirty="0" err="1"/>
+              <a:t>Velocidad</a:t>
+            </a:r>
+            <a:endParaRPr lang="en-US" dirty="0"/>
+          </a:p>
+          <a:p>
+            <a:r>
+              <a:rPr lang="en-US" dirty="0"/>
+              <a:t>Body</a:t>
+            </a:r>
+          </a:p>
+          <a:p>
+            <a:r>
+              <a:rPr lang="en-US" dirty="0" err="1"/>
+              <a:t>Imágen</a:t>
+            </a:r>
+            <a:endParaRPr lang="en-US" dirty="0"/>
+          </a:p>
+          <a:p>
+            <a:r>
+              <a:rPr lang="en-US" dirty="0"/>
+              <a:t>Vida</a:t>
+            </a:r>
+          </a:p>
+          <a:p>
+            <a:r>
+              <a:rPr lang="en-US" dirty="0"/>
+              <a:t>Comida</a:t>
+            </a:r>
+          </a:p>
+          <a:p>
+            <a:r>
+              <a:rPr lang="en-US" dirty="0" err="1"/>
+              <a:t>Residuos</a:t>
+            </a:r>
+            <a:endParaRPr lang="en-US" dirty="0"/>
+          </a:p>
+        </p:txBody>
+      </p:sp>
+      <p:sp>
+        <p:nvSpPr>
+          <p:cNvPr id="7" name="Text Placeholder 6">
+            <a:extLst>
+              <a:ext uri="{FF2B5EF4-FFF2-40B4-BE49-F238E27FC236}">
+                <a16:creationId xmlns:a16="http://schemas.microsoft.com/office/drawing/2014/main" id="{68D7DBD9-0FC7-4D5D-B8DF-A7F6016F1335}"/>
+              </a:ext>
+            </a:extLst>
+          </p:cNvPr>
+          <p:cNvSpPr>
+            <a:spLocks noGrp="1"/>
+          </p:cNvSpPr>
+          <p:nvPr>
+            <p:ph type="body" sz="quarter" idx="3"/>
+          </p:nvPr>
+        </p:nvSpPr>
+        <p:spPr/>
+        <p:txBody>
+          <a:bodyPr/>
+          <a:lstStyle/>
+          <a:p>
+            <a:r>
+              <a:rPr lang="en-US" dirty="0" err="1"/>
+              <a:t>Otras</a:t>
+            </a:r>
+            <a:r>
+              <a:rPr lang="en-US" dirty="0"/>
+              <a:t> </a:t>
+            </a:r>
+            <a:r>
+              <a:rPr lang="en-US" dirty="0" err="1"/>
+              <a:t>Clases</a:t>
+            </a:r>
+            <a:endParaRPr lang="en-US" dirty="0"/>
+          </a:p>
+        </p:txBody>
+      </p:sp>
+      <p:sp>
+        <p:nvSpPr>
+          <p:cNvPr id="8" name="Content Placeholder 7">
+            <a:extLst>
+              <a:ext uri="{FF2B5EF4-FFF2-40B4-BE49-F238E27FC236}">
+                <a16:creationId xmlns:a16="http://schemas.microsoft.com/office/drawing/2014/main" id="{F299ED4B-FA56-46C1-ABA8-B8CC23D386D8}"/>
+              </a:ext>
+            </a:extLst>
+          </p:cNvPr>
+          <p:cNvSpPr>
+            <a:spLocks noGrp="1"/>
+          </p:cNvSpPr>
+          <p:nvPr>
+            <p:ph sz="quarter" idx="4"/>
+          </p:nvPr>
+        </p:nvSpPr>
+        <p:spPr/>
+        <p:txBody>
+          <a:bodyPr>
+            <a:normAutofit fontScale="92500" lnSpcReduction="10000"/>
+          </a:bodyPr>
+          <a:lstStyle/>
+          <a:p>
+            <a:r>
+              <a:rPr lang="en-US" dirty="0"/>
+              <a:t>Petri</a:t>
+            </a:r>
+          </a:p>
+          <a:p>
+            <a:r>
+              <a:rPr lang="en-US" dirty="0" err="1"/>
+              <a:t>Nutriente</a:t>
+            </a:r>
+            <a:endParaRPr lang="en-US" dirty="0"/>
+          </a:p>
+          <a:p>
+            <a:r>
+              <a:rPr lang="en-US" dirty="0" err="1"/>
+              <a:t>Basura</a:t>
+            </a:r>
+            <a:endParaRPr lang="en-US" dirty="0"/>
+          </a:p>
+        </p:txBody>
+      </p:sp>
+      <p:pic>
+        <p:nvPicPr>
+          <p:cNvPr id="5" name="Picture 4">
+            <a:extLst>
+              <a:ext uri="{FF2B5EF4-FFF2-40B4-BE49-F238E27FC236}">
+                <a16:creationId xmlns:a16="http://schemas.microsoft.com/office/drawing/2014/main" id="{6D315456-F9FE-45E9-8B9E-0A1E4E191581}"/>
+              </a:ext>
+            </a:extLst>
+          </p:cNvPr>
+          <p:cNvPicPr>
+            <a:picLocks noChangeAspect="1"/>
+          </p:cNvPicPr>
+          <p:nvPr/>
+        </p:nvPicPr>
+        <p:blipFill>
+          <a:blip r:embed="rId2"/>
+          <a:stretch>
+            <a:fillRect/>
+          </a:stretch>
+        </p:blipFill>
+        <p:spPr>
+          <a:xfrm>
+            <a:off x="8494642" y="4227274"/>
+            <a:ext cx="3116164" cy="2338389"/>
+          </a:xfrm>
+          <a:prstGeom prst="rect">
+            <a:avLst/>
+          </a:prstGeom>
+        </p:spPr>
+      </p:pic>
+    </p:spTree>
+    <p:extLst>
+      <p:ext uri="{BB962C8B-B14F-4D97-AF65-F5344CB8AC3E}">
+        <p14:creationId xmlns:p14="http://schemas.microsoft.com/office/powerpoint/2010/main" val="1195560405"/>
+      </p:ext>
+    </p:extLst>
+  </p:cSld>
+  <p:clrMapOvr>
+    <a:masterClrMapping/>
+  </p:clrMapOvr>
+  <mc:AlternateContent xmlns:mc="http://schemas.openxmlformats.org/markup-compatibility/2006">
+    <mc:Choice xmlns:p159="http://schemas.microsoft.com/office/powerpoint/2015/09/main" Requires="p159">
+      <p:transition xmlns:p14="http://schemas.microsoft.com/office/powerpoint/2010/main" spd="slow" p14:dur="2000">
+        <p159:morph option="byObject"/>
+      </p:transition>
+    </mc:Choice>
+    <mc:Fallback>
+      <p:transition spd="slow">
+        <p:fade/>
+      </p:transition>
+    </mc:Fallback>
+  </mc:AlternateContent>
+</p:sld>
+</file>
+
+<file path=ppt/slides/slide6.xml><?xml version="1.0" encoding="utf-8"?>
+<p:sld xmlns:a="http://schemas.openxmlformats.org/drawingml/2006/main" xmlns:r="http://schemas.openxmlformats.org/officeDocument/2006/relationships" xmlns:p="http://schemas.openxmlformats.org/presentationml/2006/main">
+  <p:cSld>
+    <p:spTree>
+      <p:nvGrpSpPr>
+        <p:cNvPr id="1" name=""/>
+        <p:cNvGrpSpPr/>
+        <p:nvPr/>
+      </p:nvGrpSpPr>
+      <p:grpSpPr>
+        <a:xfrm>
+          <a:off x="0" y="0"/>
+          <a:ext cx="0" cy="0"/>
+          <a:chOff x="0" y="0"/>
+          <a:chExt cx="0" cy="0"/>
+        </a:xfrm>
+      </p:grpSpPr>
+      <p:sp>
+        <p:nvSpPr>
+          <p:cNvPr id="2" name="Title 1">
+            <a:extLst>
+              <a:ext uri="{FF2B5EF4-FFF2-40B4-BE49-F238E27FC236}">
                 <a16:creationId xmlns:a16="http://schemas.microsoft.com/office/drawing/2014/main" id="{61DD6FAC-6BAA-4C07-B6B2-0E9A3567DF65}"/>
               </a:ext>
             </a:extLst>
@@ -6356,10 +6840,22 @@
   <p:clrMapOvr>
     <a:masterClrMapping/>
   </p:clrMapOvr>
+  <mc:AlternateContent xmlns:mc="http://schemas.openxmlformats.org/markup-compatibility/2006">
+    <mc:Choice xmlns:p159="http://schemas.microsoft.com/office/powerpoint/2015/09/main" Requires="p159">
+      <p:transition xmlns:p14="http://schemas.microsoft.com/office/powerpoint/2010/main" spd="slow" p14:dur="2000">
+        <p159:morph option="byObject"/>
+      </p:transition>
+    </mc:Choice>
+    <mc:Fallback>
+      <p:transition spd="slow">
+        <p:fade/>
+      </p:transition>
+    </mc:Fallback>
+  </mc:AlternateContent>
 </p:sld>
 </file>
 
-<file path=ppt/slides/slide6.xml><?xml version="1.0" encoding="utf-8"?>
+<file path=ppt/slides/slide7.xml><?xml version="1.0" encoding="utf-8"?>
 <p:sld xmlns:a="http://schemas.openxmlformats.org/drawingml/2006/main" xmlns:r="http://schemas.openxmlformats.org/officeDocument/2006/relationships" xmlns:p="http://schemas.openxmlformats.org/presentationml/2006/main">
   <p:cSld>
     <p:spTree>
@@ -6815,6 +7311,21 @@
 </file>
 
 <file path=customXml/item1.xml><?xml version="1.0" encoding="utf-8"?>
+<p:properties xmlns:p="http://schemas.microsoft.com/office/2006/metadata/properties" xmlns:xsi="http://www.w3.org/2001/XMLSchema-instance" xmlns:pc="http://schemas.microsoft.com/office/infopath/2007/PartnerControls">
+  <documentManagement/>
+</p:properties>
+</file>
+
+<file path=customXml/item2.xml><?xml version="1.0" encoding="utf-8"?>
+<?mso-contentType ?>
+<FormTemplates xmlns="http://schemas.microsoft.com/sharepoint/v3/contenttype/forms">
+  <Display>DocumentLibraryForm</Display>
+  <Edit>DocumentLibraryForm</Edit>
+  <New>DocumentLibraryForm</New>
+</FormTemplates>
+</file>
+
+<file path=customXml/item3.xml><?xml version="1.0" encoding="utf-8"?>
 <ct:contentTypeSchema xmlns:ct="http://schemas.microsoft.com/office/2006/metadata/contentType" xmlns:ma="http://schemas.microsoft.com/office/2006/metadata/properties/metaAttributes" ct:_="" ma:_="" ma:contentTypeName="Document" ma:contentTypeID="0x0101007F0340628DD03C4C97A13F312C30CF97" ma:contentTypeVersion="8" ma:contentTypeDescription="Create a new document." ma:contentTypeScope="" ma:versionID="2edb230a84a2023c44b062f788daebe4">
   <xsd:schema xmlns:xsd="http://www.w3.org/2001/XMLSchema" xmlns:xs="http://www.w3.org/2001/XMLSchema" xmlns:p="http://schemas.microsoft.com/office/2006/metadata/properties" xmlns:ns3="0811c003-7578-4121-b22f-e2c15845dba8" targetNamespace="http://schemas.microsoft.com/office/2006/metadata/properties" ma:root="true" ma:fieldsID="d088462eeaee687163d6f8262f736d68" ns3:_="">
     <xsd:import namespace="0811c003-7578-4121-b22f-e2c15845dba8"/>
@@ -6984,22 +7495,24 @@
 </ct:contentTypeSchema>
 </file>
 
-<file path=customXml/item2.xml><?xml version="1.0" encoding="utf-8"?>
-<?mso-contentType ?>
-<FormTemplates xmlns="http://schemas.microsoft.com/sharepoint/v3/contenttype/forms">
-  <Display>DocumentLibraryForm</Display>
-  <Edit>DocumentLibraryForm</Edit>
-  <New>DocumentLibraryForm</New>
-</FormTemplates>
+<file path=customXml/itemProps1.xml><?xml version="1.0" encoding="utf-8"?>
+<ds:datastoreItem xmlns:ds="http://schemas.openxmlformats.org/officeDocument/2006/customXml" ds:itemID="{1D62F7FD-2AED-4AAA-96DB-99B2DDF24ED4}">
+  <ds:schemaRefs>
+    <ds:schemaRef ds:uri="http://schemas.microsoft.com/office/2006/metadata/properties"/>
+    <ds:schemaRef ds:uri="http://schemas.microsoft.com/office/infopath/2007/PartnerControls"/>
+  </ds:schemaRefs>
+</ds:datastoreItem>
 </file>
 
-<file path=customXml/item3.xml><?xml version="1.0" encoding="utf-8"?>
-<p:properties xmlns:p="http://schemas.microsoft.com/office/2006/metadata/properties" xmlns:xsi="http://www.w3.org/2001/XMLSchema-instance" xmlns:pc="http://schemas.microsoft.com/office/infopath/2007/PartnerControls">
-  <documentManagement/>
-</p:properties>
+<file path=customXml/itemProps2.xml><?xml version="1.0" encoding="utf-8"?>
+<ds:datastoreItem xmlns:ds="http://schemas.openxmlformats.org/officeDocument/2006/customXml" ds:itemID="{084214A2-5E5B-4F3C-91D2-90F682A9FB22}">
+  <ds:schemaRefs>
+    <ds:schemaRef ds:uri="http://schemas.microsoft.com/sharepoint/v3/contenttype/forms"/>
+  </ds:schemaRefs>
+</ds:datastoreItem>
 </file>
 
-<file path=customXml/itemProps1.xml><?xml version="1.0" encoding="utf-8"?>
+<file path=customXml/itemProps3.xml><?xml version="1.0" encoding="utf-8"?>
 <ds:datastoreItem xmlns:ds="http://schemas.openxmlformats.org/officeDocument/2006/customXml" ds:itemID="{F816D79F-1159-4C90-A86C-7D56E1594DFA}">
   <ds:schemaRefs>
     <ds:schemaRef ds:uri="http://schemas.microsoft.com/office/2006/metadata/contentType"/>
@@ -7015,21 +7528,4 @@
     <ds:schemaRef ds:uri="http://schemas.microsoft.com/internal/obd"/>
   </ds:schemaRefs>
 </ds:datastoreItem>
-</file>
-
-<file path=customXml/itemProps2.xml><?xml version="1.0" encoding="utf-8"?>
-<ds:datastoreItem xmlns:ds="http://schemas.openxmlformats.org/officeDocument/2006/customXml" ds:itemID="{084214A2-5E5B-4F3C-91D2-90F682A9FB22}">
-  <ds:schemaRefs>
-    <ds:schemaRef ds:uri="http://schemas.microsoft.com/sharepoint/v3/contenttype/forms"/>
-  </ds:schemaRefs>
-</ds:datastoreItem>
-</file>
-
-<file path=customXml/itemProps3.xml><?xml version="1.0" encoding="utf-8"?>
-<ds:datastoreItem xmlns:ds="http://schemas.openxmlformats.org/officeDocument/2006/customXml" ds:itemID="{1D62F7FD-2AED-4AAA-96DB-99B2DDF24ED4}">
-  <ds:schemaRefs>
-    <ds:schemaRef ds:uri="http://schemas.microsoft.com/office/2006/metadata/properties"/>
-    <ds:schemaRef ds:uri="http://schemas.microsoft.com/office/infopath/2007/PartnerControls"/>
-  </ds:schemaRefs>
-</ds:datastoreItem>
 </file>
--- a/Obvio Microbio.pptx
+++ b/Obvio Microbio.pptx
@@ -121,13 +121,185 @@
 <file path=ppt/revisionInfo.xml><?xml version="1.0" encoding="utf-8"?>
 <p1510:revInfo xmlns:a="http://schemas.openxmlformats.org/drawingml/2006/main" xmlns:r="http://schemas.openxmlformats.org/officeDocument/2006/relationships" xmlns:p1510="http://schemas.microsoft.com/office/powerpoint/2015/10/main">
   <p1510:revLst>
+    <p1510:client id="{049E3096-6EA6-4CD1-8E07-F944FC9CC900}" v="97" dt="2019-11-11T18:55:38.570"/>
+    <p1510:client id="{4765F7DB-991B-45CE-8130-4661E06E94B6}" v="26" dt="2019-11-11T18:30:04.594"/>
     <p1510:client id="{6E45B117-F3B8-48AF-AC24-D31C05631FEC}" v="24" dt="2019-11-11T18:08:40.037"/>
+    <p1510:client id="{94C37343-E02E-4AA8-9E56-0CA8496C2DC3}" v="400" dt="2019-11-11T19:29:08.208"/>
+    <p1510:client id="{B87B94C5-AAC6-480D-9E68-5D343D30B5C7}" v="297" dt="2019-11-11T18:52:42.544"/>
   </p1510:revLst>
 </p1510:revInfo>
 </file>
 
 <file path=ppt/changesInfos/changesInfo1.xml><?xml version="1.0" encoding="utf-8"?>
 <pc:chgInfo xmlns:a="http://schemas.openxmlformats.org/drawingml/2006/main" xmlns:r="http://schemas.openxmlformats.org/officeDocument/2006/relationships" xmlns:ac="http://schemas.microsoft.com/office/drawing/2013/main/command" xmlns:pc="http://schemas.microsoft.com/office/powerpoint/2013/main/command">
+  <pc:docChgLst>
+    <pc:chgData name="Guest User" providerId="Windows Live" clId="Web-{B87B94C5-AAC6-480D-9E68-5D343D30B5C7}"/>
+    <pc:docChg chg="modSld">
+      <pc:chgData name="Guest User" userId="" providerId="Windows Live" clId="Web-{B87B94C5-AAC6-480D-9E68-5D343D30B5C7}" dt="2019-11-11T18:52:44.388" v="319"/>
+      <pc:docMkLst>
+        <pc:docMk/>
+      </pc:docMkLst>
+      <pc:sldChg chg="addSp delSp modSp mod setBg">
+        <pc:chgData name="Guest User" userId="" providerId="Windows Live" clId="Web-{B87B94C5-AAC6-480D-9E68-5D343D30B5C7}" dt="2019-11-11T18:52:44.388" v="319"/>
+        <pc:sldMkLst>
+          <pc:docMk/>
+          <pc:sldMk cId="3571924505" sldId="262"/>
+        </pc:sldMkLst>
+        <pc:spChg chg="mod">
+          <ac:chgData name="Guest User" userId="" providerId="Windows Live" clId="Web-{B87B94C5-AAC6-480D-9E68-5D343D30B5C7}" dt="2019-11-11T18:52:44.388" v="319"/>
+          <ac:spMkLst>
+            <pc:docMk/>
+            <pc:sldMk cId="3571924505" sldId="262"/>
+            <ac:spMk id="2" creationId="{61DD6FAC-6BAA-4C07-B6B2-0E9A3567DF65}"/>
+          </ac:spMkLst>
+        </pc:spChg>
+        <pc:spChg chg="mod ord">
+          <ac:chgData name="Guest User" userId="" providerId="Windows Live" clId="Web-{B87B94C5-AAC6-480D-9E68-5D343D30B5C7}" dt="2019-11-11T18:52:44.388" v="319"/>
+          <ac:spMkLst>
+            <pc:docMk/>
+            <pc:sldMk cId="3571924505" sldId="262"/>
+            <ac:spMk id="3" creationId="{6DA9A8D3-9343-4B0A-B6C2-6E8B84A4F58D}"/>
+          </ac:spMkLst>
+        </pc:spChg>
+        <pc:spChg chg="add del">
+          <ac:chgData name="Guest User" userId="" providerId="Windows Live" clId="Web-{B87B94C5-AAC6-480D-9E68-5D343D30B5C7}" dt="2019-11-11T18:52:04.513" v="273"/>
+          <ac:spMkLst>
+            <pc:docMk/>
+            <pc:sldMk cId="3571924505" sldId="262"/>
+            <ac:spMk id="6" creationId="{8F404549-B4DC-481C-926C-DED3EF1C585B}"/>
+          </ac:spMkLst>
+        </pc:spChg>
+        <pc:spChg chg="add del">
+          <ac:chgData name="Guest User" userId="" providerId="Windows Live" clId="Web-{B87B94C5-AAC6-480D-9E68-5D343D30B5C7}" dt="2019-11-11T18:52:04.513" v="273"/>
+          <ac:spMkLst>
+            <pc:docMk/>
+            <pc:sldMk cId="3571924505" sldId="262"/>
+            <ac:spMk id="7" creationId="{1E8FD5CD-351E-4B06-8B78-BD5102D00908}"/>
+          </ac:spMkLst>
+        </pc:spChg>
+        <pc:spChg chg="add del">
+          <ac:chgData name="Guest User" userId="" providerId="Windows Live" clId="Web-{B87B94C5-AAC6-480D-9E68-5D343D30B5C7}" dt="2019-11-11T18:52:44.388" v="319"/>
+          <ac:spMkLst>
+            <pc:docMk/>
+            <pc:sldMk cId="3571924505" sldId="262"/>
+            <ac:spMk id="8" creationId="{3FE9758B-E361-4084-8D9F-729FA6C4AD7E}"/>
+          </ac:spMkLst>
+        </pc:spChg>
+        <pc:spChg chg="add del">
+          <ac:chgData name="Guest User" userId="" providerId="Windows Live" clId="Web-{B87B94C5-AAC6-480D-9E68-5D343D30B5C7}" dt="2019-11-11T18:51:56.278" v="271"/>
+          <ac:spMkLst>
+            <pc:docMk/>
+            <pc:sldMk cId="3571924505" sldId="262"/>
+            <ac:spMk id="9" creationId="{B871AE93-72B2-4545-989F-4B08DCD7872E}"/>
+          </ac:spMkLst>
+        </pc:spChg>
+        <pc:spChg chg="add del">
+          <ac:chgData name="Guest User" userId="" providerId="Windows Live" clId="Web-{B87B94C5-AAC6-480D-9E68-5D343D30B5C7}" dt="2019-11-11T18:51:56.278" v="271"/>
+          <ac:spMkLst>
+            <pc:docMk/>
+            <pc:sldMk cId="3571924505" sldId="262"/>
+            <ac:spMk id="11" creationId="{C1B0F13F-C83B-4678-ABCC-5F6FB1D38827}"/>
+          </ac:spMkLst>
+        </pc:spChg>
+        <pc:spChg chg="add del">
+          <ac:chgData name="Guest User" userId="" providerId="Windows Live" clId="Web-{B87B94C5-AAC6-480D-9E68-5D343D30B5C7}" dt="2019-11-11T18:51:56.278" v="271"/>
+          <ac:spMkLst>
+            <pc:docMk/>
+            <pc:sldMk cId="3571924505" sldId="262"/>
+            <ac:spMk id="13" creationId="{02074ED4-9DB5-4D14-BDCF-BD7D0C145176}"/>
+          </ac:spMkLst>
+        </pc:spChg>
+        <pc:spChg chg="add del">
+          <ac:chgData name="Guest User" userId="" providerId="Windows Live" clId="Web-{B87B94C5-AAC6-480D-9E68-5D343D30B5C7}" dt="2019-11-11T18:51:56.278" v="271"/>
+          <ac:spMkLst>
+            <pc:docMk/>
+            <pc:sldMk cId="3571924505" sldId="262"/>
+            <ac:spMk id="15" creationId="{C48FF616-1F75-49FC-861B-7B794054AA6B}"/>
+          </ac:spMkLst>
+        </pc:spChg>
+        <pc:spChg chg="add del">
+          <ac:chgData name="Guest User" userId="" providerId="Windows Live" clId="Web-{B87B94C5-AAC6-480D-9E68-5D343D30B5C7}" dt="2019-11-11T18:51:56.278" v="271"/>
+          <ac:spMkLst>
+            <pc:docMk/>
+            <pc:sldMk cId="3571924505" sldId="262"/>
+            <ac:spMk id="17" creationId="{9184B385-16B6-44A9-9A47-1C765B376324}"/>
+          </ac:spMkLst>
+        </pc:spChg>
+        <pc:picChg chg="add mod">
+          <ac:chgData name="Guest User" userId="" providerId="Windows Live" clId="Web-{B87B94C5-AAC6-480D-9E68-5D343D30B5C7}" dt="2019-11-11T18:52:44.388" v="319"/>
+          <ac:picMkLst>
+            <pc:docMk/>
+            <pc:sldMk cId="3571924505" sldId="262"/>
+            <ac:picMk id="4" creationId="{37DBDBF7-C1A7-4C8A-9A5E-196CD5615A7D}"/>
+          </ac:picMkLst>
+        </pc:picChg>
+      </pc:sldChg>
+    </pc:docChg>
+  </pc:docChgLst>
+  <pc:docChgLst>
+    <pc:chgData name="Usuario invitado" providerId="Windows Live" clId="Web-{049E3096-6EA6-4CD1-8E07-F944FC9CC900}"/>
+    <pc:docChg chg="modSld">
+      <pc:chgData name="Usuario invitado" userId="" providerId="Windows Live" clId="Web-{049E3096-6EA6-4CD1-8E07-F944FC9CC900}" dt="2019-11-11T18:55:38.570" v="96" actId="14100"/>
+      <pc:docMkLst>
+        <pc:docMk/>
+      </pc:docMkLst>
+      <pc:sldChg chg="modSp">
+        <pc:chgData name="Usuario invitado" userId="" providerId="Windows Live" clId="Web-{049E3096-6EA6-4CD1-8E07-F944FC9CC900}" dt="2019-11-11T18:55:38.570" v="96" actId="14100"/>
+        <pc:sldMkLst>
+          <pc:docMk/>
+          <pc:sldMk cId="3571924505" sldId="262"/>
+        </pc:sldMkLst>
+        <pc:spChg chg="mod">
+          <ac:chgData name="Usuario invitado" userId="" providerId="Windows Live" clId="Web-{049E3096-6EA6-4CD1-8E07-F944FC9CC900}" dt="2019-11-11T18:55:38.570" v="96" actId="14100"/>
+          <ac:spMkLst>
+            <pc:docMk/>
+            <pc:sldMk cId="3571924505" sldId="262"/>
+            <ac:spMk id="3" creationId="{6DA9A8D3-9343-4B0A-B6C2-6E8B84A4F58D}"/>
+          </ac:spMkLst>
+        </pc:spChg>
+        <pc:picChg chg="mod">
+          <ac:chgData name="Usuario invitado" userId="" providerId="Windows Live" clId="Web-{049E3096-6EA6-4CD1-8E07-F944FC9CC900}" dt="2019-11-11T18:54:20.710" v="1" actId="1076"/>
+          <ac:picMkLst>
+            <pc:docMk/>
+            <pc:sldMk cId="3571924505" sldId="262"/>
+            <ac:picMk id="4" creationId="{37DBDBF7-C1A7-4C8A-9A5E-196CD5615A7D}"/>
+          </ac:picMkLst>
+        </pc:picChg>
+      </pc:sldChg>
+    </pc:docChg>
+  </pc:docChgLst>
+  <pc:docChgLst>
+    <pc:chgData name="Guest User" providerId="Windows Live" clId="Web-{4765F7DB-991B-45CE-8130-4661E06E94B6}"/>
+    <pc:docChg chg="modSld">
+      <pc:chgData name="Guest User" userId="" providerId="Windows Live" clId="Web-{4765F7DB-991B-45CE-8130-4661E06E94B6}" dt="2019-11-11T18:30:04.594" v="25" actId="14100"/>
+      <pc:docMkLst>
+        <pc:docMk/>
+      </pc:docMkLst>
+      <pc:sldChg chg="addSp delSp modSp">
+        <pc:chgData name="Guest User" userId="" providerId="Windows Live" clId="Web-{4765F7DB-991B-45CE-8130-4661E06E94B6}" dt="2019-11-11T18:30:04.594" v="25" actId="14100"/>
+        <pc:sldMkLst>
+          <pc:docMk/>
+          <pc:sldMk cId="3571924505" sldId="262"/>
+        </pc:sldMkLst>
+        <pc:spChg chg="mod">
+          <ac:chgData name="Guest User" userId="" providerId="Windows Live" clId="Web-{4765F7DB-991B-45CE-8130-4661E06E94B6}" dt="2019-11-11T18:30:04.594" v="25" actId="14100"/>
+          <ac:spMkLst>
+            <pc:docMk/>
+            <pc:sldMk cId="3571924505" sldId="262"/>
+            <ac:spMk id="3" creationId="{6DA9A8D3-9343-4B0A-B6C2-6E8B84A4F58D}"/>
+          </ac:spMkLst>
+        </pc:spChg>
+        <pc:spChg chg="add del mod">
+          <ac:chgData name="Guest User" userId="" providerId="Windows Live" clId="Web-{4765F7DB-991B-45CE-8130-4661E06E94B6}" dt="2019-11-11T18:30:00.110" v="24"/>
+          <ac:spMkLst>
+            <pc:docMk/>
+            <pc:sldMk cId="3571924505" sldId="262"/>
+            <ac:spMk id="4" creationId="{261DA91F-CEF2-4302-91C9-B20C917DB682}"/>
+          </ac:spMkLst>
+        </pc:spChg>
+      </pc:sldChg>
+    </pc:docChg>
+  </pc:docChgLst>
   <pc:docChgLst>
     <pc:chgData name="Rubén González Villanueva" userId="316062c3b860cbf8" providerId="LiveId" clId="{6E45B117-F3B8-48AF-AC24-D31C05631FEC}"/>
     <pc:docChg chg="undo custSel mod addSld modSld">
@@ -445,6 +617,214 @@
             <pc:docMk/>
             <pc:sldMk cId="1195560405" sldId="263"/>
             <ac:picMk id="5" creationId="{6D315456-F9FE-45E9-8B9E-0A1E4E191581}"/>
+          </ac:picMkLst>
+        </pc:picChg>
+      </pc:sldChg>
+    </pc:docChg>
+  </pc:docChgLst>
+  <pc:docChgLst>
+    <pc:chgData name="Usuario invitado" providerId="Windows Live" clId="Web-{94C37343-E02E-4AA8-9E56-0CA8496C2DC3}"/>
+    <pc:docChg chg="modSld">
+      <pc:chgData name="Usuario invitado" userId="" providerId="Windows Live" clId="Web-{94C37343-E02E-4AA8-9E56-0CA8496C2DC3}" dt="2019-11-11T19:29:07.395" v="401" actId="20577"/>
+      <pc:docMkLst>
+        <pc:docMk/>
+      </pc:docMkLst>
+      <pc:sldChg chg="addSp delSp modSp mod setBg">
+        <pc:chgData name="Usuario invitado" userId="" providerId="Windows Live" clId="Web-{94C37343-E02E-4AA8-9E56-0CA8496C2DC3}" dt="2019-11-11T19:29:07.395" v="400" actId="20577"/>
+        <pc:sldMkLst>
+          <pc:docMk/>
+          <pc:sldMk cId="3571924505" sldId="262"/>
+        </pc:sldMkLst>
+        <pc:spChg chg="mod">
+          <ac:chgData name="Usuario invitado" userId="" providerId="Windows Live" clId="Web-{94C37343-E02E-4AA8-9E56-0CA8496C2DC3}" dt="2019-11-11T19:24:56.533" v="32"/>
+          <ac:spMkLst>
+            <pc:docMk/>
+            <pc:sldMk cId="3571924505" sldId="262"/>
+            <ac:spMk id="2" creationId="{61DD6FAC-6BAA-4C07-B6B2-0E9A3567DF65}"/>
+          </ac:spMkLst>
+        </pc:spChg>
+        <pc:spChg chg="mod ord">
+          <ac:chgData name="Usuario invitado" userId="" providerId="Windows Live" clId="Web-{94C37343-E02E-4AA8-9E56-0CA8496C2DC3}" dt="2019-11-11T19:29:07.395" v="400" actId="20577"/>
+          <ac:spMkLst>
+            <pc:docMk/>
+            <pc:sldMk cId="3571924505" sldId="262"/>
+            <ac:spMk id="3" creationId="{6DA9A8D3-9343-4B0A-B6C2-6E8B84A4F58D}"/>
+          </ac:spMkLst>
+        </pc:spChg>
+        <pc:spChg chg="add del">
+          <ac:chgData name="Usuario invitado" userId="" providerId="Windows Live" clId="Web-{94C37343-E02E-4AA8-9E56-0CA8496C2DC3}" dt="2019-11-11T19:23:01.642" v="8"/>
+          <ac:spMkLst>
+            <pc:docMk/>
+            <pc:sldMk cId="3571924505" sldId="262"/>
+            <ac:spMk id="10" creationId="{0C1F6B00-30FF-455F-8A86-682BDAB0E904}"/>
+          </ac:spMkLst>
+        </pc:spChg>
+        <pc:spChg chg="add del">
+          <ac:chgData name="Usuario invitado" userId="" providerId="Windows Live" clId="Web-{94C37343-E02E-4AA8-9E56-0CA8496C2DC3}" dt="2019-11-11T19:23:01.642" v="8"/>
+          <ac:spMkLst>
+            <pc:docMk/>
+            <pc:sldMk cId="3571924505" sldId="262"/>
+            <ac:spMk id="12" creationId="{2561E8E6-AA1F-4231-B807-0A5C932E64BC}"/>
+          </ac:spMkLst>
+        </pc:spChg>
+        <pc:spChg chg="add del">
+          <ac:chgData name="Usuario invitado" userId="" providerId="Windows Live" clId="Web-{94C37343-E02E-4AA8-9E56-0CA8496C2DC3}" dt="2019-11-11T19:23:01.642" v="8"/>
+          <ac:spMkLst>
+            <pc:docMk/>
+            <pc:sldMk cId="3571924505" sldId="262"/>
+            <ac:spMk id="14" creationId="{42AAD8A7-0F68-4CE2-8E37-98629D1C4132}"/>
+          </ac:spMkLst>
+        </pc:spChg>
+        <pc:spChg chg="add del">
+          <ac:chgData name="Usuario invitado" userId="" providerId="Windows Live" clId="Web-{94C37343-E02E-4AA8-9E56-0CA8496C2DC3}" dt="2019-11-11T19:23:01.642" v="8"/>
+          <ac:spMkLst>
+            <pc:docMk/>
+            <pc:sldMk cId="3571924505" sldId="262"/>
+            <ac:spMk id="16" creationId="{2DFDF5BA-2109-45EC-AA28-9585297F9A92}"/>
+          </ac:spMkLst>
+        </pc:spChg>
+        <pc:spChg chg="add del">
+          <ac:chgData name="Usuario invitado" userId="" providerId="Windows Live" clId="Web-{94C37343-E02E-4AA8-9E56-0CA8496C2DC3}" dt="2019-11-11T19:23:04.376" v="10"/>
+          <ac:spMkLst>
+            <pc:docMk/>
+            <pc:sldMk cId="3571924505" sldId="262"/>
+            <ac:spMk id="18" creationId="{3952E577-47F7-4118-BE5E-697E5BAB0D83}"/>
+          </ac:spMkLst>
+        </pc:spChg>
+        <pc:spChg chg="add del">
+          <ac:chgData name="Usuario invitado" userId="" providerId="Windows Live" clId="Web-{94C37343-E02E-4AA8-9E56-0CA8496C2DC3}" dt="2019-11-11T19:23:07.735" v="12"/>
+          <ac:spMkLst>
+            <pc:docMk/>
+            <pc:sldMk cId="3571924505" sldId="262"/>
+            <ac:spMk id="20" creationId="{B50AF7FF-0BB3-4D42-87AF-2FAC4629770A}"/>
+          </ac:spMkLst>
+        </pc:spChg>
+        <pc:spChg chg="add del">
+          <ac:chgData name="Usuario invitado" userId="" providerId="Windows Live" clId="Web-{94C37343-E02E-4AA8-9E56-0CA8496C2DC3}" dt="2019-11-11T19:23:07.735" v="12"/>
+          <ac:spMkLst>
+            <pc:docMk/>
+            <pc:sldMk cId="3571924505" sldId="262"/>
+            <ac:spMk id="21" creationId="{3F02C26E-7EB2-4808-9497-CB1627FEDC4F}"/>
+          </ac:spMkLst>
+        </pc:spChg>
+        <pc:spChg chg="add del">
+          <ac:chgData name="Usuario invitado" userId="" providerId="Windows Live" clId="Web-{94C37343-E02E-4AA8-9E56-0CA8496C2DC3}" dt="2019-11-11T19:23:07.735" v="12"/>
+          <ac:spMkLst>
+            <pc:docMk/>
+            <pc:sldMk cId="3571924505" sldId="262"/>
+            <ac:spMk id="22" creationId="{6FCD3A50-A981-447A-B92E-805F81472544}"/>
+          </ac:spMkLst>
+        </pc:spChg>
+        <pc:spChg chg="add del">
+          <ac:chgData name="Usuario invitado" userId="" providerId="Windows Live" clId="Web-{94C37343-E02E-4AA8-9E56-0CA8496C2DC3}" dt="2019-11-11T19:23:07.735" v="12"/>
+          <ac:spMkLst>
+            <pc:docMk/>
+            <pc:sldMk cId="3571924505" sldId="262"/>
+            <ac:spMk id="23" creationId="{ADFB5F11-83FD-42E2-BABD-CAD7B27DFB3C}"/>
+          </ac:spMkLst>
+        </pc:spChg>
+        <pc:spChg chg="add del">
+          <ac:chgData name="Usuario invitado" userId="" providerId="Windows Live" clId="Web-{94C37343-E02E-4AA8-9E56-0CA8496C2DC3}" dt="2019-11-11T19:23:13.876" v="14"/>
+          <ac:spMkLst>
+            <pc:docMk/>
+            <pc:sldMk cId="3571924505" sldId="262"/>
+            <ac:spMk id="24" creationId="{0560EE91-C39D-4300-A1A6-C61D61EEE68A}"/>
+          </ac:spMkLst>
+        </pc:spChg>
+        <pc:spChg chg="add del">
+          <ac:chgData name="Usuario invitado" userId="" providerId="Windows Live" clId="Web-{94C37343-E02E-4AA8-9E56-0CA8496C2DC3}" dt="2019-11-11T19:24:27.189" v="16"/>
+          <ac:spMkLst>
+            <pc:docMk/>
+            <pc:sldMk cId="3571924505" sldId="262"/>
+            <ac:spMk id="25" creationId="{3AB084A1-F3A2-4BF8-BB6A-E677B5BD7738}"/>
+          </ac:spMkLst>
+        </pc:spChg>
+        <pc:spChg chg="add del">
+          <ac:chgData name="Usuario invitado" userId="" providerId="Windows Live" clId="Web-{94C37343-E02E-4AA8-9E56-0CA8496C2DC3}" dt="2019-11-11T19:24:27.189" v="16"/>
+          <ac:spMkLst>
+            <pc:docMk/>
+            <pc:sldMk cId="3571924505" sldId="262"/>
+            <ac:spMk id="26" creationId="{1E0965C0-22E8-4A47-9A17-4E6078D00D8B}"/>
+          </ac:spMkLst>
+        </pc:spChg>
+        <pc:spChg chg="add del">
+          <ac:chgData name="Usuario invitado" userId="" providerId="Windows Live" clId="Web-{94C37343-E02E-4AA8-9E56-0CA8496C2DC3}" dt="2019-11-11T19:24:27.189" v="16"/>
+          <ac:spMkLst>
+            <pc:docMk/>
+            <pc:sldMk cId="3571924505" sldId="262"/>
+            <ac:spMk id="27" creationId="{03D63C01-EC27-44CF-85D4-0C65696F1DF3}"/>
+          </ac:spMkLst>
+        </pc:spChg>
+        <pc:spChg chg="add del">
+          <ac:chgData name="Usuario invitado" userId="" providerId="Windows Live" clId="Web-{94C37343-E02E-4AA8-9E56-0CA8496C2DC3}" dt="2019-11-11T19:24:27.189" v="16"/>
+          <ac:spMkLst>
+            <pc:docMk/>
+            <pc:sldMk cId="3571924505" sldId="262"/>
+            <ac:spMk id="28" creationId="{7B57BCC7-232D-4B6C-920B-D0696A3C8BFB}"/>
+          </ac:spMkLst>
+        </pc:spChg>
+        <pc:spChg chg="add del">
+          <ac:chgData name="Usuario invitado" userId="" providerId="Windows Live" clId="Web-{94C37343-E02E-4AA8-9E56-0CA8496C2DC3}" dt="2019-11-11T19:24:27.189" v="16"/>
+          <ac:spMkLst>
+            <pc:docMk/>
+            <pc:sldMk cId="3571924505" sldId="262"/>
+            <ac:spMk id="29" creationId="{78E8CD9E-3CE2-487B-AA8E-6E386CD195E7}"/>
+          </ac:spMkLst>
+        </pc:spChg>
+        <pc:spChg chg="add del">
+          <ac:chgData name="Usuario invitado" userId="" providerId="Windows Live" clId="Web-{94C37343-E02E-4AA8-9E56-0CA8496C2DC3}" dt="2019-11-11T19:24:27.189" v="16"/>
+          <ac:spMkLst>
+            <pc:docMk/>
+            <pc:sldMk cId="3571924505" sldId="262"/>
+            <ac:spMk id="30" creationId="{E8F42A1F-0F67-4856-AEB3-D2AC390D23B4}"/>
+          </ac:spMkLst>
+        </pc:spChg>
+        <pc:spChg chg="add del">
+          <ac:chgData name="Usuario invitado" userId="" providerId="Windows Live" clId="Web-{94C37343-E02E-4AA8-9E56-0CA8496C2DC3}" dt="2019-11-11T19:24:27.189" v="16"/>
+          <ac:spMkLst>
+            <pc:docMk/>
+            <pc:sldMk cId="3571924505" sldId="262"/>
+            <ac:spMk id="31" creationId="{E18DC9CC-CE0B-48A6-8164-0D10E9E6CE7E}"/>
+          </ac:spMkLst>
+        </pc:spChg>
+        <pc:spChg chg="add del">
+          <ac:chgData name="Usuario invitado" userId="" providerId="Windows Live" clId="Web-{94C37343-E02E-4AA8-9E56-0CA8496C2DC3}" dt="2019-11-11T19:24:56.533" v="32"/>
+          <ac:spMkLst>
+            <pc:docMk/>
+            <pc:sldMk cId="3571924505" sldId="262"/>
+            <ac:spMk id="32" creationId="{1D5EA905-60F6-495B-BC4F-A58B9D1B3A3F}"/>
+          </ac:spMkLst>
+        </pc:spChg>
+        <pc:grpChg chg="add del">
+          <ac:chgData name="Usuario invitado" userId="" providerId="Windows Live" clId="Web-{94C37343-E02E-4AA8-9E56-0CA8496C2DC3}" dt="2019-11-11T19:23:04.376" v="10"/>
+          <ac:grpSpMkLst>
+            <pc:docMk/>
+            <pc:sldMk cId="3571924505" sldId="262"/>
+            <ac:grpSpMk id="19" creationId="{8EF88F0D-A5AB-4F16-9006-767488EF717C}"/>
+          </ac:grpSpMkLst>
+        </pc:grpChg>
+        <pc:grpChg chg="add del">
+          <ac:chgData name="Usuario invitado" userId="" providerId="Windows Live" clId="Web-{94C37343-E02E-4AA8-9E56-0CA8496C2DC3}" dt="2019-11-11T19:24:56.533" v="32"/>
+          <ac:grpSpMkLst>
+            <pc:docMk/>
+            <pc:sldMk cId="3571924505" sldId="262"/>
+            <ac:grpSpMk id="33" creationId="{8621EE3E-1667-4864-956E-8309811CB96C}"/>
+          </ac:grpSpMkLst>
+        </pc:grpChg>
+        <pc:picChg chg="mod ord">
+          <ac:chgData name="Usuario invitado" userId="" providerId="Windows Live" clId="Web-{94C37343-E02E-4AA8-9E56-0CA8496C2DC3}" dt="2019-11-11T19:25:36.987" v="41" actId="1076"/>
+          <ac:picMkLst>
+            <pc:docMk/>
+            <pc:sldMk cId="3571924505" sldId="262"/>
+            <ac:picMk id="4" creationId="{37DBDBF7-C1A7-4C8A-9A5E-196CD5615A7D}"/>
+          </ac:picMkLst>
+        </pc:picChg>
+        <pc:picChg chg="add mod">
+          <ac:chgData name="Usuario invitado" userId="" providerId="Windows Live" clId="Web-{94C37343-E02E-4AA8-9E56-0CA8496C2DC3}" dt="2019-11-11T19:26:04.175" v="46" actId="14100"/>
+          <ac:picMkLst>
+            <pc:docMk/>
+            <pc:sldMk cId="3571924505" sldId="262"/>
+            <ac:picMk id="5" creationId="{3E24898D-4D9A-4B69-8A7B-AFD8AE979FCE}"/>
           </ac:picMkLst>
         </pc:picChg>
       </pc:sldChg>
@@ -1442,7 +1822,7 @@
             <a:fld id="{D57F1E4F-1CFF-5643-939E-217C01CDF565}" type="slidenum">
               <a:rPr lang="en-US" dirty="0"/>
               <a:pPr/>
-              <a:t>‹#›</a:t>
+              <a:t>‹Nº›</a:t>
             </a:fld>
             <a:endParaRPr lang="en-US" dirty="0"/>
           </a:p>
@@ -1669,7 +2049,7 @@
             <a:fld id="{D57F1E4F-1CFF-5643-939E-217C01CDF565}" type="slidenum">
               <a:rPr lang="en-US" dirty="0"/>
               <a:pPr/>
-              <a:t>‹#›</a:t>
+              <a:t>‹Nº›</a:t>
             </a:fld>
             <a:endParaRPr lang="en-US" dirty="0"/>
           </a:p>
@@ -1922,7 +2302,7 @@
             <a:fld id="{D57F1E4F-1CFF-5643-939E-217C01CDF565}" type="slidenum">
               <a:rPr lang="en-US" dirty="0"/>
               <a:pPr/>
-              <a:t>‹#›</a:t>
+              <a:t>‹Nº›</a:t>
             </a:fld>
             <a:endParaRPr lang="en-US" dirty="0"/>
           </a:p>
@@ -2143,7 +2523,7 @@
             <a:fld id="{D57F1E4F-1CFF-5643-939E-217C01CDF565}" type="slidenum">
               <a:rPr lang="en-US" dirty="0"/>
               <a:pPr/>
-              <a:t>‹#›</a:t>
+              <a:t>‹Nº›</a:t>
             </a:fld>
             <a:endParaRPr lang="en-US" dirty="0"/>
           </a:p>
@@ -2464,7 +2844,7 @@
             <a:fld id="{D57F1E4F-1CFF-5643-939E-217C01CDF565}" type="slidenum">
               <a:rPr lang="en-US" dirty="0"/>
               <a:pPr/>
-              <a:t>‹#›</a:t>
+              <a:t>‹Nº›</a:t>
             </a:fld>
             <a:endParaRPr lang="en-US" dirty="0"/>
           </a:p>
@@ -2741,7 +3121,7 @@
             <a:fld id="{D57F1E4F-1CFF-5643-939E-217C01CDF565}" type="slidenum">
               <a:rPr lang="en-US" dirty="0"/>
               <a:pPr/>
-              <a:t>‹#›</a:t>
+              <a:t>‹Nº›</a:t>
             </a:fld>
             <a:endParaRPr lang="en-US" dirty="0"/>
           </a:p>
@@ -3160,7 +3540,7 @@
             <a:fld id="{D57F1E4F-1CFF-5643-939E-217C01CDF565}" type="slidenum">
               <a:rPr lang="en-US" dirty="0"/>
               <a:pPr/>
-              <a:t>‹#›</a:t>
+              <a:t>‹Nº›</a:t>
             </a:fld>
             <a:endParaRPr lang="en-US" dirty="0"/>
           </a:p>
@@ -3252,7 +3632,7 @@
             <a:fld id="{D57F1E4F-1CFF-5643-939E-217C01CDF565}" type="slidenum">
               <a:rPr lang="en-US" dirty="0"/>
               <a:pPr/>
-              <a:t>‹#›</a:t>
+              <a:t>‹Nº›</a:t>
             </a:fld>
             <a:endParaRPr lang="en-US" dirty="0"/>
           </a:p>
@@ -3411,7 +3791,7 @@
             <a:fld id="{D57F1E4F-1CFF-5643-939E-217C01CDF565}" type="slidenum">
               <a:rPr lang="en-US" dirty="0"/>
               <a:pPr/>
-              <a:t>‹#›</a:t>
+              <a:t>‹Nº›</a:t>
             </a:fld>
             <a:endParaRPr lang="en-US" dirty="0"/>
           </a:p>
@@ -3808,7 +4188,7 @@
             <a:fld id="{D57F1E4F-1CFF-5643-939E-217C01CDF565}" type="slidenum">
               <a:rPr lang="en-US" dirty="0"/>
               <a:pPr/>
-              <a:t>‹#›</a:t>
+              <a:t>‹Nº›</a:t>
             </a:fld>
             <a:endParaRPr lang="en-US" dirty="0"/>
           </a:p>
@@ -4072,7 +4452,7 @@
             <a:fld id="{D57F1E4F-1CFF-5643-939E-217C01CDF565}" type="slidenum">
               <a:rPr lang="en-US" dirty="0"/>
               <a:pPr/>
-              <a:t>‹#›</a:t>
+              <a:t>‹Nº›</a:t>
             </a:fld>
             <a:endParaRPr lang="en-US" dirty="0"/>
           </a:p>
@@ -4312,7 +4692,7 @@
             <a:fld id="{D57F1E4F-1CFF-5643-939E-217C01CDF565}" type="slidenum">
               <a:rPr lang="en-US" dirty="0"/>
               <a:pPr/>
-              <a:t>‹#›</a:t>
+              <a:t>‹Nº›</a:t>
             </a:fld>
             <a:endParaRPr lang="en-US" dirty="0"/>
           </a:p>
@@ -5490,7 +5870,6 @@
               <a:prstClr val="white"/>
             </a:duotone>
             <a:alphaModFix amt="35000"/>
-            <a:extLst/>
           </a:blip>
           <a:srcRect t="3006" b="21994"/>
           <a:stretch/>
@@ -6722,13 +7101,13 @@
   <p:clrMapOvr>
     <a:masterClrMapping/>
   </p:clrMapOvr>
-  <mc:AlternateContent xmlns:mc="http://schemas.openxmlformats.org/markup-compatibility/2006">
-    <mc:Choice xmlns:p159="http://schemas.microsoft.com/office/powerpoint/2015/09/main" Requires="p159">
+  <mc:AlternateContent xmlns:mc="http://schemas.openxmlformats.org/markup-compatibility/2006" xmlns:p159="http://schemas.microsoft.com/office/powerpoint/2015/09/main">
+    <mc:Choice Requires="p159">
       <p:transition xmlns:p14="http://schemas.microsoft.com/office/powerpoint/2010/main" spd="slow" p14:dur="2000">
         <p159:morph option="byObject"/>
       </p:transition>
     </mc:Choice>
-    <mc:Fallback>
+    <mc:Fallback xmlns="">
       <p:transition spd="slow">
         <p:fade/>
       </p:transition>
@@ -6821,15 +7200,102 @@
             <p:ph idx="1"/>
           </p:nvPr>
         </p:nvSpPr>
-        <p:spPr/>
+        <p:spPr>
+          <a:xfrm>
+            <a:off x="581192" y="2180496"/>
+            <a:ext cx="4329767" cy="4138378"/>
+          </a:xfrm>
+        </p:spPr>
         <p:txBody>
           <a:bodyPr/>
           <a:lstStyle/>
           <a:p>
-            <a:endParaRPr lang="en-US"/>
-          </a:p>
-        </p:txBody>
-      </p:sp>
+            <a:pPr marL="305435" indent="-305435"/>
+            <a:r>
+              <a:rPr lang="es-CR" dirty="0"/>
+              <a:t>Se cumplieron con los objetivos propuestos</a:t>
+            </a:r>
+          </a:p>
+          <a:p>
+            <a:pPr marL="305435" indent="-305435"/>
+            <a:r>
+              <a:rPr lang="es-CR" dirty="0"/>
+              <a:t>Simulación acertada y que siguiese el comportamiento esperado por medio de la siguiente imagen y datos recolectados:</a:t>
+            </a:r>
+          </a:p>
+          <a:p>
+            <a:pPr marL="305435" indent="-305435"/>
+            <a:r>
+              <a:rPr lang="es-CR" dirty="0"/>
+              <a:t>Simulación no es 100% acertada, ya que se orientó mucho a los visual por lo que se podría mejorar en este aspecto.</a:t>
+            </a:r>
+          </a:p>
+          <a:p>
+            <a:pPr marL="305435" indent="-305435"/>
+            <a:endParaRPr lang="es-CR" dirty="0"/>
+          </a:p>
+        </p:txBody>
+      </p:sp>
+      <p:pic>
+        <p:nvPicPr>
+          <p:cNvPr id="4" name="Imagen 4" descr="Captura de pantalla de un celular con texto&#10;&#10;Descripción generada con confianza alta">
+            <a:extLst>
+              <a:ext uri="{FF2B5EF4-FFF2-40B4-BE49-F238E27FC236}">
+                <a16:creationId xmlns:a16="http://schemas.microsoft.com/office/drawing/2014/main" id="{37DBDBF7-C1A7-4C8A-9A5E-196CD5615A7D}"/>
+              </a:ext>
+            </a:extLst>
+          </p:cNvPr>
+          <p:cNvPicPr>
+            <a:picLocks noChangeAspect="1"/>
+          </p:cNvPicPr>
+          <p:nvPr/>
+        </p:nvPicPr>
+        <p:blipFill>
+          <a:blip r:embed="rId2"/>
+          <a:stretch>
+            <a:fillRect/>
+          </a:stretch>
+        </p:blipFill>
+        <p:spPr>
+          <a:xfrm>
+            <a:off x="5500778" y="2185536"/>
+            <a:ext cx="2599426" cy="1954967"/>
+          </a:xfrm>
+          <a:prstGeom prst="rect">
+            <a:avLst/>
+          </a:prstGeom>
+        </p:spPr>
+      </p:pic>
+      <p:pic>
+        <p:nvPicPr>
+          <p:cNvPr id="5" name="Imagen 5" descr="Imagen que contiene texto, mapa&#10;&#10;Descripción generada con confianza muy alta">
+            <a:extLst>
+              <a:ext uri="{FF2B5EF4-FFF2-40B4-BE49-F238E27FC236}">
+                <a16:creationId xmlns:a16="http://schemas.microsoft.com/office/drawing/2014/main" id="{3E24898D-4D9A-4B69-8A7B-AFD8AE979FCE}"/>
+              </a:ext>
+            </a:extLst>
+          </p:cNvPr>
+          <p:cNvPicPr>
+            <a:picLocks noChangeAspect="1"/>
+          </p:cNvPicPr>
+          <p:nvPr/>
+        </p:nvPicPr>
+        <p:blipFill>
+          <a:blip r:embed="rId3"/>
+          <a:stretch>
+            <a:fillRect/>
+          </a:stretch>
+        </p:blipFill>
+        <p:spPr>
+          <a:xfrm>
+            <a:off x="7743645" y="4245060"/>
+            <a:ext cx="3303917" cy="2321655"/>
+          </a:xfrm>
+          <a:prstGeom prst="rect">
+            <a:avLst/>
+          </a:prstGeom>
+        </p:spPr>
+      </p:pic>
     </p:spTree>
     <p:extLst>
       <p:ext uri="{BB962C8B-B14F-4D97-AF65-F5344CB8AC3E}">
@@ -6840,13 +7306,13 @@
   <p:clrMapOvr>
     <a:masterClrMapping/>
   </p:clrMapOvr>
-  <mc:AlternateContent xmlns:mc="http://schemas.openxmlformats.org/markup-compatibility/2006">
-    <mc:Choice xmlns:p159="http://schemas.microsoft.com/office/powerpoint/2015/09/main" Requires="p159">
+  <mc:AlternateContent xmlns:mc="http://schemas.openxmlformats.org/markup-compatibility/2006" xmlns:p159="http://schemas.microsoft.com/office/powerpoint/2015/09/main">
+    <mc:Choice Requires="p159">
       <p:transition xmlns:p14="http://schemas.microsoft.com/office/powerpoint/2010/main" spd="slow" p14:dur="2000">
         <p159:morph option="byObject"/>
       </p:transition>
     </mc:Choice>
-    <mc:Fallback>
+    <mc:Fallback xmlns="">
       <p:transition spd="slow">
         <p:fade/>
       </p:transition>

--- a/Obvio Microbio.pptx
+++ b/Obvio Microbio.pptx
@@ -10,8 +10,9 @@
     <p:sldId id="258" r:id="rId7"/>
     <p:sldId id="259" r:id="rId8"/>
     <p:sldId id="263" r:id="rId9"/>
-    <p:sldId id="262" r:id="rId10"/>
-    <p:sldId id="261" r:id="rId11"/>
+    <p:sldId id="264" r:id="rId10"/>
+    <p:sldId id="262" r:id="rId11"/>
+    <p:sldId id="261" r:id="rId12"/>
   </p:sldIdLst>
   <p:sldSz cx="12192000" cy="6858000"/>
   <p:notesSz cx="6858000" cy="9144000"/>
@@ -6954,10 +6955,9 @@
           </a:p>
           <a:p>
             <a:r>
-              <a:rPr lang="en-US" dirty="0" err="1"/>
-              <a:t>Imágen</a:t>
-            </a:r>
-            <a:endParaRPr lang="en-US" dirty="0"/>
+              <a:rPr lang="en-US" dirty="0"/>
+              <a:t>Imagen</a:t>
+            </a:r>
           </a:p>
           <a:p>
             <a:r>
@@ -7138,6 +7138,1258 @@
           <p:cNvPr id="2" name="Title 1">
             <a:extLst>
               <a:ext uri="{FF2B5EF4-FFF2-40B4-BE49-F238E27FC236}">
+                <a16:creationId xmlns:a16="http://schemas.microsoft.com/office/drawing/2014/main" id="{2695194C-DA76-4C3A-84BF-B351927EF8E0}"/>
+              </a:ext>
+            </a:extLst>
+          </p:cNvPr>
+          <p:cNvSpPr>
+            <a:spLocks noGrp="1"/>
+          </p:cNvSpPr>
+          <p:nvPr>
+            <p:ph type="title"/>
+          </p:nvPr>
+        </p:nvSpPr>
+        <p:spPr/>
+        <p:txBody>
+          <a:bodyPr anchor="ctr"/>
+          <a:lstStyle/>
+          <a:p>
+            <a:r>
+              <a:rPr lang="en-US" dirty="0" err="1"/>
+              <a:t>bACTERIAS</a:t>
+            </a:r>
+            <a:endParaRPr lang="en-US" dirty="0"/>
+          </a:p>
+        </p:txBody>
+      </p:sp>
+      <p:sp>
+        <p:nvSpPr>
+          <p:cNvPr id="6" name="Text Placeholder 5">
+            <a:extLst>
+              <a:ext uri="{FF2B5EF4-FFF2-40B4-BE49-F238E27FC236}">
+                <a16:creationId xmlns:a16="http://schemas.microsoft.com/office/drawing/2014/main" id="{949D551B-B45C-4B2A-9317-31AF15A48BFB}"/>
+              </a:ext>
+            </a:extLst>
+          </p:cNvPr>
+          <p:cNvSpPr>
+            <a:spLocks noGrp="1"/>
+          </p:cNvSpPr>
+          <p:nvPr>
+            <p:ph type="body" idx="1"/>
+          </p:nvPr>
+        </p:nvSpPr>
+        <p:spPr>
+          <a:xfrm>
+            <a:off x="1273567" y="2259901"/>
+            <a:ext cx="1978811" cy="536005"/>
+          </a:xfrm>
+        </p:spPr>
+        <p:txBody>
+          <a:bodyPr/>
+          <a:lstStyle/>
+          <a:p>
+            <a:r>
+              <a:rPr lang="es-CR" dirty="0" err="1"/>
+              <a:t>Escherichia</a:t>
+            </a:r>
+            <a:r>
+              <a:rPr lang="es-CR" dirty="0"/>
+              <a:t> </a:t>
+            </a:r>
+            <a:r>
+              <a:rPr lang="es-CR" dirty="0" err="1"/>
+              <a:t>coli</a:t>
+            </a:r>
+            <a:endParaRPr lang="en-US" dirty="0"/>
+          </a:p>
+        </p:txBody>
+      </p:sp>
+      <p:pic>
+        <p:nvPicPr>
+          <p:cNvPr id="5" name="Picture 4">
+            <a:extLst>
+              <a:ext uri="{FF2B5EF4-FFF2-40B4-BE49-F238E27FC236}">
+                <a16:creationId xmlns:a16="http://schemas.microsoft.com/office/drawing/2014/main" id="{6D315456-F9FE-45E9-8B9E-0A1E4E191581}"/>
+              </a:ext>
+            </a:extLst>
+          </p:cNvPr>
+          <p:cNvPicPr>
+            <a:picLocks noChangeAspect="1"/>
+          </p:cNvPicPr>
+          <p:nvPr/>
+        </p:nvPicPr>
+        <p:blipFill>
+          <a:blip r:embed="rId2"/>
+          <a:stretch>
+            <a:fillRect/>
+          </a:stretch>
+        </p:blipFill>
+        <p:spPr>
+          <a:xfrm>
+            <a:off x="443738" y="5472801"/>
+            <a:ext cx="1428949" cy="1072292"/>
+          </a:xfrm>
+          <a:prstGeom prst="rect">
+            <a:avLst/>
+          </a:prstGeom>
+        </p:spPr>
+      </p:pic>
+      <p:pic>
+        <p:nvPicPr>
+          <p:cNvPr id="13" name="Imagen 12" descr="Imagen que contiene animal, coral&#10;&#10;Descripción generada automáticamente">
+            <a:extLst>
+              <a:ext uri="{FF2B5EF4-FFF2-40B4-BE49-F238E27FC236}">
+                <a16:creationId xmlns:a16="http://schemas.microsoft.com/office/drawing/2014/main" id="{82289573-73AE-4978-9614-5D4E5F1450C9}"/>
+              </a:ext>
+            </a:extLst>
+          </p:cNvPr>
+          <p:cNvPicPr>
+            <a:picLocks noChangeAspect="1"/>
+          </p:cNvPicPr>
+          <p:nvPr/>
+        </p:nvPicPr>
+        <p:blipFill>
+          <a:blip r:embed="rId3"/>
+          <a:stretch>
+            <a:fillRect/>
+          </a:stretch>
+        </p:blipFill>
+        <p:spPr>
+          <a:xfrm>
+            <a:off x="9662393" y="3797504"/>
+            <a:ext cx="1428949" cy="1209844"/>
+          </a:xfrm>
+          <a:prstGeom prst="rect">
+            <a:avLst/>
+          </a:prstGeom>
+        </p:spPr>
+      </p:pic>
+      <p:pic>
+        <p:nvPicPr>
+          <p:cNvPr id="15" name="Imagen 14">
+            <a:extLst>
+              <a:ext uri="{FF2B5EF4-FFF2-40B4-BE49-F238E27FC236}">
+                <a16:creationId xmlns:a16="http://schemas.microsoft.com/office/drawing/2014/main" id="{3123FCA1-CDDA-401F-8991-60F113245E6E}"/>
+              </a:ext>
+            </a:extLst>
+          </p:cNvPr>
+          <p:cNvPicPr>
+            <a:picLocks noChangeAspect="1"/>
+          </p:cNvPicPr>
+          <p:nvPr/>
+        </p:nvPicPr>
+        <p:blipFill>
+          <a:blip r:embed="rId4"/>
+          <a:stretch>
+            <a:fillRect/>
+          </a:stretch>
+        </p:blipFill>
+        <p:spPr>
+          <a:xfrm>
+            <a:off x="3252378" y="4820227"/>
+            <a:ext cx="1269160" cy="1188720"/>
+          </a:xfrm>
+          <a:prstGeom prst="rect">
+            <a:avLst/>
+          </a:prstGeom>
+        </p:spPr>
+      </p:pic>
+      <p:pic>
+        <p:nvPicPr>
+          <p:cNvPr id="17" name="Imagen 16" descr="Imagen que contiene luz, dibujo, animal&#10;&#10;Descripción generada automáticamente">
+            <a:extLst>
+              <a:ext uri="{FF2B5EF4-FFF2-40B4-BE49-F238E27FC236}">
+                <a16:creationId xmlns:a16="http://schemas.microsoft.com/office/drawing/2014/main" id="{090E6967-9DAA-4CC4-8A35-111EC56D46B9}"/>
+              </a:ext>
+            </a:extLst>
+          </p:cNvPr>
+          <p:cNvPicPr>
+            <a:picLocks noChangeAspect="1"/>
+          </p:cNvPicPr>
+          <p:nvPr/>
+        </p:nvPicPr>
+        <p:blipFill>
+          <a:blip r:embed="rId5"/>
+          <a:stretch>
+            <a:fillRect/>
+          </a:stretch>
+        </p:blipFill>
+        <p:spPr>
+          <a:xfrm rot="1013936">
+            <a:off x="1939201" y="2827151"/>
+            <a:ext cx="647540" cy="1280160"/>
+          </a:xfrm>
+          <a:prstGeom prst="rect">
+            <a:avLst/>
+          </a:prstGeom>
+        </p:spPr>
+      </p:pic>
+      <p:pic>
+        <p:nvPicPr>
+          <p:cNvPr id="19" name="Imagen 18" descr="Imagen que contiene flor, alimentos&#10;&#10;Descripción generada automáticamente">
+            <a:extLst>
+              <a:ext uri="{FF2B5EF4-FFF2-40B4-BE49-F238E27FC236}">
+                <a16:creationId xmlns:a16="http://schemas.microsoft.com/office/drawing/2014/main" id="{337E50E5-B775-4B58-9112-BEF3B579C176}"/>
+              </a:ext>
+            </a:extLst>
+          </p:cNvPr>
+          <p:cNvPicPr>
+            <a:picLocks noChangeAspect="1"/>
+          </p:cNvPicPr>
+          <p:nvPr/>
+        </p:nvPicPr>
+        <p:blipFill>
+          <a:blip r:embed="rId6"/>
+          <a:stretch>
+            <a:fillRect/>
+          </a:stretch>
+        </p:blipFill>
+        <p:spPr>
+          <a:xfrm>
+            <a:off x="5979284" y="2795906"/>
+            <a:ext cx="1431718" cy="1188720"/>
+          </a:xfrm>
+          <a:prstGeom prst="rect">
+            <a:avLst/>
+          </a:prstGeom>
+        </p:spPr>
+      </p:pic>
+      <p:pic>
+        <p:nvPicPr>
+          <p:cNvPr id="21" name="Imagen 20" descr="Imagen que contiene animal&#10;&#10;Descripción generada automáticamente">
+            <a:extLst>
+              <a:ext uri="{FF2B5EF4-FFF2-40B4-BE49-F238E27FC236}">
+                <a16:creationId xmlns:a16="http://schemas.microsoft.com/office/drawing/2014/main" id="{D4A37450-A005-491D-970F-DFA49AAC9D6B}"/>
+              </a:ext>
+            </a:extLst>
+          </p:cNvPr>
+          <p:cNvPicPr>
+            <a:picLocks noChangeAspect="1"/>
+          </p:cNvPicPr>
+          <p:nvPr/>
+        </p:nvPicPr>
+        <p:blipFill>
+          <a:blip r:embed="rId7"/>
+          <a:stretch>
+            <a:fillRect/>
+          </a:stretch>
+        </p:blipFill>
+        <p:spPr>
+          <a:xfrm>
+            <a:off x="7295480" y="5269763"/>
+            <a:ext cx="1190791" cy="1105054"/>
+          </a:xfrm>
+          <a:prstGeom prst="rect">
+            <a:avLst/>
+          </a:prstGeom>
+        </p:spPr>
+      </p:pic>
+      <p:sp>
+        <p:nvSpPr>
+          <p:cNvPr id="24" name="Text Placeholder 5">
+            <a:extLst>
+              <a:ext uri="{FF2B5EF4-FFF2-40B4-BE49-F238E27FC236}">
+                <a16:creationId xmlns:a16="http://schemas.microsoft.com/office/drawing/2014/main" id="{FE11F1C4-7DAA-4AE3-B30E-6572AA2897B5}"/>
+              </a:ext>
+            </a:extLst>
+          </p:cNvPr>
+          <p:cNvSpPr txBox="1">
+            <a:spLocks/>
+          </p:cNvSpPr>
+          <p:nvPr/>
+        </p:nvSpPr>
+        <p:spPr>
+          <a:xfrm>
+            <a:off x="2448142" y="4134424"/>
+            <a:ext cx="2877632" cy="536005"/>
+          </a:xfrm>
+          <a:prstGeom prst="rect">
+            <a:avLst/>
+          </a:prstGeom>
+        </p:spPr>
+        <p:txBody>
+          <a:bodyPr vert="horz" lIns="91440" tIns="45720" rIns="91440" bIns="45720" rtlCol="0" anchor="b">
+            <a:noAutofit/>
+          </a:bodyPr>
+          <a:lstStyle>
+            <a:lvl1pPr marL="0" indent="0" algn="l" defTabSz="457200" rtl="0" eaLnBrk="1" latinLnBrk="0" hangingPunct="1">
+              <a:spcBef>
+                <a:spcPct val="20000"/>
+              </a:spcBef>
+              <a:spcAft>
+                <a:spcPts val="600"/>
+              </a:spcAft>
+              <a:buClr>
+                <a:schemeClr val="accent2"/>
+              </a:buClr>
+              <a:buSzPct val="92000"/>
+              <a:buFont typeface="Wingdings 2" panose="05020102010507070707" pitchFamily="18" charset="2"/>
+              <a:buNone/>
+              <a:defRPr sz="2200" b="0" kern="1200">
+                <a:solidFill>
+                  <a:schemeClr val="accent2"/>
+                </a:solidFill>
+                <a:latin typeface="+mn-lt"/>
+                <a:ea typeface="+mn-ea"/>
+                <a:cs typeface="+mn-cs"/>
+              </a:defRPr>
+            </a:lvl1pPr>
+            <a:lvl2pPr marL="457200" indent="0" algn="l" defTabSz="457200" rtl="0" eaLnBrk="1" latinLnBrk="0" hangingPunct="1">
+              <a:spcBef>
+                <a:spcPct val="20000"/>
+              </a:spcBef>
+              <a:spcAft>
+                <a:spcPts val="600"/>
+              </a:spcAft>
+              <a:buClr>
+                <a:schemeClr val="accent2"/>
+              </a:buClr>
+              <a:buSzPct val="92000"/>
+              <a:buFont typeface="Wingdings 2" panose="05020102010507070707" pitchFamily="18" charset="2"/>
+              <a:buNone/>
+              <a:defRPr sz="2000" b="1" kern="1200">
+                <a:solidFill>
+                  <a:schemeClr val="tx2"/>
+                </a:solidFill>
+                <a:latin typeface="+mn-lt"/>
+                <a:ea typeface="+mn-ea"/>
+                <a:cs typeface="+mn-cs"/>
+              </a:defRPr>
+            </a:lvl2pPr>
+            <a:lvl3pPr marL="914400" indent="0" algn="l" defTabSz="457200" rtl="0" eaLnBrk="1" latinLnBrk="0" hangingPunct="1">
+              <a:spcBef>
+                <a:spcPct val="20000"/>
+              </a:spcBef>
+              <a:spcAft>
+                <a:spcPts val="600"/>
+              </a:spcAft>
+              <a:buClr>
+                <a:schemeClr val="accent2"/>
+              </a:buClr>
+              <a:buSzPct val="92000"/>
+              <a:buFont typeface="Wingdings 2" panose="05020102010507070707" pitchFamily="18" charset="2"/>
+              <a:buNone/>
+              <a:defRPr sz="1800" b="1" kern="1200">
+                <a:solidFill>
+                  <a:schemeClr val="tx2"/>
+                </a:solidFill>
+                <a:latin typeface="+mn-lt"/>
+                <a:ea typeface="+mn-ea"/>
+                <a:cs typeface="+mn-cs"/>
+              </a:defRPr>
+            </a:lvl3pPr>
+            <a:lvl4pPr marL="1371600" indent="0" algn="l" defTabSz="457200" rtl="0" eaLnBrk="1" latinLnBrk="0" hangingPunct="1">
+              <a:spcBef>
+                <a:spcPct val="20000"/>
+              </a:spcBef>
+              <a:spcAft>
+                <a:spcPts val="600"/>
+              </a:spcAft>
+              <a:buClr>
+                <a:schemeClr val="accent2"/>
+              </a:buClr>
+              <a:buSzPct val="92000"/>
+              <a:buFont typeface="Wingdings 2" panose="05020102010507070707" pitchFamily="18" charset="2"/>
+              <a:buNone/>
+              <a:defRPr sz="1600" b="1" kern="1200">
+                <a:solidFill>
+                  <a:schemeClr val="tx2"/>
+                </a:solidFill>
+                <a:latin typeface="+mn-lt"/>
+                <a:ea typeface="+mn-ea"/>
+                <a:cs typeface="+mn-cs"/>
+              </a:defRPr>
+            </a:lvl4pPr>
+            <a:lvl5pPr marL="1828800" indent="0" algn="l" defTabSz="457200" rtl="0" eaLnBrk="1" latinLnBrk="0" hangingPunct="1">
+              <a:spcBef>
+                <a:spcPct val="20000"/>
+              </a:spcBef>
+              <a:spcAft>
+                <a:spcPts val="600"/>
+              </a:spcAft>
+              <a:buClr>
+                <a:schemeClr val="accent2"/>
+              </a:buClr>
+              <a:buSzPct val="92000"/>
+              <a:buFont typeface="Wingdings 2" panose="05020102010507070707" pitchFamily="18" charset="2"/>
+              <a:buNone/>
+              <a:defRPr sz="1600" b="1" kern="1200">
+                <a:solidFill>
+                  <a:schemeClr val="tx2"/>
+                </a:solidFill>
+                <a:latin typeface="+mn-lt"/>
+                <a:ea typeface="+mn-ea"/>
+                <a:cs typeface="+mn-cs"/>
+              </a:defRPr>
+            </a:lvl5pPr>
+            <a:lvl6pPr marL="2286000" indent="0" algn="l" defTabSz="457200" rtl="0" eaLnBrk="1" latinLnBrk="0" hangingPunct="1">
+              <a:spcBef>
+                <a:spcPct val="20000"/>
+              </a:spcBef>
+              <a:spcAft>
+                <a:spcPts val="600"/>
+              </a:spcAft>
+              <a:buClr>
+                <a:schemeClr val="accent2"/>
+              </a:buClr>
+              <a:buSzPct val="92000"/>
+              <a:buFont typeface="Wingdings 2" panose="05020102010507070707" pitchFamily="18" charset="2"/>
+              <a:buNone/>
+              <a:defRPr sz="1600" b="1" kern="1200">
+                <a:solidFill>
+                  <a:schemeClr val="tx2"/>
+                </a:solidFill>
+                <a:latin typeface="+mn-lt"/>
+                <a:ea typeface="+mn-ea"/>
+                <a:cs typeface="+mn-cs"/>
+              </a:defRPr>
+            </a:lvl6pPr>
+            <a:lvl7pPr marL="2743200" indent="0" algn="l" defTabSz="457200" rtl="0" eaLnBrk="1" latinLnBrk="0" hangingPunct="1">
+              <a:spcBef>
+                <a:spcPct val="20000"/>
+              </a:spcBef>
+              <a:spcAft>
+                <a:spcPts val="600"/>
+              </a:spcAft>
+              <a:buClr>
+                <a:schemeClr val="accent2"/>
+              </a:buClr>
+              <a:buSzPct val="92000"/>
+              <a:buFont typeface="Wingdings 2" panose="05020102010507070707" pitchFamily="18" charset="2"/>
+              <a:buNone/>
+              <a:defRPr sz="1600" b="1" kern="1200">
+                <a:solidFill>
+                  <a:schemeClr val="tx2"/>
+                </a:solidFill>
+                <a:latin typeface="+mn-lt"/>
+                <a:ea typeface="+mn-ea"/>
+                <a:cs typeface="+mn-cs"/>
+              </a:defRPr>
+            </a:lvl7pPr>
+            <a:lvl8pPr marL="3200400" indent="0" algn="l" defTabSz="457200" rtl="0" eaLnBrk="1" latinLnBrk="0" hangingPunct="1">
+              <a:spcBef>
+                <a:spcPct val="20000"/>
+              </a:spcBef>
+              <a:spcAft>
+                <a:spcPts val="600"/>
+              </a:spcAft>
+              <a:buClr>
+                <a:schemeClr val="accent2"/>
+              </a:buClr>
+              <a:buSzPct val="92000"/>
+              <a:buFont typeface="Wingdings 2" panose="05020102010507070707" pitchFamily="18" charset="2"/>
+              <a:buNone/>
+              <a:defRPr sz="1600" b="1" kern="1200">
+                <a:solidFill>
+                  <a:schemeClr val="tx2"/>
+                </a:solidFill>
+                <a:latin typeface="+mn-lt"/>
+                <a:ea typeface="+mn-ea"/>
+                <a:cs typeface="+mn-cs"/>
+              </a:defRPr>
+            </a:lvl8pPr>
+            <a:lvl9pPr marL="3657600" indent="0" algn="l" defTabSz="457200" rtl="0" eaLnBrk="1" latinLnBrk="0" hangingPunct="1">
+              <a:spcBef>
+                <a:spcPct val="20000"/>
+              </a:spcBef>
+              <a:spcAft>
+                <a:spcPts val="600"/>
+              </a:spcAft>
+              <a:buClr>
+                <a:schemeClr val="accent2"/>
+              </a:buClr>
+              <a:buSzPct val="92000"/>
+              <a:buFont typeface="Wingdings 2" panose="05020102010507070707" pitchFamily="18" charset="2"/>
+              <a:buNone/>
+              <a:defRPr sz="1600" b="1" kern="1200">
+                <a:solidFill>
+                  <a:schemeClr val="tx2"/>
+                </a:solidFill>
+                <a:latin typeface="+mn-lt"/>
+                <a:ea typeface="+mn-ea"/>
+                <a:cs typeface="+mn-cs"/>
+              </a:defRPr>
+            </a:lvl9pPr>
+          </a:lstStyle>
+          <a:p>
+            <a:r>
+              <a:rPr lang="es-CR" dirty="0" err="1"/>
+              <a:t>Clostridium</a:t>
+            </a:r>
+            <a:r>
+              <a:rPr lang="es-CR" dirty="0"/>
+              <a:t> </a:t>
+            </a:r>
+            <a:r>
+              <a:rPr lang="es-CR" dirty="0" err="1"/>
+              <a:t>perfringens</a:t>
+            </a:r>
+            <a:endParaRPr lang="en-US" dirty="0"/>
+          </a:p>
+        </p:txBody>
+      </p:sp>
+      <p:sp>
+        <p:nvSpPr>
+          <p:cNvPr id="25" name="Text Placeholder 5">
+            <a:extLst>
+              <a:ext uri="{FF2B5EF4-FFF2-40B4-BE49-F238E27FC236}">
+                <a16:creationId xmlns:a16="http://schemas.microsoft.com/office/drawing/2014/main" id="{8493E947-71E4-4878-A1B6-4F7147123D7F}"/>
+              </a:ext>
+            </a:extLst>
+          </p:cNvPr>
+          <p:cNvSpPr txBox="1">
+            <a:spLocks/>
+          </p:cNvSpPr>
+          <p:nvPr/>
+        </p:nvSpPr>
+        <p:spPr>
+          <a:xfrm>
+            <a:off x="5256327" y="2152188"/>
+            <a:ext cx="2877632" cy="536005"/>
+          </a:xfrm>
+          <a:prstGeom prst="rect">
+            <a:avLst/>
+          </a:prstGeom>
+        </p:spPr>
+        <p:txBody>
+          <a:bodyPr vert="horz" lIns="91440" tIns="45720" rIns="91440" bIns="45720" rtlCol="0" anchor="b">
+            <a:noAutofit/>
+          </a:bodyPr>
+          <a:lstStyle>
+            <a:lvl1pPr marL="0" indent="0" algn="l" defTabSz="457200" rtl="0" eaLnBrk="1" latinLnBrk="0" hangingPunct="1">
+              <a:spcBef>
+                <a:spcPct val="20000"/>
+              </a:spcBef>
+              <a:spcAft>
+                <a:spcPts val="600"/>
+              </a:spcAft>
+              <a:buClr>
+                <a:schemeClr val="accent2"/>
+              </a:buClr>
+              <a:buSzPct val="92000"/>
+              <a:buFont typeface="Wingdings 2" panose="05020102010507070707" pitchFamily="18" charset="2"/>
+              <a:buNone/>
+              <a:defRPr sz="2200" b="0" kern="1200">
+                <a:solidFill>
+                  <a:schemeClr val="accent2"/>
+                </a:solidFill>
+                <a:latin typeface="+mn-lt"/>
+                <a:ea typeface="+mn-ea"/>
+                <a:cs typeface="+mn-cs"/>
+              </a:defRPr>
+            </a:lvl1pPr>
+            <a:lvl2pPr marL="457200" indent="0" algn="l" defTabSz="457200" rtl="0" eaLnBrk="1" latinLnBrk="0" hangingPunct="1">
+              <a:spcBef>
+                <a:spcPct val="20000"/>
+              </a:spcBef>
+              <a:spcAft>
+                <a:spcPts val="600"/>
+              </a:spcAft>
+              <a:buClr>
+                <a:schemeClr val="accent2"/>
+              </a:buClr>
+              <a:buSzPct val="92000"/>
+              <a:buFont typeface="Wingdings 2" panose="05020102010507070707" pitchFamily="18" charset="2"/>
+              <a:buNone/>
+              <a:defRPr sz="2000" b="1" kern="1200">
+                <a:solidFill>
+                  <a:schemeClr val="tx2"/>
+                </a:solidFill>
+                <a:latin typeface="+mn-lt"/>
+                <a:ea typeface="+mn-ea"/>
+                <a:cs typeface="+mn-cs"/>
+              </a:defRPr>
+            </a:lvl2pPr>
+            <a:lvl3pPr marL="914400" indent="0" algn="l" defTabSz="457200" rtl="0" eaLnBrk="1" latinLnBrk="0" hangingPunct="1">
+              <a:spcBef>
+                <a:spcPct val="20000"/>
+              </a:spcBef>
+              <a:spcAft>
+                <a:spcPts val="600"/>
+              </a:spcAft>
+              <a:buClr>
+                <a:schemeClr val="accent2"/>
+              </a:buClr>
+              <a:buSzPct val="92000"/>
+              <a:buFont typeface="Wingdings 2" panose="05020102010507070707" pitchFamily="18" charset="2"/>
+              <a:buNone/>
+              <a:defRPr sz="1800" b="1" kern="1200">
+                <a:solidFill>
+                  <a:schemeClr val="tx2"/>
+                </a:solidFill>
+                <a:latin typeface="+mn-lt"/>
+                <a:ea typeface="+mn-ea"/>
+                <a:cs typeface="+mn-cs"/>
+              </a:defRPr>
+            </a:lvl3pPr>
+            <a:lvl4pPr marL="1371600" indent="0" algn="l" defTabSz="457200" rtl="0" eaLnBrk="1" latinLnBrk="0" hangingPunct="1">
+              <a:spcBef>
+                <a:spcPct val="20000"/>
+              </a:spcBef>
+              <a:spcAft>
+                <a:spcPts val="600"/>
+              </a:spcAft>
+              <a:buClr>
+                <a:schemeClr val="accent2"/>
+              </a:buClr>
+              <a:buSzPct val="92000"/>
+              <a:buFont typeface="Wingdings 2" panose="05020102010507070707" pitchFamily="18" charset="2"/>
+              <a:buNone/>
+              <a:defRPr sz="1600" b="1" kern="1200">
+                <a:solidFill>
+                  <a:schemeClr val="tx2"/>
+                </a:solidFill>
+                <a:latin typeface="+mn-lt"/>
+                <a:ea typeface="+mn-ea"/>
+                <a:cs typeface="+mn-cs"/>
+              </a:defRPr>
+            </a:lvl4pPr>
+            <a:lvl5pPr marL="1828800" indent="0" algn="l" defTabSz="457200" rtl="0" eaLnBrk="1" latinLnBrk="0" hangingPunct="1">
+              <a:spcBef>
+                <a:spcPct val="20000"/>
+              </a:spcBef>
+              <a:spcAft>
+                <a:spcPts val="600"/>
+              </a:spcAft>
+              <a:buClr>
+                <a:schemeClr val="accent2"/>
+              </a:buClr>
+              <a:buSzPct val="92000"/>
+              <a:buFont typeface="Wingdings 2" panose="05020102010507070707" pitchFamily="18" charset="2"/>
+              <a:buNone/>
+              <a:defRPr sz="1600" b="1" kern="1200">
+                <a:solidFill>
+                  <a:schemeClr val="tx2"/>
+                </a:solidFill>
+                <a:latin typeface="+mn-lt"/>
+                <a:ea typeface="+mn-ea"/>
+                <a:cs typeface="+mn-cs"/>
+              </a:defRPr>
+            </a:lvl5pPr>
+            <a:lvl6pPr marL="2286000" indent="0" algn="l" defTabSz="457200" rtl="0" eaLnBrk="1" latinLnBrk="0" hangingPunct="1">
+              <a:spcBef>
+                <a:spcPct val="20000"/>
+              </a:spcBef>
+              <a:spcAft>
+                <a:spcPts val="600"/>
+              </a:spcAft>
+              <a:buClr>
+                <a:schemeClr val="accent2"/>
+              </a:buClr>
+              <a:buSzPct val="92000"/>
+              <a:buFont typeface="Wingdings 2" panose="05020102010507070707" pitchFamily="18" charset="2"/>
+              <a:buNone/>
+              <a:defRPr sz="1600" b="1" kern="1200">
+                <a:solidFill>
+                  <a:schemeClr val="tx2"/>
+                </a:solidFill>
+                <a:latin typeface="+mn-lt"/>
+                <a:ea typeface="+mn-ea"/>
+                <a:cs typeface="+mn-cs"/>
+              </a:defRPr>
+            </a:lvl6pPr>
+            <a:lvl7pPr marL="2743200" indent="0" algn="l" defTabSz="457200" rtl="0" eaLnBrk="1" latinLnBrk="0" hangingPunct="1">
+              <a:spcBef>
+                <a:spcPct val="20000"/>
+              </a:spcBef>
+              <a:spcAft>
+                <a:spcPts val="600"/>
+              </a:spcAft>
+              <a:buClr>
+                <a:schemeClr val="accent2"/>
+              </a:buClr>
+              <a:buSzPct val="92000"/>
+              <a:buFont typeface="Wingdings 2" panose="05020102010507070707" pitchFamily="18" charset="2"/>
+              <a:buNone/>
+              <a:defRPr sz="1600" b="1" kern="1200">
+                <a:solidFill>
+                  <a:schemeClr val="tx2"/>
+                </a:solidFill>
+                <a:latin typeface="+mn-lt"/>
+                <a:ea typeface="+mn-ea"/>
+                <a:cs typeface="+mn-cs"/>
+              </a:defRPr>
+            </a:lvl7pPr>
+            <a:lvl8pPr marL="3200400" indent="0" algn="l" defTabSz="457200" rtl="0" eaLnBrk="1" latinLnBrk="0" hangingPunct="1">
+              <a:spcBef>
+                <a:spcPct val="20000"/>
+              </a:spcBef>
+              <a:spcAft>
+                <a:spcPts val="600"/>
+              </a:spcAft>
+              <a:buClr>
+                <a:schemeClr val="accent2"/>
+              </a:buClr>
+              <a:buSzPct val="92000"/>
+              <a:buFont typeface="Wingdings 2" panose="05020102010507070707" pitchFamily="18" charset="2"/>
+              <a:buNone/>
+              <a:defRPr sz="1600" b="1" kern="1200">
+                <a:solidFill>
+                  <a:schemeClr val="tx2"/>
+                </a:solidFill>
+                <a:latin typeface="+mn-lt"/>
+                <a:ea typeface="+mn-ea"/>
+                <a:cs typeface="+mn-cs"/>
+              </a:defRPr>
+            </a:lvl8pPr>
+            <a:lvl9pPr marL="3657600" indent="0" algn="l" defTabSz="457200" rtl="0" eaLnBrk="1" latinLnBrk="0" hangingPunct="1">
+              <a:spcBef>
+                <a:spcPct val="20000"/>
+              </a:spcBef>
+              <a:spcAft>
+                <a:spcPts val="600"/>
+              </a:spcAft>
+              <a:buClr>
+                <a:schemeClr val="accent2"/>
+              </a:buClr>
+              <a:buSzPct val="92000"/>
+              <a:buFont typeface="Wingdings 2" panose="05020102010507070707" pitchFamily="18" charset="2"/>
+              <a:buNone/>
+              <a:defRPr sz="1600" b="1" kern="1200">
+                <a:solidFill>
+                  <a:schemeClr val="tx2"/>
+                </a:solidFill>
+                <a:latin typeface="+mn-lt"/>
+                <a:ea typeface="+mn-ea"/>
+                <a:cs typeface="+mn-cs"/>
+              </a:defRPr>
+            </a:lvl9pPr>
+          </a:lstStyle>
+          <a:p>
+            <a:pPr algn="ctr"/>
+            <a:r>
+              <a:rPr lang="es-CR" dirty="0"/>
+              <a:t>Estafilococo dorado</a:t>
+            </a:r>
+            <a:endParaRPr lang="en-US" dirty="0"/>
+          </a:p>
+        </p:txBody>
+      </p:sp>
+      <p:sp>
+        <p:nvSpPr>
+          <p:cNvPr id="26" name="Text Placeholder 5">
+            <a:extLst>
+              <a:ext uri="{FF2B5EF4-FFF2-40B4-BE49-F238E27FC236}">
+                <a16:creationId xmlns:a16="http://schemas.microsoft.com/office/drawing/2014/main" id="{2E3FB2AB-7874-4277-BE14-678438AB1F89}"/>
+              </a:ext>
+            </a:extLst>
+          </p:cNvPr>
+          <p:cNvSpPr txBox="1">
+            <a:spLocks/>
+          </p:cNvSpPr>
+          <p:nvPr/>
+        </p:nvSpPr>
+        <p:spPr>
+          <a:xfrm>
+            <a:off x="7070293" y="4627367"/>
+            <a:ext cx="1641163" cy="536005"/>
+          </a:xfrm>
+          <a:prstGeom prst="rect">
+            <a:avLst/>
+          </a:prstGeom>
+        </p:spPr>
+        <p:txBody>
+          <a:bodyPr vert="horz" lIns="91440" tIns="45720" rIns="91440" bIns="45720" rtlCol="0" anchor="b">
+            <a:noAutofit/>
+          </a:bodyPr>
+          <a:lstStyle>
+            <a:lvl1pPr marL="0" indent="0" algn="l" defTabSz="457200" rtl="0" eaLnBrk="1" latinLnBrk="0" hangingPunct="1">
+              <a:spcBef>
+                <a:spcPct val="20000"/>
+              </a:spcBef>
+              <a:spcAft>
+                <a:spcPts val="600"/>
+              </a:spcAft>
+              <a:buClr>
+                <a:schemeClr val="accent2"/>
+              </a:buClr>
+              <a:buSzPct val="92000"/>
+              <a:buFont typeface="Wingdings 2" panose="05020102010507070707" pitchFamily="18" charset="2"/>
+              <a:buNone/>
+              <a:defRPr sz="2200" b="0" kern="1200">
+                <a:solidFill>
+                  <a:schemeClr val="accent2"/>
+                </a:solidFill>
+                <a:latin typeface="+mn-lt"/>
+                <a:ea typeface="+mn-ea"/>
+                <a:cs typeface="+mn-cs"/>
+              </a:defRPr>
+            </a:lvl1pPr>
+            <a:lvl2pPr marL="457200" indent="0" algn="l" defTabSz="457200" rtl="0" eaLnBrk="1" latinLnBrk="0" hangingPunct="1">
+              <a:spcBef>
+                <a:spcPct val="20000"/>
+              </a:spcBef>
+              <a:spcAft>
+                <a:spcPts val="600"/>
+              </a:spcAft>
+              <a:buClr>
+                <a:schemeClr val="accent2"/>
+              </a:buClr>
+              <a:buSzPct val="92000"/>
+              <a:buFont typeface="Wingdings 2" panose="05020102010507070707" pitchFamily="18" charset="2"/>
+              <a:buNone/>
+              <a:defRPr sz="2000" b="1" kern="1200">
+                <a:solidFill>
+                  <a:schemeClr val="tx2"/>
+                </a:solidFill>
+                <a:latin typeface="+mn-lt"/>
+                <a:ea typeface="+mn-ea"/>
+                <a:cs typeface="+mn-cs"/>
+              </a:defRPr>
+            </a:lvl2pPr>
+            <a:lvl3pPr marL="914400" indent="0" algn="l" defTabSz="457200" rtl="0" eaLnBrk="1" latinLnBrk="0" hangingPunct="1">
+              <a:spcBef>
+                <a:spcPct val="20000"/>
+              </a:spcBef>
+              <a:spcAft>
+                <a:spcPts val="600"/>
+              </a:spcAft>
+              <a:buClr>
+                <a:schemeClr val="accent2"/>
+              </a:buClr>
+              <a:buSzPct val="92000"/>
+              <a:buFont typeface="Wingdings 2" panose="05020102010507070707" pitchFamily="18" charset="2"/>
+              <a:buNone/>
+              <a:defRPr sz="1800" b="1" kern="1200">
+                <a:solidFill>
+                  <a:schemeClr val="tx2"/>
+                </a:solidFill>
+                <a:latin typeface="+mn-lt"/>
+                <a:ea typeface="+mn-ea"/>
+                <a:cs typeface="+mn-cs"/>
+              </a:defRPr>
+            </a:lvl3pPr>
+            <a:lvl4pPr marL="1371600" indent="0" algn="l" defTabSz="457200" rtl="0" eaLnBrk="1" latinLnBrk="0" hangingPunct="1">
+              <a:spcBef>
+                <a:spcPct val="20000"/>
+              </a:spcBef>
+              <a:spcAft>
+                <a:spcPts val="600"/>
+              </a:spcAft>
+              <a:buClr>
+                <a:schemeClr val="accent2"/>
+              </a:buClr>
+              <a:buSzPct val="92000"/>
+              <a:buFont typeface="Wingdings 2" panose="05020102010507070707" pitchFamily="18" charset="2"/>
+              <a:buNone/>
+              <a:defRPr sz="1600" b="1" kern="1200">
+                <a:solidFill>
+                  <a:schemeClr val="tx2"/>
+                </a:solidFill>
+                <a:latin typeface="+mn-lt"/>
+                <a:ea typeface="+mn-ea"/>
+                <a:cs typeface="+mn-cs"/>
+              </a:defRPr>
+            </a:lvl4pPr>
+            <a:lvl5pPr marL="1828800" indent="0" algn="l" defTabSz="457200" rtl="0" eaLnBrk="1" latinLnBrk="0" hangingPunct="1">
+              <a:spcBef>
+                <a:spcPct val="20000"/>
+              </a:spcBef>
+              <a:spcAft>
+                <a:spcPts val="600"/>
+              </a:spcAft>
+              <a:buClr>
+                <a:schemeClr val="accent2"/>
+              </a:buClr>
+              <a:buSzPct val="92000"/>
+              <a:buFont typeface="Wingdings 2" panose="05020102010507070707" pitchFamily="18" charset="2"/>
+              <a:buNone/>
+              <a:defRPr sz="1600" b="1" kern="1200">
+                <a:solidFill>
+                  <a:schemeClr val="tx2"/>
+                </a:solidFill>
+                <a:latin typeface="+mn-lt"/>
+                <a:ea typeface="+mn-ea"/>
+                <a:cs typeface="+mn-cs"/>
+              </a:defRPr>
+            </a:lvl5pPr>
+            <a:lvl6pPr marL="2286000" indent="0" algn="l" defTabSz="457200" rtl="0" eaLnBrk="1" latinLnBrk="0" hangingPunct="1">
+              <a:spcBef>
+                <a:spcPct val="20000"/>
+              </a:spcBef>
+              <a:spcAft>
+                <a:spcPts val="600"/>
+              </a:spcAft>
+              <a:buClr>
+                <a:schemeClr val="accent2"/>
+              </a:buClr>
+              <a:buSzPct val="92000"/>
+              <a:buFont typeface="Wingdings 2" panose="05020102010507070707" pitchFamily="18" charset="2"/>
+              <a:buNone/>
+              <a:defRPr sz="1600" b="1" kern="1200">
+                <a:solidFill>
+                  <a:schemeClr val="tx2"/>
+                </a:solidFill>
+                <a:latin typeface="+mn-lt"/>
+                <a:ea typeface="+mn-ea"/>
+                <a:cs typeface="+mn-cs"/>
+              </a:defRPr>
+            </a:lvl6pPr>
+            <a:lvl7pPr marL="2743200" indent="0" algn="l" defTabSz="457200" rtl="0" eaLnBrk="1" latinLnBrk="0" hangingPunct="1">
+              <a:spcBef>
+                <a:spcPct val="20000"/>
+              </a:spcBef>
+              <a:spcAft>
+                <a:spcPts val="600"/>
+              </a:spcAft>
+              <a:buClr>
+                <a:schemeClr val="accent2"/>
+              </a:buClr>
+              <a:buSzPct val="92000"/>
+              <a:buFont typeface="Wingdings 2" panose="05020102010507070707" pitchFamily="18" charset="2"/>
+              <a:buNone/>
+              <a:defRPr sz="1600" b="1" kern="1200">
+                <a:solidFill>
+                  <a:schemeClr val="tx2"/>
+                </a:solidFill>
+                <a:latin typeface="+mn-lt"/>
+                <a:ea typeface="+mn-ea"/>
+                <a:cs typeface="+mn-cs"/>
+              </a:defRPr>
+            </a:lvl7pPr>
+            <a:lvl8pPr marL="3200400" indent="0" algn="l" defTabSz="457200" rtl="0" eaLnBrk="1" latinLnBrk="0" hangingPunct="1">
+              <a:spcBef>
+                <a:spcPct val="20000"/>
+              </a:spcBef>
+              <a:spcAft>
+                <a:spcPts val="600"/>
+              </a:spcAft>
+              <a:buClr>
+                <a:schemeClr val="accent2"/>
+              </a:buClr>
+              <a:buSzPct val="92000"/>
+              <a:buFont typeface="Wingdings 2" panose="05020102010507070707" pitchFamily="18" charset="2"/>
+              <a:buNone/>
+              <a:defRPr sz="1600" b="1" kern="1200">
+                <a:solidFill>
+                  <a:schemeClr val="tx2"/>
+                </a:solidFill>
+                <a:latin typeface="+mn-lt"/>
+                <a:ea typeface="+mn-ea"/>
+                <a:cs typeface="+mn-cs"/>
+              </a:defRPr>
+            </a:lvl8pPr>
+            <a:lvl9pPr marL="3657600" indent="0" algn="l" defTabSz="457200" rtl="0" eaLnBrk="1" latinLnBrk="0" hangingPunct="1">
+              <a:spcBef>
+                <a:spcPct val="20000"/>
+              </a:spcBef>
+              <a:spcAft>
+                <a:spcPts val="600"/>
+              </a:spcAft>
+              <a:buClr>
+                <a:schemeClr val="accent2"/>
+              </a:buClr>
+              <a:buSzPct val="92000"/>
+              <a:buFont typeface="Wingdings 2" panose="05020102010507070707" pitchFamily="18" charset="2"/>
+              <a:buNone/>
+              <a:defRPr sz="1600" b="1" kern="1200">
+                <a:solidFill>
+                  <a:schemeClr val="tx2"/>
+                </a:solidFill>
+                <a:latin typeface="+mn-lt"/>
+                <a:ea typeface="+mn-ea"/>
+                <a:cs typeface="+mn-cs"/>
+              </a:defRPr>
+            </a:lvl9pPr>
+          </a:lstStyle>
+          <a:p>
+            <a:pPr algn="ctr"/>
+            <a:r>
+              <a:rPr lang="es-CR" dirty="0"/>
+              <a:t>Lactobacilos</a:t>
+            </a:r>
+            <a:endParaRPr lang="en-US" dirty="0"/>
+          </a:p>
+        </p:txBody>
+      </p:sp>
+      <p:sp>
+        <p:nvSpPr>
+          <p:cNvPr id="27" name="Text Placeholder 5">
+            <a:extLst>
+              <a:ext uri="{FF2B5EF4-FFF2-40B4-BE49-F238E27FC236}">
+                <a16:creationId xmlns:a16="http://schemas.microsoft.com/office/drawing/2014/main" id="{0DDD109D-505A-41F8-AC22-BE2BAC7A4C2C}"/>
+              </a:ext>
+            </a:extLst>
+          </p:cNvPr>
+          <p:cNvSpPr txBox="1">
+            <a:spLocks/>
+          </p:cNvSpPr>
+          <p:nvPr/>
+        </p:nvSpPr>
+        <p:spPr>
+          <a:xfrm>
+            <a:off x="9334657" y="3160997"/>
+            <a:ext cx="2084420" cy="536005"/>
+          </a:xfrm>
+          <a:prstGeom prst="rect">
+            <a:avLst/>
+          </a:prstGeom>
+        </p:spPr>
+        <p:txBody>
+          <a:bodyPr vert="horz" lIns="91440" tIns="45720" rIns="91440" bIns="45720" rtlCol="0" anchor="b">
+            <a:noAutofit/>
+          </a:bodyPr>
+          <a:lstStyle>
+            <a:lvl1pPr marL="0" indent="0" algn="l" defTabSz="457200" rtl="0" eaLnBrk="1" latinLnBrk="0" hangingPunct="1">
+              <a:spcBef>
+                <a:spcPct val="20000"/>
+              </a:spcBef>
+              <a:spcAft>
+                <a:spcPts val="600"/>
+              </a:spcAft>
+              <a:buClr>
+                <a:schemeClr val="accent2"/>
+              </a:buClr>
+              <a:buSzPct val="92000"/>
+              <a:buFont typeface="Wingdings 2" panose="05020102010507070707" pitchFamily="18" charset="2"/>
+              <a:buNone/>
+              <a:defRPr sz="2200" b="0" kern="1200">
+                <a:solidFill>
+                  <a:schemeClr val="accent2"/>
+                </a:solidFill>
+                <a:latin typeface="+mn-lt"/>
+                <a:ea typeface="+mn-ea"/>
+                <a:cs typeface="+mn-cs"/>
+              </a:defRPr>
+            </a:lvl1pPr>
+            <a:lvl2pPr marL="457200" indent="0" algn="l" defTabSz="457200" rtl="0" eaLnBrk="1" latinLnBrk="0" hangingPunct="1">
+              <a:spcBef>
+                <a:spcPct val="20000"/>
+              </a:spcBef>
+              <a:spcAft>
+                <a:spcPts val="600"/>
+              </a:spcAft>
+              <a:buClr>
+                <a:schemeClr val="accent2"/>
+              </a:buClr>
+              <a:buSzPct val="92000"/>
+              <a:buFont typeface="Wingdings 2" panose="05020102010507070707" pitchFamily="18" charset="2"/>
+              <a:buNone/>
+              <a:defRPr sz="2000" b="1" kern="1200">
+                <a:solidFill>
+                  <a:schemeClr val="tx2"/>
+                </a:solidFill>
+                <a:latin typeface="+mn-lt"/>
+                <a:ea typeface="+mn-ea"/>
+                <a:cs typeface="+mn-cs"/>
+              </a:defRPr>
+            </a:lvl2pPr>
+            <a:lvl3pPr marL="914400" indent="0" algn="l" defTabSz="457200" rtl="0" eaLnBrk="1" latinLnBrk="0" hangingPunct="1">
+              <a:spcBef>
+                <a:spcPct val="20000"/>
+              </a:spcBef>
+              <a:spcAft>
+                <a:spcPts val="600"/>
+              </a:spcAft>
+              <a:buClr>
+                <a:schemeClr val="accent2"/>
+              </a:buClr>
+              <a:buSzPct val="92000"/>
+              <a:buFont typeface="Wingdings 2" panose="05020102010507070707" pitchFamily="18" charset="2"/>
+              <a:buNone/>
+              <a:defRPr sz="1800" b="1" kern="1200">
+                <a:solidFill>
+                  <a:schemeClr val="tx2"/>
+                </a:solidFill>
+                <a:latin typeface="+mn-lt"/>
+                <a:ea typeface="+mn-ea"/>
+                <a:cs typeface="+mn-cs"/>
+              </a:defRPr>
+            </a:lvl3pPr>
+            <a:lvl4pPr marL="1371600" indent="0" algn="l" defTabSz="457200" rtl="0" eaLnBrk="1" latinLnBrk="0" hangingPunct="1">
+              <a:spcBef>
+                <a:spcPct val="20000"/>
+              </a:spcBef>
+              <a:spcAft>
+                <a:spcPts val="600"/>
+              </a:spcAft>
+              <a:buClr>
+                <a:schemeClr val="accent2"/>
+              </a:buClr>
+              <a:buSzPct val="92000"/>
+              <a:buFont typeface="Wingdings 2" panose="05020102010507070707" pitchFamily="18" charset="2"/>
+              <a:buNone/>
+              <a:defRPr sz="1600" b="1" kern="1200">
+                <a:solidFill>
+                  <a:schemeClr val="tx2"/>
+                </a:solidFill>
+                <a:latin typeface="+mn-lt"/>
+                <a:ea typeface="+mn-ea"/>
+                <a:cs typeface="+mn-cs"/>
+              </a:defRPr>
+            </a:lvl4pPr>
+            <a:lvl5pPr marL="1828800" indent="0" algn="l" defTabSz="457200" rtl="0" eaLnBrk="1" latinLnBrk="0" hangingPunct="1">
+              <a:spcBef>
+                <a:spcPct val="20000"/>
+              </a:spcBef>
+              <a:spcAft>
+                <a:spcPts val="600"/>
+              </a:spcAft>
+              <a:buClr>
+                <a:schemeClr val="accent2"/>
+              </a:buClr>
+              <a:buSzPct val="92000"/>
+              <a:buFont typeface="Wingdings 2" panose="05020102010507070707" pitchFamily="18" charset="2"/>
+              <a:buNone/>
+              <a:defRPr sz="1600" b="1" kern="1200">
+                <a:solidFill>
+                  <a:schemeClr val="tx2"/>
+                </a:solidFill>
+                <a:latin typeface="+mn-lt"/>
+                <a:ea typeface="+mn-ea"/>
+                <a:cs typeface="+mn-cs"/>
+              </a:defRPr>
+            </a:lvl5pPr>
+            <a:lvl6pPr marL="2286000" indent="0" algn="l" defTabSz="457200" rtl="0" eaLnBrk="1" latinLnBrk="0" hangingPunct="1">
+              <a:spcBef>
+                <a:spcPct val="20000"/>
+              </a:spcBef>
+              <a:spcAft>
+                <a:spcPts val="600"/>
+              </a:spcAft>
+              <a:buClr>
+                <a:schemeClr val="accent2"/>
+              </a:buClr>
+              <a:buSzPct val="92000"/>
+              <a:buFont typeface="Wingdings 2" panose="05020102010507070707" pitchFamily="18" charset="2"/>
+              <a:buNone/>
+              <a:defRPr sz="1600" b="1" kern="1200">
+                <a:solidFill>
+                  <a:schemeClr val="tx2"/>
+                </a:solidFill>
+                <a:latin typeface="+mn-lt"/>
+                <a:ea typeface="+mn-ea"/>
+                <a:cs typeface="+mn-cs"/>
+              </a:defRPr>
+            </a:lvl6pPr>
+            <a:lvl7pPr marL="2743200" indent="0" algn="l" defTabSz="457200" rtl="0" eaLnBrk="1" latinLnBrk="0" hangingPunct="1">
+              <a:spcBef>
+                <a:spcPct val="20000"/>
+              </a:spcBef>
+              <a:spcAft>
+                <a:spcPts val="600"/>
+              </a:spcAft>
+              <a:buClr>
+                <a:schemeClr val="accent2"/>
+              </a:buClr>
+              <a:buSzPct val="92000"/>
+              <a:buFont typeface="Wingdings 2" panose="05020102010507070707" pitchFamily="18" charset="2"/>
+              <a:buNone/>
+              <a:defRPr sz="1600" b="1" kern="1200">
+                <a:solidFill>
+                  <a:schemeClr val="tx2"/>
+                </a:solidFill>
+                <a:latin typeface="+mn-lt"/>
+                <a:ea typeface="+mn-ea"/>
+                <a:cs typeface="+mn-cs"/>
+              </a:defRPr>
+            </a:lvl7pPr>
+            <a:lvl8pPr marL="3200400" indent="0" algn="l" defTabSz="457200" rtl="0" eaLnBrk="1" latinLnBrk="0" hangingPunct="1">
+              <a:spcBef>
+                <a:spcPct val="20000"/>
+              </a:spcBef>
+              <a:spcAft>
+                <a:spcPts val="600"/>
+              </a:spcAft>
+              <a:buClr>
+                <a:schemeClr val="accent2"/>
+              </a:buClr>
+              <a:buSzPct val="92000"/>
+              <a:buFont typeface="Wingdings 2" panose="05020102010507070707" pitchFamily="18" charset="2"/>
+              <a:buNone/>
+              <a:defRPr sz="1600" b="1" kern="1200">
+                <a:solidFill>
+                  <a:schemeClr val="tx2"/>
+                </a:solidFill>
+                <a:latin typeface="+mn-lt"/>
+                <a:ea typeface="+mn-ea"/>
+                <a:cs typeface="+mn-cs"/>
+              </a:defRPr>
+            </a:lvl8pPr>
+            <a:lvl9pPr marL="3657600" indent="0" algn="l" defTabSz="457200" rtl="0" eaLnBrk="1" latinLnBrk="0" hangingPunct="1">
+              <a:spcBef>
+                <a:spcPct val="20000"/>
+              </a:spcBef>
+              <a:spcAft>
+                <a:spcPts val="600"/>
+              </a:spcAft>
+              <a:buClr>
+                <a:schemeClr val="accent2"/>
+              </a:buClr>
+              <a:buSzPct val="92000"/>
+              <a:buFont typeface="Wingdings 2" panose="05020102010507070707" pitchFamily="18" charset="2"/>
+              <a:buNone/>
+              <a:defRPr sz="1600" b="1" kern="1200">
+                <a:solidFill>
+                  <a:schemeClr val="tx2"/>
+                </a:solidFill>
+                <a:latin typeface="+mn-lt"/>
+                <a:ea typeface="+mn-ea"/>
+                <a:cs typeface="+mn-cs"/>
+              </a:defRPr>
+            </a:lvl9pPr>
+          </a:lstStyle>
+          <a:p>
+            <a:pPr algn="ctr"/>
+            <a:r>
+              <a:rPr lang="es-CR" dirty="0" err="1"/>
+              <a:t>Mycobacterium</a:t>
+            </a:r>
+            <a:r>
+              <a:rPr lang="es-CR" dirty="0"/>
+              <a:t> tuberculosis</a:t>
+            </a:r>
+            <a:endParaRPr lang="en-US" dirty="0"/>
+          </a:p>
+        </p:txBody>
+      </p:sp>
+    </p:spTree>
+    <p:extLst>
+      <p:ext uri="{BB962C8B-B14F-4D97-AF65-F5344CB8AC3E}">
+        <p14:creationId xmlns:p14="http://schemas.microsoft.com/office/powerpoint/2010/main" val="6836091"/>
+      </p:ext>
+    </p:extLst>
+  </p:cSld>
+  <p:clrMapOvr>
+    <a:masterClrMapping/>
+  </p:clrMapOvr>
+  <mc:AlternateContent xmlns:mc="http://schemas.openxmlformats.org/markup-compatibility/2006" xmlns:p159="http://schemas.microsoft.com/office/powerpoint/2015/09/main">
+    <mc:Choice Requires="p159">
+      <p:transition xmlns:p14="http://schemas.microsoft.com/office/powerpoint/2010/main" spd="slow" p14:dur="2000">
+        <p159:morph option="byObject"/>
+      </p:transition>
+    </mc:Choice>
+    <mc:Fallback xmlns="">
+      <p:transition spd="slow">
+        <p:fade/>
+      </p:transition>
+    </mc:Fallback>
+  </mc:AlternateContent>
+</p:sld>
+</file>
+
+<file path=ppt/slides/slide7.xml><?xml version="1.0" encoding="utf-8"?>
+<p:sld xmlns:a="http://schemas.openxmlformats.org/drawingml/2006/main" xmlns:r="http://schemas.openxmlformats.org/officeDocument/2006/relationships" xmlns:p="http://schemas.openxmlformats.org/presentationml/2006/main">
+  <p:cSld>
+    <p:spTree>
+      <p:nvGrpSpPr>
+        <p:cNvPr id="1" name=""/>
+        <p:cNvGrpSpPr/>
+        <p:nvPr/>
+      </p:nvGrpSpPr>
+      <p:grpSpPr>
+        <a:xfrm>
+          <a:off x="0" y="0"/>
+          <a:ext cx="0" cy="0"/>
+          <a:chOff x="0" y="0"/>
+          <a:chExt cx="0" cy="0"/>
+        </a:xfrm>
+      </p:grpSpPr>
+      <p:sp>
+        <p:nvSpPr>
+          <p:cNvPr id="2" name="Title 1">
+            <a:extLst>
+              <a:ext uri="{FF2B5EF4-FFF2-40B4-BE49-F238E27FC236}">
                 <a16:creationId xmlns:a16="http://schemas.microsoft.com/office/drawing/2014/main" id="{61DD6FAC-6BAA-4C07-B6B2-0E9A3567DF65}"/>
               </a:ext>
             </a:extLst>
@@ -7296,6 +8548,36 @@
           </a:prstGeom>
         </p:spPr>
       </p:pic>
+      <p:pic>
+        <p:nvPicPr>
+          <p:cNvPr id="6" name="Picture 4">
+            <a:extLst>
+              <a:ext uri="{FF2B5EF4-FFF2-40B4-BE49-F238E27FC236}">
+                <a16:creationId xmlns:a16="http://schemas.microsoft.com/office/drawing/2014/main" id="{E3E33A6C-FD84-4C51-8B8B-A6D39E4E2556}"/>
+              </a:ext>
+            </a:extLst>
+          </p:cNvPr>
+          <p:cNvPicPr>
+            <a:picLocks noChangeAspect="1"/>
+          </p:cNvPicPr>
+          <p:nvPr/>
+        </p:nvPicPr>
+        <p:blipFill>
+          <a:blip r:embed="rId4"/>
+          <a:stretch>
+            <a:fillRect/>
+          </a:stretch>
+        </p:blipFill>
+        <p:spPr>
+          <a:xfrm>
+            <a:off x="10362014" y="1947249"/>
+            <a:ext cx="1394808" cy="1046673"/>
+          </a:xfrm>
+          <a:prstGeom prst="rect">
+            <a:avLst/>
+          </a:prstGeom>
+        </p:spPr>
+      </p:pic>
     </p:spTree>
     <p:extLst>
       <p:ext uri="{BB962C8B-B14F-4D97-AF65-F5344CB8AC3E}">
@@ -7321,7 +8603,7 @@
 </p:sld>
 </file>
 
-<file path=ppt/slides/slide7.xml><?xml version="1.0" encoding="utf-8"?>
+<file path=ppt/slides/slide8.xml><?xml version="1.0" encoding="utf-8"?>
 <p:sld xmlns:a="http://schemas.openxmlformats.org/drawingml/2006/main" xmlns:r="http://schemas.openxmlformats.org/officeDocument/2006/relationships" xmlns:p="http://schemas.openxmlformats.org/presentationml/2006/main">
   <p:cSld>
     <p:spTree>
@@ -7777,21 +9059,6 @@
 </file>
 
 <file path=customXml/item1.xml><?xml version="1.0" encoding="utf-8"?>
-<p:properties xmlns:p="http://schemas.microsoft.com/office/2006/metadata/properties" xmlns:xsi="http://www.w3.org/2001/XMLSchema-instance" xmlns:pc="http://schemas.microsoft.com/office/infopath/2007/PartnerControls">
-  <documentManagement/>
-</p:properties>
-</file>
-
-<file path=customXml/item2.xml><?xml version="1.0" encoding="utf-8"?>
-<?mso-contentType ?>
-<FormTemplates xmlns="http://schemas.microsoft.com/sharepoint/v3/contenttype/forms">
-  <Display>DocumentLibraryForm</Display>
-  <Edit>DocumentLibraryForm</Edit>
-  <New>DocumentLibraryForm</New>
-</FormTemplates>
-</file>
-
-<file path=customXml/item3.xml><?xml version="1.0" encoding="utf-8"?>
 <ct:contentTypeSchema xmlns:ct="http://schemas.microsoft.com/office/2006/metadata/contentType" xmlns:ma="http://schemas.microsoft.com/office/2006/metadata/properties/metaAttributes" ct:_="" ma:_="" ma:contentTypeName="Document" ma:contentTypeID="0x0101007F0340628DD03C4C97A13F312C30CF97" ma:contentTypeVersion="8" ma:contentTypeDescription="Create a new document." ma:contentTypeScope="" ma:versionID="2edb230a84a2023c44b062f788daebe4">
   <xsd:schema xmlns:xsd="http://www.w3.org/2001/XMLSchema" xmlns:xs="http://www.w3.org/2001/XMLSchema" xmlns:p="http://schemas.microsoft.com/office/2006/metadata/properties" xmlns:ns3="0811c003-7578-4121-b22f-e2c15845dba8" targetNamespace="http://schemas.microsoft.com/office/2006/metadata/properties" ma:root="true" ma:fieldsID="d088462eeaee687163d6f8262f736d68" ns3:_="">
     <xsd:import namespace="0811c003-7578-4121-b22f-e2c15845dba8"/>
@@ -7961,24 +9228,22 @@
 </ct:contentTypeSchema>
 </file>
 
-<file path=customXml/itemProps1.xml><?xml version="1.0" encoding="utf-8"?>
-<ds:datastoreItem xmlns:ds="http://schemas.openxmlformats.org/officeDocument/2006/customXml" ds:itemID="{1D62F7FD-2AED-4AAA-96DB-99B2DDF24ED4}">
-  <ds:schemaRefs>
-    <ds:schemaRef ds:uri="http://schemas.microsoft.com/office/2006/metadata/properties"/>
-    <ds:schemaRef ds:uri="http://schemas.microsoft.com/office/infopath/2007/PartnerControls"/>
-  </ds:schemaRefs>
-</ds:datastoreItem>
+<file path=customXml/item2.xml><?xml version="1.0" encoding="utf-8"?>
+<?mso-contentType ?>
+<FormTemplates xmlns="http://schemas.microsoft.com/sharepoint/v3/contenttype/forms">
+  <Display>DocumentLibraryForm</Display>
+  <Edit>DocumentLibraryForm</Edit>
+  <New>DocumentLibraryForm</New>
+</FormTemplates>
 </file>
 
-<file path=customXml/itemProps2.xml><?xml version="1.0" encoding="utf-8"?>
-<ds:datastoreItem xmlns:ds="http://schemas.openxmlformats.org/officeDocument/2006/customXml" ds:itemID="{084214A2-5E5B-4F3C-91D2-90F682A9FB22}">
-  <ds:schemaRefs>
-    <ds:schemaRef ds:uri="http://schemas.microsoft.com/sharepoint/v3/contenttype/forms"/>
-  </ds:schemaRefs>
-</ds:datastoreItem>
+<file path=customXml/item3.xml><?xml version="1.0" encoding="utf-8"?>
+<p:properties xmlns:p="http://schemas.microsoft.com/office/2006/metadata/properties" xmlns:xsi="http://www.w3.org/2001/XMLSchema-instance" xmlns:pc="http://schemas.microsoft.com/office/infopath/2007/PartnerControls">
+  <documentManagement/>
+</p:properties>
 </file>
 
-<file path=customXml/itemProps3.xml><?xml version="1.0" encoding="utf-8"?>
+<file path=customXml/itemProps1.xml><?xml version="1.0" encoding="utf-8"?>
 <ds:datastoreItem xmlns:ds="http://schemas.openxmlformats.org/officeDocument/2006/customXml" ds:itemID="{F816D79F-1159-4C90-A86C-7D56E1594DFA}">
   <ds:schemaRefs>
     <ds:schemaRef ds:uri="http://schemas.microsoft.com/office/2006/metadata/contentType"/>
@@ -7994,4 +9259,21 @@
     <ds:schemaRef ds:uri="http://schemas.microsoft.com/internal/obd"/>
   </ds:schemaRefs>
 </ds:datastoreItem>
+</file>
+
+<file path=customXml/itemProps2.xml><?xml version="1.0" encoding="utf-8"?>
+<ds:datastoreItem xmlns:ds="http://schemas.openxmlformats.org/officeDocument/2006/customXml" ds:itemID="{084214A2-5E5B-4F3C-91D2-90F682A9FB22}">
+  <ds:schemaRefs>
+    <ds:schemaRef ds:uri="http://schemas.microsoft.com/sharepoint/v3/contenttype/forms"/>
+  </ds:schemaRefs>
+</ds:datastoreItem>
+</file>
+
+<file path=customXml/itemProps3.xml><?xml version="1.0" encoding="utf-8"?>
+<ds:datastoreItem xmlns:ds="http://schemas.openxmlformats.org/officeDocument/2006/customXml" ds:itemID="{1D62F7FD-2AED-4AAA-96DB-99B2DDF24ED4}">
+  <ds:schemaRefs>
+    <ds:schemaRef ds:uri="http://schemas.microsoft.com/office/2006/metadata/properties"/>
+    <ds:schemaRef ds:uri="http://schemas.microsoft.com/office/infopath/2007/PartnerControls"/>
+  </ds:schemaRefs>
+</ds:datastoreItem>
 </file>
--- a/Obvio Microbio.pptx
+++ b/Obvio Microbio.pptx
@@ -125,6 +125,7 @@
     <p1510:client id="{049E3096-6EA6-4CD1-8E07-F944FC9CC900}" v="97" dt="2019-11-11T18:55:38.570"/>
     <p1510:client id="{4765F7DB-991B-45CE-8130-4661E06E94B6}" v="26" dt="2019-11-11T18:30:04.594"/>
     <p1510:client id="{6E45B117-F3B8-48AF-AC24-D31C05631FEC}" v="24" dt="2019-11-11T18:08:40.037"/>
+    <p1510:client id="{88BBAFC7-5965-490D-9A21-068BC1627F7A}" v="656" dt="2019-11-12T05:35:09.804"/>
     <p1510:client id="{94C37343-E02E-4AA8-9E56-0CA8496C2DC3}" v="400" dt="2019-11-11T19:29:08.208"/>
     <p1510:client id="{B87B94C5-AAC6-480D-9E68-5D343D30B5C7}" v="297" dt="2019-11-11T18:52:42.544"/>
   </p1510:revLst>
@@ -296,6 +297,30 @@
             <pc:docMk/>
             <pc:sldMk cId="3571924505" sldId="262"/>
             <ac:spMk id="4" creationId="{261DA91F-CEF2-4302-91C9-B20C917DB682}"/>
+          </ac:spMkLst>
+        </pc:spChg>
+      </pc:sldChg>
+    </pc:docChg>
+  </pc:docChgLst>
+  <pc:docChgLst>
+    <pc:chgData name="Gerardo Villalobos" userId="41038f17c8568cbf" providerId="Windows Live" clId="Web-{88BBAFC7-5965-490D-9A21-068BC1627F7A}"/>
+    <pc:docChg chg="modSld">
+      <pc:chgData name="Gerardo Villalobos" userId="41038f17c8568cbf" providerId="Windows Live" clId="Web-{88BBAFC7-5965-490D-9A21-068BC1627F7A}" dt="2019-11-12T05:35:09.804" v="655" actId="20577"/>
+      <pc:docMkLst>
+        <pc:docMk/>
+      </pc:docMkLst>
+      <pc:sldChg chg="modSp">
+        <pc:chgData name="Gerardo Villalobos" userId="41038f17c8568cbf" providerId="Windows Live" clId="Web-{88BBAFC7-5965-490D-9A21-068BC1627F7A}" dt="2019-11-12T05:28:15.037" v="653" actId="20577"/>
+        <pc:sldMkLst>
+          <pc:docMk/>
+          <pc:sldMk cId="925306443" sldId="261"/>
+        </pc:sldMkLst>
+        <pc:spChg chg="mod">
+          <ac:chgData name="Gerardo Villalobos" userId="41038f17c8568cbf" providerId="Windows Live" clId="Web-{88BBAFC7-5965-490D-9A21-068BC1627F7A}" dt="2019-11-12T05:28:15.037" v="653" actId="20577"/>
+          <ac:spMkLst>
+            <pc:docMk/>
+            <pc:sldMk cId="925306443" sldId="261"/>
+            <ac:spMk id="8" creationId="{5B5D8A8C-B81E-4795-A128-7F710114091E}"/>
           </ac:spMkLst>
         </pc:spChg>
       </pc:sldChg>
@@ -1823,7 +1848,7 @@
             <a:fld id="{D57F1E4F-1CFF-5643-939E-217C01CDF565}" type="slidenum">
               <a:rPr lang="en-US" dirty="0"/>
               <a:pPr/>
-              <a:t>‹Nº›</a:t>
+              <a:t>‹#›</a:t>
             </a:fld>
             <a:endParaRPr lang="en-US" dirty="0"/>
           </a:p>
@@ -2050,7 +2075,7 @@
             <a:fld id="{D57F1E4F-1CFF-5643-939E-217C01CDF565}" type="slidenum">
               <a:rPr lang="en-US" dirty="0"/>
               <a:pPr/>
-              <a:t>‹Nº›</a:t>
+              <a:t>‹#›</a:t>
             </a:fld>
             <a:endParaRPr lang="en-US" dirty="0"/>
           </a:p>
@@ -2303,7 +2328,7 @@
             <a:fld id="{D57F1E4F-1CFF-5643-939E-217C01CDF565}" type="slidenum">
               <a:rPr lang="en-US" dirty="0"/>
               <a:pPr/>
-              <a:t>‹Nº›</a:t>
+              <a:t>‹#›</a:t>
             </a:fld>
             <a:endParaRPr lang="en-US" dirty="0"/>
           </a:p>
@@ -2524,7 +2549,7 @@
             <a:fld id="{D57F1E4F-1CFF-5643-939E-217C01CDF565}" type="slidenum">
               <a:rPr lang="en-US" dirty="0"/>
               <a:pPr/>
-              <a:t>‹Nº›</a:t>
+              <a:t>‹#›</a:t>
             </a:fld>
             <a:endParaRPr lang="en-US" dirty="0"/>
           </a:p>
@@ -2845,7 +2870,7 @@
             <a:fld id="{D57F1E4F-1CFF-5643-939E-217C01CDF565}" type="slidenum">
               <a:rPr lang="en-US" dirty="0"/>
               <a:pPr/>
-              <a:t>‹Nº›</a:t>
+              <a:t>‹#›</a:t>
             </a:fld>
             <a:endParaRPr lang="en-US" dirty="0"/>
           </a:p>
@@ -3122,7 +3147,7 @@
             <a:fld id="{D57F1E4F-1CFF-5643-939E-217C01CDF565}" type="slidenum">
               <a:rPr lang="en-US" dirty="0"/>
               <a:pPr/>
-              <a:t>‹Nº›</a:t>
+              <a:t>‹#›</a:t>
             </a:fld>
             <a:endParaRPr lang="en-US" dirty="0"/>
           </a:p>
@@ -3541,7 +3566,7 @@
             <a:fld id="{D57F1E4F-1CFF-5643-939E-217C01CDF565}" type="slidenum">
               <a:rPr lang="en-US" dirty="0"/>
               <a:pPr/>
-              <a:t>‹Nº›</a:t>
+              <a:t>‹#›</a:t>
             </a:fld>
             <a:endParaRPr lang="en-US" dirty="0"/>
           </a:p>
@@ -3633,7 +3658,7 @@
             <a:fld id="{D57F1E4F-1CFF-5643-939E-217C01CDF565}" type="slidenum">
               <a:rPr lang="en-US" dirty="0"/>
               <a:pPr/>
-              <a:t>‹Nº›</a:t>
+              <a:t>‹#›</a:t>
             </a:fld>
             <a:endParaRPr lang="en-US" dirty="0"/>
           </a:p>
@@ -3792,7 +3817,7 @@
             <a:fld id="{D57F1E4F-1CFF-5643-939E-217C01CDF565}" type="slidenum">
               <a:rPr lang="en-US" dirty="0"/>
               <a:pPr/>
-              <a:t>‹Nº›</a:t>
+              <a:t>‹#›</a:t>
             </a:fld>
             <a:endParaRPr lang="en-US" dirty="0"/>
           </a:p>
@@ -4189,7 +4214,7 @@
             <a:fld id="{D57F1E4F-1CFF-5643-939E-217C01CDF565}" type="slidenum">
               <a:rPr lang="en-US" dirty="0"/>
               <a:pPr/>
-              <a:t>‹Nº›</a:t>
+              <a:t>‹#›</a:t>
             </a:fld>
             <a:endParaRPr lang="en-US" dirty="0"/>
           </a:p>
@@ -4453,7 +4478,7 @@
             <a:fld id="{D57F1E4F-1CFF-5643-939E-217C01CDF565}" type="slidenum">
               <a:rPr lang="en-US" dirty="0"/>
               <a:pPr/>
-              <a:t>‹Nº›</a:t>
+              <a:t>‹#›</a:t>
             </a:fld>
             <a:endParaRPr lang="en-US" dirty="0"/>
           </a:p>
@@ -4693,7 +4718,7 @@
             <a:fld id="{D57F1E4F-1CFF-5643-939E-217C01CDF565}" type="slidenum">
               <a:rPr lang="en-US" dirty="0"/>
               <a:pPr/>
-              <a:t>‹Nº›</a:t>
+              <a:t>‹#›</a:t>
             </a:fld>
             <a:endParaRPr lang="en-US" dirty="0"/>
           </a:p>
@@ -8727,10 +8752,146 @@
           <a:bodyPr/>
           <a:lstStyle/>
           <a:p>
+            <a:pPr marL="305435" indent="-305435"/>
+            <a:r>
+              <a:rPr lang="en-US" err="1"/>
+              <a:t>Apoyarse</a:t>
+            </a:r>
             <a:r>
               <a:rPr lang="en-US" dirty="0"/>
-              <a:t>1</a:t>
-            </a:r>
+              <a:t> en un </a:t>
+            </a:r>
+            <a:r>
+              <a:rPr lang="en-US" err="1"/>
+              <a:t>experto</a:t>
+            </a:r>
+            <a:r>
+              <a:rPr lang="en-US" dirty="0"/>
+              <a:t> en el </a:t>
+            </a:r>
+            <a:r>
+              <a:rPr lang="en-US" err="1"/>
+              <a:t>tema</a:t>
+            </a:r>
+            <a:r>
+              <a:rPr lang="en-US" dirty="0"/>
+              <a:t> </a:t>
+            </a:r>
+            <a:r>
+              <a:rPr lang="en-US" err="1"/>
+              <a:t>fue</a:t>
+            </a:r>
+            <a:r>
+              <a:rPr lang="en-US" dirty="0"/>
+              <a:t> vital para </a:t>
+            </a:r>
+            <a:r>
+              <a:rPr lang="en-US"/>
+              <a:t>conseguir una </a:t>
+            </a:r>
+            <a:r>
+              <a:rPr lang="en-US" err="1"/>
+              <a:t>simulación</a:t>
+            </a:r>
+            <a:r>
+              <a:rPr lang="en-US" dirty="0"/>
+              <a:t> </a:t>
+            </a:r>
+            <a:r>
+              <a:rPr lang="en-US" err="1"/>
+              <a:t>más</a:t>
+            </a:r>
+            <a:r>
+              <a:rPr lang="en-US"/>
+              <a:t> real y certera por la veracidad de los datos obtenidos. </a:t>
+            </a:r>
+          </a:p>
+          <a:p>
+            <a:pPr marL="305435" indent="-305435"/>
+            <a:r>
+              <a:rPr lang="en-US"/>
+              <a:t>Estudiar</a:t>
+            </a:r>
+            <a:r>
+              <a:rPr lang="en-US" dirty="0"/>
+              <a:t> a </a:t>
+            </a:r>
+            <a:r>
+              <a:rPr lang="en-US" err="1"/>
+              <a:t>fondo</a:t>
+            </a:r>
+            <a:r>
+              <a:rPr lang="en-US" dirty="0"/>
+              <a:t> las </a:t>
+            </a:r>
+            <a:r>
+              <a:rPr lang="en-US" err="1"/>
+              <a:t>librerías</a:t>
+            </a:r>
+            <a:r>
+              <a:rPr lang="en-US" dirty="0"/>
+              <a:t> </a:t>
+            </a:r>
+            <a:r>
+              <a:rPr lang="en-US" err="1"/>
+              <a:t>disponibles</a:t>
+            </a:r>
+            <a:r>
+              <a:rPr lang="en-US" dirty="0"/>
+              <a:t> </a:t>
+            </a:r>
+            <a:r>
+              <a:rPr lang="en-US" err="1"/>
+              <a:t>podría</a:t>
+            </a:r>
+            <a:r>
+              <a:rPr lang="en-US" dirty="0"/>
+              <a:t> </a:t>
+            </a:r>
+            <a:r>
+              <a:rPr lang="en-US" err="1"/>
+              <a:t>ayudar</a:t>
+            </a:r>
+            <a:r>
+              <a:rPr lang="en-US" dirty="0"/>
+              <a:t> a </a:t>
+            </a:r>
+            <a:r>
+              <a:rPr lang="en-US" err="1"/>
+              <a:t>simplificar</a:t>
+            </a:r>
+            <a:r>
+              <a:rPr lang="en-US" dirty="0"/>
+              <a:t> </a:t>
+            </a:r>
+            <a:r>
+              <a:rPr lang="en-US"/>
+              <a:t>funciones complejas</a:t>
+            </a:r>
+            <a:r>
+              <a:rPr lang="en-US" dirty="0"/>
+              <a:t>. </a:t>
+            </a:r>
+          </a:p>
+          <a:p>
+            <a:pPr marL="305435" indent="-305435"/>
+            <a:r>
+              <a:rPr lang="en-US"/>
+              <a:t>Utilizar principios y estandares propios de orientación programada a objetos tales como la herencia dió como resultado un codigo mas limpio y fácil de comprender. </a:t>
+            </a:r>
+            <a:endParaRPr lang="en-US" dirty="0"/>
+          </a:p>
+          <a:p>
+            <a:pPr marL="305435" indent="-305435"/>
+            <a:endParaRPr lang="en-US" dirty="0"/>
+          </a:p>
+          <a:p>
+            <a:pPr marL="305435" indent="-305435"/>
+            <a:endParaRPr lang="en-US" dirty="0"/>
+          </a:p>
+          <a:p>
+            <a:pPr marL="305435" indent="-305435"/>
+            <a:endParaRPr lang="en-US" dirty="0"/>
           </a:p>
         </p:txBody>
       </p:sp>

--- a/Obvio Microbio.pptx
+++ b/Obvio Microbio.pptx
@@ -123,11 +123,11 @@
 <p1510:revInfo xmlns:a="http://schemas.openxmlformats.org/drawingml/2006/main" xmlns:r="http://schemas.openxmlformats.org/officeDocument/2006/relationships" xmlns:p1510="http://schemas.microsoft.com/office/powerpoint/2015/10/main">
   <p1510:revLst>
     <p1510:client id="{049E3096-6EA6-4CD1-8E07-F944FC9CC900}" v="97" dt="2019-11-11T18:55:38.570"/>
+    <p1510:client id="{B87B94C5-AAC6-480D-9E68-5D343D30B5C7}" v="297" dt="2019-11-11T18:52:42.544"/>
     <p1510:client id="{4765F7DB-991B-45CE-8130-4661E06E94B6}" v="26" dt="2019-11-11T18:30:04.594"/>
     <p1510:client id="{6E45B117-F3B8-48AF-AC24-D31C05631FEC}" v="24" dt="2019-11-11T18:08:40.037"/>
     <p1510:client id="{88BBAFC7-5965-490D-9A21-068BC1627F7A}" v="656" dt="2019-11-12T05:35:09.804"/>
     <p1510:client id="{94C37343-E02E-4AA8-9E56-0CA8496C2DC3}" v="400" dt="2019-11-11T19:29:08.208"/>
-    <p1510:client id="{B87B94C5-AAC6-480D-9E68-5D343D30B5C7}" v="297" dt="2019-11-11T18:52:42.544"/>
   </p1510:revLst>
 </p1510:revInfo>
 </file>
@@ -135,28 +135,1018 @@
 <file path=ppt/changesInfos/changesInfo1.xml><?xml version="1.0" encoding="utf-8"?>
 <pc:chgInfo xmlns:a="http://schemas.openxmlformats.org/drawingml/2006/main" xmlns:r="http://schemas.openxmlformats.org/officeDocument/2006/relationships" xmlns:ac="http://schemas.microsoft.com/office/drawing/2013/main/command" xmlns:pc="http://schemas.microsoft.com/office/powerpoint/2013/main/command">
   <pc:docChgLst>
-    <pc:chgData name="Guest User" providerId="Windows Live" clId="Web-{B87B94C5-AAC6-480D-9E68-5D343D30B5C7}"/>
-    <pc:docChg chg="modSld">
-      <pc:chgData name="Guest User" userId="" providerId="Windows Live" clId="Web-{B87B94C5-AAC6-480D-9E68-5D343D30B5C7}" dt="2019-11-11T18:52:44.388" v="319"/>
+    <pc:chgData name="Rubén González Villanueva" userId="316062c3b860cbf8" providerId="LiveId" clId="{6E45B117-F3B8-48AF-AC24-D31C05631FEC}"/>
+    <pc:docChg chg="undo custSel mod addSld modSld">
+      <pc:chgData name="Rubén González Villanueva" userId="316062c3b860cbf8" providerId="LiveId" clId="{6E45B117-F3B8-48AF-AC24-D31C05631FEC}" dt="2019-11-12T14:11:34.947" v="403" actId="15"/>
       <pc:docMkLst>
         <pc:docMk/>
       </pc:docMkLst>
-      <pc:sldChg chg="addSp delSp modSp mod setBg">
-        <pc:chgData name="Guest User" userId="" providerId="Windows Live" clId="Web-{B87B94C5-AAC6-480D-9E68-5D343D30B5C7}" dt="2019-11-11T18:52:44.388" v="319"/>
+      <pc:sldChg chg="addSp delSp modSp">
+        <pc:chgData name="Rubén González Villanueva" userId="316062c3b860cbf8" providerId="LiveId" clId="{6E45B117-F3B8-48AF-AC24-D31C05631FEC}" dt="2019-11-01T21:08:03.224" v="2" actId="14826"/>
+        <pc:sldMkLst>
+          <pc:docMk/>
+          <pc:sldMk cId="567220051" sldId="256"/>
+        </pc:sldMkLst>
+        <pc:picChg chg="add del mod">
+          <ac:chgData name="Rubén González Villanueva" userId="316062c3b860cbf8" providerId="LiveId" clId="{6E45B117-F3B8-48AF-AC24-D31C05631FEC}" dt="2019-11-01T21:08:03.224" v="2" actId="14826"/>
+          <ac:picMkLst>
+            <pc:docMk/>
+            <pc:sldMk cId="567220051" sldId="256"/>
+            <ac:picMk id="5" creationId="{B8F98EAE-13DD-4C7F-A54F-445FD8605DF4}"/>
+          </ac:picMkLst>
+        </pc:picChg>
+      </pc:sldChg>
+      <pc:sldChg chg="addSp delSp modSp modTransition delDesignElem">
+        <pc:chgData name="Rubén González Villanueva" userId="316062c3b860cbf8" providerId="LiveId" clId="{6E45B117-F3B8-48AF-AC24-D31C05631FEC}" dt="2019-11-01T21:17:33.817" v="25"/>
+        <pc:sldMkLst>
+          <pc:docMk/>
+          <pc:sldMk cId="405230702" sldId="257"/>
+        </pc:sldMkLst>
+        <pc:spChg chg="mod ord">
+          <ac:chgData name="Rubén González Villanueva" userId="316062c3b860cbf8" providerId="LiveId" clId="{6E45B117-F3B8-48AF-AC24-D31C05631FEC}" dt="2019-11-01T21:11:36.422" v="7" actId="26606"/>
+          <ac:spMkLst>
+            <pc:docMk/>
+            <pc:sldMk cId="405230702" sldId="257"/>
+            <ac:spMk id="2" creationId="{DB4BD388-4E4C-4729-9C98-FDCE73F701DE}"/>
+          </ac:spMkLst>
+        </pc:spChg>
+        <pc:spChg chg="add del mod">
+          <ac:chgData name="Rubén González Villanueva" userId="316062c3b860cbf8" providerId="LiveId" clId="{6E45B117-F3B8-48AF-AC24-D31C05631FEC}" dt="2019-11-01T21:11:58.828" v="10"/>
+          <ac:spMkLst>
+            <pc:docMk/>
+            <pc:sldMk cId="405230702" sldId="257"/>
+            <ac:spMk id="3" creationId="{E90C55DF-14C5-46D4-9AF8-881C2753A224}"/>
+          </ac:spMkLst>
+        </pc:spChg>
+        <pc:spChg chg="mod">
+          <ac:chgData name="Rubén González Villanueva" userId="316062c3b860cbf8" providerId="LiveId" clId="{6E45B117-F3B8-48AF-AC24-D31C05631FEC}" dt="2019-11-01T21:17:11.644" v="23" actId="255"/>
+          <ac:spMkLst>
+            <pc:docMk/>
+            <pc:sldMk cId="405230702" sldId="257"/>
+            <ac:spMk id="8" creationId="{115E2BAF-7EC9-45CB-AE80-C410061A963D}"/>
+          </ac:spMkLst>
+        </pc:spChg>
+        <pc:spChg chg="add del">
+          <ac:chgData name="Rubén González Villanueva" userId="316062c3b860cbf8" providerId="LiveId" clId="{6E45B117-F3B8-48AF-AC24-D31C05631FEC}" dt="2019-11-01T21:11:27.065" v="6" actId="26606"/>
+          <ac:spMkLst>
+            <pc:docMk/>
+            <pc:sldMk cId="405230702" sldId="257"/>
+            <ac:spMk id="66" creationId="{4AE9D071-98CF-435C-BD2B-976514544DC5}"/>
+          </ac:spMkLst>
+        </pc:spChg>
+        <pc:spChg chg="add del">
+          <ac:chgData name="Rubén González Villanueva" userId="316062c3b860cbf8" providerId="LiveId" clId="{6E45B117-F3B8-48AF-AC24-D31C05631FEC}" dt="2019-11-01T21:11:27.031" v="5" actId="26606"/>
+          <ac:spMkLst>
+            <pc:docMk/>
+            <pc:sldMk cId="405230702" sldId="257"/>
+            <ac:spMk id="76" creationId="{EE15E636-2C9E-42CB-B482-436AA81BF93B}"/>
+          </ac:spMkLst>
+        </pc:spChg>
+        <pc:spChg chg="add del">
+          <ac:chgData name="Rubén González Villanueva" userId="316062c3b860cbf8" providerId="LiveId" clId="{6E45B117-F3B8-48AF-AC24-D31C05631FEC}" dt="2019-11-01T21:11:36.422" v="7" actId="26606"/>
+          <ac:spMkLst>
+            <pc:docMk/>
+            <pc:sldMk cId="405230702" sldId="257"/>
+            <ac:spMk id="82" creationId="{3FE9758B-E361-4084-8D9F-729FA6C4AD7E}"/>
+          </ac:spMkLst>
+        </pc:spChg>
+        <pc:spChg chg="add del">
+          <ac:chgData name="Rubén González Villanueva" userId="316062c3b860cbf8" providerId="LiveId" clId="{6E45B117-F3B8-48AF-AC24-D31C05631FEC}" dt="2019-11-01T21:11:49.984" v="9"/>
+          <ac:spMkLst>
+            <pc:docMk/>
+            <pc:sldMk cId="405230702" sldId="257"/>
+            <ac:spMk id="87" creationId="{BABD8CBF-1782-456F-AF12-36CD021CCCF6}"/>
+          </ac:spMkLst>
+        </pc:spChg>
+        <pc:spChg chg="add del">
+          <ac:chgData name="Rubén González Villanueva" userId="316062c3b860cbf8" providerId="LiveId" clId="{6E45B117-F3B8-48AF-AC24-D31C05631FEC}" dt="2019-11-01T21:11:49.984" v="9"/>
+          <ac:spMkLst>
+            <pc:docMk/>
+            <pc:sldMk cId="405230702" sldId="257"/>
+            <ac:spMk id="89" creationId="{18A186C0-DD3C-4FF4-B165-943244CBD116}"/>
+          </ac:spMkLst>
+        </pc:spChg>
+        <pc:grpChg chg="add del">
+          <ac:chgData name="Rubén González Villanueva" userId="316062c3b860cbf8" providerId="LiveId" clId="{6E45B117-F3B8-48AF-AC24-D31C05631FEC}" dt="2019-11-01T21:11:27.065" v="6" actId="26606"/>
+          <ac:grpSpMkLst>
+            <pc:docMk/>
+            <pc:sldMk cId="405230702" sldId="257"/>
+            <ac:grpSpMk id="68" creationId="{D619FC33-16ED-4246-9596-BEFEB55E4CF6}"/>
+          </ac:grpSpMkLst>
+        </pc:grpChg>
+        <pc:grpChg chg="add del">
+          <ac:chgData name="Rubén González Villanueva" userId="316062c3b860cbf8" providerId="LiveId" clId="{6E45B117-F3B8-48AF-AC24-D31C05631FEC}" dt="2019-11-01T21:11:27.031" v="5" actId="26606"/>
+          <ac:grpSpMkLst>
+            <pc:docMk/>
+            <pc:sldMk cId="405230702" sldId="257"/>
+            <ac:grpSpMk id="78" creationId="{01D4AEDF-0CF9-4271-ABB7-3D3489BB42D0}"/>
+          </ac:grpSpMkLst>
+        </pc:grpChg>
+        <pc:grpChg chg="add del">
+          <ac:chgData name="Rubén González Villanueva" userId="316062c3b860cbf8" providerId="LiveId" clId="{6E45B117-F3B8-48AF-AC24-D31C05631FEC}" dt="2019-11-01T21:11:49.984" v="9"/>
+          <ac:grpSpMkLst>
+            <pc:docMk/>
+            <pc:sldMk cId="405230702" sldId="257"/>
+            <ac:grpSpMk id="91" creationId="{7E6B15A5-F4B5-4786-934F-E57C7FA30298}"/>
+          </ac:grpSpMkLst>
+        </pc:grpChg>
+        <pc:picChg chg="mod ord">
+          <ac:chgData name="Rubén González Villanueva" userId="316062c3b860cbf8" providerId="LiveId" clId="{6E45B117-F3B8-48AF-AC24-D31C05631FEC}" dt="2019-11-01T21:11:36.422" v="7" actId="26606"/>
+          <ac:picMkLst>
+            <pc:docMk/>
+            <pc:sldMk cId="405230702" sldId="257"/>
+            <ac:picMk id="61" creationId="{052FCFAE-1A38-436C-85A0-2F4259F4281A}"/>
+          </ac:picMkLst>
+        </pc:picChg>
+      </pc:sldChg>
+      <pc:sldChg chg="modSp">
+        <pc:chgData name="Rubén González Villanueva" userId="316062c3b860cbf8" providerId="LiveId" clId="{6E45B117-F3B8-48AF-AC24-D31C05631FEC}" dt="2019-11-11T18:06:10.992" v="187" actId="242"/>
+        <pc:sldMkLst>
+          <pc:docMk/>
+          <pc:sldMk cId="4006534359" sldId="258"/>
+        </pc:sldMkLst>
+        <pc:spChg chg="mod">
+          <ac:chgData name="Rubén González Villanueva" userId="316062c3b860cbf8" providerId="LiveId" clId="{6E45B117-F3B8-48AF-AC24-D31C05631FEC}" dt="2019-11-11T18:06:10.992" v="187" actId="242"/>
+          <ac:spMkLst>
+            <pc:docMk/>
+            <pc:sldMk cId="4006534359" sldId="258"/>
+            <ac:spMk id="2" creationId="{95AF7728-5CDB-45BD-94F9-C8062FF60583}"/>
+          </ac:spMkLst>
+        </pc:spChg>
+        <pc:spChg chg="mod">
+          <ac:chgData name="Rubén González Villanueva" userId="316062c3b860cbf8" providerId="LiveId" clId="{6E45B117-F3B8-48AF-AC24-D31C05631FEC}" dt="2019-11-01T21:14:58.305" v="16" actId="12"/>
+          <ac:spMkLst>
+            <pc:docMk/>
+            <pc:sldMk cId="4006534359" sldId="258"/>
+            <ac:spMk id="3" creationId="{CACE088F-D1B1-498E-941F-DEB7C7104F69}"/>
+          </ac:spMkLst>
+        </pc:spChg>
+        <pc:spChg chg="mod">
+          <ac:chgData name="Rubén González Villanueva" userId="316062c3b860cbf8" providerId="LiveId" clId="{6E45B117-F3B8-48AF-AC24-D31C05631FEC}" dt="2019-11-01T21:14:54.363" v="15" actId="12"/>
+          <ac:spMkLst>
+            <pc:docMk/>
+            <pc:sldMk cId="4006534359" sldId="258"/>
+            <ac:spMk id="4" creationId="{3CD0E60B-8AB2-4C81-88B9-741CB5CAD2C5}"/>
+          </ac:spMkLst>
+        </pc:spChg>
+        <pc:picChg chg="mod">
+          <ac:chgData name="Rubén González Villanueva" userId="316062c3b860cbf8" providerId="LiveId" clId="{6E45B117-F3B8-48AF-AC24-D31C05631FEC}" dt="2019-11-01T21:12:29.362" v="11" actId="14826"/>
+          <ac:picMkLst>
+            <pc:docMk/>
+            <pc:sldMk cId="4006534359" sldId="258"/>
+            <ac:picMk id="9" creationId="{FA69D7F2-F553-423E-9C42-65D164A2303C}"/>
+          </ac:picMkLst>
+        </pc:picChg>
+      </pc:sldChg>
+      <pc:sldChg chg="addSp delSp modSp">
+        <pc:chgData name="Rubén González Villanueva" userId="316062c3b860cbf8" providerId="LiveId" clId="{6E45B117-F3B8-48AF-AC24-D31C05631FEC}" dt="2019-11-12T14:11:34.947" v="403" actId="15"/>
+        <pc:sldMkLst>
+          <pc:docMk/>
+          <pc:sldMk cId="2183553396" sldId="259"/>
+        </pc:sldMkLst>
+        <pc:spChg chg="add del mod">
+          <ac:chgData name="Rubén González Villanueva" userId="316062c3b860cbf8" providerId="LiveId" clId="{6E45B117-F3B8-48AF-AC24-D31C05631FEC}" dt="2019-11-11T18:01:14.540" v="61" actId="931"/>
+          <ac:spMkLst>
+            <pc:docMk/>
+            <pc:sldMk cId="2183553396" sldId="259"/>
+            <ac:spMk id="3" creationId="{B9829932-EF44-469A-BD7A-4F24E2010F2F}"/>
+          </ac:spMkLst>
+        </pc:spChg>
+        <pc:spChg chg="add mod">
+          <ac:chgData name="Rubén González Villanueva" userId="316062c3b860cbf8" providerId="LiveId" clId="{6E45B117-F3B8-48AF-AC24-D31C05631FEC}" dt="2019-11-12T14:11:34.947" v="403" actId="15"/>
+          <ac:spMkLst>
+            <pc:docMk/>
+            <pc:sldMk cId="2183553396" sldId="259"/>
+            <ac:spMk id="6" creationId="{43410FD3-E575-4657-9972-1294D3D1E1F6}"/>
+          </ac:spMkLst>
+        </pc:spChg>
+        <pc:spChg chg="mod">
+          <ac:chgData name="Rubén González Villanueva" userId="316062c3b860cbf8" providerId="LiveId" clId="{6E45B117-F3B8-48AF-AC24-D31C05631FEC}" dt="2019-11-11T18:01:52.386" v="70" actId="242"/>
+          <ac:spMkLst>
+            <pc:docMk/>
+            <pc:sldMk cId="2183553396" sldId="259"/>
+            <ac:spMk id="7" creationId="{7A63CBD4-BF79-47E1-927B-F35FC3B78E17}"/>
+          </ac:spMkLst>
+        </pc:spChg>
+        <pc:spChg chg="del mod">
+          <ac:chgData name="Rubén González Villanueva" userId="316062c3b860cbf8" providerId="LiveId" clId="{6E45B117-F3B8-48AF-AC24-D31C05631FEC}" dt="2019-11-11T18:01:04.973" v="60" actId="478"/>
+          <ac:spMkLst>
+            <pc:docMk/>
+            <pc:sldMk cId="2183553396" sldId="259"/>
+            <ac:spMk id="11" creationId="{AA36E30A-A112-48F5-B417-C6CD0FB4093F}"/>
+          </ac:spMkLst>
+        </pc:spChg>
+        <pc:spChg chg="del">
+          <ac:chgData name="Rubén González Villanueva" userId="316062c3b860cbf8" providerId="LiveId" clId="{6E45B117-F3B8-48AF-AC24-D31C05631FEC}" dt="2019-11-01T21:15:16.833" v="17"/>
+          <ac:spMkLst>
+            <pc:docMk/>
+            <pc:sldMk cId="2183553396" sldId="259"/>
+            <ac:spMk id="12" creationId="{7AA28FEA-A436-4D31-B02C-504862B03FCB}"/>
+          </ac:spMkLst>
+        </pc:spChg>
+        <pc:picChg chg="add mod">
+          <ac:chgData name="Rubén González Villanueva" userId="316062c3b860cbf8" providerId="LiveId" clId="{6E45B117-F3B8-48AF-AC24-D31C05631FEC}" dt="2019-11-11T18:04:33.851" v="184" actId="1076"/>
+          <ac:picMkLst>
+            <pc:docMk/>
+            <pc:sldMk cId="2183553396" sldId="259"/>
+            <ac:picMk id="5" creationId="{A9BAF62B-2CEA-42B0-84C8-4DCFB7514906}"/>
+          </ac:picMkLst>
+        </pc:picChg>
+        <pc:picChg chg="mod">
+          <ac:chgData name="Rubén González Villanueva" userId="316062c3b860cbf8" providerId="LiveId" clId="{6E45B117-F3B8-48AF-AC24-D31C05631FEC}" dt="2019-11-11T18:01:33.883" v="67" actId="1076"/>
+          <ac:picMkLst>
+            <pc:docMk/>
+            <pc:sldMk cId="2183553396" sldId="259"/>
+            <ac:picMk id="9" creationId="{D8B0F239-9FF8-47DA-BE11-452A081BBFA2}"/>
+          </ac:picMkLst>
+        </pc:picChg>
+      </pc:sldChg>
+      <pc:sldChg chg="modSp">
+        <pc:chgData name="Rubén González Villanueva" userId="316062c3b860cbf8" providerId="LiveId" clId="{6E45B117-F3B8-48AF-AC24-D31C05631FEC}" dt="2019-11-01T21:16:09.886" v="22" actId="14826"/>
+        <pc:sldMkLst>
+          <pc:docMk/>
+          <pc:sldMk cId="925306443" sldId="261"/>
+        </pc:sldMkLst>
+        <pc:picChg chg="mod">
+          <ac:chgData name="Rubén González Villanueva" userId="316062c3b860cbf8" providerId="LiveId" clId="{6E45B117-F3B8-48AF-AC24-D31C05631FEC}" dt="2019-11-01T21:16:09.886" v="22" actId="14826"/>
+          <ac:picMkLst>
+            <pc:docMk/>
+            <pc:sldMk cId="925306443" sldId="261"/>
+            <ac:picMk id="19" creationId="{3D5F8449-5863-43B5-8C99-25B181CD7E3C}"/>
+          </ac:picMkLst>
+        </pc:picChg>
+      </pc:sldChg>
+      <pc:sldChg chg="modSp add modTransition">
+        <pc:chgData name="Rubén González Villanueva" userId="316062c3b860cbf8" providerId="LiveId" clId="{6E45B117-F3B8-48AF-AC24-D31C05631FEC}" dt="2019-11-11T18:05:11.836" v="185"/>
         <pc:sldMkLst>
           <pc:docMk/>
           <pc:sldMk cId="3571924505" sldId="262"/>
         </pc:sldMkLst>
         <pc:spChg chg="mod">
-          <ac:chgData name="Guest User" userId="" providerId="Windows Live" clId="Web-{B87B94C5-AAC6-480D-9E68-5D343D30B5C7}" dt="2019-11-11T18:52:44.388" v="319"/>
+          <ac:chgData name="Rubén González Villanueva" userId="316062c3b860cbf8" providerId="LiveId" clId="{6E45B117-F3B8-48AF-AC24-D31C05631FEC}" dt="2019-11-01T21:32:14.805" v="58" actId="1076"/>
           <ac:spMkLst>
             <pc:docMk/>
             <pc:sldMk cId="3571924505" sldId="262"/>
             <ac:spMk id="2" creationId="{61DD6FAC-6BAA-4C07-B6B2-0E9A3567DF65}"/>
           </ac:spMkLst>
         </pc:spChg>
+      </pc:sldChg>
+      <pc:sldChg chg="addSp delSp modSp add modTransition">
+        <pc:chgData name="Rubén González Villanueva" userId="316062c3b860cbf8" providerId="LiveId" clId="{6E45B117-F3B8-48AF-AC24-D31C05631FEC}" dt="2019-11-11T18:12:11.343" v="380" actId="20577"/>
+        <pc:sldMkLst>
+          <pc:docMk/>
+          <pc:sldMk cId="1195560405" sldId="263"/>
+        </pc:sldMkLst>
+        <pc:spChg chg="mod">
+          <ac:chgData name="Rubén González Villanueva" userId="316062c3b860cbf8" providerId="LiveId" clId="{6E45B117-F3B8-48AF-AC24-D31C05631FEC}" dt="2019-11-11T18:08:47.189" v="254" actId="20577"/>
+          <ac:spMkLst>
+            <pc:docMk/>
+            <pc:sldMk cId="1195560405" sldId="263"/>
+            <ac:spMk id="2" creationId="{2695194C-DA76-4C3A-84BF-B351927EF8E0}"/>
+          </ac:spMkLst>
+        </pc:spChg>
+        <pc:spChg chg="mod">
+          <ac:chgData name="Rubén González Villanueva" userId="316062c3b860cbf8" providerId="LiveId" clId="{6E45B117-F3B8-48AF-AC24-D31C05631FEC}" dt="2019-11-11T18:10:36.151" v="341" actId="27636"/>
+          <ac:spMkLst>
+            <pc:docMk/>
+            <pc:sldMk cId="1195560405" sldId="263"/>
+            <ac:spMk id="3" creationId="{E9B2338D-E5F4-4A1E-89A1-B362C271F346}"/>
+          </ac:spMkLst>
+        </pc:spChg>
+        <pc:spChg chg="del mod">
+          <ac:chgData name="Rubén González Villanueva" userId="316062c3b860cbf8" providerId="LiveId" clId="{6E45B117-F3B8-48AF-AC24-D31C05631FEC}" dt="2019-11-11T18:08:40.037" v="233"/>
+          <ac:spMkLst>
+            <pc:docMk/>
+            <pc:sldMk cId="1195560405" sldId="263"/>
+            <ac:spMk id="4" creationId="{C1ECC8E9-1B7C-4DA1-A306-7CC3C9D241CA}"/>
+          </ac:spMkLst>
+        </pc:spChg>
+        <pc:spChg chg="add mod">
+          <ac:chgData name="Rubén González Villanueva" userId="316062c3b860cbf8" providerId="LiveId" clId="{6E45B117-F3B8-48AF-AC24-D31C05631FEC}" dt="2019-11-11T18:08:43.555" v="244" actId="20577"/>
+          <ac:spMkLst>
+            <pc:docMk/>
+            <pc:sldMk cId="1195560405" sldId="263"/>
+            <ac:spMk id="6" creationId="{949D551B-B45C-4B2A-9317-31AF15A48BFB}"/>
+          </ac:spMkLst>
+        </pc:spChg>
+        <pc:spChg chg="add mod">
+          <ac:chgData name="Rubén González Villanueva" userId="316062c3b860cbf8" providerId="LiveId" clId="{6E45B117-F3B8-48AF-AC24-D31C05631FEC}" dt="2019-11-11T18:12:11.343" v="380" actId="20577"/>
+          <ac:spMkLst>
+            <pc:docMk/>
+            <pc:sldMk cId="1195560405" sldId="263"/>
+            <ac:spMk id="7" creationId="{68D7DBD9-0FC7-4D5D-B8DF-A7F6016F1335}"/>
+          </ac:spMkLst>
+        </pc:spChg>
+        <pc:spChg chg="add mod">
+          <ac:chgData name="Rubén González Villanueva" userId="316062c3b860cbf8" providerId="LiveId" clId="{6E45B117-F3B8-48AF-AC24-D31C05631FEC}" dt="2019-11-11T18:11:49.781" v="370" actId="20577"/>
+          <ac:spMkLst>
+            <pc:docMk/>
+            <pc:sldMk cId="1195560405" sldId="263"/>
+            <ac:spMk id="8" creationId="{F299ED4B-FA56-46C1-ABA8-B8CC23D386D8}"/>
+          </ac:spMkLst>
+        </pc:spChg>
+        <pc:picChg chg="add mod">
+          <ac:chgData name="Rubén González Villanueva" userId="316062c3b860cbf8" providerId="LiveId" clId="{6E45B117-F3B8-48AF-AC24-D31C05631FEC}" dt="2019-11-11T18:12:00.674" v="373" actId="1076"/>
+          <ac:picMkLst>
+            <pc:docMk/>
+            <pc:sldMk cId="1195560405" sldId="263"/>
+            <ac:picMk id="5" creationId="{6D315456-F9FE-45E9-8B9E-0A1E4E191581}"/>
+          </ac:picMkLst>
+        </pc:picChg>
+      </pc:sldChg>
+    </pc:docChg>
+  </pc:docChgLst>
+  <pc:docChgLst>
+    <pc:chgData name="Rubén González Villanueva" userId="c8c16a74-be0f-439b-9b67-6b666a436255" providerId="ADAL" clId="{2129604C-F01F-40CD-8BD8-E7558B492AD4}"/>
+    <pc:docChg chg="undo custSel mod addSld delSld modSld">
+      <pc:chgData name="Rubén González Villanueva" userId="c8c16a74-be0f-439b-9b67-6b666a436255" providerId="ADAL" clId="{2129604C-F01F-40CD-8BD8-E7558B492AD4}" dt="2019-11-01T18:22:57.937" v="430" actId="27636"/>
+      <pc:docMkLst>
+        <pc:docMk/>
+      </pc:docMkLst>
+      <pc:sldChg chg="addSp delSp modSp delDesignElem">
+        <pc:chgData name="Rubén González Villanueva" userId="c8c16a74-be0f-439b-9b67-6b666a436255" providerId="ADAL" clId="{2129604C-F01F-40CD-8BD8-E7558B492AD4}" dt="2019-11-01T18:13:50.124" v="231"/>
+        <pc:sldMkLst>
+          <pc:docMk/>
+          <pc:sldMk cId="567220051" sldId="256"/>
+        </pc:sldMkLst>
+        <pc:spChg chg="mod">
+          <ac:chgData name="Rubén González Villanueva" userId="c8c16a74-be0f-439b-9b67-6b666a436255" providerId="ADAL" clId="{2129604C-F01F-40CD-8BD8-E7558B492AD4}" dt="2019-11-01T17:58:10.859" v="4"/>
+          <ac:spMkLst>
+            <pc:docMk/>
+            <pc:sldMk cId="567220051" sldId="256"/>
+            <ac:spMk id="3" creationId="{305387FA-9453-424C-8F0D-19742859F9C6}"/>
+          </ac:spMkLst>
+        </pc:spChg>
+        <pc:spChg chg="add del mod">
+          <ac:chgData name="Rubén González Villanueva" userId="c8c16a74-be0f-439b-9b67-6b666a436255" providerId="ADAL" clId="{2129604C-F01F-40CD-8BD8-E7558B492AD4}" dt="2019-11-01T17:58:10.859" v="4"/>
+          <ac:spMkLst>
+            <pc:docMk/>
+            <pc:sldMk cId="567220051" sldId="256"/>
+            <ac:spMk id="8" creationId="{D803034F-E74E-47ED-9904-73FD2C2E8839}"/>
+          </ac:spMkLst>
+        </pc:spChg>
+        <pc:spChg chg="add del">
+          <ac:chgData name="Rubén González Villanueva" userId="c8c16a74-be0f-439b-9b67-6b666a436255" providerId="ADAL" clId="{2129604C-F01F-40CD-8BD8-E7558B492AD4}" dt="2019-11-01T17:58:10.859" v="4"/>
+          <ac:spMkLst>
+            <pc:docMk/>
+            <pc:sldMk cId="567220051" sldId="256"/>
+            <ac:spMk id="23" creationId="{379F11E2-8BA5-4C5C-AE7C-361E5EA011FF}"/>
+          </ac:spMkLst>
+        </pc:spChg>
+        <pc:spChg chg="add del">
+          <ac:chgData name="Rubén González Villanueva" userId="c8c16a74-be0f-439b-9b67-6b666a436255" providerId="ADAL" clId="{2129604C-F01F-40CD-8BD8-E7558B492AD4}" dt="2019-11-01T17:58:10.859" v="4"/>
+          <ac:spMkLst>
+            <pc:docMk/>
+            <pc:sldMk cId="567220051" sldId="256"/>
+            <ac:spMk id="25" creationId="{7C00E1DA-EC7C-40FC-95E3-11FDCD2E4291}"/>
+          </ac:spMkLst>
+        </pc:spChg>
+        <pc:grpChg chg="add del">
+          <ac:chgData name="Rubén González Villanueva" userId="c8c16a74-be0f-439b-9b67-6b666a436255" providerId="ADAL" clId="{2129604C-F01F-40CD-8BD8-E7558B492AD4}" dt="2019-11-01T17:58:10.859" v="4"/>
+          <ac:grpSpMkLst>
+            <pc:docMk/>
+            <pc:sldMk cId="567220051" sldId="256"/>
+            <ac:grpSpMk id="27" creationId="{9A421166-2996-41A7-B094-AE5316F347DD}"/>
+          </ac:grpSpMkLst>
+        </pc:grpChg>
+        <pc:picChg chg="mod">
+          <ac:chgData name="Rubén González Villanueva" userId="c8c16a74-be0f-439b-9b67-6b666a436255" providerId="ADAL" clId="{2129604C-F01F-40CD-8BD8-E7558B492AD4}" dt="2019-11-01T18:13:50.124" v="231"/>
+          <ac:picMkLst>
+            <pc:docMk/>
+            <pc:sldMk cId="567220051" sldId="256"/>
+            <ac:picMk id="5" creationId="{B8F98EAE-13DD-4C7F-A54F-445FD8605DF4}"/>
+          </ac:picMkLst>
+        </pc:picChg>
+      </pc:sldChg>
+      <pc:sldChg chg="addSp delSp modSp mod setBg delDesignElem">
+        <pc:chgData name="Rubén González Villanueva" userId="c8c16a74-be0f-439b-9b67-6b666a436255" providerId="ADAL" clId="{2129604C-F01F-40CD-8BD8-E7558B492AD4}" dt="2019-11-01T18:16:45.664" v="256" actId="26606"/>
+        <pc:sldMkLst>
+          <pc:docMk/>
+          <pc:sldMk cId="405230702" sldId="257"/>
+        </pc:sldMkLst>
         <pc:spChg chg="mod ord">
-          <ac:chgData name="Guest User" userId="" providerId="Windows Live" clId="Web-{B87B94C5-AAC6-480D-9E68-5D343D30B5C7}" dt="2019-11-11T18:52:44.388" v="319"/>
+          <ac:chgData name="Rubén González Villanueva" userId="c8c16a74-be0f-439b-9b67-6b666a436255" providerId="ADAL" clId="{2129604C-F01F-40CD-8BD8-E7558B492AD4}" dt="2019-11-01T18:16:45.664" v="256" actId="26606"/>
+          <ac:spMkLst>
+            <pc:docMk/>
+            <pc:sldMk cId="405230702" sldId="257"/>
+            <ac:spMk id="2" creationId="{DB4BD388-4E4C-4729-9C98-FDCE73F701DE}"/>
+          </ac:spMkLst>
+        </pc:spChg>
+        <pc:spChg chg="add mod">
+          <ac:chgData name="Rubén González Villanueva" userId="c8c16a74-be0f-439b-9b67-6b666a436255" providerId="ADAL" clId="{2129604C-F01F-40CD-8BD8-E7558B492AD4}" dt="2019-11-01T18:16:45.664" v="256" actId="26606"/>
+          <ac:spMkLst>
+            <pc:docMk/>
+            <pc:sldMk cId="405230702" sldId="257"/>
+            <ac:spMk id="8" creationId="{115E2BAF-7EC9-45CB-AE80-C410061A963D}"/>
+          </ac:spMkLst>
+        </pc:spChg>
+        <pc:spChg chg="add del mod">
+          <ac:chgData name="Rubén González Villanueva" userId="c8c16a74-be0f-439b-9b67-6b666a436255" providerId="ADAL" clId="{2129604C-F01F-40CD-8BD8-E7558B492AD4}" dt="2019-11-01T18:16:41.232" v="254"/>
+          <ac:spMkLst>
+            <pc:docMk/>
+            <pc:sldMk cId="405230702" sldId="257"/>
+            <ac:spMk id="10" creationId="{9DD38617-F584-483B-9033-3D4FDA203276}"/>
+          </ac:spMkLst>
+        </pc:spChg>
+        <pc:spChg chg="add del">
+          <ac:chgData name="Rubén González Villanueva" userId="c8c16a74-be0f-439b-9b67-6b666a436255" providerId="ADAL" clId="{2129604C-F01F-40CD-8BD8-E7558B492AD4}" dt="2019-11-01T17:58:25.667" v="6" actId="26606"/>
+          <ac:spMkLst>
+            <pc:docMk/>
+            <pc:sldMk cId="405230702" sldId="257"/>
+            <ac:spMk id="11" creationId="{317F59F4-9C4A-42AF-B61E-D2B155EBD20A}"/>
+          </ac:spMkLst>
+        </pc:spChg>
+        <pc:spChg chg="add del">
+          <ac:chgData name="Rubén González Villanueva" userId="c8c16a74-be0f-439b-9b67-6b666a436255" providerId="ADAL" clId="{2129604C-F01F-40CD-8BD8-E7558B492AD4}" dt="2019-11-01T18:06:11.320" v="80" actId="26606"/>
+          <ac:spMkLst>
+            <pc:docMk/>
+            <pc:sldMk cId="405230702" sldId="257"/>
+            <ac:spMk id="13" creationId="{A078A52F-85EA-4C0B-962B-D9D9DD4DD78C}"/>
+          </ac:spMkLst>
+        </pc:spChg>
+        <pc:spChg chg="add del">
+          <ac:chgData name="Rubén González Villanueva" userId="c8c16a74-be0f-439b-9b67-6b666a436255" providerId="ADAL" clId="{2129604C-F01F-40CD-8BD8-E7558B492AD4}" dt="2019-11-01T17:58:25.667" v="6" actId="26606"/>
+          <ac:spMkLst>
+            <pc:docMk/>
+            <pc:sldMk cId="405230702" sldId="257"/>
+            <ac:spMk id="14" creationId="{EE15E636-2C9E-42CB-B482-436AA81BF93B}"/>
+          </ac:spMkLst>
+        </pc:spChg>
+        <pc:spChg chg="add del">
+          <ac:chgData name="Rubén González Villanueva" userId="c8c16a74-be0f-439b-9b67-6b666a436255" providerId="ADAL" clId="{2129604C-F01F-40CD-8BD8-E7558B492AD4}" dt="2019-11-01T18:06:11.320" v="80" actId="26606"/>
+          <ac:spMkLst>
+            <pc:docMk/>
+            <pc:sldMk cId="405230702" sldId="257"/>
+            <ac:spMk id="15" creationId="{919797D5-5700-4683-B30A-5B4D56CB8270}"/>
+          </ac:spMkLst>
+        </pc:spChg>
+        <pc:spChg chg="add del">
+          <ac:chgData name="Rubén González Villanueva" userId="c8c16a74-be0f-439b-9b67-6b666a436255" providerId="ADAL" clId="{2129604C-F01F-40CD-8BD8-E7558B492AD4}" dt="2019-11-01T18:06:11.320" v="80" actId="26606"/>
+          <ac:spMkLst>
+            <pc:docMk/>
+            <pc:sldMk cId="405230702" sldId="257"/>
+            <ac:spMk id="17" creationId="{4856A7B9-9801-42EC-A4C9-7E22A56EF53D}"/>
+          </ac:spMkLst>
+        </pc:spChg>
+        <pc:spChg chg="add del">
+          <ac:chgData name="Rubén González Villanueva" userId="c8c16a74-be0f-439b-9b67-6b666a436255" providerId="ADAL" clId="{2129604C-F01F-40CD-8BD8-E7558B492AD4}" dt="2019-11-01T18:06:11.320" v="80" actId="26606"/>
+          <ac:spMkLst>
+            <pc:docMk/>
+            <pc:sldMk cId="405230702" sldId="257"/>
+            <ac:spMk id="19" creationId="{A8D10092-A860-4EFB-963F-A14DA3648858}"/>
+          </ac:spMkLst>
+        </pc:spChg>
+        <pc:spChg chg="add del">
+          <ac:chgData name="Rubén González Villanueva" userId="c8c16a74-be0f-439b-9b67-6b666a436255" providerId="ADAL" clId="{2129604C-F01F-40CD-8BD8-E7558B492AD4}" dt="2019-11-01T18:06:11.320" v="80" actId="26606"/>
+          <ac:spMkLst>
+            <pc:docMk/>
+            <pc:sldMk cId="405230702" sldId="257"/>
+            <ac:spMk id="21" creationId="{BABD8CBF-1782-456F-AF12-36CD021CCCF6}"/>
+          </ac:spMkLst>
+        </pc:spChg>
+        <pc:spChg chg="add del">
+          <ac:chgData name="Rubén González Villanueva" userId="c8c16a74-be0f-439b-9b67-6b666a436255" providerId="ADAL" clId="{2129604C-F01F-40CD-8BD8-E7558B492AD4}" dt="2019-11-01T18:06:11.320" v="80" actId="26606"/>
+          <ac:spMkLst>
+            <pc:docMk/>
+            <pc:sldMk cId="405230702" sldId="257"/>
+            <ac:spMk id="23" creationId="{18A186C0-DD3C-4FF4-B165-943244CBD116}"/>
+          </ac:spMkLst>
+        </pc:spChg>
+        <pc:spChg chg="add del">
+          <ac:chgData name="Rubén González Villanueva" userId="c8c16a74-be0f-439b-9b67-6b666a436255" providerId="ADAL" clId="{2129604C-F01F-40CD-8BD8-E7558B492AD4}" dt="2019-11-01T18:06:09.528" v="77" actId="26606"/>
+          <ac:spMkLst>
+            <pc:docMk/>
+            <pc:sldMk cId="405230702" sldId="257"/>
+            <ac:spMk id="33" creationId="{A078A52F-85EA-4C0B-962B-D9D9DD4DD78C}"/>
+          </ac:spMkLst>
+        </pc:spChg>
+        <pc:spChg chg="add del">
+          <ac:chgData name="Rubén González Villanueva" userId="c8c16a74-be0f-439b-9b67-6b666a436255" providerId="ADAL" clId="{2129604C-F01F-40CD-8BD8-E7558B492AD4}" dt="2019-11-01T18:06:09.528" v="77" actId="26606"/>
+          <ac:spMkLst>
+            <pc:docMk/>
+            <pc:sldMk cId="405230702" sldId="257"/>
+            <ac:spMk id="35" creationId="{919797D5-5700-4683-B30A-5B4D56CB8270}"/>
+          </ac:spMkLst>
+        </pc:spChg>
+        <pc:spChg chg="add del">
+          <ac:chgData name="Rubén González Villanueva" userId="c8c16a74-be0f-439b-9b67-6b666a436255" providerId="ADAL" clId="{2129604C-F01F-40CD-8BD8-E7558B492AD4}" dt="2019-11-01T18:06:09.528" v="77" actId="26606"/>
+          <ac:spMkLst>
+            <pc:docMk/>
+            <pc:sldMk cId="405230702" sldId="257"/>
+            <ac:spMk id="37" creationId="{4856A7B9-9801-42EC-A4C9-7E22A56EF53D}"/>
+          </ac:spMkLst>
+        </pc:spChg>
+        <pc:spChg chg="add del">
+          <ac:chgData name="Rubén González Villanueva" userId="c8c16a74-be0f-439b-9b67-6b666a436255" providerId="ADAL" clId="{2129604C-F01F-40CD-8BD8-E7558B492AD4}" dt="2019-11-01T18:06:09.528" v="77" actId="26606"/>
+          <ac:spMkLst>
+            <pc:docMk/>
+            <pc:sldMk cId="405230702" sldId="257"/>
+            <ac:spMk id="39" creationId="{A8D10092-A860-4EFB-963F-A14DA3648858}"/>
+          </ac:spMkLst>
+        </pc:spChg>
+        <pc:spChg chg="add del">
+          <ac:chgData name="Rubén González Villanueva" userId="c8c16a74-be0f-439b-9b67-6b666a436255" providerId="ADAL" clId="{2129604C-F01F-40CD-8BD8-E7558B492AD4}" dt="2019-11-01T18:06:09.528" v="77" actId="26606"/>
+          <ac:spMkLst>
+            <pc:docMk/>
+            <pc:sldMk cId="405230702" sldId="257"/>
+            <ac:spMk id="41" creationId="{4AE9D071-98CF-435C-BD2B-976514544DC5}"/>
+          </ac:spMkLst>
+        </pc:spChg>
+        <pc:spChg chg="add del">
+          <ac:chgData name="Rubén González Villanueva" userId="c8c16a74-be0f-439b-9b67-6b666a436255" providerId="ADAL" clId="{2129604C-F01F-40CD-8BD8-E7558B492AD4}" dt="2019-11-01T18:06:11.286" v="79" actId="26606"/>
+          <ac:spMkLst>
+            <pc:docMk/>
+            <pc:sldMk cId="405230702" sldId="257"/>
+            <ac:spMk id="48" creationId="{A078A52F-85EA-4C0B-962B-D9D9DD4DD78C}"/>
+          </ac:spMkLst>
+        </pc:spChg>
+        <pc:spChg chg="add del">
+          <ac:chgData name="Rubén González Villanueva" userId="c8c16a74-be0f-439b-9b67-6b666a436255" providerId="ADAL" clId="{2129604C-F01F-40CD-8BD8-E7558B492AD4}" dt="2019-11-01T18:06:11.286" v="79" actId="26606"/>
+          <ac:spMkLst>
+            <pc:docMk/>
+            <pc:sldMk cId="405230702" sldId="257"/>
+            <ac:spMk id="49" creationId="{919797D5-5700-4683-B30A-5B4D56CB8270}"/>
+          </ac:spMkLst>
+        </pc:spChg>
+        <pc:spChg chg="add del">
+          <ac:chgData name="Rubén González Villanueva" userId="c8c16a74-be0f-439b-9b67-6b666a436255" providerId="ADAL" clId="{2129604C-F01F-40CD-8BD8-E7558B492AD4}" dt="2019-11-01T18:06:11.286" v="79" actId="26606"/>
+          <ac:spMkLst>
+            <pc:docMk/>
+            <pc:sldMk cId="405230702" sldId="257"/>
+            <ac:spMk id="50" creationId="{4856A7B9-9801-42EC-A4C9-7E22A56EF53D}"/>
+          </ac:spMkLst>
+        </pc:spChg>
+        <pc:spChg chg="add del">
+          <ac:chgData name="Rubén González Villanueva" userId="c8c16a74-be0f-439b-9b67-6b666a436255" providerId="ADAL" clId="{2129604C-F01F-40CD-8BD8-E7558B492AD4}" dt="2019-11-01T18:06:11.286" v="79" actId="26606"/>
+          <ac:spMkLst>
+            <pc:docMk/>
+            <pc:sldMk cId="405230702" sldId="257"/>
+            <ac:spMk id="51" creationId="{A8D10092-A860-4EFB-963F-A14DA3648858}"/>
+          </ac:spMkLst>
+        </pc:spChg>
+        <pc:spChg chg="add del">
+          <ac:chgData name="Rubén González Villanueva" userId="c8c16a74-be0f-439b-9b67-6b666a436255" providerId="ADAL" clId="{2129604C-F01F-40CD-8BD8-E7558B492AD4}" dt="2019-11-01T18:06:11.286" v="79" actId="26606"/>
+          <ac:spMkLst>
+            <pc:docMk/>
+            <pc:sldMk cId="405230702" sldId="257"/>
+            <ac:spMk id="52" creationId="{5FFDA8B7-D418-45DE-8976-038DCE51654C}"/>
+          </ac:spMkLst>
+        </pc:spChg>
+        <pc:spChg chg="add del">
+          <ac:chgData name="Rubén González Villanueva" userId="c8c16a74-be0f-439b-9b67-6b666a436255" providerId="ADAL" clId="{2129604C-F01F-40CD-8BD8-E7558B492AD4}" dt="2019-11-01T18:16:41.232" v="254"/>
+          <ac:spMkLst>
+            <pc:docMk/>
+            <pc:sldMk cId="405230702" sldId="257"/>
+            <ac:spMk id="55" creationId="{A078A52F-85EA-4C0B-962B-D9D9DD4DD78C}"/>
+          </ac:spMkLst>
+        </pc:spChg>
+        <pc:spChg chg="add del">
+          <ac:chgData name="Rubén González Villanueva" userId="c8c16a74-be0f-439b-9b67-6b666a436255" providerId="ADAL" clId="{2129604C-F01F-40CD-8BD8-E7558B492AD4}" dt="2019-11-01T18:16:41.232" v="254"/>
+          <ac:spMkLst>
+            <pc:docMk/>
+            <pc:sldMk cId="405230702" sldId="257"/>
+            <ac:spMk id="56" creationId="{919797D5-5700-4683-B30A-5B4D56CB8270}"/>
+          </ac:spMkLst>
+        </pc:spChg>
+        <pc:spChg chg="add del">
+          <ac:chgData name="Rubén González Villanueva" userId="c8c16a74-be0f-439b-9b67-6b666a436255" providerId="ADAL" clId="{2129604C-F01F-40CD-8BD8-E7558B492AD4}" dt="2019-11-01T18:16:41.232" v="254"/>
+          <ac:spMkLst>
+            <pc:docMk/>
+            <pc:sldMk cId="405230702" sldId="257"/>
+            <ac:spMk id="57" creationId="{4856A7B9-9801-42EC-A4C9-7E22A56EF53D}"/>
+          </ac:spMkLst>
+        </pc:spChg>
+        <pc:spChg chg="add del">
+          <ac:chgData name="Rubén González Villanueva" userId="c8c16a74-be0f-439b-9b67-6b666a436255" providerId="ADAL" clId="{2129604C-F01F-40CD-8BD8-E7558B492AD4}" dt="2019-11-01T18:16:41.232" v="254"/>
+          <ac:spMkLst>
+            <pc:docMk/>
+            <pc:sldMk cId="405230702" sldId="257"/>
+            <ac:spMk id="58" creationId="{A8D10092-A860-4EFB-963F-A14DA3648858}"/>
+          </ac:spMkLst>
+        </pc:spChg>
+        <pc:spChg chg="add del">
+          <ac:chgData name="Rubén González Villanueva" userId="c8c16a74-be0f-439b-9b67-6b666a436255" providerId="ADAL" clId="{2129604C-F01F-40CD-8BD8-E7558B492AD4}" dt="2019-11-01T18:16:41.232" v="254"/>
+          <ac:spMkLst>
+            <pc:docMk/>
+            <pc:sldMk cId="405230702" sldId="257"/>
+            <ac:spMk id="59" creationId="{4AE9D071-98CF-435C-BD2B-976514544DC5}"/>
+          </ac:spMkLst>
+        </pc:spChg>
+        <pc:spChg chg="add">
+          <ac:chgData name="Rubén González Villanueva" userId="c8c16a74-be0f-439b-9b67-6b666a436255" providerId="ADAL" clId="{2129604C-F01F-40CD-8BD8-E7558B492AD4}" dt="2019-11-01T18:16:45.664" v="256" actId="26606"/>
+          <ac:spMkLst>
+            <pc:docMk/>
+            <pc:sldMk cId="405230702" sldId="257"/>
+            <ac:spMk id="66" creationId="{4AE9D071-98CF-435C-BD2B-976514544DC5}"/>
+          </ac:spMkLst>
+        </pc:spChg>
+        <pc:grpChg chg="add del">
+          <ac:chgData name="Rubén González Villanueva" userId="c8c16a74-be0f-439b-9b67-6b666a436255" providerId="ADAL" clId="{2129604C-F01F-40CD-8BD8-E7558B492AD4}" dt="2019-11-01T17:58:25.667" v="6" actId="26606"/>
+          <ac:grpSpMkLst>
+            <pc:docMk/>
+            <pc:sldMk cId="405230702" sldId="257"/>
+            <ac:grpSpMk id="16" creationId="{01D4AEDF-0CF9-4271-ABB7-3D3489BB42D0}"/>
+          </ac:grpSpMkLst>
+        </pc:grpChg>
+        <pc:grpChg chg="add del">
+          <ac:chgData name="Rubén González Villanueva" userId="c8c16a74-be0f-439b-9b67-6b666a436255" providerId="ADAL" clId="{2129604C-F01F-40CD-8BD8-E7558B492AD4}" dt="2019-11-01T18:06:11.320" v="80" actId="26606"/>
+          <ac:grpSpMkLst>
+            <pc:docMk/>
+            <pc:sldMk cId="405230702" sldId="257"/>
+            <ac:grpSpMk id="25" creationId="{7E6B15A5-F4B5-4786-934F-E57C7FA30298}"/>
+          </ac:grpSpMkLst>
+        </pc:grpChg>
+        <pc:grpChg chg="add del">
+          <ac:chgData name="Rubén González Villanueva" userId="c8c16a74-be0f-439b-9b67-6b666a436255" providerId="ADAL" clId="{2129604C-F01F-40CD-8BD8-E7558B492AD4}" dt="2019-11-01T18:06:09.528" v="77" actId="26606"/>
+          <ac:grpSpMkLst>
+            <pc:docMk/>
+            <pc:sldMk cId="405230702" sldId="257"/>
+            <ac:grpSpMk id="43" creationId="{D619FC33-16ED-4246-9596-BEFEB55E4CF6}"/>
+          </ac:grpSpMkLst>
+        </pc:grpChg>
+        <pc:grpChg chg="add del">
+          <ac:chgData name="Rubén González Villanueva" userId="c8c16a74-be0f-439b-9b67-6b666a436255" providerId="ADAL" clId="{2129604C-F01F-40CD-8BD8-E7558B492AD4}" dt="2019-11-01T18:06:11.286" v="79" actId="26606"/>
+          <ac:grpSpMkLst>
+            <pc:docMk/>
+            <pc:sldMk cId="405230702" sldId="257"/>
+            <ac:grpSpMk id="53" creationId="{4B0B5642-77FE-45F3-BA88-6E83123BD28F}"/>
+          </ac:grpSpMkLst>
+        </pc:grpChg>
+        <pc:grpChg chg="add del">
+          <ac:chgData name="Rubén González Villanueva" userId="c8c16a74-be0f-439b-9b67-6b666a436255" providerId="ADAL" clId="{2129604C-F01F-40CD-8BD8-E7558B492AD4}" dt="2019-11-01T18:16:41.232" v="254"/>
+          <ac:grpSpMkLst>
+            <pc:docMk/>
+            <pc:sldMk cId="405230702" sldId="257"/>
+            <ac:grpSpMk id="60" creationId="{D619FC33-16ED-4246-9596-BEFEB55E4CF6}"/>
+          </ac:grpSpMkLst>
+        </pc:grpChg>
+        <pc:grpChg chg="add">
+          <ac:chgData name="Rubén González Villanueva" userId="c8c16a74-be0f-439b-9b67-6b666a436255" providerId="ADAL" clId="{2129604C-F01F-40CD-8BD8-E7558B492AD4}" dt="2019-11-01T18:16:45.664" v="256" actId="26606"/>
+          <ac:grpSpMkLst>
+            <pc:docMk/>
+            <pc:sldMk cId="405230702" sldId="257"/>
+            <ac:grpSpMk id="68" creationId="{D619FC33-16ED-4246-9596-BEFEB55E4CF6}"/>
+          </ac:grpSpMkLst>
+        </pc:grpChg>
+        <pc:picChg chg="del mod">
+          <ac:chgData name="Rubén González Villanueva" userId="c8c16a74-be0f-439b-9b67-6b666a436255" providerId="ADAL" clId="{2129604C-F01F-40CD-8BD8-E7558B492AD4}" dt="2019-11-01T18:12:17.629" v="179" actId="478"/>
+          <ac:picMkLst>
+            <pc:docMk/>
+            <pc:sldMk cId="405230702" sldId="257"/>
+            <ac:picMk id="7" creationId="{C96961FD-7768-4B3C-B656-5FE33C6FC340}"/>
+          </ac:picMkLst>
+        </pc:picChg>
+        <pc:picChg chg="add del">
+          <ac:chgData name="Rubén González Villanueva" userId="c8c16a74-be0f-439b-9b67-6b666a436255" providerId="ADAL" clId="{2129604C-F01F-40CD-8BD8-E7558B492AD4}" dt="2019-11-01T18:16:15.671" v="247" actId="478"/>
+          <ac:picMkLst>
+            <pc:docMk/>
+            <pc:sldMk cId="405230702" sldId="257"/>
+            <ac:picMk id="47" creationId="{7AA3CF8D-B84A-4228-B903-20553B2A999C}"/>
+          </ac:picMkLst>
+        </pc:picChg>
+        <pc:picChg chg="add del">
+          <ac:chgData name="Rubén González Villanueva" userId="c8c16a74-be0f-439b-9b67-6b666a436255" providerId="ADAL" clId="{2129604C-F01F-40CD-8BD8-E7558B492AD4}" dt="2019-11-01T18:16:13.588" v="246"/>
+          <ac:picMkLst>
+            <pc:docMk/>
+            <pc:sldMk cId="405230702" sldId="257"/>
+            <ac:picMk id="54" creationId="{5FDD1E64-46C5-4B52-B0AD-88A7558F5FF4}"/>
+          </ac:picMkLst>
+        </pc:picChg>
+        <pc:picChg chg="add mod ord">
+          <ac:chgData name="Rubén González Villanueva" userId="c8c16a74-be0f-439b-9b67-6b666a436255" providerId="ADAL" clId="{2129604C-F01F-40CD-8BD8-E7558B492AD4}" dt="2019-11-01T18:16:45.664" v="256" actId="26606"/>
+          <ac:picMkLst>
+            <pc:docMk/>
+            <pc:sldMk cId="405230702" sldId="257"/>
+            <ac:picMk id="61" creationId="{052FCFAE-1A38-436C-85A0-2F4259F4281A}"/>
+          </ac:picMkLst>
+        </pc:picChg>
+      </pc:sldChg>
+      <pc:sldChg chg="addSp delSp modSp add modTransition">
+        <pc:chgData name="Rubén González Villanueva" userId="c8c16a74-be0f-439b-9b67-6b666a436255" providerId="ADAL" clId="{2129604C-F01F-40CD-8BD8-E7558B492AD4}" dt="2019-11-01T18:16:57.698" v="262" actId="1076"/>
+        <pc:sldMkLst>
+          <pc:docMk/>
+          <pc:sldMk cId="4006534359" sldId="258"/>
+        </pc:sldMkLst>
+        <pc:spChg chg="mod">
+          <ac:chgData name="Rubén González Villanueva" userId="c8c16a74-be0f-439b-9b67-6b666a436255" providerId="ADAL" clId="{2129604C-F01F-40CD-8BD8-E7558B492AD4}" dt="2019-11-01T18:04:27.958" v="72" actId="20577"/>
+          <ac:spMkLst>
+            <pc:docMk/>
+            <pc:sldMk cId="4006534359" sldId="258"/>
+            <ac:spMk id="2" creationId="{95AF7728-5CDB-45BD-94F9-C8062FF60583}"/>
+          </ac:spMkLst>
+        </pc:spChg>
+        <pc:spChg chg="add del mod">
+          <ac:chgData name="Rubén González Villanueva" userId="c8c16a74-be0f-439b-9b67-6b666a436255" providerId="ADAL" clId="{2129604C-F01F-40CD-8BD8-E7558B492AD4}" dt="2019-11-01T18:08:41.769" v="141" actId="27636"/>
+          <ac:spMkLst>
+            <pc:docMk/>
+            <pc:sldMk cId="4006534359" sldId="258"/>
+            <ac:spMk id="3" creationId="{CACE088F-D1B1-498E-941F-DEB7C7104F69}"/>
+          </ac:spMkLst>
+        </pc:spChg>
+        <pc:spChg chg="mod">
+          <ac:chgData name="Rubén González Villanueva" userId="c8c16a74-be0f-439b-9b67-6b666a436255" providerId="ADAL" clId="{2129604C-F01F-40CD-8BD8-E7558B492AD4}" dt="2019-11-01T18:08:41.772" v="142" actId="27636"/>
+          <ac:spMkLst>
+            <pc:docMk/>
+            <pc:sldMk cId="4006534359" sldId="258"/>
+            <ac:spMk id="4" creationId="{3CD0E60B-8AB2-4C81-88B9-741CB5CAD2C5}"/>
+          </ac:spMkLst>
+        </pc:spChg>
+        <pc:spChg chg="add mod">
+          <ac:chgData name="Rubén González Villanueva" userId="c8c16a74-be0f-439b-9b67-6b666a436255" providerId="ADAL" clId="{2129604C-F01F-40CD-8BD8-E7558B492AD4}" dt="2019-11-01T18:08:35.446" v="136" actId="20577"/>
+          <ac:spMkLst>
+            <pc:docMk/>
+            <pc:sldMk cId="4006534359" sldId="258"/>
+            <ac:spMk id="6" creationId="{794D0E0A-99FC-4A0F-9B7C-92915C73F626}"/>
+          </ac:spMkLst>
+        </pc:spChg>
+        <pc:spChg chg="add mod">
+          <ac:chgData name="Rubén González Villanueva" userId="c8c16a74-be0f-439b-9b67-6b666a436255" providerId="ADAL" clId="{2129604C-F01F-40CD-8BD8-E7558B492AD4}" dt="2019-11-01T18:08:43.639" v="144" actId="20577"/>
+          <ac:spMkLst>
+            <pc:docMk/>
+            <pc:sldMk cId="4006534359" sldId="258"/>
+            <ac:spMk id="7" creationId="{3CF58345-CE78-4205-A8ED-DEFFAAB5BA0A}"/>
+          </ac:spMkLst>
+        </pc:spChg>
+        <pc:picChg chg="add del">
+          <ac:chgData name="Rubén González Villanueva" userId="c8c16a74-be0f-439b-9b67-6b666a436255" providerId="ADAL" clId="{2129604C-F01F-40CD-8BD8-E7558B492AD4}" dt="2019-11-01T18:06:37.812" v="82"/>
+          <ac:picMkLst>
+            <pc:docMk/>
+            <pc:sldMk cId="4006534359" sldId="258"/>
+            <ac:picMk id="5" creationId="{AAFC23C4-12D6-49FE-84E2-B9929C1B55B9}"/>
+          </ac:picMkLst>
+        </pc:picChg>
+        <pc:picChg chg="add del mod">
+          <ac:chgData name="Rubén González Villanueva" userId="c8c16a74-be0f-439b-9b67-6b666a436255" providerId="ADAL" clId="{2129604C-F01F-40CD-8BD8-E7558B492AD4}" dt="2019-11-01T18:16:51.235" v="257" actId="478"/>
+          <ac:picMkLst>
+            <pc:docMk/>
+            <pc:sldMk cId="4006534359" sldId="258"/>
+            <ac:picMk id="8" creationId="{91390A97-73A7-4F93-8D22-BD1434D9DC26}"/>
+          </ac:picMkLst>
+        </pc:picChg>
+        <pc:picChg chg="add mod">
+          <ac:chgData name="Rubén González Villanueva" userId="c8c16a74-be0f-439b-9b67-6b666a436255" providerId="ADAL" clId="{2129604C-F01F-40CD-8BD8-E7558B492AD4}" dt="2019-11-01T18:16:57.698" v="262" actId="1076"/>
+          <ac:picMkLst>
+            <pc:docMk/>
+            <pc:sldMk cId="4006534359" sldId="258"/>
+            <ac:picMk id="9" creationId="{FA69D7F2-F553-423E-9C42-65D164A2303C}"/>
+          </ac:picMkLst>
+        </pc:picChg>
+      </pc:sldChg>
+      <pc:sldChg chg="addSp delSp modSp add modTransition">
+        <pc:chgData name="Rubén González Villanueva" userId="c8c16a74-be0f-439b-9b67-6b666a436255" providerId="ADAL" clId="{2129604C-F01F-40CD-8BD8-E7558B492AD4}" dt="2019-11-01T18:22:57.937" v="430" actId="27636"/>
+        <pc:sldMkLst>
+          <pc:docMk/>
+          <pc:sldMk cId="2183553396" sldId="259"/>
+        </pc:sldMkLst>
+        <pc:spChg chg="del">
+          <ac:chgData name="Rubén González Villanueva" userId="c8c16a74-be0f-439b-9b67-6b666a436255" providerId="ADAL" clId="{2129604C-F01F-40CD-8BD8-E7558B492AD4}" dt="2019-11-01T18:15:55.050" v="233"/>
+          <ac:spMkLst>
+            <pc:docMk/>
+            <pc:sldMk cId="2183553396" sldId="259"/>
+            <ac:spMk id="2" creationId="{169B8E74-6DD6-4B9F-BA1D-8DA139D1DCA8}"/>
+          </ac:spMkLst>
+        </pc:spChg>
+        <pc:spChg chg="del">
+          <ac:chgData name="Rubén González Villanueva" userId="c8c16a74-be0f-439b-9b67-6b666a436255" providerId="ADAL" clId="{2129604C-F01F-40CD-8BD8-E7558B492AD4}" dt="2019-11-01T18:15:55.050" v="233"/>
+          <ac:spMkLst>
+            <pc:docMk/>
+            <pc:sldMk cId="2183553396" sldId="259"/>
+            <ac:spMk id="3" creationId="{3C3DD84D-BE5F-4F6A-B44F-16748F5DE40B}"/>
+          </ac:spMkLst>
+        </pc:spChg>
+        <pc:spChg chg="del">
+          <ac:chgData name="Rubén González Villanueva" userId="c8c16a74-be0f-439b-9b67-6b666a436255" providerId="ADAL" clId="{2129604C-F01F-40CD-8BD8-E7558B492AD4}" dt="2019-11-01T18:15:55.050" v="233"/>
+          <ac:spMkLst>
+            <pc:docMk/>
+            <pc:sldMk cId="2183553396" sldId="259"/>
+            <ac:spMk id="4" creationId="{45E2BF4A-1255-4773-8DB0-6ABCAFF2AC46}"/>
+          </ac:spMkLst>
+        </pc:spChg>
+        <pc:spChg chg="del">
+          <ac:chgData name="Rubén González Villanueva" userId="c8c16a74-be0f-439b-9b67-6b666a436255" providerId="ADAL" clId="{2129604C-F01F-40CD-8BD8-E7558B492AD4}" dt="2019-11-01T18:15:55.050" v="233"/>
+          <ac:spMkLst>
+            <pc:docMk/>
+            <pc:sldMk cId="2183553396" sldId="259"/>
+            <ac:spMk id="5" creationId="{5AE523E7-DED7-46D9-A64E-0E537DB583BC}"/>
+          </ac:spMkLst>
+        </pc:spChg>
+        <pc:spChg chg="del">
+          <ac:chgData name="Rubén González Villanueva" userId="c8c16a74-be0f-439b-9b67-6b666a436255" providerId="ADAL" clId="{2129604C-F01F-40CD-8BD8-E7558B492AD4}" dt="2019-11-01T18:15:55.050" v="233"/>
+          <ac:spMkLst>
+            <pc:docMk/>
+            <pc:sldMk cId="2183553396" sldId="259"/>
+            <ac:spMk id="6" creationId="{2D47DCEE-1E3E-4914-B946-054C22862C82}"/>
+          </ac:spMkLst>
+        </pc:spChg>
+        <pc:spChg chg="add mod">
+          <ac:chgData name="Rubén González Villanueva" userId="c8c16a74-be0f-439b-9b67-6b666a436255" providerId="ADAL" clId="{2129604C-F01F-40CD-8BD8-E7558B492AD4}" dt="2019-11-01T18:16:01.749" v="243" actId="20577"/>
+          <ac:spMkLst>
+            <pc:docMk/>
+            <pc:sldMk cId="2183553396" sldId="259"/>
+            <ac:spMk id="7" creationId="{7A63CBD4-BF79-47E1-927B-F35FC3B78E17}"/>
+          </ac:spMkLst>
+        </pc:spChg>
+        <pc:spChg chg="add del mod">
+          <ac:chgData name="Rubén González Villanueva" userId="c8c16a74-be0f-439b-9b67-6b666a436255" providerId="ADAL" clId="{2129604C-F01F-40CD-8BD8-E7558B492AD4}" dt="2019-11-01T18:16:05.979" v="244" actId="478"/>
+          <ac:spMkLst>
+            <pc:docMk/>
+            <pc:sldMk cId="2183553396" sldId="259"/>
+            <ac:spMk id="8" creationId="{580C37CA-C9A4-4B1F-92E0-1DB0222050D6}"/>
+          </ac:spMkLst>
+        </pc:spChg>
+        <pc:spChg chg="add del mod">
+          <ac:chgData name="Rubén González Villanueva" userId="c8c16a74-be0f-439b-9b67-6b666a436255" providerId="ADAL" clId="{2129604C-F01F-40CD-8BD8-E7558B492AD4}" dt="2019-11-01T18:22:51.605" v="426"/>
+          <ac:spMkLst>
+            <pc:docMk/>
+            <pc:sldMk cId="2183553396" sldId="259"/>
+            <ac:spMk id="10" creationId="{0407B1D5-9705-422D-87F2-29F232A3AAFE}"/>
+          </ac:spMkLst>
+        </pc:spChg>
+        <pc:spChg chg="add mod">
+          <ac:chgData name="Rubén González Villanueva" userId="c8c16a74-be0f-439b-9b67-6b666a436255" providerId="ADAL" clId="{2129604C-F01F-40CD-8BD8-E7558B492AD4}" dt="2019-11-01T18:22:57.937" v="430" actId="27636"/>
+          <ac:spMkLst>
+            <pc:docMk/>
+            <pc:sldMk cId="2183553396" sldId="259"/>
+            <ac:spMk id="11" creationId="{AA36E30A-A112-48F5-B417-C6CD0FB4093F}"/>
+          </ac:spMkLst>
+        </pc:spChg>
+        <pc:spChg chg="add mod">
+          <ac:chgData name="Rubén González Villanueva" userId="c8c16a74-be0f-439b-9b67-6b666a436255" providerId="ADAL" clId="{2129604C-F01F-40CD-8BD8-E7558B492AD4}" dt="2019-11-01T18:22:57.835" v="429"/>
+          <ac:spMkLst>
+            <pc:docMk/>
+            <pc:sldMk cId="2183553396" sldId="259"/>
+            <ac:spMk id="12" creationId="{7AA28FEA-A436-4D31-B02C-504862B03FCB}"/>
+          </ac:spMkLst>
+        </pc:spChg>
+        <pc:picChg chg="add mod">
+          <ac:chgData name="Rubén González Villanueva" userId="c8c16a74-be0f-439b-9b67-6b666a436255" providerId="ADAL" clId="{2129604C-F01F-40CD-8BD8-E7558B492AD4}" dt="2019-11-01T18:21:54.595" v="422" actId="1076"/>
+          <ac:picMkLst>
+            <pc:docMk/>
+            <pc:sldMk cId="2183553396" sldId="259"/>
+            <ac:picMk id="9" creationId="{D8B0F239-9FF8-47DA-BE11-452A081BBFA2}"/>
+          </ac:picMkLst>
+        </pc:picChg>
+      </pc:sldChg>
+      <pc:sldChg chg="addSp delSp modSp add modTransition">
+        <pc:chgData name="Rubén González Villanueva" userId="c8c16a74-be0f-439b-9b67-6b666a436255" providerId="ADAL" clId="{2129604C-F01F-40CD-8BD8-E7558B492AD4}" dt="2019-11-01T18:22:04.171" v="424"/>
+        <pc:sldMkLst>
+          <pc:docMk/>
+          <pc:sldMk cId="925306443" sldId="261"/>
+        </pc:sldMkLst>
+        <pc:spChg chg="del">
+          <ac:chgData name="Rubén González Villanueva" userId="c8c16a74-be0f-439b-9b67-6b666a436255" providerId="ADAL" clId="{2129604C-F01F-40CD-8BD8-E7558B492AD4}" dt="2019-11-01T18:18:15.332" v="281"/>
+          <ac:spMkLst>
+            <pc:docMk/>
+            <pc:sldMk cId="925306443" sldId="261"/>
+            <ac:spMk id="2" creationId="{F3E0BB72-CB93-4B93-B62D-EA34AFCCA7A7}"/>
+          </ac:spMkLst>
+        </pc:spChg>
+        <pc:spChg chg="del">
+          <ac:chgData name="Rubén González Villanueva" userId="c8c16a74-be0f-439b-9b67-6b666a436255" providerId="ADAL" clId="{2129604C-F01F-40CD-8BD8-E7558B492AD4}" dt="2019-11-01T18:18:15.332" v="281"/>
+          <ac:spMkLst>
+            <pc:docMk/>
+            <pc:sldMk cId="925306443" sldId="261"/>
+            <ac:spMk id="3" creationId="{8FB14324-8CC8-4D83-9F89-DE440C8C71E2}"/>
+          </ac:spMkLst>
+        </pc:spChg>
+        <pc:spChg chg="add del mod">
+          <ac:chgData name="Rubén González Villanueva" userId="c8c16a74-be0f-439b-9b67-6b666a436255" providerId="ADAL" clId="{2129604C-F01F-40CD-8BD8-E7558B492AD4}" dt="2019-11-01T18:19:47.270" v="325"/>
+          <ac:spMkLst>
+            <pc:docMk/>
+            <pc:sldMk cId="925306443" sldId="261"/>
+            <ac:spMk id="4" creationId="{1AE6707E-6B6E-47D1-A74C-92A278704106}"/>
+          </ac:spMkLst>
+        </pc:spChg>
+        <pc:spChg chg="add del mod">
+          <ac:chgData name="Rubén González Villanueva" userId="c8c16a74-be0f-439b-9b67-6b666a436255" providerId="ADAL" clId="{2129604C-F01F-40CD-8BD8-E7558B492AD4}" dt="2019-11-01T18:20:10.031" v="355" actId="478"/>
+          <ac:spMkLst>
+            <pc:docMk/>
+            <pc:sldMk cId="925306443" sldId="261"/>
+            <ac:spMk id="5" creationId="{98D2E9CF-BF9D-4170-A2AB-5D67D61B99FA}"/>
+          </ac:spMkLst>
+        </pc:spChg>
+        <pc:spChg chg="add mod">
+          <ac:chgData name="Rubén González Villanueva" userId="c8c16a74-be0f-439b-9b67-6b666a436255" providerId="ADAL" clId="{2129604C-F01F-40CD-8BD8-E7558B492AD4}" dt="2019-11-01T18:21:25.075" v="415" actId="14100"/>
+          <ac:spMkLst>
+            <pc:docMk/>
+            <pc:sldMk cId="925306443" sldId="261"/>
+            <ac:spMk id="6" creationId="{3D1994B9-EC4C-48B0-9517-4FB987929E6D}"/>
+          </ac:spMkLst>
+        </pc:spChg>
+        <pc:spChg chg="add del mod">
+          <ac:chgData name="Rubén González Villanueva" userId="c8c16a74-be0f-439b-9b67-6b666a436255" providerId="ADAL" clId="{2129604C-F01F-40CD-8BD8-E7558B492AD4}" dt="2019-11-01T18:20:12.938" v="357" actId="478"/>
+          <ac:spMkLst>
+            <pc:docMk/>
+            <pc:sldMk cId="925306443" sldId="261"/>
+            <ac:spMk id="7" creationId="{0A47D344-4D6F-42C8-9297-D9983EF0DC47}"/>
+          </ac:spMkLst>
+        </pc:spChg>
+        <pc:spChg chg="add mod">
+          <ac:chgData name="Rubén González Villanueva" userId="c8c16a74-be0f-439b-9b67-6b666a436255" providerId="ADAL" clId="{2129604C-F01F-40CD-8BD8-E7558B492AD4}" dt="2019-11-01T18:21:29.015" v="416" actId="14100"/>
+          <ac:spMkLst>
+            <pc:docMk/>
+            <pc:sldMk cId="925306443" sldId="261"/>
+            <ac:spMk id="8" creationId="{5B5D8A8C-B81E-4795-A128-7F710114091E}"/>
+          </ac:spMkLst>
+        </pc:spChg>
+        <pc:spChg chg="add del mod">
+          <ac:chgData name="Rubén González Villanueva" userId="c8c16a74-be0f-439b-9b67-6b666a436255" providerId="ADAL" clId="{2129604C-F01F-40CD-8BD8-E7558B492AD4}" dt="2019-11-01T18:19:47.270" v="325"/>
+          <ac:spMkLst>
+            <pc:docMk/>
+            <pc:sldMk cId="925306443" sldId="261"/>
+            <ac:spMk id="9" creationId="{BE66AB64-698B-40FC-9186-07CC9D9F41E2}"/>
+          </ac:spMkLst>
+        </pc:spChg>
+        <pc:spChg chg="add del mod">
+          <ac:chgData name="Rubén González Villanueva" userId="c8c16a74-be0f-439b-9b67-6b666a436255" providerId="ADAL" clId="{2129604C-F01F-40CD-8BD8-E7558B492AD4}" dt="2019-11-01T18:19:47.270" v="325"/>
+          <ac:spMkLst>
+            <pc:docMk/>
+            <pc:sldMk cId="925306443" sldId="261"/>
+            <ac:spMk id="10" creationId="{C15321D7-B87E-477E-873F-79B24936DDA3}"/>
+          </ac:spMkLst>
+        </pc:spChg>
+        <pc:spChg chg="add del mod">
+          <ac:chgData name="Rubén González Villanueva" userId="c8c16a74-be0f-439b-9b67-6b666a436255" providerId="ADAL" clId="{2129604C-F01F-40CD-8BD8-E7558B492AD4}" dt="2019-11-01T18:19:47.270" v="325"/>
+          <ac:spMkLst>
+            <pc:docMk/>
+            <pc:sldMk cId="925306443" sldId="261"/>
+            <ac:spMk id="11" creationId="{518706C4-743C-4899-8CD5-B734FA164D50}"/>
+          </ac:spMkLst>
+        </pc:spChg>
+        <pc:spChg chg="add del mod">
+          <ac:chgData name="Rubén González Villanueva" userId="c8c16a74-be0f-439b-9b67-6b666a436255" providerId="ADAL" clId="{2129604C-F01F-40CD-8BD8-E7558B492AD4}" dt="2019-11-01T18:19:47.270" v="325"/>
+          <ac:spMkLst>
+            <pc:docMk/>
+            <pc:sldMk cId="925306443" sldId="261"/>
+            <ac:spMk id="12" creationId="{71509A6B-2EFB-498F-BAA3-7ED9F6C63510}"/>
+          </ac:spMkLst>
+        </pc:spChg>
+        <pc:spChg chg="add del mod">
+          <ac:chgData name="Rubén González Villanueva" userId="c8c16a74-be0f-439b-9b67-6b666a436255" providerId="ADAL" clId="{2129604C-F01F-40CD-8BD8-E7558B492AD4}" dt="2019-11-01T18:19:51.813" v="326"/>
+          <ac:spMkLst>
+            <pc:docMk/>
+            <pc:sldMk cId="925306443" sldId="261"/>
+            <ac:spMk id="13" creationId="{B21ED0BC-AACD-4F8B-B8DE-8CE0D0DB1948}"/>
+          </ac:spMkLst>
+        </pc:spChg>
+        <pc:spChg chg="add mod">
+          <ac:chgData name="Rubén González Villanueva" userId="c8c16a74-be0f-439b-9b67-6b666a436255" providerId="ADAL" clId="{2129604C-F01F-40CD-8BD8-E7558B492AD4}" dt="2019-11-01T18:20:52.882" v="414" actId="14100"/>
+          <ac:spMkLst>
+            <pc:docMk/>
+            <pc:sldMk cId="925306443" sldId="261"/>
+            <ac:spMk id="14" creationId="{CA42A7FF-1F67-427F-A084-5023863AB68E}"/>
+          </ac:spMkLst>
+        </pc:spChg>
+        <pc:spChg chg="add del mod">
+          <ac:chgData name="Rubén González Villanueva" userId="c8c16a74-be0f-439b-9b67-6b666a436255" providerId="ADAL" clId="{2129604C-F01F-40CD-8BD8-E7558B492AD4}" dt="2019-11-01T18:20:11.453" v="356" actId="478"/>
+          <ac:spMkLst>
+            <pc:docMk/>
+            <pc:sldMk cId="925306443" sldId="261"/>
+            <ac:spMk id="16" creationId="{252E38B0-FF4A-4102-A4CB-744C0B34BD64}"/>
+          </ac:spMkLst>
+        </pc:spChg>
+        <pc:spChg chg="add del mod">
+          <ac:chgData name="Rubén González Villanueva" userId="c8c16a74-be0f-439b-9b67-6b666a436255" providerId="ADAL" clId="{2129604C-F01F-40CD-8BD8-E7558B492AD4}" dt="2019-11-01T18:20:14.306" v="358" actId="478"/>
+          <ac:spMkLst>
+            <pc:docMk/>
+            <pc:sldMk cId="925306443" sldId="261"/>
+            <ac:spMk id="18" creationId="{F76A7474-73B9-4540-B183-851FEDCB7298}"/>
+          </ac:spMkLst>
+        </pc:spChg>
+        <pc:picChg chg="add mod">
+          <ac:chgData name="Rubén González Villanueva" userId="c8c16a74-be0f-439b-9b67-6b666a436255" providerId="ADAL" clId="{2129604C-F01F-40CD-8BD8-E7558B492AD4}" dt="2019-11-01T18:21:50.306" v="420" actId="1076"/>
+          <ac:picMkLst>
+            <pc:docMk/>
+            <pc:sldMk cId="925306443" sldId="261"/>
+            <ac:picMk id="19" creationId="{3D5F8449-5863-43B5-8C99-25B181CD7E3C}"/>
+          </ac:picMkLst>
+        </pc:picChg>
+      </pc:sldChg>
+    </pc:docChg>
+  </pc:docChgLst>
+  <pc:docChgLst>
+    <pc:chgData name="Usuario invitado" providerId="Windows Live" clId="Web-{94C37343-E02E-4AA8-9E56-0CA8496C2DC3}"/>
+    <pc:docChg chg="modSld">
+      <pc:chgData name="Usuario invitado" userId="" providerId="Windows Live" clId="Web-{94C37343-E02E-4AA8-9E56-0CA8496C2DC3}" dt="2019-11-11T19:29:07.395" v="401" actId="20577"/>
+      <pc:docMkLst>
+        <pc:docMk/>
+      </pc:docMkLst>
+      <pc:sldChg chg="addSp delSp modSp mod setBg">
+        <pc:chgData name="Usuario invitado" userId="" providerId="Windows Live" clId="Web-{94C37343-E02E-4AA8-9E56-0CA8496C2DC3}" dt="2019-11-11T19:29:07.395" v="400" actId="20577"/>
+        <pc:sldMkLst>
+          <pc:docMk/>
+          <pc:sldMk cId="3571924505" sldId="262"/>
+        </pc:sldMkLst>
+        <pc:spChg chg="mod">
+          <ac:chgData name="Usuario invitado" userId="" providerId="Windows Live" clId="Web-{94C37343-E02E-4AA8-9E56-0CA8496C2DC3}" dt="2019-11-11T19:24:56.533" v="32"/>
+          <ac:spMkLst>
+            <pc:docMk/>
+            <pc:sldMk cId="3571924505" sldId="262"/>
+            <ac:spMk id="2" creationId="{61DD6FAC-6BAA-4C07-B6B2-0E9A3567DF65}"/>
+          </ac:spMkLst>
+        </pc:spChg>
+        <pc:spChg chg="mod ord">
+          <ac:chgData name="Usuario invitado" userId="" providerId="Windows Live" clId="Web-{94C37343-E02E-4AA8-9E56-0CA8496C2DC3}" dt="2019-11-11T19:29:07.395" v="400" actId="20577"/>
           <ac:spMkLst>
             <pc:docMk/>
             <pc:sldMk cId="3571924505" sldId="262"/>
@@ -164,75 +1154,179 @@
           </ac:spMkLst>
         </pc:spChg>
         <pc:spChg chg="add del">
-          <ac:chgData name="Guest User" userId="" providerId="Windows Live" clId="Web-{B87B94C5-AAC6-480D-9E68-5D343D30B5C7}" dt="2019-11-11T18:52:04.513" v="273"/>
+          <ac:chgData name="Usuario invitado" userId="" providerId="Windows Live" clId="Web-{94C37343-E02E-4AA8-9E56-0CA8496C2DC3}" dt="2019-11-11T19:23:01.642" v="8"/>
           <ac:spMkLst>
             <pc:docMk/>
             <pc:sldMk cId="3571924505" sldId="262"/>
-            <ac:spMk id="6" creationId="{8F404549-B4DC-481C-926C-DED3EF1C585B}"/>
+            <ac:spMk id="10" creationId="{0C1F6B00-30FF-455F-8A86-682BDAB0E904}"/>
           </ac:spMkLst>
         </pc:spChg>
         <pc:spChg chg="add del">
-          <ac:chgData name="Guest User" userId="" providerId="Windows Live" clId="Web-{B87B94C5-AAC6-480D-9E68-5D343D30B5C7}" dt="2019-11-11T18:52:04.513" v="273"/>
+          <ac:chgData name="Usuario invitado" userId="" providerId="Windows Live" clId="Web-{94C37343-E02E-4AA8-9E56-0CA8496C2DC3}" dt="2019-11-11T19:23:01.642" v="8"/>
           <ac:spMkLst>
             <pc:docMk/>
             <pc:sldMk cId="3571924505" sldId="262"/>
-            <ac:spMk id="7" creationId="{1E8FD5CD-351E-4B06-8B78-BD5102D00908}"/>
+            <ac:spMk id="12" creationId="{2561E8E6-AA1F-4231-B807-0A5C932E64BC}"/>
           </ac:spMkLst>
         </pc:spChg>
         <pc:spChg chg="add del">
-          <ac:chgData name="Guest User" userId="" providerId="Windows Live" clId="Web-{B87B94C5-AAC6-480D-9E68-5D343D30B5C7}" dt="2019-11-11T18:52:44.388" v="319"/>
+          <ac:chgData name="Usuario invitado" userId="" providerId="Windows Live" clId="Web-{94C37343-E02E-4AA8-9E56-0CA8496C2DC3}" dt="2019-11-11T19:23:01.642" v="8"/>
           <ac:spMkLst>
             <pc:docMk/>
             <pc:sldMk cId="3571924505" sldId="262"/>
-            <ac:spMk id="8" creationId="{3FE9758B-E361-4084-8D9F-729FA6C4AD7E}"/>
+            <ac:spMk id="14" creationId="{42AAD8A7-0F68-4CE2-8E37-98629D1C4132}"/>
           </ac:spMkLst>
         </pc:spChg>
         <pc:spChg chg="add del">
-          <ac:chgData name="Guest User" userId="" providerId="Windows Live" clId="Web-{B87B94C5-AAC6-480D-9E68-5D343D30B5C7}" dt="2019-11-11T18:51:56.278" v="271"/>
+          <ac:chgData name="Usuario invitado" userId="" providerId="Windows Live" clId="Web-{94C37343-E02E-4AA8-9E56-0CA8496C2DC3}" dt="2019-11-11T19:23:01.642" v="8"/>
           <ac:spMkLst>
             <pc:docMk/>
             <pc:sldMk cId="3571924505" sldId="262"/>
-            <ac:spMk id="9" creationId="{B871AE93-72B2-4545-989F-4B08DCD7872E}"/>
+            <ac:spMk id="16" creationId="{2DFDF5BA-2109-45EC-AA28-9585297F9A92}"/>
           </ac:spMkLst>
         </pc:spChg>
         <pc:spChg chg="add del">
-          <ac:chgData name="Guest User" userId="" providerId="Windows Live" clId="Web-{B87B94C5-AAC6-480D-9E68-5D343D30B5C7}" dt="2019-11-11T18:51:56.278" v="271"/>
+          <ac:chgData name="Usuario invitado" userId="" providerId="Windows Live" clId="Web-{94C37343-E02E-4AA8-9E56-0CA8496C2DC3}" dt="2019-11-11T19:23:04.376" v="10"/>
           <ac:spMkLst>
             <pc:docMk/>
             <pc:sldMk cId="3571924505" sldId="262"/>
-            <ac:spMk id="11" creationId="{C1B0F13F-C83B-4678-ABCC-5F6FB1D38827}"/>
+            <ac:spMk id="18" creationId="{3952E577-47F7-4118-BE5E-697E5BAB0D83}"/>
           </ac:spMkLst>
         </pc:spChg>
         <pc:spChg chg="add del">
-          <ac:chgData name="Guest User" userId="" providerId="Windows Live" clId="Web-{B87B94C5-AAC6-480D-9E68-5D343D30B5C7}" dt="2019-11-11T18:51:56.278" v="271"/>
+          <ac:chgData name="Usuario invitado" userId="" providerId="Windows Live" clId="Web-{94C37343-E02E-4AA8-9E56-0CA8496C2DC3}" dt="2019-11-11T19:23:07.735" v="12"/>
           <ac:spMkLst>
             <pc:docMk/>
             <pc:sldMk cId="3571924505" sldId="262"/>
-            <ac:spMk id="13" creationId="{02074ED4-9DB5-4D14-BDCF-BD7D0C145176}"/>
+            <ac:spMk id="20" creationId="{B50AF7FF-0BB3-4D42-87AF-2FAC4629770A}"/>
           </ac:spMkLst>
         </pc:spChg>
         <pc:spChg chg="add del">
-          <ac:chgData name="Guest User" userId="" providerId="Windows Live" clId="Web-{B87B94C5-AAC6-480D-9E68-5D343D30B5C7}" dt="2019-11-11T18:51:56.278" v="271"/>
+          <ac:chgData name="Usuario invitado" userId="" providerId="Windows Live" clId="Web-{94C37343-E02E-4AA8-9E56-0CA8496C2DC3}" dt="2019-11-11T19:23:07.735" v="12"/>
           <ac:spMkLst>
             <pc:docMk/>
             <pc:sldMk cId="3571924505" sldId="262"/>
-            <ac:spMk id="15" creationId="{C48FF616-1F75-49FC-861B-7B794054AA6B}"/>
+            <ac:spMk id="21" creationId="{3F02C26E-7EB2-4808-9497-CB1627FEDC4F}"/>
           </ac:spMkLst>
         </pc:spChg>
         <pc:spChg chg="add del">
-          <ac:chgData name="Guest User" userId="" providerId="Windows Live" clId="Web-{B87B94C5-AAC6-480D-9E68-5D343D30B5C7}" dt="2019-11-11T18:51:56.278" v="271"/>
+          <ac:chgData name="Usuario invitado" userId="" providerId="Windows Live" clId="Web-{94C37343-E02E-4AA8-9E56-0CA8496C2DC3}" dt="2019-11-11T19:23:07.735" v="12"/>
           <ac:spMkLst>
             <pc:docMk/>
             <pc:sldMk cId="3571924505" sldId="262"/>
-            <ac:spMk id="17" creationId="{9184B385-16B6-44A9-9A47-1C765B376324}"/>
-          </ac:spMkLst>
-        </pc:spChg>
-        <pc:picChg chg="add mod">
-          <ac:chgData name="Guest User" userId="" providerId="Windows Live" clId="Web-{B87B94C5-AAC6-480D-9E68-5D343D30B5C7}" dt="2019-11-11T18:52:44.388" v="319"/>
+            <ac:spMk id="22" creationId="{6FCD3A50-A981-447A-B92E-805F81472544}"/>
+          </ac:spMkLst>
+        </pc:spChg>
+        <pc:spChg chg="add del">
+          <ac:chgData name="Usuario invitado" userId="" providerId="Windows Live" clId="Web-{94C37343-E02E-4AA8-9E56-0CA8496C2DC3}" dt="2019-11-11T19:23:07.735" v="12"/>
+          <ac:spMkLst>
+            <pc:docMk/>
+            <pc:sldMk cId="3571924505" sldId="262"/>
+            <ac:spMk id="23" creationId="{ADFB5F11-83FD-42E2-BABD-CAD7B27DFB3C}"/>
+          </ac:spMkLst>
+        </pc:spChg>
+        <pc:spChg chg="add del">
+          <ac:chgData name="Usuario invitado" userId="" providerId="Windows Live" clId="Web-{94C37343-E02E-4AA8-9E56-0CA8496C2DC3}" dt="2019-11-11T19:23:13.876" v="14"/>
+          <ac:spMkLst>
+            <pc:docMk/>
+            <pc:sldMk cId="3571924505" sldId="262"/>
+            <ac:spMk id="24" creationId="{0560EE91-C39D-4300-A1A6-C61D61EEE68A}"/>
+          </ac:spMkLst>
+        </pc:spChg>
+        <pc:spChg chg="add del">
+          <ac:chgData name="Usuario invitado" userId="" providerId="Windows Live" clId="Web-{94C37343-E02E-4AA8-9E56-0CA8496C2DC3}" dt="2019-11-11T19:24:27.189" v="16"/>
+          <ac:spMkLst>
+            <pc:docMk/>
+            <pc:sldMk cId="3571924505" sldId="262"/>
+            <ac:spMk id="25" creationId="{3AB084A1-F3A2-4BF8-BB6A-E677B5BD7738}"/>
+          </ac:spMkLst>
+        </pc:spChg>
+        <pc:spChg chg="add del">
+          <ac:chgData name="Usuario invitado" userId="" providerId="Windows Live" clId="Web-{94C37343-E02E-4AA8-9E56-0CA8496C2DC3}" dt="2019-11-11T19:24:27.189" v="16"/>
+          <ac:spMkLst>
+            <pc:docMk/>
+            <pc:sldMk cId="3571924505" sldId="262"/>
+            <ac:spMk id="26" creationId="{1E0965C0-22E8-4A47-9A17-4E6078D00D8B}"/>
+          </ac:spMkLst>
+        </pc:spChg>
+        <pc:spChg chg="add del">
+          <ac:chgData name="Usuario invitado" userId="" providerId="Windows Live" clId="Web-{94C37343-E02E-4AA8-9E56-0CA8496C2DC3}" dt="2019-11-11T19:24:27.189" v="16"/>
+          <ac:spMkLst>
+            <pc:docMk/>
+            <pc:sldMk cId="3571924505" sldId="262"/>
+            <ac:spMk id="27" creationId="{03D63C01-EC27-44CF-85D4-0C65696F1DF3}"/>
+          </ac:spMkLst>
+        </pc:spChg>
+        <pc:spChg chg="add del">
+          <ac:chgData name="Usuario invitado" userId="" providerId="Windows Live" clId="Web-{94C37343-E02E-4AA8-9E56-0CA8496C2DC3}" dt="2019-11-11T19:24:27.189" v="16"/>
+          <ac:spMkLst>
+            <pc:docMk/>
+            <pc:sldMk cId="3571924505" sldId="262"/>
+            <ac:spMk id="28" creationId="{7B57BCC7-232D-4B6C-920B-D0696A3C8BFB}"/>
+          </ac:spMkLst>
+        </pc:spChg>
+        <pc:spChg chg="add del">
+          <ac:chgData name="Usuario invitado" userId="" providerId="Windows Live" clId="Web-{94C37343-E02E-4AA8-9E56-0CA8496C2DC3}" dt="2019-11-11T19:24:27.189" v="16"/>
+          <ac:spMkLst>
+            <pc:docMk/>
+            <pc:sldMk cId="3571924505" sldId="262"/>
+            <ac:spMk id="29" creationId="{78E8CD9E-3CE2-487B-AA8E-6E386CD195E7}"/>
+          </ac:spMkLst>
+        </pc:spChg>
+        <pc:spChg chg="add del">
+          <ac:chgData name="Usuario invitado" userId="" providerId="Windows Live" clId="Web-{94C37343-E02E-4AA8-9E56-0CA8496C2DC3}" dt="2019-11-11T19:24:27.189" v="16"/>
+          <ac:spMkLst>
+            <pc:docMk/>
+            <pc:sldMk cId="3571924505" sldId="262"/>
+            <ac:spMk id="30" creationId="{E8F42A1F-0F67-4856-AEB3-D2AC390D23B4}"/>
+          </ac:spMkLst>
+        </pc:spChg>
+        <pc:spChg chg="add del">
+          <ac:chgData name="Usuario invitado" userId="" providerId="Windows Live" clId="Web-{94C37343-E02E-4AA8-9E56-0CA8496C2DC3}" dt="2019-11-11T19:24:27.189" v="16"/>
+          <ac:spMkLst>
+            <pc:docMk/>
+            <pc:sldMk cId="3571924505" sldId="262"/>
+            <ac:spMk id="31" creationId="{E18DC9CC-CE0B-48A6-8164-0D10E9E6CE7E}"/>
+          </ac:spMkLst>
+        </pc:spChg>
+        <pc:spChg chg="add del">
+          <ac:chgData name="Usuario invitado" userId="" providerId="Windows Live" clId="Web-{94C37343-E02E-4AA8-9E56-0CA8496C2DC3}" dt="2019-11-11T19:24:56.533" v="32"/>
+          <ac:spMkLst>
+            <pc:docMk/>
+            <pc:sldMk cId="3571924505" sldId="262"/>
+            <ac:spMk id="32" creationId="{1D5EA905-60F6-495B-BC4F-A58B9D1B3A3F}"/>
+          </ac:spMkLst>
+        </pc:spChg>
+        <pc:grpChg chg="add del">
+          <ac:chgData name="Usuario invitado" userId="" providerId="Windows Live" clId="Web-{94C37343-E02E-4AA8-9E56-0CA8496C2DC3}" dt="2019-11-11T19:23:04.376" v="10"/>
+          <ac:grpSpMkLst>
+            <pc:docMk/>
+            <pc:sldMk cId="3571924505" sldId="262"/>
+            <ac:grpSpMk id="19" creationId="{8EF88F0D-A5AB-4F16-9006-767488EF717C}"/>
+          </ac:grpSpMkLst>
+        </pc:grpChg>
+        <pc:grpChg chg="add del">
+          <ac:chgData name="Usuario invitado" userId="" providerId="Windows Live" clId="Web-{94C37343-E02E-4AA8-9E56-0CA8496C2DC3}" dt="2019-11-11T19:24:56.533" v="32"/>
+          <ac:grpSpMkLst>
+            <pc:docMk/>
+            <pc:sldMk cId="3571924505" sldId="262"/>
+            <ac:grpSpMk id="33" creationId="{8621EE3E-1667-4864-956E-8309811CB96C}"/>
+          </ac:grpSpMkLst>
+        </pc:grpChg>
+        <pc:picChg chg="mod ord">
+          <ac:chgData name="Usuario invitado" userId="" providerId="Windows Live" clId="Web-{94C37343-E02E-4AA8-9E56-0CA8496C2DC3}" dt="2019-11-11T19:25:36.987" v="41" actId="1076"/>
           <ac:picMkLst>
             <pc:docMk/>
             <pc:sldMk cId="3571924505" sldId="262"/>
             <ac:picMk id="4" creationId="{37DBDBF7-C1A7-4C8A-9A5E-196CD5615A7D}"/>
+          </ac:picMkLst>
+        </pc:picChg>
+        <pc:picChg chg="add mod">
+          <ac:chgData name="Usuario invitado" userId="" providerId="Windows Live" clId="Web-{94C37343-E02E-4AA8-9E56-0CA8496C2DC3}" dt="2019-11-11T19:26:04.175" v="46" actId="14100"/>
+          <ac:picMkLst>
+            <pc:docMk/>
+            <pc:sldMk cId="3571924505" sldId="262"/>
+            <ac:picMk id="5" creationId="{3E24898D-4D9A-4B69-8A7B-AFD8AE979FCE}"/>
           </ac:picMkLst>
         </pc:picChg>
       </pc:sldChg>
@@ -261,6 +1355,134 @@
         </pc:spChg>
         <pc:picChg chg="mod">
           <ac:chgData name="Usuario invitado" userId="" providerId="Windows Live" clId="Web-{049E3096-6EA6-4CD1-8E07-F944FC9CC900}" dt="2019-11-11T18:54:20.710" v="1" actId="1076"/>
+          <ac:picMkLst>
+            <pc:docMk/>
+            <pc:sldMk cId="3571924505" sldId="262"/>
+            <ac:picMk id="4" creationId="{37DBDBF7-C1A7-4C8A-9A5E-196CD5615A7D}"/>
+          </ac:picMkLst>
+        </pc:picChg>
+      </pc:sldChg>
+    </pc:docChg>
+  </pc:docChgLst>
+  <pc:docChgLst>
+    <pc:chgData name="Gerardo Villalobos" userId="41038f17c8568cbf" providerId="Windows Live" clId="Web-{88BBAFC7-5965-490D-9A21-068BC1627F7A}"/>
+    <pc:docChg chg="modSld">
+      <pc:chgData name="Gerardo Villalobos" userId="41038f17c8568cbf" providerId="Windows Live" clId="Web-{88BBAFC7-5965-490D-9A21-068BC1627F7A}" dt="2019-11-12T05:35:09.804" v="655" actId="20577"/>
+      <pc:docMkLst>
+        <pc:docMk/>
+      </pc:docMkLst>
+      <pc:sldChg chg="modSp">
+        <pc:chgData name="Gerardo Villalobos" userId="41038f17c8568cbf" providerId="Windows Live" clId="Web-{88BBAFC7-5965-490D-9A21-068BC1627F7A}" dt="2019-11-12T05:28:15.037" v="653" actId="20577"/>
+        <pc:sldMkLst>
+          <pc:docMk/>
+          <pc:sldMk cId="925306443" sldId="261"/>
+        </pc:sldMkLst>
+        <pc:spChg chg="mod">
+          <ac:chgData name="Gerardo Villalobos" userId="41038f17c8568cbf" providerId="Windows Live" clId="Web-{88BBAFC7-5965-490D-9A21-068BC1627F7A}" dt="2019-11-12T05:28:15.037" v="653" actId="20577"/>
+          <ac:spMkLst>
+            <pc:docMk/>
+            <pc:sldMk cId="925306443" sldId="261"/>
+            <ac:spMk id="8" creationId="{5B5D8A8C-B81E-4795-A128-7F710114091E}"/>
+          </ac:spMkLst>
+        </pc:spChg>
+      </pc:sldChg>
+    </pc:docChg>
+  </pc:docChgLst>
+  <pc:docChgLst>
+    <pc:chgData name="Guest User" providerId="Windows Live" clId="Web-{B87B94C5-AAC6-480D-9E68-5D343D30B5C7}"/>
+    <pc:docChg chg="modSld">
+      <pc:chgData name="Guest User" userId="" providerId="Windows Live" clId="Web-{B87B94C5-AAC6-480D-9E68-5D343D30B5C7}" dt="2019-11-11T18:52:44.388" v="319"/>
+      <pc:docMkLst>
+        <pc:docMk/>
+      </pc:docMkLst>
+      <pc:sldChg chg="addSp delSp modSp mod setBg">
+        <pc:chgData name="Guest User" userId="" providerId="Windows Live" clId="Web-{B87B94C5-AAC6-480D-9E68-5D343D30B5C7}" dt="2019-11-11T18:52:44.388" v="319"/>
+        <pc:sldMkLst>
+          <pc:docMk/>
+          <pc:sldMk cId="3571924505" sldId="262"/>
+        </pc:sldMkLst>
+        <pc:spChg chg="mod">
+          <ac:chgData name="Guest User" userId="" providerId="Windows Live" clId="Web-{B87B94C5-AAC6-480D-9E68-5D343D30B5C7}" dt="2019-11-11T18:52:44.388" v="319"/>
+          <ac:spMkLst>
+            <pc:docMk/>
+            <pc:sldMk cId="3571924505" sldId="262"/>
+            <ac:spMk id="2" creationId="{61DD6FAC-6BAA-4C07-B6B2-0E9A3567DF65}"/>
+          </ac:spMkLst>
+        </pc:spChg>
+        <pc:spChg chg="mod ord">
+          <ac:chgData name="Guest User" userId="" providerId="Windows Live" clId="Web-{B87B94C5-AAC6-480D-9E68-5D343D30B5C7}" dt="2019-11-11T18:52:44.388" v="319"/>
+          <ac:spMkLst>
+            <pc:docMk/>
+            <pc:sldMk cId="3571924505" sldId="262"/>
+            <ac:spMk id="3" creationId="{6DA9A8D3-9343-4B0A-B6C2-6E8B84A4F58D}"/>
+          </ac:spMkLst>
+        </pc:spChg>
+        <pc:spChg chg="add del">
+          <ac:chgData name="Guest User" userId="" providerId="Windows Live" clId="Web-{B87B94C5-AAC6-480D-9E68-5D343D30B5C7}" dt="2019-11-11T18:52:04.513" v="273"/>
+          <ac:spMkLst>
+            <pc:docMk/>
+            <pc:sldMk cId="3571924505" sldId="262"/>
+            <ac:spMk id="6" creationId="{8F404549-B4DC-481C-926C-DED3EF1C585B}"/>
+          </ac:spMkLst>
+        </pc:spChg>
+        <pc:spChg chg="add del">
+          <ac:chgData name="Guest User" userId="" providerId="Windows Live" clId="Web-{B87B94C5-AAC6-480D-9E68-5D343D30B5C7}" dt="2019-11-11T18:52:04.513" v="273"/>
+          <ac:spMkLst>
+            <pc:docMk/>
+            <pc:sldMk cId="3571924505" sldId="262"/>
+            <ac:spMk id="7" creationId="{1E8FD5CD-351E-4B06-8B78-BD5102D00908}"/>
+          </ac:spMkLst>
+        </pc:spChg>
+        <pc:spChg chg="add del">
+          <ac:chgData name="Guest User" userId="" providerId="Windows Live" clId="Web-{B87B94C5-AAC6-480D-9E68-5D343D30B5C7}" dt="2019-11-11T18:52:44.388" v="319"/>
+          <ac:spMkLst>
+            <pc:docMk/>
+            <pc:sldMk cId="3571924505" sldId="262"/>
+            <ac:spMk id="8" creationId="{3FE9758B-E361-4084-8D9F-729FA6C4AD7E}"/>
+          </ac:spMkLst>
+        </pc:spChg>
+        <pc:spChg chg="add del">
+          <ac:chgData name="Guest User" userId="" providerId="Windows Live" clId="Web-{B87B94C5-AAC6-480D-9E68-5D343D30B5C7}" dt="2019-11-11T18:51:56.278" v="271"/>
+          <ac:spMkLst>
+            <pc:docMk/>
+            <pc:sldMk cId="3571924505" sldId="262"/>
+            <ac:spMk id="9" creationId="{B871AE93-72B2-4545-989F-4B08DCD7872E}"/>
+          </ac:spMkLst>
+        </pc:spChg>
+        <pc:spChg chg="add del">
+          <ac:chgData name="Guest User" userId="" providerId="Windows Live" clId="Web-{B87B94C5-AAC6-480D-9E68-5D343D30B5C7}" dt="2019-11-11T18:51:56.278" v="271"/>
+          <ac:spMkLst>
+            <pc:docMk/>
+            <pc:sldMk cId="3571924505" sldId="262"/>
+            <ac:spMk id="11" creationId="{C1B0F13F-C83B-4678-ABCC-5F6FB1D38827}"/>
+          </ac:spMkLst>
+        </pc:spChg>
+        <pc:spChg chg="add del">
+          <ac:chgData name="Guest User" userId="" providerId="Windows Live" clId="Web-{B87B94C5-AAC6-480D-9E68-5D343D30B5C7}" dt="2019-11-11T18:51:56.278" v="271"/>
+          <ac:spMkLst>
+            <pc:docMk/>
+            <pc:sldMk cId="3571924505" sldId="262"/>
+            <ac:spMk id="13" creationId="{02074ED4-9DB5-4D14-BDCF-BD7D0C145176}"/>
+          </ac:spMkLst>
+        </pc:spChg>
+        <pc:spChg chg="add del">
+          <ac:chgData name="Guest User" userId="" providerId="Windows Live" clId="Web-{B87B94C5-AAC6-480D-9E68-5D343D30B5C7}" dt="2019-11-11T18:51:56.278" v="271"/>
+          <ac:spMkLst>
+            <pc:docMk/>
+            <pc:sldMk cId="3571924505" sldId="262"/>
+            <ac:spMk id="15" creationId="{C48FF616-1F75-49FC-861B-7B794054AA6B}"/>
+          </ac:spMkLst>
+        </pc:spChg>
+        <pc:spChg chg="add del">
+          <ac:chgData name="Guest User" userId="" providerId="Windows Live" clId="Web-{B87B94C5-AAC6-480D-9E68-5D343D30B5C7}" dt="2019-11-11T18:51:56.278" v="271"/>
+          <ac:spMkLst>
+            <pc:docMk/>
+            <pc:sldMk cId="3571924505" sldId="262"/>
+            <ac:spMk id="17" creationId="{9184B385-16B6-44A9-9A47-1C765B376324}"/>
+          </ac:spMkLst>
+        </pc:spChg>
+        <pc:picChg chg="add mod">
+          <ac:chgData name="Guest User" userId="" providerId="Windows Live" clId="Web-{B87B94C5-AAC6-480D-9E68-5D343D30B5C7}" dt="2019-11-11T18:52:44.388" v="319"/>
           <ac:picMkLst>
             <pc:docMk/>
             <pc:sldMk cId="3571924505" sldId="262"/>
@@ -299,1228 +1521,6 @@
             <ac:spMk id="4" creationId="{261DA91F-CEF2-4302-91C9-B20C917DB682}"/>
           </ac:spMkLst>
         </pc:spChg>
-      </pc:sldChg>
-    </pc:docChg>
-  </pc:docChgLst>
-  <pc:docChgLst>
-    <pc:chgData name="Gerardo Villalobos" userId="41038f17c8568cbf" providerId="Windows Live" clId="Web-{88BBAFC7-5965-490D-9A21-068BC1627F7A}"/>
-    <pc:docChg chg="modSld">
-      <pc:chgData name="Gerardo Villalobos" userId="41038f17c8568cbf" providerId="Windows Live" clId="Web-{88BBAFC7-5965-490D-9A21-068BC1627F7A}" dt="2019-11-12T05:35:09.804" v="655" actId="20577"/>
-      <pc:docMkLst>
-        <pc:docMk/>
-      </pc:docMkLst>
-      <pc:sldChg chg="modSp">
-        <pc:chgData name="Gerardo Villalobos" userId="41038f17c8568cbf" providerId="Windows Live" clId="Web-{88BBAFC7-5965-490D-9A21-068BC1627F7A}" dt="2019-11-12T05:28:15.037" v="653" actId="20577"/>
-        <pc:sldMkLst>
-          <pc:docMk/>
-          <pc:sldMk cId="925306443" sldId="261"/>
-        </pc:sldMkLst>
-        <pc:spChg chg="mod">
-          <ac:chgData name="Gerardo Villalobos" userId="41038f17c8568cbf" providerId="Windows Live" clId="Web-{88BBAFC7-5965-490D-9A21-068BC1627F7A}" dt="2019-11-12T05:28:15.037" v="653" actId="20577"/>
-          <ac:spMkLst>
-            <pc:docMk/>
-            <pc:sldMk cId="925306443" sldId="261"/>
-            <ac:spMk id="8" creationId="{5B5D8A8C-B81E-4795-A128-7F710114091E}"/>
-          </ac:spMkLst>
-        </pc:spChg>
-      </pc:sldChg>
-    </pc:docChg>
-  </pc:docChgLst>
-  <pc:docChgLst>
-    <pc:chgData name="Rubén González Villanueva" userId="316062c3b860cbf8" providerId="LiveId" clId="{6E45B117-F3B8-48AF-AC24-D31C05631FEC}"/>
-    <pc:docChg chg="undo custSel mod addSld modSld">
-      <pc:chgData name="Rubén González Villanueva" userId="316062c3b860cbf8" providerId="LiveId" clId="{6E45B117-F3B8-48AF-AC24-D31C05631FEC}" dt="2019-11-11T18:12:11.343" v="380" actId="20577"/>
-      <pc:docMkLst>
-        <pc:docMk/>
-      </pc:docMkLst>
-      <pc:sldChg chg="addSp delSp modSp">
-        <pc:chgData name="Rubén González Villanueva" userId="316062c3b860cbf8" providerId="LiveId" clId="{6E45B117-F3B8-48AF-AC24-D31C05631FEC}" dt="2019-11-01T21:08:03.224" v="2" actId="14826"/>
-        <pc:sldMkLst>
-          <pc:docMk/>
-          <pc:sldMk cId="567220051" sldId="256"/>
-        </pc:sldMkLst>
-        <pc:picChg chg="add del mod">
-          <ac:chgData name="Rubén González Villanueva" userId="316062c3b860cbf8" providerId="LiveId" clId="{6E45B117-F3B8-48AF-AC24-D31C05631FEC}" dt="2019-11-01T21:08:03.224" v="2" actId="14826"/>
-          <ac:picMkLst>
-            <pc:docMk/>
-            <pc:sldMk cId="567220051" sldId="256"/>
-            <ac:picMk id="5" creationId="{B8F98EAE-13DD-4C7F-A54F-445FD8605DF4}"/>
-          </ac:picMkLst>
-        </pc:picChg>
-      </pc:sldChg>
-      <pc:sldChg chg="addSp delSp modSp modTransition delDesignElem">
-        <pc:chgData name="Rubén González Villanueva" userId="316062c3b860cbf8" providerId="LiveId" clId="{6E45B117-F3B8-48AF-AC24-D31C05631FEC}" dt="2019-11-01T21:17:33.817" v="25"/>
-        <pc:sldMkLst>
-          <pc:docMk/>
-          <pc:sldMk cId="405230702" sldId="257"/>
-        </pc:sldMkLst>
-        <pc:spChg chg="mod ord">
-          <ac:chgData name="Rubén González Villanueva" userId="316062c3b860cbf8" providerId="LiveId" clId="{6E45B117-F3B8-48AF-AC24-D31C05631FEC}" dt="2019-11-01T21:11:36.422" v="7" actId="26606"/>
-          <ac:spMkLst>
-            <pc:docMk/>
-            <pc:sldMk cId="405230702" sldId="257"/>
-            <ac:spMk id="2" creationId="{DB4BD388-4E4C-4729-9C98-FDCE73F701DE}"/>
-          </ac:spMkLst>
-        </pc:spChg>
-        <pc:spChg chg="add del mod">
-          <ac:chgData name="Rubén González Villanueva" userId="316062c3b860cbf8" providerId="LiveId" clId="{6E45B117-F3B8-48AF-AC24-D31C05631FEC}" dt="2019-11-01T21:11:58.828" v="10"/>
-          <ac:spMkLst>
-            <pc:docMk/>
-            <pc:sldMk cId="405230702" sldId="257"/>
-            <ac:spMk id="3" creationId="{E90C55DF-14C5-46D4-9AF8-881C2753A224}"/>
-          </ac:spMkLst>
-        </pc:spChg>
-        <pc:spChg chg="mod">
-          <ac:chgData name="Rubén González Villanueva" userId="316062c3b860cbf8" providerId="LiveId" clId="{6E45B117-F3B8-48AF-AC24-D31C05631FEC}" dt="2019-11-01T21:17:11.644" v="23" actId="255"/>
-          <ac:spMkLst>
-            <pc:docMk/>
-            <pc:sldMk cId="405230702" sldId="257"/>
-            <ac:spMk id="8" creationId="{115E2BAF-7EC9-45CB-AE80-C410061A963D}"/>
-          </ac:spMkLst>
-        </pc:spChg>
-        <pc:spChg chg="add del">
-          <ac:chgData name="Rubén González Villanueva" userId="316062c3b860cbf8" providerId="LiveId" clId="{6E45B117-F3B8-48AF-AC24-D31C05631FEC}" dt="2019-11-01T21:11:27.065" v="6" actId="26606"/>
-          <ac:spMkLst>
-            <pc:docMk/>
-            <pc:sldMk cId="405230702" sldId="257"/>
-            <ac:spMk id="66" creationId="{4AE9D071-98CF-435C-BD2B-976514544DC5}"/>
-          </ac:spMkLst>
-        </pc:spChg>
-        <pc:spChg chg="add del">
-          <ac:chgData name="Rubén González Villanueva" userId="316062c3b860cbf8" providerId="LiveId" clId="{6E45B117-F3B8-48AF-AC24-D31C05631FEC}" dt="2019-11-01T21:11:27.031" v="5" actId="26606"/>
-          <ac:spMkLst>
-            <pc:docMk/>
-            <pc:sldMk cId="405230702" sldId="257"/>
-            <ac:spMk id="76" creationId="{EE15E636-2C9E-42CB-B482-436AA81BF93B}"/>
-          </ac:spMkLst>
-        </pc:spChg>
-        <pc:spChg chg="add del">
-          <ac:chgData name="Rubén González Villanueva" userId="316062c3b860cbf8" providerId="LiveId" clId="{6E45B117-F3B8-48AF-AC24-D31C05631FEC}" dt="2019-11-01T21:11:36.422" v="7" actId="26606"/>
-          <ac:spMkLst>
-            <pc:docMk/>
-            <pc:sldMk cId="405230702" sldId="257"/>
-            <ac:spMk id="82" creationId="{3FE9758B-E361-4084-8D9F-729FA6C4AD7E}"/>
-          </ac:spMkLst>
-        </pc:spChg>
-        <pc:spChg chg="add del">
-          <ac:chgData name="Rubén González Villanueva" userId="316062c3b860cbf8" providerId="LiveId" clId="{6E45B117-F3B8-48AF-AC24-D31C05631FEC}" dt="2019-11-01T21:11:49.984" v="9"/>
-          <ac:spMkLst>
-            <pc:docMk/>
-            <pc:sldMk cId="405230702" sldId="257"/>
-            <ac:spMk id="87" creationId="{BABD8CBF-1782-456F-AF12-36CD021CCCF6}"/>
-          </ac:spMkLst>
-        </pc:spChg>
-        <pc:spChg chg="add del">
-          <ac:chgData name="Rubén González Villanueva" userId="316062c3b860cbf8" providerId="LiveId" clId="{6E45B117-F3B8-48AF-AC24-D31C05631FEC}" dt="2019-11-01T21:11:49.984" v="9"/>
-          <ac:spMkLst>
-            <pc:docMk/>
-            <pc:sldMk cId="405230702" sldId="257"/>
-            <ac:spMk id="89" creationId="{18A186C0-DD3C-4FF4-B165-943244CBD116}"/>
-          </ac:spMkLst>
-        </pc:spChg>
-        <pc:grpChg chg="add del">
-          <ac:chgData name="Rubén González Villanueva" userId="316062c3b860cbf8" providerId="LiveId" clId="{6E45B117-F3B8-48AF-AC24-D31C05631FEC}" dt="2019-11-01T21:11:27.065" v="6" actId="26606"/>
-          <ac:grpSpMkLst>
-            <pc:docMk/>
-            <pc:sldMk cId="405230702" sldId="257"/>
-            <ac:grpSpMk id="68" creationId="{D619FC33-16ED-4246-9596-BEFEB55E4CF6}"/>
-          </ac:grpSpMkLst>
-        </pc:grpChg>
-        <pc:grpChg chg="add del">
-          <ac:chgData name="Rubén González Villanueva" userId="316062c3b860cbf8" providerId="LiveId" clId="{6E45B117-F3B8-48AF-AC24-D31C05631FEC}" dt="2019-11-01T21:11:27.031" v="5" actId="26606"/>
-          <ac:grpSpMkLst>
-            <pc:docMk/>
-            <pc:sldMk cId="405230702" sldId="257"/>
-            <ac:grpSpMk id="78" creationId="{01D4AEDF-0CF9-4271-ABB7-3D3489BB42D0}"/>
-          </ac:grpSpMkLst>
-        </pc:grpChg>
-        <pc:grpChg chg="add del">
-          <ac:chgData name="Rubén González Villanueva" userId="316062c3b860cbf8" providerId="LiveId" clId="{6E45B117-F3B8-48AF-AC24-D31C05631FEC}" dt="2019-11-01T21:11:49.984" v="9"/>
-          <ac:grpSpMkLst>
-            <pc:docMk/>
-            <pc:sldMk cId="405230702" sldId="257"/>
-            <ac:grpSpMk id="91" creationId="{7E6B15A5-F4B5-4786-934F-E57C7FA30298}"/>
-          </ac:grpSpMkLst>
-        </pc:grpChg>
-        <pc:picChg chg="mod ord">
-          <ac:chgData name="Rubén González Villanueva" userId="316062c3b860cbf8" providerId="LiveId" clId="{6E45B117-F3B8-48AF-AC24-D31C05631FEC}" dt="2019-11-01T21:11:36.422" v="7" actId="26606"/>
-          <ac:picMkLst>
-            <pc:docMk/>
-            <pc:sldMk cId="405230702" sldId="257"/>
-            <ac:picMk id="61" creationId="{052FCFAE-1A38-436C-85A0-2F4259F4281A}"/>
-          </ac:picMkLst>
-        </pc:picChg>
-      </pc:sldChg>
-      <pc:sldChg chg="modSp">
-        <pc:chgData name="Rubén González Villanueva" userId="316062c3b860cbf8" providerId="LiveId" clId="{6E45B117-F3B8-48AF-AC24-D31C05631FEC}" dt="2019-11-11T18:06:10.992" v="187" actId="242"/>
-        <pc:sldMkLst>
-          <pc:docMk/>
-          <pc:sldMk cId="4006534359" sldId="258"/>
-        </pc:sldMkLst>
-        <pc:spChg chg="mod">
-          <ac:chgData name="Rubén González Villanueva" userId="316062c3b860cbf8" providerId="LiveId" clId="{6E45B117-F3B8-48AF-AC24-D31C05631FEC}" dt="2019-11-11T18:06:10.992" v="187" actId="242"/>
-          <ac:spMkLst>
-            <pc:docMk/>
-            <pc:sldMk cId="4006534359" sldId="258"/>
-            <ac:spMk id="2" creationId="{95AF7728-5CDB-45BD-94F9-C8062FF60583}"/>
-          </ac:spMkLst>
-        </pc:spChg>
-        <pc:spChg chg="mod">
-          <ac:chgData name="Rubén González Villanueva" userId="316062c3b860cbf8" providerId="LiveId" clId="{6E45B117-F3B8-48AF-AC24-D31C05631FEC}" dt="2019-11-01T21:14:58.305" v="16" actId="12"/>
-          <ac:spMkLst>
-            <pc:docMk/>
-            <pc:sldMk cId="4006534359" sldId="258"/>
-            <ac:spMk id="3" creationId="{CACE088F-D1B1-498E-941F-DEB7C7104F69}"/>
-          </ac:spMkLst>
-        </pc:spChg>
-        <pc:spChg chg="mod">
-          <ac:chgData name="Rubén González Villanueva" userId="316062c3b860cbf8" providerId="LiveId" clId="{6E45B117-F3B8-48AF-AC24-D31C05631FEC}" dt="2019-11-01T21:14:54.363" v="15" actId="12"/>
-          <ac:spMkLst>
-            <pc:docMk/>
-            <pc:sldMk cId="4006534359" sldId="258"/>
-            <ac:spMk id="4" creationId="{3CD0E60B-8AB2-4C81-88B9-741CB5CAD2C5}"/>
-          </ac:spMkLst>
-        </pc:spChg>
-        <pc:picChg chg="mod">
-          <ac:chgData name="Rubén González Villanueva" userId="316062c3b860cbf8" providerId="LiveId" clId="{6E45B117-F3B8-48AF-AC24-D31C05631FEC}" dt="2019-11-01T21:12:29.362" v="11" actId="14826"/>
-          <ac:picMkLst>
-            <pc:docMk/>
-            <pc:sldMk cId="4006534359" sldId="258"/>
-            <ac:picMk id="9" creationId="{FA69D7F2-F553-423E-9C42-65D164A2303C}"/>
-          </ac:picMkLst>
-        </pc:picChg>
-      </pc:sldChg>
-      <pc:sldChg chg="addSp delSp modSp">
-        <pc:chgData name="Rubén González Villanueva" userId="316062c3b860cbf8" providerId="LiveId" clId="{6E45B117-F3B8-48AF-AC24-D31C05631FEC}" dt="2019-11-11T18:04:33.851" v="184" actId="1076"/>
-        <pc:sldMkLst>
-          <pc:docMk/>
-          <pc:sldMk cId="2183553396" sldId="259"/>
-        </pc:sldMkLst>
-        <pc:spChg chg="add del mod">
-          <ac:chgData name="Rubén González Villanueva" userId="316062c3b860cbf8" providerId="LiveId" clId="{6E45B117-F3B8-48AF-AC24-D31C05631FEC}" dt="2019-11-11T18:01:14.540" v="61" actId="931"/>
-          <ac:spMkLst>
-            <pc:docMk/>
-            <pc:sldMk cId="2183553396" sldId="259"/>
-            <ac:spMk id="3" creationId="{B9829932-EF44-469A-BD7A-4F24E2010F2F}"/>
-          </ac:spMkLst>
-        </pc:spChg>
-        <pc:spChg chg="add mod">
-          <ac:chgData name="Rubén González Villanueva" userId="316062c3b860cbf8" providerId="LiveId" clId="{6E45B117-F3B8-48AF-AC24-D31C05631FEC}" dt="2019-11-11T18:04:28.954" v="182" actId="14100"/>
-          <ac:spMkLst>
-            <pc:docMk/>
-            <pc:sldMk cId="2183553396" sldId="259"/>
-            <ac:spMk id="6" creationId="{43410FD3-E575-4657-9972-1294D3D1E1F6}"/>
-          </ac:spMkLst>
-        </pc:spChg>
-        <pc:spChg chg="mod">
-          <ac:chgData name="Rubén González Villanueva" userId="316062c3b860cbf8" providerId="LiveId" clId="{6E45B117-F3B8-48AF-AC24-D31C05631FEC}" dt="2019-11-11T18:01:52.386" v="70" actId="242"/>
-          <ac:spMkLst>
-            <pc:docMk/>
-            <pc:sldMk cId="2183553396" sldId="259"/>
-            <ac:spMk id="7" creationId="{7A63CBD4-BF79-47E1-927B-F35FC3B78E17}"/>
-          </ac:spMkLst>
-        </pc:spChg>
-        <pc:spChg chg="del mod">
-          <ac:chgData name="Rubén González Villanueva" userId="316062c3b860cbf8" providerId="LiveId" clId="{6E45B117-F3B8-48AF-AC24-D31C05631FEC}" dt="2019-11-11T18:01:04.973" v="60" actId="478"/>
-          <ac:spMkLst>
-            <pc:docMk/>
-            <pc:sldMk cId="2183553396" sldId="259"/>
-            <ac:spMk id="11" creationId="{AA36E30A-A112-48F5-B417-C6CD0FB4093F}"/>
-          </ac:spMkLst>
-        </pc:spChg>
-        <pc:spChg chg="del">
-          <ac:chgData name="Rubén González Villanueva" userId="316062c3b860cbf8" providerId="LiveId" clId="{6E45B117-F3B8-48AF-AC24-D31C05631FEC}" dt="2019-11-01T21:15:16.833" v="17"/>
-          <ac:spMkLst>
-            <pc:docMk/>
-            <pc:sldMk cId="2183553396" sldId="259"/>
-            <ac:spMk id="12" creationId="{7AA28FEA-A436-4D31-B02C-504862B03FCB}"/>
-          </ac:spMkLst>
-        </pc:spChg>
-        <pc:picChg chg="add mod">
-          <ac:chgData name="Rubén González Villanueva" userId="316062c3b860cbf8" providerId="LiveId" clId="{6E45B117-F3B8-48AF-AC24-D31C05631FEC}" dt="2019-11-11T18:04:33.851" v="184" actId="1076"/>
-          <ac:picMkLst>
-            <pc:docMk/>
-            <pc:sldMk cId="2183553396" sldId="259"/>
-            <ac:picMk id="5" creationId="{A9BAF62B-2CEA-42B0-84C8-4DCFB7514906}"/>
-          </ac:picMkLst>
-        </pc:picChg>
-        <pc:picChg chg="mod">
-          <ac:chgData name="Rubén González Villanueva" userId="316062c3b860cbf8" providerId="LiveId" clId="{6E45B117-F3B8-48AF-AC24-D31C05631FEC}" dt="2019-11-11T18:01:33.883" v="67" actId="1076"/>
-          <ac:picMkLst>
-            <pc:docMk/>
-            <pc:sldMk cId="2183553396" sldId="259"/>
-            <ac:picMk id="9" creationId="{D8B0F239-9FF8-47DA-BE11-452A081BBFA2}"/>
-          </ac:picMkLst>
-        </pc:picChg>
-      </pc:sldChg>
-      <pc:sldChg chg="modSp">
-        <pc:chgData name="Rubén González Villanueva" userId="316062c3b860cbf8" providerId="LiveId" clId="{6E45B117-F3B8-48AF-AC24-D31C05631FEC}" dt="2019-11-01T21:16:09.886" v="22" actId="14826"/>
-        <pc:sldMkLst>
-          <pc:docMk/>
-          <pc:sldMk cId="925306443" sldId="261"/>
-        </pc:sldMkLst>
-        <pc:picChg chg="mod">
-          <ac:chgData name="Rubén González Villanueva" userId="316062c3b860cbf8" providerId="LiveId" clId="{6E45B117-F3B8-48AF-AC24-D31C05631FEC}" dt="2019-11-01T21:16:09.886" v="22" actId="14826"/>
-          <ac:picMkLst>
-            <pc:docMk/>
-            <pc:sldMk cId="925306443" sldId="261"/>
-            <ac:picMk id="19" creationId="{3D5F8449-5863-43B5-8C99-25B181CD7E3C}"/>
-          </ac:picMkLst>
-        </pc:picChg>
-      </pc:sldChg>
-      <pc:sldChg chg="modSp add modTransition">
-        <pc:chgData name="Rubén González Villanueva" userId="316062c3b860cbf8" providerId="LiveId" clId="{6E45B117-F3B8-48AF-AC24-D31C05631FEC}" dt="2019-11-11T18:05:11.836" v="185"/>
-        <pc:sldMkLst>
-          <pc:docMk/>
-          <pc:sldMk cId="3571924505" sldId="262"/>
-        </pc:sldMkLst>
-        <pc:spChg chg="mod">
-          <ac:chgData name="Rubén González Villanueva" userId="316062c3b860cbf8" providerId="LiveId" clId="{6E45B117-F3B8-48AF-AC24-D31C05631FEC}" dt="2019-11-01T21:32:14.805" v="58" actId="1076"/>
-          <ac:spMkLst>
-            <pc:docMk/>
-            <pc:sldMk cId="3571924505" sldId="262"/>
-            <ac:spMk id="2" creationId="{61DD6FAC-6BAA-4C07-B6B2-0E9A3567DF65}"/>
-          </ac:spMkLst>
-        </pc:spChg>
-      </pc:sldChg>
-      <pc:sldChg chg="addSp delSp modSp add modTransition">
-        <pc:chgData name="Rubén González Villanueva" userId="316062c3b860cbf8" providerId="LiveId" clId="{6E45B117-F3B8-48AF-AC24-D31C05631FEC}" dt="2019-11-11T18:12:11.343" v="380" actId="20577"/>
-        <pc:sldMkLst>
-          <pc:docMk/>
-          <pc:sldMk cId="1195560405" sldId="263"/>
-        </pc:sldMkLst>
-        <pc:spChg chg="mod">
-          <ac:chgData name="Rubén González Villanueva" userId="316062c3b860cbf8" providerId="LiveId" clId="{6E45B117-F3B8-48AF-AC24-D31C05631FEC}" dt="2019-11-11T18:08:47.189" v="254" actId="20577"/>
-          <ac:spMkLst>
-            <pc:docMk/>
-            <pc:sldMk cId="1195560405" sldId="263"/>
-            <ac:spMk id="2" creationId="{2695194C-DA76-4C3A-84BF-B351927EF8E0}"/>
-          </ac:spMkLst>
-        </pc:spChg>
-        <pc:spChg chg="mod">
-          <ac:chgData name="Rubén González Villanueva" userId="316062c3b860cbf8" providerId="LiveId" clId="{6E45B117-F3B8-48AF-AC24-D31C05631FEC}" dt="2019-11-11T18:10:36.151" v="341" actId="27636"/>
-          <ac:spMkLst>
-            <pc:docMk/>
-            <pc:sldMk cId="1195560405" sldId="263"/>
-            <ac:spMk id="3" creationId="{E9B2338D-E5F4-4A1E-89A1-B362C271F346}"/>
-          </ac:spMkLst>
-        </pc:spChg>
-        <pc:spChg chg="del mod">
-          <ac:chgData name="Rubén González Villanueva" userId="316062c3b860cbf8" providerId="LiveId" clId="{6E45B117-F3B8-48AF-AC24-D31C05631FEC}" dt="2019-11-11T18:08:40.037" v="233"/>
-          <ac:spMkLst>
-            <pc:docMk/>
-            <pc:sldMk cId="1195560405" sldId="263"/>
-            <ac:spMk id="4" creationId="{C1ECC8E9-1B7C-4DA1-A306-7CC3C9D241CA}"/>
-          </ac:spMkLst>
-        </pc:spChg>
-        <pc:spChg chg="add mod">
-          <ac:chgData name="Rubén González Villanueva" userId="316062c3b860cbf8" providerId="LiveId" clId="{6E45B117-F3B8-48AF-AC24-D31C05631FEC}" dt="2019-11-11T18:08:43.555" v="244" actId="20577"/>
-          <ac:spMkLst>
-            <pc:docMk/>
-            <pc:sldMk cId="1195560405" sldId="263"/>
-            <ac:spMk id="6" creationId="{949D551B-B45C-4B2A-9317-31AF15A48BFB}"/>
-          </ac:spMkLst>
-        </pc:spChg>
-        <pc:spChg chg="add mod">
-          <ac:chgData name="Rubén González Villanueva" userId="316062c3b860cbf8" providerId="LiveId" clId="{6E45B117-F3B8-48AF-AC24-D31C05631FEC}" dt="2019-11-11T18:12:11.343" v="380" actId="20577"/>
-          <ac:spMkLst>
-            <pc:docMk/>
-            <pc:sldMk cId="1195560405" sldId="263"/>
-            <ac:spMk id="7" creationId="{68D7DBD9-0FC7-4D5D-B8DF-A7F6016F1335}"/>
-          </ac:spMkLst>
-        </pc:spChg>
-        <pc:spChg chg="add mod">
-          <ac:chgData name="Rubén González Villanueva" userId="316062c3b860cbf8" providerId="LiveId" clId="{6E45B117-F3B8-48AF-AC24-D31C05631FEC}" dt="2019-11-11T18:11:49.781" v="370" actId="20577"/>
-          <ac:spMkLst>
-            <pc:docMk/>
-            <pc:sldMk cId="1195560405" sldId="263"/>
-            <ac:spMk id="8" creationId="{F299ED4B-FA56-46C1-ABA8-B8CC23D386D8}"/>
-          </ac:spMkLst>
-        </pc:spChg>
-        <pc:picChg chg="add mod">
-          <ac:chgData name="Rubén González Villanueva" userId="316062c3b860cbf8" providerId="LiveId" clId="{6E45B117-F3B8-48AF-AC24-D31C05631FEC}" dt="2019-11-11T18:12:00.674" v="373" actId="1076"/>
-          <ac:picMkLst>
-            <pc:docMk/>
-            <pc:sldMk cId="1195560405" sldId="263"/>
-            <ac:picMk id="5" creationId="{6D315456-F9FE-45E9-8B9E-0A1E4E191581}"/>
-          </ac:picMkLst>
-        </pc:picChg>
-      </pc:sldChg>
-    </pc:docChg>
-  </pc:docChgLst>
-  <pc:docChgLst>
-    <pc:chgData name="Usuario invitado" providerId="Windows Live" clId="Web-{94C37343-E02E-4AA8-9E56-0CA8496C2DC3}"/>
-    <pc:docChg chg="modSld">
-      <pc:chgData name="Usuario invitado" userId="" providerId="Windows Live" clId="Web-{94C37343-E02E-4AA8-9E56-0CA8496C2DC3}" dt="2019-11-11T19:29:07.395" v="401" actId="20577"/>
-      <pc:docMkLst>
-        <pc:docMk/>
-      </pc:docMkLst>
-      <pc:sldChg chg="addSp delSp modSp mod setBg">
-        <pc:chgData name="Usuario invitado" userId="" providerId="Windows Live" clId="Web-{94C37343-E02E-4AA8-9E56-0CA8496C2DC3}" dt="2019-11-11T19:29:07.395" v="400" actId="20577"/>
-        <pc:sldMkLst>
-          <pc:docMk/>
-          <pc:sldMk cId="3571924505" sldId="262"/>
-        </pc:sldMkLst>
-        <pc:spChg chg="mod">
-          <ac:chgData name="Usuario invitado" userId="" providerId="Windows Live" clId="Web-{94C37343-E02E-4AA8-9E56-0CA8496C2DC3}" dt="2019-11-11T19:24:56.533" v="32"/>
-          <ac:spMkLst>
-            <pc:docMk/>
-            <pc:sldMk cId="3571924505" sldId="262"/>
-            <ac:spMk id="2" creationId="{61DD6FAC-6BAA-4C07-B6B2-0E9A3567DF65}"/>
-          </ac:spMkLst>
-        </pc:spChg>
-        <pc:spChg chg="mod ord">
-          <ac:chgData name="Usuario invitado" userId="" providerId="Windows Live" clId="Web-{94C37343-E02E-4AA8-9E56-0CA8496C2DC3}" dt="2019-11-11T19:29:07.395" v="400" actId="20577"/>
-          <ac:spMkLst>
-            <pc:docMk/>
-            <pc:sldMk cId="3571924505" sldId="262"/>
-            <ac:spMk id="3" creationId="{6DA9A8D3-9343-4B0A-B6C2-6E8B84A4F58D}"/>
-          </ac:spMkLst>
-        </pc:spChg>
-        <pc:spChg chg="add del">
-          <ac:chgData name="Usuario invitado" userId="" providerId="Windows Live" clId="Web-{94C37343-E02E-4AA8-9E56-0CA8496C2DC3}" dt="2019-11-11T19:23:01.642" v="8"/>
-          <ac:spMkLst>
-            <pc:docMk/>
-            <pc:sldMk cId="3571924505" sldId="262"/>
-            <ac:spMk id="10" creationId="{0C1F6B00-30FF-455F-8A86-682BDAB0E904}"/>
-          </ac:spMkLst>
-        </pc:spChg>
-        <pc:spChg chg="add del">
-          <ac:chgData name="Usuario invitado" userId="" providerId="Windows Live" clId="Web-{94C37343-E02E-4AA8-9E56-0CA8496C2DC3}" dt="2019-11-11T19:23:01.642" v="8"/>
-          <ac:spMkLst>
-            <pc:docMk/>
-            <pc:sldMk cId="3571924505" sldId="262"/>
-            <ac:spMk id="12" creationId="{2561E8E6-AA1F-4231-B807-0A5C932E64BC}"/>
-          </ac:spMkLst>
-        </pc:spChg>
-        <pc:spChg chg="add del">
-          <ac:chgData name="Usuario invitado" userId="" providerId="Windows Live" clId="Web-{94C37343-E02E-4AA8-9E56-0CA8496C2DC3}" dt="2019-11-11T19:23:01.642" v="8"/>
-          <ac:spMkLst>
-            <pc:docMk/>
-            <pc:sldMk cId="3571924505" sldId="262"/>
-            <ac:spMk id="14" creationId="{42AAD8A7-0F68-4CE2-8E37-98629D1C4132}"/>
-          </ac:spMkLst>
-        </pc:spChg>
-        <pc:spChg chg="add del">
-          <ac:chgData name="Usuario invitado" userId="" providerId="Windows Live" clId="Web-{94C37343-E02E-4AA8-9E56-0CA8496C2DC3}" dt="2019-11-11T19:23:01.642" v="8"/>
-          <ac:spMkLst>
-            <pc:docMk/>
-            <pc:sldMk cId="3571924505" sldId="262"/>
-            <ac:spMk id="16" creationId="{2DFDF5BA-2109-45EC-AA28-9585297F9A92}"/>
-          </ac:spMkLst>
-        </pc:spChg>
-        <pc:spChg chg="add del">
-          <ac:chgData name="Usuario invitado" userId="" providerId="Windows Live" clId="Web-{94C37343-E02E-4AA8-9E56-0CA8496C2DC3}" dt="2019-11-11T19:23:04.376" v="10"/>
-          <ac:spMkLst>
-            <pc:docMk/>
-            <pc:sldMk cId="3571924505" sldId="262"/>
-            <ac:spMk id="18" creationId="{3952E577-47F7-4118-BE5E-697E5BAB0D83}"/>
-          </ac:spMkLst>
-        </pc:spChg>
-        <pc:spChg chg="add del">
-          <ac:chgData name="Usuario invitado" userId="" providerId="Windows Live" clId="Web-{94C37343-E02E-4AA8-9E56-0CA8496C2DC3}" dt="2019-11-11T19:23:07.735" v="12"/>
-          <ac:spMkLst>
-            <pc:docMk/>
-            <pc:sldMk cId="3571924505" sldId="262"/>
-            <ac:spMk id="20" creationId="{B50AF7FF-0BB3-4D42-87AF-2FAC4629770A}"/>
-          </ac:spMkLst>
-        </pc:spChg>
-        <pc:spChg chg="add del">
-          <ac:chgData name="Usuario invitado" userId="" providerId="Windows Live" clId="Web-{94C37343-E02E-4AA8-9E56-0CA8496C2DC3}" dt="2019-11-11T19:23:07.735" v="12"/>
-          <ac:spMkLst>
-            <pc:docMk/>
-            <pc:sldMk cId="3571924505" sldId="262"/>
-            <ac:spMk id="21" creationId="{3F02C26E-7EB2-4808-9497-CB1627FEDC4F}"/>
-          </ac:spMkLst>
-        </pc:spChg>
-        <pc:spChg chg="add del">
-          <ac:chgData name="Usuario invitado" userId="" providerId="Windows Live" clId="Web-{94C37343-E02E-4AA8-9E56-0CA8496C2DC3}" dt="2019-11-11T19:23:07.735" v="12"/>
-          <ac:spMkLst>
-            <pc:docMk/>
-            <pc:sldMk cId="3571924505" sldId="262"/>
-            <ac:spMk id="22" creationId="{6FCD3A50-A981-447A-B92E-805F81472544}"/>
-          </ac:spMkLst>
-        </pc:spChg>
-        <pc:spChg chg="add del">
-          <ac:chgData name="Usuario invitado" userId="" providerId="Windows Live" clId="Web-{94C37343-E02E-4AA8-9E56-0CA8496C2DC3}" dt="2019-11-11T19:23:07.735" v="12"/>
-          <ac:spMkLst>
-            <pc:docMk/>
-            <pc:sldMk cId="3571924505" sldId="262"/>
-            <ac:spMk id="23" creationId="{ADFB5F11-83FD-42E2-BABD-CAD7B27DFB3C}"/>
-          </ac:spMkLst>
-        </pc:spChg>
-        <pc:spChg chg="add del">
-          <ac:chgData name="Usuario invitado" userId="" providerId="Windows Live" clId="Web-{94C37343-E02E-4AA8-9E56-0CA8496C2DC3}" dt="2019-11-11T19:23:13.876" v="14"/>
-          <ac:spMkLst>
-            <pc:docMk/>
-            <pc:sldMk cId="3571924505" sldId="262"/>
-            <ac:spMk id="24" creationId="{0560EE91-C39D-4300-A1A6-C61D61EEE68A}"/>
-          </ac:spMkLst>
-        </pc:spChg>
-        <pc:spChg chg="add del">
-          <ac:chgData name="Usuario invitado" userId="" providerId="Windows Live" clId="Web-{94C37343-E02E-4AA8-9E56-0CA8496C2DC3}" dt="2019-11-11T19:24:27.189" v="16"/>
-          <ac:spMkLst>
-            <pc:docMk/>
-            <pc:sldMk cId="3571924505" sldId="262"/>
-            <ac:spMk id="25" creationId="{3AB084A1-F3A2-4BF8-BB6A-E677B5BD7738}"/>
-          </ac:spMkLst>
-        </pc:spChg>
-        <pc:spChg chg="add del">
-          <ac:chgData name="Usuario invitado" userId="" providerId="Windows Live" clId="Web-{94C37343-E02E-4AA8-9E56-0CA8496C2DC3}" dt="2019-11-11T19:24:27.189" v="16"/>
-          <ac:spMkLst>
-            <pc:docMk/>
-            <pc:sldMk cId="3571924505" sldId="262"/>
-            <ac:spMk id="26" creationId="{1E0965C0-22E8-4A47-9A17-4E6078D00D8B}"/>
-          </ac:spMkLst>
-        </pc:spChg>
-        <pc:spChg chg="add del">
-          <ac:chgData name="Usuario invitado" userId="" providerId="Windows Live" clId="Web-{94C37343-E02E-4AA8-9E56-0CA8496C2DC3}" dt="2019-11-11T19:24:27.189" v="16"/>
-          <ac:spMkLst>
-            <pc:docMk/>
-            <pc:sldMk cId="3571924505" sldId="262"/>
-            <ac:spMk id="27" creationId="{03D63C01-EC27-44CF-85D4-0C65696F1DF3}"/>
-          </ac:spMkLst>
-        </pc:spChg>
-        <pc:spChg chg="add del">
-          <ac:chgData name="Usuario invitado" userId="" providerId="Windows Live" clId="Web-{94C37343-E02E-4AA8-9E56-0CA8496C2DC3}" dt="2019-11-11T19:24:27.189" v="16"/>
-          <ac:spMkLst>
-            <pc:docMk/>
-            <pc:sldMk cId="3571924505" sldId="262"/>
-            <ac:spMk id="28" creationId="{7B57BCC7-232D-4B6C-920B-D0696A3C8BFB}"/>
-          </ac:spMkLst>
-        </pc:spChg>
-        <pc:spChg chg="add del">
-          <ac:chgData name="Usuario invitado" userId="" providerId="Windows Live" clId="Web-{94C37343-E02E-4AA8-9E56-0CA8496C2DC3}" dt="2019-11-11T19:24:27.189" v="16"/>
-          <ac:spMkLst>
-            <pc:docMk/>
-            <pc:sldMk cId="3571924505" sldId="262"/>
-            <ac:spMk id="29" creationId="{78E8CD9E-3CE2-487B-AA8E-6E386CD195E7}"/>
-          </ac:spMkLst>
-        </pc:spChg>
-        <pc:spChg chg="add del">
-          <ac:chgData name="Usuario invitado" userId="" providerId="Windows Live" clId="Web-{94C37343-E02E-4AA8-9E56-0CA8496C2DC3}" dt="2019-11-11T19:24:27.189" v="16"/>
-          <ac:spMkLst>
-            <pc:docMk/>
-            <pc:sldMk cId="3571924505" sldId="262"/>
-            <ac:spMk id="30" creationId="{E8F42A1F-0F67-4856-AEB3-D2AC390D23B4}"/>
-          </ac:spMkLst>
-        </pc:spChg>
-        <pc:spChg chg="add del">
-          <ac:chgData name="Usuario invitado" userId="" providerId="Windows Live" clId="Web-{94C37343-E02E-4AA8-9E56-0CA8496C2DC3}" dt="2019-11-11T19:24:27.189" v="16"/>
-          <ac:spMkLst>
-            <pc:docMk/>
-            <pc:sldMk cId="3571924505" sldId="262"/>
-            <ac:spMk id="31" creationId="{E18DC9CC-CE0B-48A6-8164-0D10E9E6CE7E}"/>
-          </ac:spMkLst>
-        </pc:spChg>
-        <pc:spChg chg="add del">
-          <ac:chgData name="Usuario invitado" userId="" providerId="Windows Live" clId="Web-{94C37343-E02E-4AA8-9E56-0CA8496C2DC3}" dt="2019-11-11T19:24:56.533" v="32"/>
-          <ac:spMkLst>
-            <pc:docMk/>
-            <pc:sldMk cId="3571924505" sldId="262"/>
-            <ac:spMk id="32" creationId="{1D5EA905-60F6-495B-BC4F-A58B9D1B3A3F}"/>
-          </ac:spMkLst>
-        </pc:spChg>
-        <pc:grpChg chg="add del">
-          <ac:chgData name="Usuario invitado" userId="" providerId="Windows Live" clId="Web-{94C37343-E02E-4AA8-9E56-0CA8496C2DC3}" dt="2019-11-11T19:23:04.376" v="10"/>
-          <ac:grpSpMkLst>
-            <pc:docMk/>
-            <pc:sldMk cId="3571924505" sldId="262"/>
-            <ac:grpSpMk id="19" creationId="{8EF88F0D-A5AB-4F16-9006-767488EF717C}"/>
-          </ac:grpSpMkLst>
-        </pc:grpChg>
-        <pc:grpChg chg="add del">
-          <ac:chgData name="Usuario invitado" userId="" providerId="Windows Live" clId="Web-{94C37343-E02E-4AA8-9E56-0CA8496C2DC3}" dt="2019-11-11T19:24:56.533" v="32"/>
-          <ac:grpSpMkLst>
-            <pc:docMk/>
-            <pc:sldMk cId="3571924505" sldId="262"/>
-            <ac:grpSpMk id="33" creationId="{8621EE3E-1667-4864-956E-8309811CB96C}"/>
-          </ac:grpSpMkLst>
-        </pc:grpChg>
-        <pc:picChg chg="mod ord">
-          <ac:chgData name="Usuario invitado" userId="" providerId="Windows Live" clId="Web-{94C37343-E02E-4AA8-9E56-0CA8496C2DC3}" dt="2019-11-11T19:25:36.987" v="41" actId="1076"/>
-          <ac:picMkLst>
-            <pc:docMk/>
-            <pc:sldMk cId="3571924505" sldId="262"/>
-            <ac:picMk id="4" creationId="{37DBDBF7-C1A7-4C8A-9A5E-196CD5615A7D}"/>
-          </ac:picMkLst>
-        </pc:picChg>
-        <pc:picChg chg="add mod">
-          <ac:chgData name="Usuario invitado" userId="" providerId="Windows Live" clId="Web-{94C37343-E02E-4AA8-9E56-0CA8496C2DC3}" dt="2019-11-11T19:26:04.175" v="46" actId="14100"/>
-          <ac:picMkLst>
-            <pc:docMk/>
-            <pc:sldMk cId="3571924505" sldId="262"/>
-            <ac:picMk id="5" creationId="{3E24898D-4D9A-4B69-8A7B-AFD8AE979FCE}"/>
-          </ac:picMkLst>
-        </pc:picChg>
-      </pc:sldChg>
-    </pc:docChg>
-  </pc:docChgLst>
-  <pc:docChgLst>
-    <pc:chgData name="Rubén González Villanueva" userId="c8c16a74-be0f-439b-9b67-6b666a436255" providerId="ADAL" clId="{2129604C-F01F-40CD-8BD8-E7558B492AD4}"/>
-    <pc:docChg chg="undo custSel mod addSld delSld modSld">
-      <pc:chgData name="Rubén González Villanueva" userId="c8c16a74-be0f-439b-9b67-6b666a436255" providerId="ADAL" clId="{2129604C-F01F-40CD-8BD8-E7558B492AD4}" dt="2019-11-01T18:22:57.937" v="430" actId="27636"/>
-      <pc:docMkLst>
-        <pc:docMk/>
-      </pc:docMkLst>
-      <pc:sldChg chg="addSp delSp modSp delDesignElem">
-        <pc:chgData name="Rubén González Villanueva" userId="c8c16a74-be0f-439b-9b67-6b666a436255" providerId="ADAL" clId="{2129604C-F01F-40CD-8BD8-E7558B492AD4}" dt="2019-11-01T18:13:50.124" v="231"/>
-        <pc:sldMkLst>
-          <pc:docMk/>
-          <pc:sldMk cId="567220051" sldId="256"/>
-        </pc:sldMkLst>
-        <pc:spChg chg="mod">
-          <ac:chgData name="Rubén González Villanueva" userId="c8c16a74-be0f-439b-9b67-6b666a436255" providerId="ADAL" clId="{2129604C-F01F-40CD-8BD8-E7558B492AD4}" dt="2019-11-01T17:58:10.859" v="4"/>
-          <ac:spMkLst>
-            <pc:docMk/>
-            <pc:sldMk cId="567220051" sldId="256"/>
-            <ac:spMk id="3" creationId="{305387FA-9453-424C-8F0D-19742859F9C6}"/>
-          </ac:spMkLst>
-        </pc:spChg>
-        <pc:spChg chg="add del mod">
-          <ac:chgData name="Rubén González Villanueva" userId="c8c16a74-be0f-439b-9b67-6b666a436255" providerId="ADAL" clId="{2129604C-F01F-40CD-8BD8-E7558B492AD4}" dt="2019-11-01T17:58:10.859" v="4"/>
-          <ac:spMkLst>
-            <pc:docMk/>
-            <pc:sldMk cId="567220051" sldId="256"/>
-            <ac:spMk id="8" creationId="{D803034F-E74E-47ED-9904-73FD2C2E8839}"/>
-          </ac:spMkLst>
-        </pc:spChg>
-        <pc:spChg chg="add del">
-          <ac:chgData name="Rubén González Villanueva" userId="c8c16a74-be0f-439b-9b67-6b666a436255" providerId="ADAL" clId="{2129604C-F01F-40CD-8BD8-E7558B492AD4}" dt="2019-11-01T17:58:10.859" v="4"/>
-          <ac:spMkLst>
-            <pc:docMk/>
-            <pc:sldMk cId="567220051" sldId="256"/>
-            <ac:spMk id="23" creationId="{379F11E2-8BA5-4C5C-AE7C-361E5EA011FF}"/>
-          </ac:spMkLst>
-        </pc:spChg>
-        <pc:spChg chg="add del">
-          <ac:chgData name="Rubén González Villanueva" userId="c8c16a74-be0f-439b-9b67-6b666a436255" providerId="ADAL" clId="{2129604C-F01F-40CD-8BD8-E7558B492AD4}" dt="2019-11-01T17:58:10.859" v="4"/>
-          <ac:spMkLst>
-            <pc:docMk/>
-            <pc:sldMk cId="567220051" sldId="256"/>
-            <ac:spMk id="25" creationId="{7C00E1DA-EC7C-40FC-95E3-11FDCD2E4291}"/>
-          </ac:spMkLst>
-        </pc:spChg>
-        <pc:grpChg chg="add del">
-          <ac:chgData name="Rubén González Villanueva" userId="c8c16a74-be0f-439b-9b67-6b666a436255" providerId="ADAL" clId="{2129604C-F01F-40CD-8BD8-E7558B492AD4}" dt="2019-11-01T17:58:10.859" v="4"/>
-          <ac:grpSpMkLst>
-            <pc:docMk/>
-            <pc:sldMk cId="567220051" sldId="256"/>
-            <ac:grpSpMk id="27" creationId="{9A421166-2996-41A7-B094-AE5316F347DD}"/>
-          </ac:grpSpMkLst>
-        </pc:grpChg>
-        <pc:picChg chg="mod">
-          <ac:chgData name="Rubén González Villanueva" userId="c8c16a74-be0f-439b-9b67-6b666a436255" providerId="ADAL" clId="{2129604C-F01F-40CD-8BD8-E7558B492AD4}" dt="2019-11-01T18:13:50.124" v="231"/>
-          <ac:picMkLst>
-            <pc:docMk/>
-            <pc:sldMk cId="567220051" sldId="256"/>
-            <ac:picMk id="5" creationId="{B8F98EAE-13DD-4C7F-A54F-445FD8605DF4}"/>
-          </ac:picMkLst>
-        </pc:picChg>
-      </pc:sldChg>
-      <pc:sldChg chg="addSp delSp modSp mod setBg delDesignElem">
-        <pc:chgData name="Rubén González Villanueva" userId="c8c16a74-be0f-439b-9b67-6b666a436255" providerId="ADAL" clId="{2129604C-F01F-40CD-8BD8-E7558B492AD4}" dt="2019-11-01T18:16:45.664" v="256" actId="26606"/>
-        <pc:sldMkLst>
-          <pc:docMk/>
-          <pc:sldMk cId="405230702" sldId="257"/>
-        </pc:sldMkLst>
-        <pc:spChg chg="mod ord">
-          <ac:chgData name="Rubén González Villanueva" userId="c8c16a74-be0f-439b-9b67-6b666a436255" providerId="ADAL" clId="{2129604C-F01F-40CD-8BD8-E7558B492AD4}" dt="2019-11-01T18:16:45.664" v="256" actId="26606"/>
-          <ac:spMkLst>
-            <pc:docMk/>
-            <pc:sldMk cId="405230702" sldId="257"/>
-            <ac:spMk id="2" creationId="{DB4BD388-4E4C-4729-9C98-FDCE73F701DE}"/>
-          </ac:spMkLst>
-        </pc:spChg>
-        <pc:spChg chg="add mod">
-          <ac:chgData name="Rubén González Villanueva" userId="c8c16a74-be0f-439b-9b67-6b666a436255" providerId="ADAL" clId="{2129604C-F01F-40CD-8BD8-E7558B492AD4}" dt="2019-11-01T18:16:45.664" v="256" actId="26606"/>
-          <ac:spMkLst>
-            <pc:docMk/>
-            <pc:sldMk cId="405230702" sldId="257"/>
-            <ac:spMk id="8" creationId="{115E2BAF-7EC9-45CB-AE80-C410061A963D}"/>
-          </ac:spMkLst>
-        </pc:spChg>
-        <pc:spChg chg="add del mod">
-          <ac:chgData name="Rubén González Villanueva" userId="c8c16a74-be0f-439b-9b67-6b666a436255" providerId="ADAL" clId="{2129604C-F01F-40CD-8BD8-E7558B492AD4}" dt="2019-11-01T18:16:41.232" v="254"/>
-          <ac:spMkLst>
-            <pc:docMk/>
-            <pc:sldMk cId="405230702" sldId="257"/>
-            <ac:spMk id="10" creationId="{9DD38617-F584-483B-9033-3D4FDA203276}"/>
-          </ac:spMkLst>
-        </pc:spChg>
-        <pc:spChg chg="add del">
-          <ac:chgData name="Rubén González Villanueva" userId="c8c16a74-be0f-439b-9b67-6b666a436255" providerId="ADAL" clId="{2129604C-F01F-40CD-8BD8-E7558B492AD4}" dt="2019-11-01T17:58:25.667" v="6" actId="26606"/>
-          <ac:spMkLst>
-            <pc:docMk/>
-            <pc:sldMk cId="405230702" sldId="257"/>
-            <ac:spMk id="11" creationId="{317F59F4-9C4A-42AF-B61E-D2B155EBD20A}"/>
-          </ac:spMkLst>
-        </pc:spChg>
-        <pc:spChg chg="add del">
-          <ac:chgData name="Rubén González Villanueva" userId="c8c16a74-be0f-439b-9b67-6b666a436255" providerId="ADAL" clId="{2129604C-F01F-40CD-8BD8-E7558B492AD4}" dt="2019-11-01T18:06:11.320" v="80" actId="26606"/>
-          <ac:spMkLst>
-            <pc:docMk/>
-            <pc:sldMk cId="405230702" sldId="257"/>
-            <ac:spMk id="13" creationId="{A078A52F-85EA-4C0B-962B-D9D9DD4DD78C}"/>
-          </ac:spMkLst>
-        </pc:spChg>
-        <pc:spChg chg="add del">
-          <ac:chgData name="Rubén González Villanueva" userId="c8c16a74-be0f-439b-9b67-6b666a436255" providerId="ADAL" clId="{2129604C-F01F-40CD-8BD8-E7558B492AD4}" dt="2019-11-01T17:58:25.667" v="6" actId="26606"/>
-          <ac:spMkLst>
-            <pc:docMk/>
-            <pc:sldMk cId="405230702" sldId="257"/>
-            <ac:spMk id="14" creationId="{EE15E636-2C9E-42CB-B482-436AA81BF93B}"/>
-          </ac:spMkLst>
-        </pc:spChg>
-        <pc:spChg chg="add del">
-          <ac:chgData name="Rubén González Villanueva" userId="c8c16a74-be0f-439b-9b67-6b666a436255" providerId="ADAL" clId="{2129604C-F01F-40CD-8BD8-E7558B492AD4}" dt="2019-11-01T18:06:11.320" v="80" actId="26606"/>
-          <ac:spMkLst>
-            <pc:docMk/>
-            <pc:sldMk cId="405230702" sldId="257"/>
-            <ac:spMk id="15" creationId="{919797D5-5700-4683-B30A-5B4D56CB8270}"/>
-          </ac:spMkLst>
-        </pc:spChg>
-        <pc:spChg chg="add del">
-          <ac:chgData name="Rubén González Villanueva" userId="c8c16a74-be0f-439b-9b67-6b666a436255" providerId="ADAL" clId="{2129604C-F01F-40CD-8BD8-E7558B492AD4}" dt="2019-11-01T18:06:11.320" v="80" actId="26606"/>
-          <ac:spMkLst>
-            <pc:docMk/>
-            <pc:sldMk cId="405230702" sldId="257"/>
-            <ac:spMk id="17" creationId="{4856A7B9-9801-42EC-A4C9-7E22A56EF53D}"/>
-          </ac:spMkLst>
-        </pc:spChg>
-        <pc:spChg chg="add del">
-          <ac:chgData name="Rubén González Villanueva" userId="c8c16a74-be0f-439b-9b67-6b666a436255" providerId="ADAL" clId="{2129604C-F01F-40CD-8BD8-E7558B492AD4}" dt="2019-11-01T18:06:11.320" v="80" actId="26606"/>
-          <ac:spMkLst>
-            <pc:docMk/>
-            <pc:sldMk cId="405230702" sldId="257"/>
-            <ac:spMk id="19" creationId="{A8D10092-A860-4EFB-963F-A14DA3648858}"/>
-          </ac:spMkLst>
-        </pc:spChg>
-        <pc:spChg chg="add del">
-          <ac:chgData name="Rubén González Villanueva" userId="c8c16a74-be0f-439b-9b67-6b666a436255" providerId="ADAL" clId="{2129604C-F01F-40CD-8BD8-E7558B492AD4}" dt="2019-11-01T18:06:11.320" v="80" actId="26606"/>
-          <ac:spMkLst>
-            <pc:docMk/>
-            <pc:sldMk cId="405230702" sldId="257"/>
-            <ac:spMk id="21" creationId="{BABD8CBF-1782-456F-AF12-36CD021CCCF6}"/>
-          </ac:spMkLst>
-        </pc:spChg>
-        <pc:spChg chg="add del">
-          <ac:chgData name="Rubén González Villanueva" userId="c8c16a74-be0f-439b-9b67-6b666a436255" providerId="ADAL" clId="{2129604C-F01F-40CD-8BD8-E7558B492AD4}" dt="2019-11-01T18:06:11.320" v="80" actId="26606"/>
-          <ac:spMkLst>
-            <pc:docMk/>
-            <pc:sldMk cId="405230702" sldId="257"/>
-            <ac:spMk id="23" creationId="{18A186C0-DD3C-4FF4-B165-943244CBD116}"/>
-          </ac:spMkLst>
-        </pc:spChg>
-        <pc:spChg chg="add del">
-          <ac:chgData name="Rubén González Villanueva" userId="c8c16a74-be0f-439b-9b67-6b666a436255" providerId="ADAL" clId="{2129604C-F01F-40CD-8BD8-E7558B492AD4}" dt="2019-11-01T18:06:09.528" v="77" actId="26606"/>
-          <ac:spMkLst>
-            <pc:docMk/>
-            <pc:sldMk cId="405230702" sldId="257"/>
-            <ac:spMk id="33" creationId="{A078A52F-85EA-4C0B-962B-D9D9DD4DD78C}"/>
-          </ac:spMkLst>
-        </pc:spChg>
-        <pc:spChg chg="add del">
-          <ac:chgData name="Rubén González Villanueva" userId="c8c16a74-be0f-439b-9b67-6b666a436255" providerId="ADAL" clId="{2129604C-F01F-40CD-8BD8-E7558B492AD4}" dt="2019-11-01T18:06:09.528" v="77" actId="26606"/>
-          <ac:spMkLst>
-            <pc:docMk/>
-            <pc:sldMk cId="405230702" sldId="257"/>
-            <ac:spMk id="35" creationId="{919797D5-5700-4683-B30A-5B4D56CB8270}"/>
-          </ac:spMkLst>
-        </pc:spChg>
-        <pc:spChg chg="add del">
-          <ac:chgData name="Rubén González Villanueva" userId="c8c16a74-be0f-439b-9b67-6b666a436255" providerId="ADAL" clId="{2129604C-F01F-40CD-8BD8-E7558B492AD4}" dt="2019-11-01T18:06:09.528" v="77" actId="26606"/>
-          <ac:spMkLst>
-            <pc:docMk/>
-            <pc:sldMk cId="405230702" sldId="257"/>
-            <ac:spMk id="37" creationId="{4856A7B9-9801-42EC-A4C9-7E22A56EF53D}"/>
-          </ac:spMkLst>
-        </pc:spChg>
-        <pc:spChg chg="add del">
-          <ac:chgData name="Rubén González Villanueva" userId="c8c16a74-be0f-439b-9b67-6b666a436255" providerId="ADAL" clId="{2129604C-F01F-40CD-8BD8-E7558B492AD4}" dt="2019-11-01T18:06:09.528" v="77" actId="26606"/>
-          <ac:spMkLst>
-            <pc:docMk/>
-            <pc:sldMk cId="405230702" sldId="257"/>
-            <ac:spMk id="39" creationId="{A8D10092-A860-4EFB-963F-A14DA3648858}"/>
-          </ac:spMkLst>
-        </pc:spChg>
-        <pc:spChg chg="add del">
-          <ac:chgData name="Rubén González Villanueva" userId="c8c16a74-be0f-439b-9b67-6b666a436255" providerId="ADAL" clId="{2129604C-F01F-40CD-8BD8-E7558B492AD4}" dt="2019-11-01T18:06:09.528" v="77" actId="26606"/>
-          <ac:spMkLst>
-            <pc:docMk/>
-            <pc:sldMk cId="405230702" sldId="257"/>
-            <ac:spMk id="41" creationId="{4AE9D071-98CF-435C-BD2B-976514544DC5}"/>
-          </ac:spMkLst>
-        </pc:spChg>
-        <pc:spChg chg="add del">
-          <ac:chgData name="Rubén González Villanueva" userId="c8c16a74-be0f-439b-9b67-6b666a436255" providerId="ADAL" clId="{2129604C-F01F-40CD-8BD8-E7558B492AD4}" dt="2019-11-01T18:06:11.286" v="79" actId="26606"/>
-          <ac:spMkLst>
-            <pc:docMk/>
-            <pc:sldMk cId="405230702" sldId="257"/>
-            <ac:spMk id="48" creationId="{A078A52F-85EA-4C0B-962B-D9D9DD4DD78C}"/>
-          </ac:spMkLst>
-        </pc:spChg>
-        <pc:spChg chg="add del">
-          <ac:chgData name="Rubén González Villanueva" userId="c8c16a74-be0f-439b-9b67-6b666a436255" providerId="ADAL" clId="{2129604C-F01F-40CD-8BD8-E7558B492AD4}" dt="2019-11-01T18:06:11.286" v="79" actId="26606"/>
-          <ac:spMkLst>
-            <pc:docMk/>
-            <pc:sldMk cId="405230702" sldId="257"/>
-            <ac:spMk id="49" creationId="{919797D5-5700-4683-B30A-5B4D56CB8270}"/>
-          </ac:spMkLst>
-        </pc:spChg>
-        <pc:spChg chg="add del">
-          <ac:chgData name="Rubén González Villanueva" userId="c8c16a74-be0f-439b-9b67-6b666a436255" providerId="ADAL" clId="{2129604C-F01F-40CD-8BD8-E7558B492AD4}" dt="2019-11-01T18:06:11.286" v="79" actId="26606"/>
-          <ac:spMkLst>
-            <pc:docMk/>
-            <pc:sldMk cId="405230702" sldId="257"/>
-            <ac:spMk id="50" creationId="{4856A7B9-9801-42EC-A4C9-7E22A56EF53D}"/>
-          </ac:spMkLst>
-        </pc:spChg>
-        <pc:spChg chg="add del">
-          <ac:chgData name="Rubén González Villanueva" userId="c8c16a74-be0f-439b-9b67-6b666a436255" providerId="ADAL" clId="{2129604C-F01F-40CD-8BD8-E7558B492AD4}" dt="2019-11-01T18:06:11.286" v="79" actId="26606"/>
-          <ac:spMkLst>
-            <pc:docMk/>
-            <pc:sldMk cId="405230702" sldId="257"/>
-            <ac:spMk id="51" creationId="{A8D10092-A860-4EFB-963F-A14DA3648858}"/>
-          </ac:spMkLst>
-        </pc:spChg>
-        <pc:spChg chg="add del">
-          <ac:chgData name="Rubén González Villanueva" userId="c8c16a74-be0f-439b-9b67-6b666a436255" providerId="ADAL" clId="{2129604C-F01F-40CD-8BD8-E7558B492AD4}" dt="2019-11-01T18:06:11.286" v="79" actId="26606"/>
-          <ac:spMkLst>
-            <pc:docMk/>
-            <pc:sldMk cId="405230702" sldId="257"/>
-            <ac:spMk id="52" creationId="{5FFDA8B7-D418-45DE-8976-038DCE51654C}"/>
-          </ac:spMkLst>
-        </pc:spChg>
-        <pc:spChg chg="add del">
-          <ac:chgData name="Rubén González Villanueva" userId="c8c16a74-be0f-439b-9b67-6b666a436255" providerId="ADAL" clId="{2129604C-F01F-40CD-8BD8-E7558B492AD4}" dt="2019-11-01T18:16:41.232" v="254"/>
-          <ac:spMkLst>
-            <pc:docMk/>
-            <pc:sldMk cId="405230702" sldId="257"/>
-            <ac:spMk id="55" creationId="{A078A52F-85EA-4C0B-962B-D9D9DD4DD78C}"/>
-          </ac:spMkLst>
-        </pc:spChg>
-        <pc:spChg chg="add del">
-          <ac:chgData name="Rubén González Villanueva" userId="c8c16a74-be0f-439b-9b67-6b666a436255" providerId="ADAL" clId="{2129604C-F01F-40CD-8BD8-E7558B492AD4}" dt="2019-11-01T18:16:41.232" v="254"/>
-          <ac:spMkLst>
-            <pc:docMk/>
-            <pc:sldMk cId="405230702" sldId="257"/>
-            <ac:spMk id="56" creationId="{919797D5-5700-4683-B30A-5B4D56CB8270}"/>
-          </ac:spMkLst>
-        </pc:spChg>
-        <pc:spChg chg="add del">
-          <ac:chgData name="Rubén González Villanueva" userId="c8c16a74-be0f-439b-9b67-6b666a436255" providerId="ADAL" clId="{2129604C-F01F-40CD-8BD8-E7558B492AD4}" dt="2019-11-01T18:16:41.232" v="254"/>
-          <ac:spMkLst>
-            <pc:docMk/>
-            <pc:sldMk cId="405230702" sldId="257"/>
-            <ac:spMk id="57" creationId="{4856A7B9-9801-42EC-A4C9-7E22A56EF53D}"/>
-          </ac:spMkLst>
-        </pc:spChg>
-        <pc:spChg chg="add del">
-          <ac:chgData name="Rubén González Villanueva" userId="c8c16a74-be0f-439b-9b67-6b666a436255" providerId="ADAL" clId="{2129604C-F01F-40CD-8BD8-E7558B492AD4}" dt="2019-11-01T18:16:41.232" v="254"/>
-          <ac:spMkLst>
-            <pc:docMk/>
-            <pc:sldMk cId="405230702" sldId="257"/>
-            <ac:spMk id="58" creationId="{A8D10092-A860-4EFB-963F-A14DA3648858}"/>
-          </ac:spMkLst>
-        </pc:spChg>
-        <pc:spChg chg="add del">
-          <ac:chgData name="Rubén González Villanueva" userId="c8c16a74-be0f-439b-9b67-6b666a436255" providerId="ADAL" clId="{2129604C-F01F-40CD-8BD8-E7558B492AD4}" dt="2019-11-01T18:16:41.232" v="254"/>
-          <ac:spMkLst>
-            <pc:docMk/>
-            <pc:sldMk cId="405230702" sldId="257"/>
-            <ac:spMk id="59" creationId="{4AE9D071-98CF-435C-BD2B-976514544DC5}"/>
-          </ac:spMkLst>
-        </pc:spChg>
-        <pc:spChg chg="add">
-          <ac:chgData name="Rubén González Villanueva" userId="c8c16a74-be0f-439b-9b67-6b666a436255" providerId="ADAL" clId="{2129604C-F01F-40CD-8BD8-E7558B492AD4}" dt="2019-11-01T18:16:45.664" v="256" actId="26606"/>
-          <ac:spMkLst>
-            <pc:docMk/>
-            <pc:sldMk cId="405230702" sldId="257"/>
-            <ac:spMk id="66" creationId="{4AE9D071-98CF-435C-BD2B-976514544DC5}"/>
-          </ac:spMkLst>
-        </pc:spChg>
-        <pc:grpChg chg="add del">
-          <ac:chgData name="Rubén González Villanueva" userId="c8c16a74-be0f-439b-9b67-6b666a436255" providerId="ADAL" clId="{2129604C-F01F-40CD-8BD8-E7558B492AD4}" dt="2019-11-01T17:58:25.667" v="6" actId="26606"/>
-          <ac:grpSpMkLst>
-            <pc:docMk/>
-            <pc:sldMk cId="405230702" sldId="257"/>
-            <ac:grpSpMk id="16" creationId="{01D4AEDF-0CF9-4271-ABB7-3D3489BB42D0}"/>
-          </ac:grpSpMkLst>
-        </pc:grpChg>
-        <pc:grpChg chg="add del">
-          <ac:chgData name="Rubén González Villanueva" userId="c8c16a74-be0f-439b-9b67-6b666a436255" providerId="ADAL" clId="{2129604C-F01F-40CD-8BD8-E7558B492AD4}" dt="2019-11-01T18:06:11.320" v="80" actId="26606"/>
-          <ac:grpSpMkLst>
-            <pc:docMk/>
-            <pc:sldMk cId="405230702" sldId="257"/>
-            <ac:grpSpMk id="25" creationId="{7E6B15A5-F4B5-4786-934F-E57C7FA30298}"/>
-          </ac:grpSpMkLst>
-        </pc:grpChg>
-        <pc:grpChg chg="add del">
-          <ac:chgData name="Rubén González Villanueva" userId="c8c16a74-be0f-439b-9b67-6b666a436255" providerId="ADAL" clId="{2129604C-F01F-40CD-8BD8-E7558B492AD4}" dt="2019-11-01T18:06:09.528" v="77" actId="26606"/>
-          <ac:grpSpMkLst>
-            <pc:docMk/>
-            <pc:sldMk cId="405230702" sldId="257"/>
-            <ac:grpSpMk id="43" creationId="{D619FC33-16ED-4246-9596-BEFEB55E4CF6}"/>
-          </ac:grpSpMkLst>
-        </pc:grpChg>
-        <pc:grpChg chg="add del">
-          <ac:chgData name="Rubén González Villanueva" userId="c8c16a74-be0f-439b-9b67-6b666a436255" providerId="ADAL" clId="{2129604C-F01F-40CD-8BD8-E7558B492AD4}" dt="2019-11-01T18:06:11.286" v="79" actId="26606"/>
-          <ac:grpSpMkLst>
-            <pc:docMk/>
-            <pc:sldMk cId="405230702" sldId="257"/>
-            <ac:grpSpMk id="53" creationId="{4B0B5642-77FE-45F3-BA88-6E83123BD28F}"/>
-          </ac:grpSpMkLst>
-        </pc:grpChg>
-        <pc:grpChg chg="add del">
-          <ac:chgData name="Rubén González Villanueva" userId="c8c16a74-be0f-439b-9b67-6b666a436255" providerId="ADAL" clId="{2129604C-F01F-40CD-8BD8-E7558B492AD4}" dt="2019-11-01T18:16:41.232" v="254"/>
-          <ac:grpSpMkLst>
-            <pc:docMk/>
-            <pc:sldMk cId="405230702" sldId="257"/>
-            <ac:grpSpMk id="60" creationId="{D619FC33-16ED-4246-9596-BEFEB55E4CF6}"/>
-          </ac:grpSpMkLst>
-        </pc:grpChg>
-        <pc:grpChg chg="add">
-          <ac:chgData name="Rubén González Villanueva" userId="c8c16a74-be0f-439b-9b67-6b666a436255" providerId="ADAL" clId="{2129604C-F01F-40CD-8BD8-E7558B492AD4}" dt="2019-11-01T18:16:45.664" v="256" actId="26606"/>
-          <ac:grpSpMkLst>
-            <pc:docMk/>
-            <pc:sldMk cId="405230702" sldId="257"/>
-            <ac:grpSpMk id="68" creationId="{D619FC33-16ED-4246-9596-BEFEB55E4CF6}"/>
-          </ac:grpSpMkLst>
-        </pc:grpChg>
-        <pc:picChg chg="del mod">
-          <ac:chgData name="Rubén González Villanueva" userId="c8c16a74-be0f-439b-9b67-6b666a436255" providerId="ADAL" clId="{2129604C-F01F-40CD-8BD8-E7558B492AD4}" dt="2019-11-01T18:12:17.629" v="179" actId="478"/>
-          <ac:picMkLst>
-            <pc:docMk/>
-            <pc:sldMk cId="405230702" sldId="257"/>
-            <ac:picMk id="7" creationId="{C96961FD-7768-4B3C-B656-5FE33C6FC340}"/>
-          </ac:picMkLst>
-        </pc:picChg>
-        <pc:picChg chg="add del">
-          <ac:chgData name="Rubén González Villanueva" userId="c8c16a74-be0f-439b-9b67-6b666a436255" providerId="ADAL" clId="{2129604C-F01F-40CD-8BD8-E7558B492AD4}" dt="2019-11-01T18:16:15.671" v="247" actId="478"/>
-          <ac:picMkLst>
-            <pc:docMk/>
-            <pc:sldMk cId="405230702" sldId="257"/>
-            <ac:picMk id="47" creationId="{7AA3CF8D-B84A-4228-B903-20553B2A999C}"/>
-          </ac:picMkLst>
-        </pc:picChg>
-        <pc:picChg chg="add del">
-          <ac:chgData name="Rubén González Villanueva" userId="c8c16a74-be0f-439b-9b67-6b666a436255" providerId="ADAL" clId="{2129604C-F01F-40CD-8BD8-E7558B492AD4}" dt="2019-11-01T18:16:13.588" v="246"/>
-          <ac:picMkLst>
-            <pc:docMk/>
-            <pc:sldMk cId="405230702" sldId="257"/>
-            <ac:picMk id="54" creationId="{5FDD1E64-46C5-4B52-B0AD-88A7558F5FF4}"/>
-          </ac:picMkLst>
-        </pc:picChg>
-        <pc:picChg chg="add mod ord">
-          <ac:chgData name="Rubén González Villanueva" userId="c8c16a74-be0f-439b-9b67-6b666a436255" providerId="ADAL" clId="{2129604C-F01F-40CD-8BD8-E7558B492AD4}" dt="2019-11-01T18:16:45.664" v="256" actId="26606"/>
-          <ac:picMkLst>
-            <pc:docMk/>
-            <pc:sldMk cId="405230702" sldId="257"/>
-            <ac:picMk id="61" creationId="{052FCFAE-1A38-436C-85A0-2F4259F4281A}"/>
-          </ac:picMkLst>
-        </pc:picChg>
-      </pc:sldChg>
-      <pc:sldChg chg="addSp delSp modSp add modTransition">
-        <pc:chgData name="Rubén González Villanueva" userId="c8c16a74-be0f-439b-9b67-6b666a436255" providerId="ADAL" clId="{2129604C-F01F-40CD-8BD8-E7558B492AD4}" dt="2019-11-01T18:16:57.698" v="262" actId="1076"/>
-        <pc:sldMkLst>
-          <pc:docMk/>
-          <pc:sldMk cId="4006534359" sldId="258"/>
-        </pc:sldMkLst>
-        <pc:spChg chg="mod">
-          <ac:chgData name="Rubén González Villanueva" userId="c8c16a74-be0f-439b-9b67-6b666a436255" providerId="ADAL" clId="{2129604C-F01F-40CD-8BD8-E7558B492AD4}" dt="2019-11-01T18:04:27.958" v="72" actId="20577"/>
-          <ac:spMkLst>
-            <pc:docMk/>
-            <pc:sldMk cId="4006534359" sldId="258"/>
-            <ac:spMk id="2" creationId="{95AF7728-5CDB-45BD-94F9-C8062FF60583}"/>
-          </ac:spMkLst>
-        </pc:spChg>
-        <pc:spChg chg="add del mod">
-          <ac:chgData name="Rubén González Villanueva" userId="c8c16a74-be0f-439b-9b67-6b666a436255" providerId="ADAL" clId="{2129604C-F01F-40CD-8BD8-E7558B492AD4}" dt="2019-11-01T18:08:41.769" v="141" actId="27636"/>
-          <ac:spMkLst>
-            <pc:docMk/>
-            <pc:sldMk cId="4006534359" sldId="258"/>
-            <ac:spMk id="3" creationId="{CACE088F-D1B1-498E-941F-DEB7C7104F69}"/>
-          </ac:spMkLst>
-        </pc:spChg>
-        <pc:spChg chg="mod">
-          <ac:chgData name="Rubén González Villanueva" userId="c8c16a74-be0f-439b-9b67-6b666a436255" providerId="ADAL" clId="{2129604C-F01F-40CD-8BD8-E7558B492AD4}" dt="2019-11-01T18:08:41.772" v="142" actId="27636"/>
-          <ac:spMkLst>
-            <pc:docMk/>
-            <pc:sldMk cId="4006534359" sldId="258"/>
-            <ac:spMk id="4" creationId="{3CD0E60B-8AB2-4C81-88B9-741CB5CAD2C5}"/>
-          </ac:spMkLst>
-        </pc:spChg>
-        <pc:spChg chg="add mod">
-          <ac:chgData name="Rubén González Villanueva" userId="c8c16a74-be0f-439b-9b67-6b666a436255" providerId="ADAL" clId="{2129604C-F01F-40CD-8BD8-E7558B492AD4}" dt="2019-11-01T18:08:35.446" v="136" actId="20577"/>
-          <ac:spMkLst>
-            <pc:docMk/>
-            <pc:sldMk cId="4006534359" sldId="258"/>
-            <ac:spMk id="6" creationId="{794D0E0A-99FC-4A0F-9B7C-92915C73F626}"/>
-          </ac:spMkLst>
-        </pc:spChg>
-        <pc:spChg chg="add mod">
-          <ac:chgData name="Rubén González Villanueva" userId="c8c16a74-be0f-439b-9b67-6b666a436255" providerId="ADAL" clId="{2129604C-F01F-40CD-8BD8-E7558B492AD4}" dt="2019-11-01T18:08:43.639" v="144" actId="20577"/>
-          <ac:spMkLst>
-            <pc:docMk/>
-            <pc:sldMk cId="4006534359" sldId="258"/>
-            <ac:spMk id="7" creationId="{3CF58345-CE78-4205-A8ED-DEFFAAB5BA0A}"/>
-          </ac:spMkLst>
-        </pc:spChg>
-        <pc:picChg chg="add del">
-          <ac:chgData name="Rubén González Villanueva" userId="c8c16a74-be0f-439b-9b67-6b666a436255" providerId="ADAL" clId="{2129604C-F01F-40CD-8BD8-E7558B492AD4}" dt="2019-11-01T18:06:37.812" v="82"/>
-          <ac:picMkLst>
-            <pc:docMk/>
-            <pc:sldMk cId="4006534359" sldId="258"/>
-            <ac:picMk id="5" creationId="{AAFC23C4-12D6-49FE-84E2-B9929C1B55B9}"/>
-          </ac:picMkLst>
-        </pc:picChg>
-        <pc:picChg chg="add del mod">
-          <ac:chgData name="Rubén González Villanueva" userId="c8c16a74-be0f-439b-9b67-6b666a436255" providerId="ADAL" clId="{2129604C-F01F-40CD-8BD8-E7558B492AD4}" dt="2019-11-01T18:16:51.235" v="257" actId="478"/>
-          <ac:picMkLst>
-            <pc:docMk/>
-            <pc:sldMk cId="4006534359" sldId="258"/>
-            <ac:picMk id="8" creationId="{91390A97-73A7-4F93-8D22-BD1434D9DC26}"/>
-          </ac:picMkLst>
-        </pc:picChg>
-        <pc:picChg chg="add mod">
-          <ac:chgData name="Rubén González Villanueva" userId="c8c16a74-be0f-439b-9b67-6b666a436255" providerId="ADAL" clId="{2129604C-F01F-40CD-8BD8-E7558B492AD4}" dt="2019-11-01T18:16:57.698" v="262" actId="1076"/>
-          <ac:picMkLst>
-            <pc:docMk/>
-            <pc:sldMk cId="4006534359" sldId="258"/>
-            <ac:picMk id="9" creationId="{FA69D7F2-F553-423E-9C42-65D164A2303C}"/>
-          </ac:picMkLst>
-        </pc:picChg>
-      </pc:sldChg>
-      <pc:sldChg chg="addSp delSp modSp add modTransition">
-        <pc:chgData name="Rubén González Villanueva" userId="c8c16a74-be0f-439b-9b67-6b666a436255" providerId="ADAL" clId="{2129604C-F01F-40CD-8BD8-E7558B492AD4}" dt="2019-11-01T18:22:57.937" v="430" actId="27636"/>
-        <pc:sldMkLst>
-          <pc:docMk/>
-          <pc:sldMk cId="2183553396" sldId="259"/>
-        </pc:sldMkLst>
-        <pc:spChg chg="del">
-          <ac:chgData name="Rubén González Villanueva" userId="c8c16a74-be0f-439b-9b67-6b666a436255" providerId="ADAL" clId="{2129604C-F01F-40CD-8BD8-E7558B492AD4}" dt="2019-11-01T18:15:55.050" v="233"/>
-          <ac:spMkLst>
-            <pc:docMk/>
-            <pc:sldMk cId="2183553396" sldId="259"/>
-            <ac:spMk id="2" creationId="{169B8E74-6DD6-4B9F-BA1D-8DA139D1DCA8}"/>
-          </ac:spMkLst>
-        </pc:spChg>
-        <pc:spChg chg="del">
-          <ac:chgData name="Rubén González Villanueva" userId="c8c16a74-be0f-439b-9b67-6b666a436255" providerId="ADAL" clId="{2129604C-F01F-40CD-8BD8-E7558B492AD4}" dt="2019-11-01T18:15:55.050" v="233"/>
-          <ac:spMkLst>
-            <pc:docMk/>
-            <pc:sldMk cId="2183553396" sldId="259"/>
-            <ac:spMk id="3" creationId="{3C3DD84D-BE5F-4F6A-B44F-16748F5DE40B}"/>
-          </ac:spMkLst>
-        </pc:spChg>
-        <pc:spChg chg="del">
-          <ac:chgData name="Rubén González Villanueva" userId="c8c16a74-be0f-439b-9b67-6b666a436255" providerId="ADAL" clId="{2129604C-F01F-40CD-8BD8-E7558B492AD4}" dt="2019-11-01T18:15:55.050" v="233"/>
-          <ac:spMkLst>
-            <pc:docMk/>
-            <pc:sldMk cId="2183553396" sldId="259"/>
-            <ac:spMk id="4" creationId="{45E2BF4A-1255-4773-8DB0-6ABCAFF2AC46}"/>
-          </ac:spMkLst>
-        </pc:spChg>
-        <pc:spChg chg="del">
-          <ac:chgData name="Rubén González Villanueva" userId="c8c16a74-be0f-439b-9b67-6b666a436255" providerId="ADAL" clId="{2129604C-F01F-40CD-8BD8-E7558B492AD4}" dt="2019-11-01T18:15:55.050" v="233"/>
-          <ac:spMkLst>
-            <pc:docMk/>
-            <pc:sldMk cId="2183553396" sldId="259"/>
-            <ac:spMk id="5" creationId="{5AE523E7-DED7-46D9-A64E-0E537DB583BC}"/>
-          </ac:spMkLst>
-        </pc:spChg>
-        <pc:spChg chg="del">
-          <ac:chgData name="Rubén González Villanueva" userId="c8c16a74-be0f-439b-9b67-6b666a436255" providerId="ADAL" clId="{2129604C-F01F-40CD-8BD8-E7558B492AD4}" dt="2019-11-01T18:15:55.050" v="233"/>
-          <ac:spMkLst>
-            <pc:docMk/>
-            <pc:sldMk cId="2183553396" sldId="259"/>
-            <ac:spMk id="6" creationId="{2D47DCEE-1E3E-4914-B946-054C22862C82}"/>
-          </ac:spMkLst>
-        </pc:spChg>
-        <pc:spChg chg="add mod">
-          <ac:chgData name="Rubén González Villanueva" userId="c8c16a74-be0f-439b-9b67-6b666a436255" providerId="ADAL" clId="{2129604C-F01F-40CD-8BD8-E7558B492AD4}" dt="2019-11-01T18:16:01.749" v="243" actId="20577"/>
-          <ac:spMkLst>
-            <pc:docMk/>
-            <pc:sldMk cId="2183553396" sldId="259"/>
-            <ac:spMk id="7" creationId="{7A63CBD4-BF79-47E1-927B-F35FC3B78E17}"/>
-          </ac:spMkLst>
-        </pc:spChg>
-        <pc:spChg chg="add del mod">
-          <ac:chgData name="Rubén González Villanueva" userId="c8c16a74-be0f-439b-9b67-6b666a436255" providerId="ADAL" clId="{2129604C-F01F-40CD-8BD8-E7558B492AD4}" dt="2019-11-01T18:16:05.979" v="244" actId="478"/>
-          <ac:spMkLst>
-            <pc:docMk/>
-            <pc:sldMk cId="2183553396" sldId="259"/>
-            <ac:spMk id="8" creationId="{580C37CA-C9A4-4B1F-92E0-1DB0222050D6}"/>
-          </ac:spMkLst>
-        </pc:spChg>
-        <pc:spChg chg="add del mod">
-          <ac:chgData name="Rubén González Villanueva" userId="c8c16a74-be0f-439b-9b67-6b666a436255" providerId="ADAL" clId="{2129604C-F01F-40CD-8BD8-E7558B492AD4}" dt="2019-11-01T18:22:51.605" v="426"/>
-          <ac:spMkLst>
-            <pc:docMk/>
-            <pc:sldMk cId="2183553396" sldId="259"/>
-            <ac:spMk id="10" creationId="{0407B1D5-9705-422D-87F2-29F232A3AAFE}"/>
-          </ac:spMkLst>
-        </pc:spChg>
-        <pc:spChg chg="add mod">
-          <ac:chgData name="Rubén González Villanueva" userId="c8c16a74-be0f-439b-9b67-6b666a436255" providerId="ADAL" clId="{2129604C-F01F-40CD-8BD8-E7558B492AD4}" dt="2019-11-01T18:22:57.937" v="430" actId="27636"/>
-          <ac:spMkLst>
-            <pc:docMk/>
-            <pc:sldMk cId="2183553396" sldId="259"/>
-            <ac:spMk id="11" creationId="{AA36E30A-A112-48F5-B417-C6CD0FB4093F}"/>
-          </ac:spMkLst>
-        </pc:spChg>
-        <pc:spChg chg="add mod">
-          <ac:chgData name="Rubén González Villanueva" userId="c8c16a74-be0f-439b-9b67-6b666a436255" providerId="ADAL" clId="{2129604C-F01F-40CD-8BD8-E7558B492AD4}" dt="2019-11-01T18:22:57.835" v="429"/>
-          <ac:spMkLst>
-            <pc:docMk/>
-            <pc:sldMk cId="2183553396" sldId="259"/>
-            <ac:spMk id="12" creationId="{7AA28FEA-A436-4D31-B02C-504862B03FCB}"/>
-          </ac:spMkLst>
-        </pc:spChg>
-        <pc:picChg chg="add mod">
-          <ac:chgData name="Rubén González Villanueva" userId="c8c16a74-be0f-439b-9b67-6b666a436255" providerId="ADAL" clId="{2129604C-F01F-40CD-8BD8-E7558B492AD4}" dt="2019-11-01T18:21:54.595" v="422" actId="1076"/>
-          <ac:picMkLst>
-            <pc:docMk/>
-            <pc:sldMk cId="2183553396" sldId="259"/>
-            <ac:picMk id="9" creationId="{D8B0F239-9FF8-47DA-BE11-452A081BBFA2}"/>
-          </ac:picMkLst>
-        </pc:picChg>
-      </pc:sldChg>
-      <pc:sldChg chg="addSp delSp modSp add modTransition">
-        <pc:chgData name="Rubén González Villanueva" userId="c8c16a74-be0f-439b-9b67-6b666a436255" providerId="ADAL" clId="{2129604C-F01F-40CD-8BD8-E7558B492AD4}" dt="2019-11-01T18:22:04.171" v="424"/>
-        <pc:sldMkLst>
-          <pc:docMk/>
-          <pc:sldMk cId="925306443" sldId="261"/>
-        </pc:sldMkLst>
-        <pc:spChg chg="del">
-          <ac:chgData name="Rubén González Villanueva" userId="c8c16a74-be0f-439b-9b67-6b666a436255" providerId="ADAL" clId="{2129604C-F01F-40CD-8BD8-E7558B492AD4}" dt="2019-11-01T18:18:15.332" v="281"/>
-          <ac:spMkLst>
-            <pc:docMk/>
-            <pc:sldMk cId="925306443" sldId="261"/>
-            <ac:spMk id="2" creationId="{F3E0BB72-CB93-4B93-B62D-EA34AFCCA7A7}"/>
-          </ac:spMkLst>
-        </pc:spChg>
-        <pc:spChg chg="del">
-          <ac:chgData name="Rubén González Villanueva" userId="c8c16a74-be0f-439b-9b67-6b666a436255" providerId="ADAL" clId="{2129604C-F01F-40CD-8BD8-E7558B492AD4}" dt="2019-11-01T18:18:15.332" v="281"/>
-          <ac:spMkLst>
-            <pc:docMk/>
-            <pc:sldMk cId="925306443" sldId="261"/>
-            <ac:spMk id="3" creationId="{8FB14324-8CC8-4D83-9F89-DE440C8C71E2}"/>
-          </ac:spMkLst>
-        </pc:spChg>
-        <pc:spChg chg="add del mod">
-          <ac:chgData name="Rubén González Villanueva" userId="c8c16a74-be0f-439b-9b67-6b666a436255" providerId="ADAL" clId="{2129604C-F01F-40CD-8BD8-E7558B492AD4}" dt="2019-11-01T18:19:47.270" v="325"/>
-          <ac:spMkLst>
-            <pc:docMk/>
-            <pc:sldMk cId="925306443" sldId="261"/>
-            <ac:spMk id="4" creationId="{1AE6707E-6B6E-47D1-A74C-92A278704106}"/>
-          </ac:spMkLst>
-        </pc:spChg>
-        <pc:spChg chg="add del mod">
-          <ac:chgData name="Rubén González Villanueva" userId="c8c16a74-be0f-439b-9b67-6b666a436255" providerId="ADAL" clId="{2129604C-F01F-40CD-8BD8-E7558B492AD4}" dt="2019-11-01T18:20:10.031" v="355" actId="478"/>
-          <ac:spMkLst>
-            <pc:docMk/>
-            <pc:sldMk cId="925306443" sldId="261"/>
-            <ac:spMk id="5" creationId="{98D2E9CF-BF9D-4170-A2AB-5D67D61B99FA}"/>
-          </ac:spMkLst>
-        </pc:spChg>
-        <pc:spChg chg="add mod">
-          <ac:chgData name="Rubén González Villanueva" userId="c8c16a74-be0f-439b-9b67-6b666a436255" providerId="ADAL" clId="{2129604C-F01F-40CD-8BD8-E7558B492AD4}" dt="2019-11-01T18:21:25.075" v="415" actId="14100"/>
-          <ac:spMkLst>
-            <pc:docMk/>
-            <pc:sldMk cId="925306443" sldId="261"/>
-            <ac:spMk id="6" creationId="{3D1994B9-EC4C-48B0-9517-4FB987929E6D}"/>
-          </ac:spMkLst>
-        </pc:spChg>
-        <pc:spChg chg="add del mod">
-          <ac:chgData name="Rubén González Villanueva" userId="c8c16a74-be0f-439b-9b67-6b666a436255" providerId="ADAL" clId="{2129604C-F01F-40CD-8BD8-E7558B492AD4}" dt="2019-11-01T18:20:12.938" v="357" actId="478"/>
-          <ac:spMkLst>
-            <pc:docMk/>
-            <pc:sldMk cId="925306443" sldId="261"/>
-            <ac:spMk id="7" creationId="{0A47D344-4D6F-42C8-9297-D9983EF0DC47}"/>
-          </ac:spMkLst>
-        </pc:spChg>
-        <pc:spChg chg="add mod">
-          <ac:chgData name="Rubén González Villanueva" userId="c8c16a74-be0f-439b-9b67-6b666a436255" providerId="ADAL" clId="{2129604C-F01F-40CD-8BD8-E7558B492AD4}" dt="2019-11-01T18:21:29.015" v="416" actId="14100"/>
-          <ac:spMkLst>
-            <pc:docMk/>
-            <pc:sldMk cId="925306443" sldId="261"/>
-            <ac:spMk id="8" creationId="{5B5D8A8C-B81E-4795-A128-7F710114091E}"/>
-          </ac:spMkLst>
-        </pc:spChg>
-        <pc:spChg chg="add del mod">
-          <ac:chgData name="Rubén González Villanueva" userId="c8c16a74-be0f-439b-9b67-6b666a436255" providerId="ADAL" clId="{2129604C-F01F-40CD-8BD8-E7558B492AD4}" dt="2019-11-01T18:19:47.270" v="325"/>
-          <ac:spMkLst>
-            <pc:docMk/>
-            <pc:sldMk cId="925306443" sldId="261"/>
-            <ac:spMk id="9" creationId="{BE66AB64-698B-40FC-9186-07CC9D9F41E2}"/>
-          </ac:spMkLst>
-        </pc:spChg>
-        <pc:spChg chg="add del mod">
-          <ac:chgData name="Rubén González Villanueva" userId="c8c16a74-be0f-439b-9b67-6b666a436255" providerId="ADAL" clId="{2129604C-F01F-40CD-8BD8-E7558B492AD4}" dt="2019-11-01T18:19:47.270" v="325"/>
-          <ac:spMkLst>
-            <pc:docMk/>
-            <pc:sldMk cId="925306443" sldId="261"/>
-            <ac:spMk id="10" creationId="{C15321D7-B87E-477E-873F-79B24936DDA3}"/>
-          </ac:spMkLst>
-        </pc:spChg>
-        <pc:spChg chg="add del mod">
-          <ac:chgData name="Rubén González Villanueva" userId="c8c16a74-be0f-439b-9b67-6b666a436255" providerId="ADAL" clId="{2129604C-F01F-40CD-8BD8-E7558B492AD4}" dt="2019-11-01T18:19:47.270" v="325"/>
-          <ac:spMkLst>
-            <pc:docMk/>
-            <pc:sldMk cId="925306443" sldId="261"/>
-            <ac:spMk id="11" creationId="{518706C4-743C-4899-8CD5-B734FA164D50}"/>
-          </ac:spMkLst>
-        </pc:spChg>
-        <pc:spChg chg="add del mod">
-          <ac:chgData name="Rubén González Villanueva" userId="c8c16a74-be0f-439b-9b67-6b666a436255" providerId="ADAL" clId="{2129604C-F01F-40CD-8BD8-E7558B492AD4}" dt="2019-11-01T18:19:47.270" v="325"/>
-          <ac:spMkLst>
-            <pc:docMk/>
-            <pc:sldMk cId="925306443" sldId="261"/>
-            <ac:spMk id="12" creationId="{71509A6B-2EFB-498F-BAA3-7ED9F6C63510}"/>
-          </ac:spMkLst>
-        </pc:spChg>
-        <pc:spChg chg="add del mod">
-          <ac:chgData name="Rubén González Villanueva" userId="c8c16a74-be0f-439b-9b67-6b666a436255" providerId="ADAL" clId="{2129604C-F01F-40CD-8BD8-E7558B492AD4}" dt="2019-11-01T18:19:51.813" v="326"/>
-          <ac:spMkLst>
-            <pc:docMk/>
-            <pc:sldMk cId="925306443" sldId="261"/>
-            <ac:spMk id="13" creationId="{B21ED0BC-AACD-4F8B-B8DE-8CE0D0DB1948}"/>
-          </ac:spMkLst>
-        </pc:spChg>
-        <pc:spChg chg="add mod">
-          <ac:chgData name="Rubén González Villanueva" userId="c8c16a74-be0f-439b-9b67-6b666a436255" providerId="ADAL" clId="{2129604C-F01F-40CD-8BD8-E7558B492AD4}" dt="2019-11-01T18:20:52.882" v="414" actId="14100"/>
-          <ac:spMkLst>
-            <pc:docMk/>
-            <pc:sldMk cId="925306443" sldId="261"/>
-            <ac:spMk id="14" creationId="{CA42A7FF-1F67-427F-A084-5023863AB68E}"/>
-          </ac:spMkLst>
-        </pc:spChg>
-        <pc:spChg chg="add del mod">
-          <ac:chgData name="Rubén González Villanueva" userId="c8c16a74-be0f-439b-9b67-6b666a436255" providerId="ADAL" clId="{2129604C-F01F-40CD-8BD8-E7558B492AD4}" dt="2019-11-01T18:20:11.453" v="356" actId="478"/>
-          <ac:spMkLst>
-            <pc:docMk/>
-            <pc:sldMk cId="925306443" sldId="261"/>
-            <ac:spMk id="16" creationId="{252E38B0-FF4A-4102-A4CB-744C0B34BD64}"/>
-          </ac:spMkLst>
-        </pc:spChg>
-        <pc:spChg chg="add del mod">
-          <ac:chgData name="Rubén González Villanueva" userId="c8c16a74-be0f-439b-9b67-6b666a436255" providerId="ADAL" clId="{2129604C-F01F-40CD-8BD8-E7558B492AD4}" dt="2019-11-01T18:20:14.306" v="358" actId="478"/>
-          <ac:spMkLst>
-            <pc:docMk/>
-            <pc:sldMk cId="925306443" sldId="261"/>
-            <ac:spMk id="18" creationId="{F76A7474-73B9-4540-B183-851FEDCB7298}"/>
-          </ac:spMkLst>
-        </pc:spChg>
-        <pc:picChg chg="add mod">
-          <ac:chgData name="Rubén González Villanueva" userId="c8c16a74-be0f-439b-9b67-6b666a436255" providerId="ADAL" clId="{2129604C-F01F-40CD-8BD8-E7558B492AD4}" dt="2019-11-01T18:21:50.306" v="420" actId="1076"/>
-          <ac:picMkLst>
-            <pc:docMk/>
-            <pc:sldMk cId="925306443" sldId="261"/>
-            <ac:picMk id="19" creationId="{3D5F8449-5863-43B5-8C99-25B181CD7E3C}"/>
-          </ac:picMkLst>
-        </pc:picChg>
       </pc:sldChg>
     </pc:docChg>
   </pc:docChgLst>
@@ -1773,7 +1773,7 @@
             <a:fld id="{B61BEF0D-F0BB-DE4B-95CE-6DB70DBA9567}" type="datetimeFigureOut">
               <a:rPr lang="en-US" dirty="0"/>
               <a:pPr/>
-              <a:t>11/11/2019</a:t>
+              <a:t>11/12/2019</a:t>
             </a:fld>
             <a:endParaRPr lang="en-US" dirty="0"/>
           </a:p>
@@ -2032,7 +2032,7 @@
             <a:fld id="{B61BEF0D-F0BB-DE4B-95CE-6DB70DBA9567}" type="datetimeFigureOut">
               <a:rPr lang="en-US" dirty="0"/>
               <a:pPr/>
-              <a:t>11/11/2019</a:t>
+              <a:t>11/12/2019</a:t>
             </a:fld>
             <a:endParaRPr lang="en-US" dirty="0"/>
           </a:p>
@@ -2264,7 +2264,7 @@
             <a:fld id="{B61BEF0D-F0BB-DE4B-95CE-6DB70DBA9567}" type="datetimeFigureOut">
               <a:rPr lang="en-US" dirty="0"/>
               <a:pPr/>
-              <a:t>11/11/2019</a:t>
+              <a:t>11/12/2019</a:t>
             </a:fld>
             <a:endParaRPr lang="en-US" dirty="0"/>
           </a:p>
@@ -2501,7 +2501,7 @@
             <a:fld id="{B61BEF0D-F0BB-DE4B-95CE-6DB70DBA9567}" type="datetimeFigureOut">
               <a:rPr lang="en-US" dirty="0"/>
               <a:pPr/>
-              <a:t>11/11/2019</a:t>
+              <a:t>11/12/2019</a:t>
             </a:fld>
             <a:endParaRPr lang="en-US" dirty="0"/>
           </a:p>
@@ -2805,7 +2805,7 @@
             <a:fld id="{B61BEF0D-F0BB-DE4B-95CE-6DB70DBA9567}" type="datetimeFigureOut">
               <a:rPr lang="en-US" dirty="0"/>
               <a:pPr/>
-              <a:t>11/11/2019</a:t>
+              <a:t>11/12/2019</a:t>
             </a:fld>
             <a:endParaRPr lang="en-US" dirty="0"/>
           </a:p>
@@ -3104,7 +3104,7 @@
             <a:fld id="{B61BEF0D-F0BB-DE4B-95CE-6DB70DBA9567}" type="datetimeFigureOut">
               <a:rPr lang="en-US" dirty="0"/>
               <a:pPr/>
-              <a:t>11/11/2019</a:t>
+              <a:t>11/12/2019</a:t>
             </a:fld>
             <a:endParaRPr lang="en-US" dirty="0"/>
           </a:p>
@@ -3523,7 +3523,7 @@
             <a:fld id="{B61BEF0D-F0BB-DE4B-95CE-6DB70DBA9567}" type="datetimeFigureOut">
               <a:rPr lang="en-US" dirty="0"/>
               <a:pPr/>
-              <a:t>11/11/2019</a:t>
+              <a:t>11/12/2019</a:t>
             </a:fld>
             <a:endParaRPr lang="en-US" dirty="0"/>
           </a:p>
@@ -3615,7 +3615,7 @@
             <a:fld id="{B61BEF0D-F0BB-DE4B-95CE-6DB70DBA9567}" type="datetimeFigureOut">
               <a:rPr lang="en-US" dirty="0"/>
               <a:pPr/>
-              <a:t>11/11/2019</a:t>
+              <a:t>11/12/2019</a:t>
             </a:fld>
             <a:endParaRPr lang="en-US" dirty="0"/>
           </a:p>
@@ -3774,7 +3774,7 @@
             <a:fld id="{B61BEF0D-F0BB-DE4B-95CE-6DB70DBA9567}" type="datetimeFigureOut">
               <a:rPr lang="en-US" dirty="0"/>
               <a:pPr/>
-              <a:t>11/11/2019</a:t>
+              <a:t>11/12/2019</a:t>
             </a:fld>
             <a:endParaRPr lang="en-US" dirty="0"/>
           </a:p>
@@ -4149,7 +4149,7 @@
             <a:fld id="{B61BEF0D-F0BB-DE4B-95CE-6DB70DBA9567}" type="datetimeFigureOut">
               <a:rPr lang="en-US" dirty="0"/>
               <a:pPr/>
-              <a:t>11/11/2019</a:t>
+              <a:t>11/12/2019</a:t>
             </a:fld>
             <a:endParaRPr lang="en-US" dirty="0"/>
           </a:p>
@@ -4435,7 +4435,7 @@
             <a:fld id="{B61BEF0D-F0BB-DE4B-95CE-6DB70DBA9567}" type="datetimeFigureOut">
               <a:rPr lang="en-US" dirty="0"/>
               <a:pPr/>
-              <a:t>11/11/2019</a:t>
+              <a:t>11/12/2019</a:t>
             </a:fld>
             <a:endParaRPr lang="en-US" dirty="0"/>
           </a:p>
@@ -4643,7 +4643,7 @@
             <a:fld id="{B61BEF0D-F0BB-DE4B-95CE-6DB70DBA9567}" type="datetimeFigureOut">
               <a:rPr lang="en-US" dirty="0"/>
               <a:pPr/>
-              <a:t>11/11/2019</a:t>
+              <a:t>11/12/2019</a:t>
             </a:fld>
             <a:endParaRPr lang="en-US" dirty="0"/>
           </a:p>
@@ -6738,7 +6738,7 @@
             </a:r>
             <a:r>
               <a:rPr lang="en-US" sz="2000" dirty="0" err="1"/>
-              <a:t>librerías</a:t>
+              <a:t>bibliotecas</a:t>
             </a:r>
             <a:r>
               <a:rPr lang="en-US" sz="2000" dirty="0"/>
@@ -6748,46 +6748,55 @@
           <a:p>
             <a:r>
               <a:rPr lang="en-US" sz="2000" dirty="0"/>
-              <a:t>Box2d: </a:t>
-            </a:r>
-            <a:r>
-              <a:rPr lang="en-US" sz="2000" dirty="0" err="1"/>
+              <a:t>Box2d</a:t>
+            </a:r>
+          </a:p>
+          <a:p>
+            <a:pPr lvl="1"/>
+            <a:r>
+              <a:rPr lang="en-US" sz="1800" dirty="0" err="1"/>
               <a:t>Colisiones</a:t>
             </a:r>
-            <a:endParaRPr lang="en-US" sz="2000" dirty="0"/>
+            <a:endParaRPr lang="en-US" sz="1800" dirty="0"/>
           </a:p>
           <a:p>
             <a:r>
               <a:rPr lang="en-US" sz="2000" dirty="0"/>
-              <a:t>ControlP5: </a:t>
-            </a:r>
-            <a:r>
-              <a:rPr lang="en-US" sz="2000" dirty="0" err="1"/>
+              <a:t>ControlP5</a:t>
+            </a:r>
+          </a:p>
+          <a:p>
+            <a:pPr lvl="1"/>
+            <a:r>
+              <a:rPr lang="en-US" sz="1800" dirty="0" err="1"/>
               <a:t>Modificaciones</a:t>
             </a:r>
             <a:r>
+              <a:rPr lang="en-US" sz="1800" dirty="0"/>
+              <a:t> </a:t>
+            </a:r>
+            <a:r>
+              <a:rPr lang="en-US" sz="1800" dirty="0" err="1"/>
+              <a:t>en</a:t>
+            </a:r>
+            <a:r>
+              <a:rPr lang="en-US" sz="1800" dirty="0"/>
+              <a:t> vivo</a:t>
+            </a:r>
+          </a:p>
+          <a:p>
+            <a:r>
               <a:rPr lang="en-US" sz="2000" dirty="0"/>
-              <a:t> </a:t>
-            </a:r>
-            <a:r>
-              <a:rPr lang="en-US" sz="2000" dirty="0" err="1"/>
-              <a:t>en</a:t>
-            </a:r>
-            <a:r>
-              <a:rPr lang="en-US" sz="2000" dirty="0"/>
-              <a:t> vivo</a:t>
-            </a:r>
-          </a:p>
-          <a:p>
-            <a:r>
-              <a:rPr lang="en-US" sz="2000" dirty="0"/>
-              <a:t>Minim: </a:t>
-            </a:r>
-            <a:r>
-              <a:rPr lang="en-US" sz="2000" dirty="0" err="1"/>
+              <a:t>Minim</a:t>
+            </a:r>
+          </a:p>
+          <a:p>
+            <a:pPr lvl="1"/>
+            <a:r>
+              <a:rPr lang="en-US" sz="1800" dirty="0" err="1"/>
               <a:t>Sonidos</a:t>
             </a:r>
-            <a:endParaRPr lang="en-US" sz="2000" dirty="0"/>
+            <a:endParaRPr lang="en-US" sz="1800" dirty="0"/>
           </a:p>
         </p:txBody>
       </p:sp>
@@ -9390,18 +9399,18 @@
 </file>
 
 <file path=customXml/item2.xml><?xml version="1.0" encoding="utf-8"?>
+<p:properties xmlns:p="http://schemas.microsoft.com/office/2006/metadata/properties" xmlns:xsi="http://www.w3.org/2001/XMLSchema-instance" xmlns:pc="http://schemas.microsoft.com/office/infopath/2007/PartnerControls">
+  <documentManagement/>
+</p:properties>
+</file>
+
+<file path=customXml/item3.xml><?xml version="1.0" encoding="utf-8"?>
 <?mso-contentType ?>
 <FormTemplates xmlns="http://schemas.microsoft.com/sharepoint/v3/contenttype/forms">
   <Display>DocumentLibraryForm</Display>
   <Edit>DocumentLibraryForm</Edit>
   <New>DocumentLibraryForm</New>
 </FormTemplates>
-</file>
-
-<file path=customXml/item3.xml><?xml version="1.0" encoding="utf-8"?>
-<p:properties xmlns:p="http://schemas.microsoft.com/office/2006/metadata/properties" xmlns:xsi="http://www.w3.org/2001/XMLSchema-instance" xmlns:pc="http://schemas.microsoft.com/office/infopath/2007/PartnerControls">
-  <documentManagement/>
-</p:properties>
 </file>
 
 <file path=customXml/itemProps1.xml><?xml version="1.0" encoding="utf-8"?>
@@ -9423,18 +9432,18 @@
 </file>
 
 <file path=customXml/itemProps2.xml><?xml version="1.0" encoding="utf-8"?>
-<ds:datastoreItem xmlns:ds="http://schemas.openxmlformats.org/officeDocument/2006/customXml" ds:itemID="{084214A2-5E5B-4F3C-91D2-90F682A9FB22}">
-  <ds:schemaRefs>
-    <ds:schemaRef ds:uri="http://schemas.microsoft.com/sharepoint/v3/contenttype/forms"/>
-  </ds:schemaRefs>
-</ds:datastoreItem>
-</file>
-
-<file path=customXml/itemProps3.xml><?xml version="1.0" encoding="utf-8"?>
 <ds:datastoreItem xmlns:ds="http://schemas.openxmlformats.org/officeDocument/2006/customXml" ds:itemID="{1D62F7FD-2AED-4AAA-96DB-99B2DDF24ED4}">
   <ds:schemaRefs>
     <ds:schemaRef ds:uri="http://schemas.microsoft.com/office/2006/metadata/properties"/>
     <ds:schemaRef ds:uri="http://schemas.microsoft.com/office/infopath/2007/PartnerControls"/>
   </ds:schemaRefs>
 </ds:datastoreItem>
+</file>
+
+<file path=customXml/itemProps3.xml><?xml version="1.0" encoding="utf-8"?>
+<ds:datastoreItem xmlns:ds="http://schemas.openxmlformats.org/officeDocument/2006/customXml" ds:itemID="{084214A2-5E5B-4F3C-91D2-90F682A9FB22}">
+  <ds:schemaRefs>
+    <ds:schemaRef ds:uri="http://schemas.microsoft.com/sharepoint/v3/contenttype/forms"/>
+  </ds:schemaRefs>
+</ds:datastoreItem>
 </file>
--- a/Obvio Microbio.pptx
+++ b/Obvio Microbio.pptx
@@ -122,12 +122,11 @@
 <file path=ppt/revisionInfo.xml><?xml version="1.0" encoding="utf-8"?>
 <p1510:revInfo xmlns:a="http://schemas.openxmlformats.org/drawingml/2006/main" xmlns:r="http://schemas.openxmlformats.org/officeDocument/2006/relationships" xmlns:p1510="http://schemas.microsoft.com/office/powerpoint/2015/10/main">
   <p1510:revLst>
-    <p1510:client id="{049E3096-6EA6-4CD1-8E07-F944FC9CC900}" v="97" dt="2019-11-11T18:55:38.570"/>
-    <p1510:client id="{B87B94C5-AAC6-480D-9E68-5D343D30B5C7}" v="297" dt="2019-11-11T18:52:42.544"/>
-    <p1510:client id="{4765F7DB-991B-45CE-8130-4661E06E94B6}" v="26" dt="2019-11-11T18:30:04.594"/>
+    <p1510:client id="{1BFB0C61-E01B-47D5-BD78-29585BFED9F5}" v="10" dt="2019-11-12T18:03:37.396"/>
+    <p1510:client id="{E803B68A-CA84-4C08-BC57-D86D5B8F2DBA}" v="490" dt="2019-11-12T21:31:02.231"/>
+    <p1510:client id="{88BBAFC7-5965-490D-9A21-068BC1627F7A}" v="656" dt="2019-11-12T05:35:09.804"/>
     <p1510:client id="{6E45B117-F3B8-48AF-AC24-D31C05631FEC}" v="24" dt="2019-11-11T18:08:40.037"/>
-    <p1510:client id="{88BBAFC7-5965-490D-9A21-068BC1627F7A}" v="656" dt="2019-11-12T05:35:09.804"/>
-    <p1510:client id="{94C37343-E02E-4AA8-9E56-0CA8496C2DC3}" v="400" dt="2019-11-11T19:29:08.208"/>
+    <p1510:client id="{A3B6E14B-498D-4114-99F1-91619386FF99}" v="95" dt="2019-11-12T16:57:54.164"/>
   </p1510:revLst>
 </p1510:revInfo>
 </file>
@@ -135,9 +134,41 @@
 <file path=ppt/changesInfos/changesInfo1.xml><?xml version="1.0" encoding="utf-8"?>
 <pc:chgInfo xmlns:a="http://schemas.openxmlformats.org/drawingml/2006/main" xmlns:r="http://schemas.openxmlformats.org/officeDocument/2006/relationships" xmlns:ac="http://schemas.microsoft.com/office/drawing/2013/main/command" xmlns:pc="http://schemas.microsoft.com/office/powerpoint/2013/main/command">
   <pc:docChgLst>
+    <pc:chgData name="Gabriel Vindas Brenes" userId="33bbea57a04d846b" providerId="Windows Live" clId="Web-{E803B68A-CA84-4C08-BC57-D86D5B8F2DBA}"/>
+    <pc:docChg chg="modSld">
+      <pc:chgData name="Gabriel Vindas Brenes" userId="33bbea57a04d846b" providerId="Windows Live" clId="Web-{E803B68A-CA84-4C08-BC57-D86D5B8F2DBA}" dt="2019-11-12T21:31:01.686" v="487" actId="20577"/>
+      <pc:docMkLst>
+        <pc:docMk/>
+      </pc:docMkLst>
+      <pc:sldChg chg="modSp">
+        <pc:chgData name="Gabriel Vindas Brenes" userId="33bbea57a04d846b" providerId="Windows Live" clId="Web-{E803B68A-CA84-4C08-BC57-D86D5B8F2DBA}" dt="2019-11-12T21:31:01.686" v="486" actId="20577"/>
+        <pc:sldMkLst>
+          <pc:docMk/>
+          <pc:sldMk cId="925306443" sldId="261"/>
+        </pc:sldMkLst>
+        <pc:spChg chg="mod">
+          <ac:chgData name="Gabriel Vindas Brenes" userId="33bbea57a04d846b" providerId="Windows Live" clId="Web-{E803B68A-CA84-4C08-BC57-D86D5B8F2DBA}" dt="2019-11-12T21:31:01.686" v="486" actId="20577"/>
+          <ac:spMkLst>
+            <pc:docMk/>
+            <pc:sldMk cId="925306443" sldId="261"/>
+            <ac:spMk id="6" creationId="{3D1994B9-EC4C-48B0-9517-4FB987929E6D}"/>
+          </ac:spMkLst>
+        </pc:spChg>
+        <pc:spChg chg="mod">
+          <ac:chgData name="Gabriel Vindas Brenes" userId="33bbea57a04d846b" providerId="Windows Live" clId="Web-{E803B68A-CA84-4C08-BC57-D86D5B8F2DBA}" dt="2019-11-12T21:20:34.256" v="188" actId="20577"/>
+          <ac:spMkLst>
+            <pc:docMk/>
+            <pc:sldMk cId="925306443" sldId="261"/>
+            <ac:spMk id="8" creationId="{5B5D8A8C-B81E-4795-A128-7F710114091E}"/>
+          </ac:spMkLst>
+        </pc:spChg>
+      </pc:sldChg>
+    </pc:docChg>
+  </pc:docChgLst>
+  <pc:docChgLst>
     <pc:chgData name="Rubén González Villanueva" userId="316062c3b860cbf8" providerId="LiveId" clId="{6E45B117-F3B8-48AF-AC24-D31C05631FEC}"/>
     <pc:docChg chg="undo custSel mod addSld modSld">
-      <pc:chgData name="Rubén González Villanueva" userId="316062c3b860cbf8" providerId="LiveId" clId="{6E45B117-F3B8-48AF-AC24-D31C05631FEC}" dt="2019-11-12T14:11:34.947" v="403" actId="15"/>
+      <pc:chgData name="Rubén González Villanueva" userId="316062c3b860cbf8" providerId="LiveId" clId="{6E45B117-F3B8-48AF-AC24-D31C05631FEC}" dt="2019-11-12T22:42:14.720" v="406" actId="1076"/>
       <pc:docMkLst>
         <pc:docMk/>
       </pc:docMkLst>
@@ -362,13 +393,13 @@
         </pc:picChg>
       </pc:sldChg>
       <pc:sldChg chg="modSp">
-        <pc:chgData name="Rubén González Villanueva" userId="316062c3b860cbf8" providerId="LiveId" clId="{6E45B117-F3B8-48AF-AC24-D31C05631FEC}" dt="2019-11-01T21:16:09.886" v="22" actId="14826"/>
+        <pc:chgData name="Rubén González Villanueva" userId="316062c3b860cbf8" providerId="LiveId" clId="{6E45B117-F3B8-48AF-AC24-D31C05631FEC}" dt="2019-11-12T22:42:14.720" v="406" actId="1076"/>
         <pc:sldMkLst>
           <pc:docMk/>
           <pc:sldMk cId="925306443" sldId="261"/>
         </pc:sldMkLst>
         <pc:picChg chg="mod">
-          <ac:chgData name="Rubén González Villanueva" userId="316062c3b860cbf8" providerId="LiveId" clId="{6E45B117-F3B8-48AF-AC24-D31C05631FEC}" dt="2019-11-01T21:16:09.886" v="22" actId="14826"/>
+          <ac:chgData name="Rubén González Villanueva" userId="316062c3b860cbf8" providerId="LiveId" clId="{6E45B117-F3B8-48AF-AC24-D31C05631FEC}" dt="2019-11-12T22:42:14.720" v="406" actId="1076"/>
           <ac:picMkLst>
             <pc:docMk/>
             <pc:sldMk cId="925306443" sldId="261"/>
@@ -1365,6 +1396,30 @@
     </pc:docChg>
   </pc:docChgLst>
   <pc:docChgLst>
+    <pc:chgData name="Guest User" providerId="Windows Live" clId="Web-{1BFB0C61-E01B-47D5-BD78-29585BFED9F5}"/>
+    <pc:docChg chg="modSld">
+      <pc:chgData name="Guest User" userId="" providerId="Windows Live" clId="Web-{1BFB0C61-E01B-47D5-BD78-29585BFED9F5}" dt="2019-11-12T18:03:37.396" v="9" actId="20577"/>
+      <pc:docMkLst>
+        <pc:docMk/>
+      </pc:docMkLst>
+      <pc:sldChg chg="modSp">
+        <pc:chgData name="Guest User" userId="" providerId="Windows Live" clId="Web-{1BFB0C61-E01B-47D5-BD78-29585BFED9F5}" dt="2019-11-12T18:03:37.396" v="8" actId="20577"/>
+        <pc:sldMkLst>
+          <pc:docMk/>
+          <pc:sldMk cId="925306443" sldId="261"/>
+        </pc:sldMkLst>
+        <pc:spChg chg="mod">
+          <ac:chgData name="Guest User" userId="" providerId="Windows Live" clId="Web-{1BFB0C61-E01B-47D5-BD78-29585BFED9F5}" dt="2019-11-12T18:03:37.396" v="8" actId="20577"/>
+          <ac:spMkLst>
+            <pc:docMk/>
+            <pc:sldMk cId="925306443" sldId="261"/>
+            <ac:spMk id="8" creationId="{5B5D8A8C-B81E-4795-A128-7F710114091E}"/>
+          </ac:spMkLst>
+        </pc:spChg>
+      </pc:sldChg>
+    </pc:docChg>
+  </pc:docChgLst>
+  <pc:docChgLst>
     <pc:chgData name="Gerardo Villalobos" userId="41038f17c8568cbf" providerId="Windows Live" clId="Web-{88BBAFC7-5965-490D-9A21-068BC1627F7A}"/>
     <pc:docChg chg="modSld">
       <pc:chgData name="Gerardo Villalobos" userId="41038f17c8568cbf" providerId="Windows Live" clId="Web-{88BBAFC7-5965-490D-9A21-068BC1627F7A}" dt="2019-11-12T05:35:09.804" v="655" actId="20577"/>
@@ -1383,6 +1438,30 @@
             <pc:docMk/>
             <pc:sldMk cId="925306443" sldId="261"/>
             <ac:spMk id="8" creationId="{5B5D8A8C-B81E-4795-A128-7F710114091E}"/>
+          </ac:spMkLst>
+        </pc:spChg>
+      </pc:sldChg>
+    </pc:docChg>
+  </pc:docChgLst>
+  <pc:docChgLst>
+    <pc:chgData name="Gabriel Vindas Brenes" userId="33bbea57a04d846b" providerId="Windows Live" clId="Web-{A3B6E14B-498D-4114-99F1-91619386FF99}"/>
+    <pc:docChg chg="modSld">
+      <pc:chgData name="Gabriel Vindas Brenes" userId="33bbea57a04d846b" providerId="Windows Live" clId="Web-{A3B6E14B-498D-4114-99F1-91619386FF99}" dt="2019-11-12T16:57:54.164" v="94" actId="20577"/>
+      <pc:docMkLst>
+        <pc:docMk/>
+      </pc:docMkLst>
+      <pc:sldChg chg="modSp">
+        <pc:chgData name="Gabriel Vindas Brenes" userId="33bbea57a04d846b" providerId="Windows Live" clId="Web-{A3B6E14B-498D-4114-99F1-91619386FF99}" dt="2019-11-12T16:57:54.164" v="93" actId="20577"/>
+        <pc:sldMkLst>
+          <pc:docMk/>
+          <pc:sldMk cId="925306443" sldId="261"/>
+        </pc:sldMkLst>
+        <pc:spChg chg="mod">
+          <ac:chgData name="Gabriel Vindas Brenes" userId="33bbea57a04d846b" providerId="Windows Live" clId="Web-{A3B6E14B-498D-4114-99F1-91619386FF99}" dt="2019-11-12T16:57:54.164" v="93" actId="20577"/>
+          <ac:spMkLst>
+            <pc:docMk/>
+            <pc:sldMk cId="925306443" sldId="261"/>
+            <ac:spMk id="6" creationId="{3D1994B9-EC4C-48B0-9517-4FB987929E6D}"/>
           </ac:spMkLst>
         </pc:spChg>
       </pc:sldChg>
@@ -8728,10 +8807,277 @@
           <a:bodyPr/>
           <a:lstStyle/>
           <a:p>
-            <a:r>
-              <a:rPr lang="en-US" dirty="0"/>
-              <a:t>1</a:t>
-            </a:r>
+            <a:pPr marL="305435" indent="-305435"/>
+            <a:r>
+              <a:rPr lang="en-US" dirty="0"/>
+              <a:t>El </a:t>
+            </a:r>
+            <a:r>
+              <a:rPr lang="en-US" dirty="0" err="1"/>
+              <a:t>modelo</a:t>
+            </a:r>
+            <a:r>
+              <a:rPr lang="en-US" dirty="0"/>
+              <a:t> </a:t>
+            </a:r>
+            <a:r>
+              <a:rPr lang="en-US" dirty="0" err="1"/>
+              <a:t>planteado</a:t>
+            </a:r>
+            <a:r>
+              <a:rPr lang="en-US" dirty="0"/>
+              <a:t> para la </a:t>
+            </a:r>
+            <a:r>
+              <a:rPr lang="en-US" dirty="0" err="1"/>
+              <a:t>simulación</a:t>
+            </a:r>
+            <a:r>
+              <a:rPr lang="en-US" dirty="0"/>
+              <a:t> </a:t>
+            </a:r>
+            <a:r>
+              <a:rPr lang="en-US" dirty="0" err="1"/>
+              <a:t>cumple</a:t>
+            </a:r>
+            <a:r>
+              <a:rPr lang="en-US" dirty="0"/>
+              <a:t> con el </a:t>
+            </a:r>
+            <a:r>
+              <a:rPr lang="en-US" dirty="0" err="1"/>
+              <a:t>objetivo</a:t>
+            </a:r>
+            <a:r>
+              <a:rPr lang="en-US" dirty="0"/>
+              <a:t> del </a:t>
+            </a:r>
+            <a:r>
+              <a:rPr lang="en-US" dirty="0" err="1"/>
+              <a:t>proyecto</a:t>
+            </a:r>
+            <a:r>
+              <a:rPr lang="en-US" dirty="0"/>
+              <a:t> </a:t>
+            </a:r>
+            <a:r>
+              <a:rPr lang="en-US" dirty="0" err="1"/>
+              <a:t>ya</a:t>
+            </a:r>
+            <a:r>
+              <a:rPr lang="en-US" dirty="0"/>
+              <a:t> que el </a:t>
+            </a:r>
+            <a:r>
+              <a:rPr lang="en-US" dirty="0" err="1"/>
+              <a:t>comportamiento</a:t>
+            </a:r>
+            <a:r>
+              <a:rPr lang="en-US" dirty="0"/>
+              <a:t> de las </a:t>
+            </a:r>
+            <a:r>
+              <a:rPr lang="en-US" dirty="0" err="1"/>
+              <a:t>bacterias</a:t>
+            </a:r>
+            <a:r>
+              <a:rPr lang="en-US" dirty="0"/>
+              <a:t> se </a:t>
+            </a:r>
+            <a:r>
+              <a:rPr lang="en-US" dirty="0" err="1"/>
+              <a:t>acerca</a:t>
+            </a:r>
+            <a:r>
+              <a:rPr lang="en-US" dirty="0"/>
+              <a:t> al </a:t>
+            </a:r>
+            <a:r>
+              <a:rPr lang="en-US" dirty="0" err="1"/>
+              <a:t>comportamiento</a:t>
+            </a:r>
+            <a:r>
+              <a:rPr lang="en-US" dirty="0"/>
+              <a:t> real.</a:t>
+            </a:r>
+          </a:p>
+          <a:p>
+            <a:pPr marL="305435" indent="-305435"/>
+            <a:r>
+              <a:rPr lang="en-US" dirty="0"/>
+              <a:t>El </a:t>
+            </a:r>
+            <a:r>
+              <a:rPr lang="en-US" dirty="0" err="1"/>
+              <a:t>uso</a:t>
+            </a:r>
+            <a:r>
+              <a:rPr lang="en-US" dirty="0"/>
+              <a:t> de la </a:t>
+            </a:r>
+            <a:r>
+              <a:rPr lang="en-US" dirty="0" err="1"/>
+              <a:t>biblioteca</a:t>
+            </a:r>
+            <a:r>
+              <a:rPr lang="en-US" dirty="0"/>
+              <a:t> box2d </a:t>
+            </a:r>
+            <a:r>
+              <a:rPr lang="en-US" dirty="0" err="1"/>
+              <a:t>permitió</a:t>
+            </a:r>
+            <a:r>
+              <a:rPr lang="en-US" dirty="0"/>
+              <a:t> </a:t>
+            </a:r>
+            <a:r>
+              <a:rPr lang="en-US" dirty="0" err="1"/>
+              <a:t>mostrar</a:t>
+            </a:r>
+            <a:r>
+              <a:rPr lang="en-US" dirty="0"/>
+              <a:t> la </a:t>
+            </a:r>
+            <a:r>
+              <a:rPr lang="en-US" dirty="0" err="1"/>
+              <a:t>interacción</a:t>
+            </a:r>
+            <a:r>
+              <a:rPr lang="en-US" dirty="0"/>
+              <a:t> entre las </a:t>
+            </a:r>
+            <a:r>
+              <a:rPr lang="en-US" dirty="0" err="1"/>
+              <a:t>bacterias</a:t>
+            </a:r>
+            <a:r>
+              <a:rPr lang="en-US" dirty="0"/>
+              <a:t>, sus </a:t>
+            </a:r>
+            <a:r>
+              <a:rPr lang="en-US" dirty="0" err="1"/>
+              <a:t>nutrientes</a:t>
+            </a:r>
+            <a:r>
+              <a:rPr lang="en-US" dirty="0"/>
+              <a:t> y </a:t>
+            </a:r>
+            <a:r>
+              <a:rPr lang="en-US" dirty="0" err="1"/>
+              <a:t>entorno</a:t>
+            </a:r>
+            <a:r>
+              <a:rPr lang="en-US" dirty="0"/>
+              <a:t>.</a:t>
+            </a:r>
+          </a:p>
+          <a:p>
+            <a:pPr marL="305435" indent="-305435"/>
+            <a:r>
+              <a:rPr lang="en-US" dirty="0"/>
+              <a:t>La </a:t>
+            </a:r>
+            <a:r>
+              <a:rPr lang="en-US" dirty="0" err="1"/>
+              <a:t>estructura</a:t>
+            </a:r>
+            <a:r>
+              <a:rPr lang="en-US" dirty="0"/>
+              <a:t> del </a:t>
+            </a:r>
+            <a:r>
+              <a:rPr lang="en-US" dirty="0" err="1"/>
+              <a:t>proyecto</a:t>
+            </a:r>
+            <a:r>
+              <a:rPr lang="en-US" dirty="0"/>
+              <a:t> y la </a:t>
+            </a:r>
+            <a:r>
+              <a:rPr lang="en-US" dirty="0" err="1"/>
+              <a:t>orientación</a:t>
+            </a:r>
+            <a:r>
+              <a:rPr lang="en-US" dirty="0"/>
+              <a:t> a </a:t>
+            </a:r>
+            <a:r>
+              <a:rPr lang="en-US" dirty="0" err="1"/>
+              <a:t>objetos</a:t>
+            </a:r>
+            <a:r>
+              <a:rPr lang="en-US" dirty="0"/>
+              <a:t> </a:t>
+            </a:r>
+            <a:r>
+              <a:rPr lang="en-US" dirty="0" err="1"/>
+              <a:t>permite</a:t>
+            </a:r>
+            <a:r>
+              <a:rPr lang="en-US" dirty="0"/>
+              <a:t> la </a:t>
+            </a:r>
+            <a:r>
+              <a:rPr lang="en-US" dirty="0" err="1"/>
+              <a:t>posibilidad</a:t>
+            </a:r>
+            <a:r>
+              <a:rPr lang="en-US" dirty="0"/>
+              <a:t> de </a:t>
+            </a:r>
+            <a:r>
+              <a:rPr lang="en-US" dirty="0" err="1"/>
+              <a:t>agregar</a:t>
+            </a:r>
+            <a:r>
+              <a:rPr lang="en-US" dirty="0"/>
+              <a:t> </a:t>
+            </a:r>
+            <a:r>
+              <a:rPr lang="en-US" dirty="0" err="1"/>
+              <a:t>más</a:t>
+            </a:r>
+            <a:r>
+              <a:rPr lang="en-US" dirty="0"/>
+              <a:t> </a:t>
+            </a:r>
+            <a:r>
+              <a:rPr lang="en-US" dirty="0" err="1"/>
+              <a:t>bacterias</a:t>
+            </a:r>
+            <a:r>
+              <a:rPr lang="en-US" dirty="0"/>
+              <a:t> y </a:t>
+            </a:r>
+            <a:r>
+              <a:rPr lang="en-US" dirty="0" err="1"/>
+              <a:t>observar</a:t>
+            </a:r>
+            <a:r>
+              <a:rPr lang="en-US" dirty="0"/>
+              <a:t> </a:t>
+            </a:r>
+            <a:r>
+              <a:rPr lang="en-US" dirty="0" err="1"/>
+              <a:t>su</a:t>
+            </a:r>
+            <a:r>
+              <a:rPr lang="en-US" dirty="0"/>
+              <a:t> </a:t>
+            </a:r>
+            <a:r>
+              <a:rPr lang="en-US" dirty="0" err="1"/>
+              <a:t>comportamiento</a:t>
+            </a:r>
+            <a:r>
+              <a:rPr lang="en-US" dirty="0"/>
+              <a:t>.</a:t>
+            </a:r>
+          </a:p>
+          <a:p>
+            <a:pPr marL="305435" indent="-305435"/>
+            <a:endParaRPr lang="en-US" dirty="0"/>
           </a:p>
         </p:txBody>
       </p:sp>
@@ -8763,7 +9109,7 @@
           <a:p>
             <a:pPr marL="305435" indent="-305435"/>
             <a:r>
-              <a:rPr lang="en-US" err="1"/>
+              <a:rPr lang="en-US" dirty="0" err="1"/>
               <a:t>Apoyarse</a:t>
             </a:r>
             <a:r>
@@ -8771,7 +9117,7 @@
               <a:t> en un </a:t>
             </a:r>
             <a:r>
-              <a:rPr lang="en-US" err="1"/>
+              <a:rPr lang="en-US" dirty="0" err="1"/>
               <a:t>experto</a:t>
             </a:r>
             <a:r>
@@ -8779,7 +9125,7 @@
               <a:t> en el </a:t>
             </a:r>
             <a:r>
-              <a:rPr lang="en-US" err="1"/>
+              <a:rPr lang="en-US" dirty="0" err="1"/>
               <a:t>tema</a:t>
             </a:r>
             <a:r>
@@ -8787,7 +9133,7 @@
               <a:t> </a:t>
             </a:r>
             <a:r>
-              <a:rPr lang="en-US" err="1"/>
+              <a:rPr lang="en-US" dirty="0" err="1"/>
               <a:t>fue</a:t>
             </a:r>
             <a:r>
@@ -8795,11 +9141,15 @@
               <a:t> vital para </a:t>
             </a:r>
             <a:r>
-              <a:rPr lang="en-US"/>
-              <a:t>conseguir una </a:t>
-            </a:r>
-            <a:r>
-              <a:rPr lang="en-US" err="1"/>
+              <a:rPr lang="en-US" dirty="0" err="1"/>
+              <a:t>conseguir</a:t>
+            </a:r>
+            <a:r>
+              <a:rPr lang="en-US" dirty="0"/>
+              <a:t> una </a:t>
+            </a:r>
+            <a:r>
+              <a:rPr lang="en-US" dirty="0" err="1"/>
               <a:t>simulación</a:t>
             </a:r>
             <a:r>
@@ -8807,18 +9157,50 @@
               <a:t> </a:t>
             </a:r>
             <a:r>
-              <a:rPr lang="en-US" err="1"/>
+              <a:rPr lang="en-US" dirty="0" err="1"/>
               <a:t>más</a:t>
             </a:r>
             <a:r>
-              <a:rPr lang="en-US"/>
-              <a:t> real y certera por la veracidad de los datos obtenidos. </a:t>
+              <a:rPr lang="en-US" dirty="0"/>
+              <a:t> real y </a:t>
+            </a:r>
+            <a:r>
+              <a:rPr lang="en-US" dirty="0" err="1"/>
+              <a:t>certera</a:t>
+            </a:r>
+            <a:r>
+              <a:rPr lang="en-US" dirty="0"/>
+              <a:t> por la </a:t>
+            </a:r>
+            <a:r>
+              <a:rPr lang="en-US" dirty="0" err="1"/>
+              <a:t>veracidad</a:t>
+            </a:r>
+            <a:r>
+              <a:rPr lang="en-US" dirty="0"/>
+              <a:t> de los </a:t>
+            </a:r>
+            <a:r>
+              <a:rPr lang="en-US" dirty="0" err="1"/>
+              <a:t>datos</a:t>
+            </a:r>
+            <a:r>
+              <a:rPr lang="en-US" dirty="0"/>
+              <a:t> </a:t>
+            </a:r>
+            <a:r>
+              <a:rPr lang="en-US" dirty="0" err="1"/>
+              <a:t>obtenidos</a:t>
+            </a:r>
+            <a:r>
+              <a:rPr lang="en-US" dirty="0"/>
+              <a:t>. </a:t>
             </a:r>
           </a:p>
           <a:p>
             <a:pPr marL="305435" indent="-305435"/>
             <a:r>
-              <a:rPr lang="en-US"/>
+              <a:rPr lang="en-US" dirty="0" err="1"/>
               <a:t>Estudiar</a:t>
             </a:r>
             <a:r>
@@ -8826,7 +9208,7 @@
               <a:t> a </a:t>
             </a:r>
             <a:r>
-              <a:rPr lang="en-US" err="1"/>
+              <a:rPr lang="en-US" dirty="0" err="1"/>
               <a:t>fondo</a:t>
             </a:r>
             <a:r>
@@ -8834,15 +9216,15 @@
               <a:t> las </a:t>
             </a:r>
             <a:r>
-              <a:rPr lang="en-US" err="1"/>
-              <a:t>librerías</a:t>
+              <a:rPr lang="en-US" dirty="0" err="1"/>
+              <a:t>bibliotecas</a:t>
             </a:r>
             <a:r>
               <a:rPr lang="en-US" dirty="0"/>
               <a:t> </a:t>
             </a:r>
             <a:r>
-              <a:rPr lang="en-US" err="1"/>
+              <a:rPr lang="en-US" dirty="0" err="1"/>
               <a:t>disponibles</a:t>
             </a:r>
             <a:r>
@@ -8850,7 +9232,7 @@
               <a:t> </a:t>
             </a:r>
             <a:r>
-              <a:rPr lang="en-US" err="1"/>
+              <a:rPr lang="en-US" dirty="0" err="1"/>
               <a:t>podría</a:t>
             </a:r>
             <a:r>
@@ -8858,7 +9240,7 @@
               <a:t> </a:t>
             </a:r>
             <a:r>
-              <a:rPr lang="en-US" err="1"/>
+              <a:rPr lang="en-US" dirty="0" err="1"/>
               <a:t>ayudar</a:t>
             </a:r>
             <a:r>
@@ -8866,7 +9248,7 @@
               <a:t> a </a:t>
             </a:r>
             <a:r>
-              <a:rPr lang="en-US" err="1"/>
+              <a:rPr lang="en-US" dirty="0" err="1"/>
               <a:t>simplificar</a:t>
             </a:r>
             <a:r>
@@ -8874,8 +9256,16 @@
               <a:t> </a:t>
             </a:r>
             <a:r>
-              <a:rPr lang="en-US"/>
-              <a:t>funciones complejas</a:t>
+              <a:rPr lang="en-US" dirty="0" err="1"/>
+              <a:t>funciones</a:t>
+            </a:r>
+            <a:r>
+              <a:rPr lang="en-US" dirty="0"/>
+              <a:t> </a:t>
+            </a:r>
+            <a:r>
+              <a:rPr lang="en-US" dirty="0" err="1"/>
+              <a:t>complejas</a:t>
             </a:r>
             <a:r>
               <a:rPr lang="en-US" dirty="0"/>
@@ -8885,10 +9275,133 @@
           <a:p>
             <a:pPr marL="305435" indent="-305435"/>
             <a:r>
-              <a:rPr lang="en-US"/>
-              <a:t>Utilizar principios y estandares propios de orientación programada a objetos tales como la herencia dió como resultado un codigo mas limpio y fácil de comprender. </a:t>
-            </a:r>
-            <a:endParaRPr lang="en-US" dirty="0"/>
+              <a:rPr lang="en-US" dirty="0" err="1"/>
+              <a:t>Utilizar</a:t>
+            </a:r>
+            <a:r>
+              <a:rPr lang="en-US" dirty="0"/>
+              <a:t> </a:t>
+            </a:r>
+            <a:r>
+              <a:rPr lang="en-US" dirty="0" err="1"/>
+              <a:t>principios</a:t>
+            </a:r>
+            <a:r>
+              <a:rPr lang="en-US" dirty="0"/>
+              <a:t> y </a:t>
+            </a:r>
+            <a:r>
+              <a:rPr lang="en-US" dirty="0" err="1"/>
+              <a:t>estandares</a:t>
+            </a:r>
+            <a:r>
+              <a:rPr lang="en-US" dirty="0"/>
+              <a:t> </a:t>
+            </a:r>
+            <a:r>
+              <a:rPr lang="en-US" dirty="0" err="1"/>
+              <a:t>propios</a:t>
+            </a:r>
+            <a:r>
+              <a:rPr lang="en-US" dirty="0"/>
+              <a:t> de </a:t>
+            </a:r>
+            <a:r>
+              <a:rPr lang="en-US" dirty="0" err="1"/>
+              <a:t>orientación</a:t>
+            </a:r>
+            <a:r>
+              <a:rPr lang="en-US" dirty="0"/>
+              <a:t> </a:t>
+            </a:r>
+            <a:r>
+              <a:rPr lang="en-US" dirty="0" err="1"/>
+              <a:t>programada</a:t>
+            </a:r>
+            <a:r>
+              <a:rPr lang="en-US" dirty="0"/>
+              <a:t> a </a:t>
+            </a:r>
+            <a:r>
+              <a:rPr lang="en-US" dirty="0" err="1"/>
+              <a:t>objetos</a:t>
+            </a:r>
+            <a:r>
+              <a:rPr lang="en-US" dirty="0"/>
+              <a:t> tales </a:t>
+            </a:r>
+            <a:r>
+              <a:rPr lang="en-US" dirty="0" err="1"/>
+              <a:t>como</a:t>
+            </a:r>
+            <a:r>
+              <a:rPr lang="en-US" dirty="0"/>
+              <a:t> la </a:t>
+            </a:r>
+            <a:r>
+              <a:rPr lang="en-US" dirty="0" err="1"/>
+              <a:t>herencia</a:t>
+            </a:r>
+            <a:r>
+              <a:rPr lang="en-US" dirty="0"/>
+              <a:t> </a:t>
+            </a:r>
+            <a:r>
+              <a:rPr lang="en-US" dirty="0" err="1"/>
+              <a:t>dió</a:t>
+            </a:r>
+            <a:r>
+              <a:rPr lang="en-US" dirty="0"/>
+              <a:t> </a:t>
+            </a:r>
+            <a:r>
+              <a:rPr lang="en-US" dirty="0" err="1"/>
+              <a:t>como</a:t>
+            </a:r>
+            <a:r>
+              <a:rPr lang="en-US" dirty="0"/>
+              <a:t> </a:t>
+            </a:r>
+            <a:r>
+              <a:rPr lang="en-US" dirty="0" err="1"/>
+              <a:t>resultado</a:t>
+            </a:r>
+            <a:r>
+              <a:rPr lang="en-US" dirty="0"/>
+              <a:t> un </a:t>
+            </a:r>
+            <a:r>
+              <a:rPr lang="en-US" dirty="0" err="1"/>
+              <a:t>código</a:t>
+            </a:r>
+            <a:r>
+              <a:rPr lang="en-US" dirty="0"/>
+              <a:t> mas </a:t>
+            </a:r>
+            <a:r>
+              <a:rPr lang="en-US" dirty="0" err="1"/>
+              <a:t>limpio</a:t>
+            </a:r>
+            <a:r>
+              <a:rPr lang="en-US" dirty="0"/>
+              <a:t> y </a:t>
+            </a:r>
+            <a:r>
+              <a:rPr lang="en-US" dirty="0" err="1"/>
+              <a:t>fácil</a:t>
+            </a:r>
+            <a:r>
+              <a:rPr lang="en-US" dirty="0"/>
+              <a:t> de </a:t>
+            </a:r>
+            <a:r>
+              <a:rPr lang="en-US" dirty="0" err="1"/>
+              <a:t>comprender</a:t>
+            </a:r>
+            <a:r>
+              <a:rPr lang="en-US" dirty="0"/>
+              <a:t>. </a:t>
+            </a:r>
           </a:p>
           <a:p>
             <a:pPr marL="305435" indent="-305435"/>
@@ -8926,8 +9439,8 @@
         </p:blipFill>
         <p:spPr>
           <a:xfrm>
-            <a:off x="5203386" y="5521682"/>
-            <a:ext cx="1374036" cy="1031085"/>
+            <a:off x="4876628" y="5037357"/>
+            <a:ext cx="2195327" cy="1647387"/>
           </a:xfrm>
           <a:prstGeom prst="rect">
             <a:avLst/>
@@ -9399,18 +9912,18 @@
 </file>
 
 <file path=customXml/item2.xml><?xml version="1.0" encoding="utf-8"?>
-<p:properties xmlns:p="http://schemas.microsoft.com/office/2006/metadata/properties" xmlns:xsi="http://www.w3.org/2001/XMLSchema-instance" xmlns:pc="http://schemas.microsoft.com/office/infopath/2007/PartnerControls">
-  <documentManagement/>
-</p:properties>
-</file>
-
-<file path=customXml/item3.xml><?xml version="1.0" encoding="utf-8"?>
 <?mso-contentType ?>
 <FormTemplates xmlns="http://schemas.microsoft.com/sharepoint/v3/contenttype/forms">
   <Display>DocumentLibraryForm</Display>
   <Edit>DocumentLibraryForm</Edit>
   <New>DocumentLibraryForm</New>
 </FormTemplates>
+</file>
+
+<file path=customXml/item3.xml><?xml version="1.0" encoding="utf-8"?>
+<p:properties xmlns:p="http://schemas.microsoft.com/office/2006/metadata/properties" xmlns:xsi="http://www.w3.org/2001/XMLSchema-instance" xmlns:pc="http://schemas.microsoft.com/office/infopath/2007/PartnerControls">
+  <documentManagement/>
+</p:properties>
 </file>
 
 <file path=customXml/itemProps1.xml><?xml version="1.0" encoding="utf-8"?>
@@ -9432,18 +9945,18 @@
 </file>
 
 <file path=customXml/itemProps2.xml><?xml version="1.0" encoding="utf-8"?>
+<ds:datastoreItem xmlns:ds="http://schemas.openxmlformats.org/officeDocument/2006/customXml" ds:itemID="{084214A2-5E5B-4F3C-91D2-90F682A9FB22}">
+  <ds:schemaRefs>
+    <ds:schemaRef ds:uri="http://schemas.microsoft.com/sharepoint/v3/contenttype/forms"/>
+  </ds:schemaRefs>
+</ds:datastoreItem>
+</file>
+
+<file path=customXml/itemProps3.xml><?xml version="1.0" encoding="utf-8"?>
 <ds:datastoreItem xmlns:ds="http://schemas.openxmlformats.org/officeDocument/2006/customXml" ds:itemID="{1D62F7FD-2AED-4AAA-96DB-99B2DDF24ED4}">
   <ds:schemaRefs>
     <ds:schemaRef ds:uri="http://schemas.microsoft.com/office/2006/metadata/properties"/>
     <ds:schemaRef ds:uri="http://schemas.microsoft.com/office/infopath/2007/PartnerControls"/>
   </ds:schemaRefs>
 </ds:datastoreItem>
-</file>
-
-<file path=customXml/itemProps3.xml><?xml version="1.0" encoding="utf-8"?>
-<ds:datastoreItem xmlns:ds="http://schemas.openxmlformats.org/officeDocument/2006/customXml" ds:itemID="{084214A2-5E5B-4F3C-91D2-90F682A9FB22}">
-  <ds:schemaRefs>
-    <ds:schemaRef ds:uri="http://schemas.microsoft.com/sharepoint/v3/contenttype/forms"/>
-  </ds:schemaRefs>
-</ds:datastoreItem>
 </file>
--- a/Obvio Microbio.pptx
+++ b/Obvio Microbio.pptx
@@ -123,10 +123,12 @@
 <p1510:revInfo xmlns:a="http://schemas.openxmlformats.org/drawingml/2006/main" xmlns:r="http://schemas.openxmlformats.org/officeDocument/2006/relationships" xmlns:p1510="http://schemas.microsoft.com/office/powerpoint/2015/10/main">
   <p1510:revLst>
     <p1510:client id="{1BFB0C61-E01B-47D5-BD78-29585BFED9F5}" v="10" dt="2019-11-12T18:03:37.396"/>
+    <p1510:client id="{F9C922DB-BA92-4D5A-91B7-3CCC5FDA3AAD}" v="4" dt="2019-11-13T20:30:31.851"/>
     <p1510:client id="{E803B68A-CA84-4C08-BC57-D86D5B8F2DBA}" v="490" dt="2019-11-12T21:31:02.231"/>
     <p1510:client id="{88BBAFC7-5965-490D-9A21-068BC1627F7A}" v="656" dt="2019-11-12T05:35:09.804"/>
     <p1510:client id="{6E45B117-F3B8-48AF-AC24-D31C05631FEC}" v="24" dt="2019-11-11T18:08:40.037"/>
     <p1510:client id="{A3B6E14B-498D-4114-99F1-91619386FF99}" v="95" dt="2019-11-12T16:57:54.164"/>
+    <p1510:client id="{FCED4DB6-48D7-4376-88C8-40110AFEAD72}" v="45" dt="2019-11-13T19:32:33.416"/>
   </p1510:revLst>
 </p1510:revInfo>
 </file>
@@ -134,28 +136,260 @@
 <file path=ppt/changesInfos/changesInfo1.xml><?xml version="1.0" encoding="utf-8"?>
 <pc:chgInfo xmlns:a="http://schemas.openxmlformats.org/drawingml/2006/main" xmlns:r="http://schemas.openxmlformats.org/officeDocument/2006/relationships" xmlns:ac="http://schemas.microsoft.com/office/drawing/2013/main/command" xmlns:pc="http://schemas.microsoft.com/office/powerpoint/2013/main/command">
   <pc:docChgLst>
-    <pc:chgData name="Gabriel Vindas Brenes" userId="33bbea57a04d846b" providerId="Windows Live" clId="Web-{E803B68A-CA84-4C08-BC57-D86D5B8F2DBA}"/>
+    <pc:chgData name="Gabriel Vindas Brenes" userId="33bbea57a04d846b" providerId="Windows Live" clId="Web-{F9C922DB-BA92-4D5A-91B7-3CCC5FDA3AAD}"/>
     <pc:docChg chg="modSld">
-      <pc:chgData name="Gabriel Vindas Brenes" userId="33bbea57a04d846b" providerId="Windows Live" clId="Web-{E803B68A-CA84-4C08-BC57-D86D5B8F2DBA}" dt="2019-11-12T21:31:01.686" v="487" actId="20577"/>
+      <pc:chgData name="Gabriel Vindas Brenes" userId="33bbea57a04d846b" providerId="Windows Live" clId="Web-{F9C922DB-BA92-4D5A-91B7-3CCC5FDA3AAD}" dt="2019-11-13T20:30:24.304" v="2" actId="20577"/>
       <pc:docMkLst>
         <pc:docMk/>
       </pc:docMkLst>
       <pc:sldChg chg="modSp">
-        <pc:chgData name="Gabriel Vindas Brenes" userId="33bbea57a04d846b" providerId="Windows Live" clId="Web-{E803B68A-CA84-4C08-BC57-D86D5B8F2DBA}" dt="2019-11-12T21:31:01.686" v="486" actId="20577"/>
+        <pc:chgData name="Gabriel Vindas Brenes" userId="33bbea57a04d846b" providerId="Windows Live" clId="Web-{F9C922DB-BA92-4D5A-91B7-3CCC5FDA3AAD}" dt="2019-11-13T20:30:19.116" v="0" actId="20577"/>
+        <pc:sldMkLst>
+          <pc:docMk/>
+          <pc:sldMk cId="3571924505" sldId="262"/>
+        </pc:sldMkLst>
+        <pc:spChg chg="mod">
+          <ac:chgData name="Gabriel Vindas Brenes" userId="33bbea57a04d846b" providerId="Windows Live" clId="Web-{F9C922DB-BA92-4D5A-91B7-3CCC5FDA3AAD}" dt="2019-11-13T20:30:19.116" v="0" actId="20577"/>
+          <ac:spMkLst>
+            <pc:docMk/>
+            <pc:sldMk cId="3571924505" sldId="262"/>
+            <ac:spMk id="3" creationId="{6DA9A8D3-9343-4B0A-B6C2-6E8B84A4F58D}"/>
+          </ac:spMkLst>
+        </pc:spChg>
+      </pc:sldChg>
+    </pc:docChg>
+  </pc:docChgLst>
+  <pc:docChgLst>
+    <pc:chgData name="Usuario invitado" providerId="Windows Live" clId="Web-{049E3096-6EA6-4CD1-8E07-F944FC9CC900}"/>
+    <pc:docChg chg="modSld">
+      <pc:chgData name="Usuario invitado" userId="" providerId="Windows Live" clId="Web-{049E3096-6EA6-4CD1-8E07-F944FC9CC900}" dt="2019-11-11T18:55:38.570" v="96" actId="14100"/>
+      <pc:docMkLst>
+        <pc:docMk/>
+      </pc:docMkLst>
+      <pc:sldChg chg="modSp">
+        <pc:chgData name="Usuario invitado" userId="" providerId="Windows Live" clId="Web-{049E3096-6EA6-4CD1-8E07-F944FC9CC900}" dt="2019-11-11T18:55:38.570" v="96" actId="14100"/>
+        <pc:sldMkLst>
+          <pc:docMk/>
+          <pc:sldMk cId="3571924505" sldId="262"/>
+        </pc:sldMkLst>
+        <pc:spChg chg="mod">
+          <ac:chgData name="Usuario invitado" userId="" providerId="Windows Live" clId="Web-{049E3096-6EA6-4CD1-8E07-F944FC9CC900}" dt="2019-11-11T18:55:38.570" v="96" actId="14100"/>
+          <ac:spMkLst>
+            <pc:docMk/>
+            <pc:sldMk cId="3571924505" sldId="262"/>
+            <ac:spMk id="3" creationId="{6DA9A8D3-9343-4B0A-B6C2-6E8B84A4F58D}"/>
+          </ac:spMkLst>
+        </pc:spChg>
+        <pc:picChg chg="mod">
+          <ac:chgData name="Usuario invitado" userId="" providerId="Windows Live" clId="Web-{049E3096-6EA6-4CD1-8E07-F944FC9CC900}" dt="2019-11-11T18:54:20.710" v="1" actId="1076"/>
+          <ac:picMkLst>
+            <pc:docMk/>
+            <pc:sldMk cId="3571924505" sldId="262"/>
+            <ac:picMk id="4" creationId="{37DBDBF7-C1A7-4C8A-9A5E-196CD5615A7D}"/>
+          </ac:picMkLst>
+        </pc:picChg>
+      </pc:sldChg>
+    </pc:docChg>
+  </pc:docChgLst>
+  <pc:docChgLst>
+    <pc:chgData name="Guest User" providerId="Windows Live" clId="Web-{FCED4DB6-48D7-4376-88C8-40110AFEAD72}"/>
+    <pc:docChg chg="modSld">
+      <pc:chgData name="Guest User" userId="" providerId="Windows Live" clId="Web-{FCED4DB6-48D7-4376-88C8-40110AFEAD72}" dt="2019-11-13T19:32:33.416" v="44" actId="20577"/>
+      <pc:docMkLst>
+        <pc:docMk/>
+      </pc:docMkLst>
+      <pc:sldChg chg="modSp">
+        <pc:chgData name="Guest User" userId="" providerId="Windows Live" clId="Web-{FCED4DB6-48D7-4376-88C8-40110AFEAD72}" dt="2019-11-13T19:32:33.401" v="43" actId="20577"/>
         <pc:sldMkLst>
           <pc:docMk/>
           <pc:sldMk cId="925306443" sldId="261"/>
         </pc:sldMkLst>
         <pc:spChg chg="mod">
-          <ac:chgData name="Gabriel Vindas Brenes" userId="33bbea57a04d846b" providerId="Windows Live" clId="Web-{E803B68A-CA84-4C08-BC57-D86D5B8F2DBA}" dt="2019-11-12T21:31:01.686" v="486" actId="20577"/>
+          <ac:chgData name="Guest User" userId="" providerId="Windows Live" clId="Web-{FCED4DB6-48D7-4376-88C8-40110AFEAD72}" dt="2019-11-13T19:32:33.401" v="43" actId="20577"/>
+          <ac:spMkLst>
+            <pc:docMk/>
+            <pc:sldMk cId="925306443" sldId="261"/>
+            <ac:spMk id="8" creationId="{5B5D8A8C-B81E-4795-A128-7F710114091E}"/>
+          </ac:spMkLst>
+        </pc:spChg>
+      </pc:sldChg>
+    </pc:docChg>
+  </pc:docChgLst>
+  <pc:docChgLst>
+    <pc:chgData name="Guest User" providerId="Windows Live" clId="Web-{B87B94C5-AAC6-480D-9E68-5D343D30B5C7}"/>
+    <pc:docChg chg="modSld">
+      <pc:chgData name="Guest User" userId="" providerId="Windows Live" clId="Web-{B87B94C5-AAC6-480D-9E68-5D343D30B5C7}" dt="2019-11-11T18:52:44.388" v="319"/>
+      <pc:docMkLst>
+        <pc:docMk/>
+      </pc:docMkLst>
+      <pc:sldChg chg="addSp delSp modSp mod setBg">
+        <pc:chgData name="Guest User" userId="" providerId="Windows Live" clId="Web-{B87B94C5-AAC6-480D-9E68-5D343D30B5C7}" dt="2019-11-11T18:52:44.388" v="319"/>
+        <pc:sldMkLst>
+          <pc:docMk/>
+          <pc:sldMk cId="3571924505" sldId="262"/>
+        </pc:sldMkLst>
+        <pc:spChg chg="mod">
+          <ac:chgData name="Guest User" userId="" providerId="Windows Live" clId="Web-{B87B94C5-AAC6-480D-9E68-5D343D30B5C7}" dt="2019-11-11T18:52:44.388" v="319"/>
+          <ac:spMkLst>
+            <pc:docMk/>
+            <pc:sldMk cId="3571924505" sldId="262"/>
+            <ac:spMk id="2" creationId="{61DD6FAC-6BAA-4C07-B6B2-0E9A3567DF65}"/>
+          </ac:spMkLst>
+        </pc:spChg>
+        <pc:spChg chg="mod ord">
+          <ac:chgData name="Guest User" userId="" providerId="Windows Live" clId="Web-{B87B94C5-AAC6-480D-9E68-5D343D30B5C7}" dt="2019-11-11T18:52:44.388" v="319"/>
+          <ac:spMkLst>
+            <pc:docMk/>
+            <pc:sldMk cId="3571924505" sldId="262"/>
+            <ac:spMk id="3" creationId="{6DA9A8D3-9343-4B0A-B6C2-6E8B84A4F58D}"/>
+          </ac:spMkLst>
+        </pc:spChg>
+        <pc:spChg chg="add del">
+          <ac:chgData name="Guest User" userId="" providerId="Windows Live" clId="Web-{B87B94C5-AAC6-480D-9E68-5D343D30B5C7}" dt="2019-11-11T18:52:04.513" v="273"/>
+          <ac:spMkLst>
+            <pc:docMk/>
+            <pc:sldMk cId="3571924505" sldId="262"/>
+            <ac:spMk id="6" creationId="{8F404549-B4DC-481C-926C-DED3EF1C585B}"/>
+          </ac:spMkLst>
+        </pc:spChg>
+        <pc:spChg chg="add del">
+          <ac:chgData name="Guest User" userId="" providerId="Windows Live" clId="Web-{B87B94C5-AAC6-480D-9E68-5D343D30B5C7}" dt="2019-11-11T18:52:04.513" v="273"/>
+          <ac:spMkLst>
+            <pc:docMk/>
+            <pc:sldMk cId="3571924505" sldId="262"/>
+            <ac:spMk id="7" creationId="{1E8FD5CD-351E-4B06-8B78-BD5102D00908}"/>
+          </ac:spMkLst>
+        </pc:spChg>
+        <pc:spChg chg="add del">
+          <ac:chgData name="Guest User" userId="" providerId="Windows Live" clId="Web-{B87B94C5-AAC6-480D-9E68-5D343D30B5C7}" dt="2019-11-11T18:52:44.388" v="319"/>
+          <ac:spMkLst>
+            <pc:docMk/>
+            <pc:sldMk cId="3571924505" sldId="262"/>
+            <ac:spMk id="8" creationId="{3FE9758B-E361-4084-8D9F-729FA6C4AD7E}"/>
+          </ac:spMkLst>
+        </pc:spChg>
+        <pc:spChg chg="add del">
+          <ac:chgData name="Guest User" userId="" providerId="Windows Live" clId="Web-{B87B94C5-AAC6-480D-9E68-5D343D30B5C7}" dt="2019-11-11T18:51:56.278" v="271"/>
+          <ac:spMkLst>
+            <pc:docMk/>
+            <pc:sldMk cId="3571924505" sldId="262"/>
+            <ac:spMk id="9" creationId="{B871AE93-72B2-4545-989F-4B08DCD7872E}"/>
+          </ac:spMkLst>
+        </pc:spChg>
+        <pc:spChg chg="add del">
+          <ac:chgData name="Guest User" userId="" providerId="Windows Live" clId="Web-{B87B94C5-AAC6-480D-9E68-5D343D30B5C7}" dt="2019-11-11T18:51:56.278" v="271"/>
+          <ac:spMkLst>
+            <pc:docMk/>
+            <pc:sldMk cId="3571924505" sldId="262"/>
+            <ac:spMk id="11" creationId="{C1B0F13F-C83B-4678-ABCC-5F6FB1D38827}"/>
+          </ac:spMkLst>
+        </pc:spChg>
+        <pc:spChg chg="add del">
+          <ac:chgData name="Guest User" userId="" providerId="Windows Live" clId="Web-{B87B94C5-AAC6-480D-9E68-5D343D30B5C7}" dt="2019-11-11T18:51:56.278" v="271"/>
+          <ac:spMkLst>
+            <pc:docMk/>
+            <pc:sldMk cId="3571924505" sldId="262"/>
+            <ac:spMk id="13" creationId="{02074ED4-9DB5-4D14-BDCF-BD7D0C145176}"/>
+          </ac:spMkLst>
+        </pc:spChg>
+        <pc:spChg chg="add del">
+          <ac:chgData name="Guest User" userId="" providerId="Windows Live" clId="Web-{B87B94C5-AAC6-480D-9E68-5D343D30B5C7}" dt="2019-11-11T18:51:56.278" v="271"/>
+          <ac:spMkLst>
+            <pc:docMk/>
+            <pc:sldMk cId="3571924505" sldId="262"/>
+            <ac:spMk id="15" creationId="{C48FF616-1F75-49FC-861B-7B794054AA6B}"/>
+          </ac:spMkLst>
+        </pc:spChg>
+        <pc:spChg chg="add del">
+          <ac:chgData name="Guest User" userId="" providerId="Windows Live" clId="Web-{B87B94C5-AAC6-480D-9E68-5D343D30B5C7}" dt="2019-11-11T18:51:56.278" v="271"/>
+          <ac:spMkLst>
+            <pc:docMk/>
+            <pc:sldMk cId="3571924505" sldId="262"/>
+            <ac:spMk id="17" creationId="{9184B385-16B6-44A9-9A47-1C765B376324}"/>
+          </ac:spMkLst>
+        </pc:spChg>
+        <pc:picChg chg="add mod">
+          <ac:chgData name="Guest User" userId="" providerId="Windows Live" clId="Web-{B87B94C5-AAC6-480D-9E68-5D343D30B5C7}" dt="2019-11-11T18:52:44.388" v="319"/>
+          <ac:picMkLst>
+            <pc:docMk/>
+            <pc:sldMk cId="3571924505" sldId="262"/>
+            <ac:picMk id="4" creationId="{37DBDBF7-C1A7-4C8A-9A5E-196CD5615A7D}"/>
+          </ac:picMkLst>
+        </pc:picChg>
+      </pc:sldChg>
+    </pc:docChg>
+  </pc:docChgLst>
+  <pc:docChgLst>
+    <pc:chgData name="Gabriel Vindas Brenes" userId="33bbea57a04d846b" providerId="Windows Live" clId="Web-{A3B6E14B-498D-4114-99F1-91619386FF99}"/>
+    <pc:docChg chg="modSld">
+      <pc:chgData name="Gabriel Vindas Brenes" userId="33bbea57a04d846b" providerId="Windows Live" clId="Web-{A3B6E14B-498D-4114-99F1-91619386FF99}" dt="2019-11-12T16:57:54.164" v="94" actId="20577"/>
+      <pc:docMkLst>
+        <pc:docMk/>
+      </pc:docMkLst>
+      <pc:sldChg chg="modSp">
+        <pc:chgData name="Gabriel Vindas Brenes" userId="33bbea57a04d846b" providerId="Windows Live" clId="Web-{A3B6E14B-498D-4114-99F1-91619386FF99}" dt="2019-11-12T16:57:54.164" v="93" actId="20577"/>
+        <pc:sldMkLst>
+          <pc:docMk/>
+          <pc:sldMk cId="925306443" sldId="261"/>
+        </pc:sldMkLst>
+        <pc:spChg chg="mod">
+          <ac:chgData name="Gabriel Vindas Brenes" userId="33bbea57a04d846b" providerId="Windows Live" clId="Web-{A3B6E14B-498D-4114-99F1-91619386FF99}" dt="2019-11-12T16:57:54.164" v="93" actId="20577"/>
           <ac:spMkLst>
             <pc:docMk/>
             <pc:sldMk cId="925306443" sldId="261"/>
             <ac:spMk id="6" creationId="{3D1994B9-EC4C-48B0-9517-4FB987929E6D}"/>
           </ac:spMkLst>
         </pc:spChg>
+      </pc:sldChg>
+    </pc:docChg>
+  </pc:docChgLst>
+  <pc:docChgLst>
+    <pc:chgData name="Guest User" providerId="Windows Live" clId="Web-{4765F7DB-991B-45CE-8130-4661E06E94B6}"/>
+    <pc:docChg chg="modSld">
+      <pc:chgData name="Guest User" userId="" providerId="Windows Live" clId="Web-{4765F7DB-991B-45CE-8130-4661E06E94B6}" dt="2019-11-11T18:30:04.594" v="25" actId="14100"/>
+      <pc:docMkLst>
+        <pc:docMk/>
+      </pc:docMkLst>
+      <pc:sldChg chg="addSp delSp modSp">
+        <pc:chgData name="Guest User" userId="" providerId="Windows Live" clId="Web-{4765F7DB-991B-45CE-8130-4661E06E94B6}" dt="2019-11-11T18:30:04.594" v="25" actId="14100"/>
+        <pc:sldMkLst>
+          <pc:docMk/>
+          <pc:sldMk cId="3571924505" sldId="262"/>
+        </pc:sldMkLst>
         <pc:spChg chg="mod">
-          <ac:chgData name="Gabriel Vindas Brenes" userId="33bbea57a04d846b" providerId="Windows Live" clId="Web-{E803B68A-CA84-4C08-BC57-D86D5B8F2DBA}" dt="2019-11-12T21:20:34.256" v="188" actId="20577"/>
+          <ac:chgData name="Guest User" userId="" providerId="Windows Live" clId="Web-{4765F7DB-991B-45CE-8130-4661E06E94B6}" dt="2019-11-11T18:30:04.594" v="25" actId="14100"/>
+          <ac:spMkLst>
+            <pc:docMk/>
+            <pc:sldMk cId="3571924505" sldId="262"/>
+            <ac:spMk id="3" creationId="{6DA9A8D3-9343-4B0A-B6C2-6E8B84A4F58D}"/>
+          </ac:spMkLst>
+        </pc:spChg>
+        <pc:spChg chg="add del mod">
+          <ac:chgData name="Guest User" userId="" providerId="Windows Live" clId="Web-{4765F7DB-991B-45CE-8130-4661E06E94B6}" dt="2019-11-11T18:30:00.110" v="24"/>
+          <ac:spMkLst>
+            <pc:docMk/>
+            <pc:sldMk cId="3571924505" sldId="262"/>
+            <ac:spMk id="4" creationId="{261DA91F-CEF2-4302-91C9-B20C917DB682}"/>
+          </ac:spMkLst>
+        </pc:spChg>
+      </pc:sldChg>
+    </pc:docChg>
+  </pc:docChgLst>
+  <pc:docChgLst>
+    <pc:chgData name="Gerardo Villalobos" userId="41038f17c8568cbf" providerId="Windows Live" clId="Web-{88BBAFC7-5965-490D-9A21-068BC1627F7A}"/>
+    <pc:docChg chg="modSld">
+      <pc:chgData name="Gerardo Villalobos" userId="41038f17c8568cbf" providerId="Windows Live" clId="Web-{88BBAFC7-5965-490D-9A21-068BC1627F7A}" dt="2019-11-12T05:35:09.804" v="655" actId="20577"/>
+      <pc:docMkLst>
+        <pc:docMk/>
+      </pc:docMkLst>
+      <pc:sldChg chg="modSp">
+        <pc:chgData name="Gerardo Villalobos" userId="41038f17c8568cbf" providerId="Windows Live" clId="Web-{88BBAFC7-5965-490D-9A21-068BC1627F7A}" dt="2019-11-12T05:28:15.037" v="653" actId="20577"/>
+        <pc:sldMkLst>
+          <pc:docMk/>
+          <pc:sldMk cId="925306443" sldId="261"/>
+        </pc:sldMkLst>
+        <pc:spChg chg="mod">
+          <ac:chgData name="Gerardo Villalobos" userId="41038f17c8568cbf" providerId="Windows Live" clId="Web-{88BBAFC7-5965-490D-9A21-068BC1627F7A}" dt="2019-11-12T05:28:15.037" v="653" actId="20577"/>
           <ac:spMkLst>
             <pc:docMk/>
             <pc:sldMk cId="925306443" sldId="261"/>
@@ -482,674 +716,6 @@
             <pc:docMk/>
             <pc:sldMk cId="1195560405" sldId="263"/>
             <ac:picMk id="5" creationId="{6D315456-F9FE-45E9-8B9E-0A1E4E191581}"/>
-          </ac:picMkLst>
-        </pc:picChg>
-      </pc:sldChg>
-    </pc:docChg>
-  </pc:docChgLst>
-  <pc:docChgLst>
-    <pc:chgData name="Rubén González Villanueva" userId="c8c16a74-be0f-439b-9b67-6b666a436255" providerId="ADAL" clId="{2129604C-F01F-40CD-8BD8-E7558B492AD4}"/>
-    <pc:docChg chg="undo custSel mod addSld delSld modSld">
-      <pc:chgData name="Rubén González Villanueva" userId="c8c16a74-be0f-439b-9b67-6b666a436255" providerId="ADAL" clId="{2129604C-F01F-40CD-8BD8-E7558B492AD4}" dt="2019-11-01T18:22:57.937" v="430" actId="27636"/>
-      <pc:docMkLst>
-        <pc:docMk/>
-      </pc:docMkLst>
-      <pc:sldChg chg="addSp delSp modSp delDesignElem">
-        <pc:chgData name="Rubén González Villanueva" userId="c8c16a74-be0f-439b-9b67-6b666a436255" providerId="ADAL" clId="{2129604C-F01F-40CD-8BD8-E7558B492AD4}" dt="2019-11-01T18:13:50.124" v="231"/>
-        <pc:sldMkLst>
-          <pc:docMk/>
-          <pc:sldMk cId="567220051" sldId="256"/>
-        </pc:sldMkLst>
-        <pc:spChg chg="mod">
-          <ac:chgData name="Rubén González Villanueva" userId="c8c16a74-be0f-439b-9b67-6b666a436255" providerId="ADAL" clId="{2129604C-F01F-40CD-8BD8-E7558B492AD4}" dt="2019-11-01T17:58:10.859" v="4"/>
-          <ac:spMkLst>
-            <pc:docMk/>
-            <pc:sldMk cId="567220051" sldId="256"/>
-            <ac:spMk id="3" creationId="{305387FA-9453-424C-8F0D-19742859F9C6}"/>
-          </ac:spMkLst>
-        </pc:spChg>
-        <pc:spChg chg="add del mod">
-          <ac:chgData name="Rubén González Villanueva" userId="c8c16a74-be0f-439b-9b67-6b666a436255" providerId="ADAL" clId="{2129604C-F01F-40CD-8BD8-E7558B492AD4}" dt="2019-11-01T17:58:10.859" v="4"/>
-          <ac:spMkLst>
-            <pc:docMk/>
-            <pc:sldMk cId="567220051" sldId="256"/>
-            <ac:spMk id="8" creationId="{D803034F-E74E-47ED-9904-73FD2C2E8839}"/>
-          </ac:spMkLst>
-        </pc:spChg>
-        <pc:spChg chg="add del">
-          <ac:chgData name="Rubén González Villanueva" userId="c8c16a74-be0f-439b-9b67-6b666a436255" providerId="ADAL" clId="{2129604C-F01F-40CD-8BD8-E7558B492AD4}" dt="2019-11-01T17:58:10.859" v="4"/>
-          <ac:spMkLst>
-            <pc:docMk/>
-            <pc:sldMk cId="567220051" sldId="256"/>
-            <ac:spMk id="23" creationId="{379F11E2-8BA5-4C5C-AE7C-361E5EA011FF}"/>
-          </ac:spMkLst>
-        </pc:spChg>
-        <pc:spChg chg="add del">
-          <ac:chgData name="Rubén González Villanueva" userId="c8c16a74-be0f-439b-9b67-6b666a436255" providerId="ADAL" clId="{2129604C-F01F-40CD-8BD8-E7558B492AD4}" dt="2019-11-01T17:58:10.859" v="4"/>
-          <ac:spMkLst>
-            <pc:docMk/>
-            <pc:sldMk cId="567220051" sldId="256"/>
-            <ac:spMk id="25" creationId="{7C00E1DA-EC7C-40FC-95E3-11FDCD2E4291}"/>
-          </ac:spMkLst>
-        </pc:spChg>
-        <pc:grpChg chg="add del">
-          <ac:chgData name="Rubén González Villanueva" userId="c8c16a74-be0f-439b-9b67-6b666a436255" providerId="ADAL" clId="{2129604C-F01F-40CD-8BD8-E7558B492AD4}" dt="2019-11-01T17:58:10.859" v="4"/>
-          <ac:grpSpMkLst>
-            <pc:docMk/>
-            <pc:sldMk cId="567220051" sldId="256"/>
-            <ac:grpSpMk id="27" creationId="{9A421166-2996-41A7-B094-AE5316F347DD}"/>
-          </ac:grpSpMkLst>
-        </pc:grpChg>
-        <pc:picChg chg="mod">
-          <ac:chgData name="Rubén González Villanueva" userId="c8c16a74-be0f-439b-9b67-6b666a436255" providerId="ADAL" clId="{2129604C-F01F-40CD-8BD8-E7558B492AD4}" dt="2019-11-01T18:13:50.124" v="231"/>
-          <ac:picMkLst>
-            <pc:docMk/>
-            <pc:sldMk cId="567220051" sldId="256"/>
-            <ac:picMk id="5" creationId="{B8F98EAE-13DD-4C7F-A54F-445FD8605DF4}"/>
-          </ac:picMkLst>
-        </pc:picChg>
-      </pc:sldChg>
-      <pc:sldChg chg="addSp delSp modSp mod setBg delDesignElem">
-        <pc:chgData name="Rubén González Villanueva" userId="c8c16a74-be0f-439b-9b67-6b666a436255" providerId="ADAL" clId="{2129604C-F01F-40CD-8BD8-E7558B492AD4}" dt="2019-11-01T18:16:45.664" v="256" actId="26606"/>
-        <pc:sldMkLst>
-          <pc:docMk/>
-          <pc:sldMk cId="405230702" sldId="257"/>
-        </pc:sldMkLst>
-        <pc:spChg chg="mod ord">
-          <ac:chgData name="Rubén González Villanueva" userId="c8c16a74-be0f-439b-9b67-6b666a436255" providerId="ADAL" clId="{2129604C-F01F-40CD-8BD8-E7558B492AD4}" dt="2019-11-01T18:16:45.664" v="256" actId="26606"/>
-          <ac:spMkLst>
-            <pc:docMk/>
-            <pc:sldMk cId="405230702" sldId="257"/>
-            <ac:spMk id="2" creationId="{DB4BD388-4E4C-4729-9C98-FDCE73F701DE}"/>
-          </ac:spMkLst>
-        </pc:spChg>
-        <pc:spChg chg="add mod">
-          <ac:chgData name="Rubén González Villanueva" userId="c8c16a74-be0f-439b-9b67-6b666a436255" providerId="ADAL" clId="{2129604C-F01F-40CD-8BD8-E7558B492AD4}" dt="2019-11-01T18:16:45.664" v="256" actId="26606"/>
-          <ac:spMkLst>
-            <pc:docMk/>
-            <pc:sldMk cId="405230702" sldId="257"/>
-            <ac:spMk id="8" creationId="{115E2BAF-7EC9-45CB-AE80-C410061A963D}"/>
-          </ac:spMkLst>
-        </pc:spChg>
-        <pc:spChg chg="add del mod">
-          <ac:chgData name="Rubén González Villanueva" userId="c8c16a74-be0f-439b-9b67-6b666a436255" providerId="ADAL" clId="{2129604C-F01F-40CD-8BD8-E7558B492AD4}" dt="2019-11-01T18:16:41.232" v="254"/>
-          <ac:spMkLst>
-            <pc:docMk/>
-            <pc:sldMk cId="405230702" sldId="257"/>
-            <ac:spMk id="10" creationId="{9DD38617-F584-483B-9033-3D4FDA203276}"/>
-          </ac:spMkLst>
-        </pc:spChg>
-        <pc:spChg chg="add del">
-          <ac:chgData name="Rubén González Villanueva" userId="c8c16a74-be0f-439b-9b67-6b666a436255" providerId="ADAL" clId="{2129604C-F01F-40CD-8BD8-E7558B492AD4}" dt="2019-11-01T17:58:25.667" v="6" actId="26606"/>
-          <ac:spMkLst>
-            <pc:docMk/>
-            <pc:sldMk cId="405230702" sldId="257"/>
-            <ac:spMk id="11" creationId="{317F59F4-9C4A-42AF-B61E-D2B155EBD20A}"/>
-          </ac:spMkLst>
-        </pc:spChg>
-        <pc:spChg chg="add del">
-          <ac:chgData name="Rubén González Villanueva" userId="c8c16a74-be0f-439b-9b67-6b666a436255" providerId="ADAL" clId="{2129604C-F01F-40CD-8BD8-E7558B492AD4}" dt="2019-11-01T18:06:11.320" v="80" actId="26606"/>
-          <ac:spMkLst>
-            <pc:docMk/>
-            <pc:sldMk cId="405230702" sldId="257"/>
-            <ac:spMk id="13" creationId="{A078A52F-85EA-4C0B-962B-D9D9DD4DD78C}"/>
-          </ac:spMkLst>
-        </pc:spChg>
-        <pc:spChg chg="add del">
-          <ac:chgData name="Rubén González Villanueva" userId="c8c16a74-be0f-439b-9b67-6b666a436255" providerId="ADAL" clId="{2129604C-F01F-40CD-8BD8-E7558B492AD4}" dt="2019-11-01T17:58:25.667" v="6" actId="26606"/>
-          <ac:spMkLst>
-            <pc:docMk/>
-            <pc:sldMk cId="405230702" sldId="257"/>
-            <ac:spMk id="14" creationId="{EE15E636-2C9E-42CB-B482-436AA81BF93B}"/>
-          </ac:spMkLst>
-        </pc:spChg>
-        <pc:spChg chg="add del">
-          <ac:chgData name="Rubén González Villanueva" userId="c8c16a74-be0f-439b-9b67-6b666a436255" providerId="ADAL" clId="{2129604C-F01F-40CD-8BD8-E7558B492AD4}" dt="2019-11-01T18:06:11.320" v="80" actId="26606"/>
-          <ac:spMkLst>
-            <pc:docMk/>
-            <pc:sldMk cId="405230702" sldId="257"/>
-            <ac:spMk id="15" creationId="{919797D5-5700-4683-B30A-5B4D56CB8270}"/>
-          </ac:spMkLst>
-        </pc:spChg>
-        <pc:spChg chg="add del">
-          <ac:chgData name="Rubén González Villanueva" userId="c8c16a74-be0f-439b-9b67-6b666a436255" providerId="ADAL" clId="{2129604C-F01F-40CD-8BD8-E7558B492AD4}" dt="2019-11-01T18:06:11.320" v="80" actId="26606"/>
-          <ac:spMkLst>
-            <pc:docMk/>
-            <pc:sldMk cId="405230702" sldId="257"/>
-            <ac:spMk id="17" creationId="{4856A7B9-9801-42EC-A4C9-7E22A56EF53D}"/>
-          </ac:spMkLst>
-        </pc:spChg>
-        <pc:spChg chg="add del">
-          <ac:chgData name="Rubén González Villanueva" userId="c8c16a74-be0f-439b-9b67-6b666a436255" providerId="ADAL" clId="{2129604C-F01F-40CD-8BD8-E7558B492AD4}" dt="2019-11-01T18:06:11.320" v="80" actId="26606"/>
-          <ac:spMkLst>
-            <pc:docMk/>
-            <pc:sldMk cId="405230702" sldId="257"/>
-            <ac:spMk id="19" creationId="{A8D10092-A860-4EFB-963F-A14DA3648858}"/>
-          </ac:spMkLst>
-        </pc:spChg>
-        <pc:spChg chg="add del">
-          <ac:chgData name="Rubén González Villanueva" userId="c8c16a74-be0f-439b-9b67-6b666a436255" providerId="ADAL" clId="{2129604C-F01F-40CD-8BD8-E7558B492AD4}" dt="2019-11-01T18:06:11.320" v="80" actId="26606"/>
-          <ac:spMkLst>
-            <pc:docMk/>
-            <pc:sldMk cId="405230702" sldId="257"/>
-            <ac:spMk id="21" creationId="{BABD8CBF-1782-456F-AF12-36CD021CCCF6}"/>
-          </ac:spMkLst>
-        </pc:spChg>
-        <pc:spChg chg="add del">
-          <ac:chgData name="Rubén González Villanueva" userId="c8c16a74-be0f-439b-9b67-6b666a436255" providerId="ADAL" clId="{2129604C-F01F-40CD-8BD8-E7558B492AD4}" dt="2019-11-01T18:06:11.320" v="80" actId="26606"/>
-          <ac:spMkLst>
-            <pc:docMk/>
-            <pc:sldMk cId="405230702" sldId="257"/>
-            <ac:spMk id="23" creationId="{18A186C0-DD3C-4FF4-B165-943244CBD116}"/>
-          </ac:spMkLst>
-        </pc:spChg>
-        <pc:spChg chg="add del">
-          <ac:chgData name="Rubén González Villanueva" userId="c8c16a74-be0f-439b-9b67-6b666a436255" providerId="ADAL" clId="{2129604C-F01F-40CD-8BD8-E7558B492AD4}" dt="2019-11-01T18:06:09.528" v="77" actId="26606"/>
-          <ac:spMkLst>
-            <pc:docMk/>
-            <pc:sldMk cId="405230702" sldId="257"/>
-            <ac:spMk id="33" creationId="{A078A52F-85EA-4C0B-962B-D9D9DD4DD78C}"/>
-          </ac:spMkLst>
-        </pc:spChg>
-        <pc:spChg chg="add del">
-          <ac:chgData name="Rubén González Villanueva" userId="c8c16a74-be0f-439b-9b67-6b666a436255" providerId="ADAL" clId="{2129604C-F01F-40CD-8BD8-E7558B492AD4}" dt="2019-11-01T18:06:09.528" v="77" actId="26606"/>
-          <ac:spMkLst>
-            <pc:docMk/>
-            <pc:sldMk cId="405230702" sldId="257"/>
-            <ac:spMk id="35" creationId="{919797D5-5700-4683-B30A-5B4D56CB8270}"/>
-          </ac:spMkLst>
-        </pc:spChg>
-        <pc:spChg chg="add del">
-          <ac:chgData name="Rubén González Villanueva" userId="c8c16a74-be0f-439b-9b67-6b666a436255" providerId="ADAL" clId="{2129604C-F01F-40CD-8BD8-E7558B492AD4}" dt="2019-11-01T18:06:09.528" v="77" actId="26606"/>
-          <ac:spMkLst>
-            <pc:docMk/>
-            <pc:sldMk cId="405230702" sldId="257"/>
-            <ac:spMk id="37" creationId="{4856A7B9-9801-42EC-A4C9-7E22A56EF53D}"/>
-          </ac:spMkLst>
-        </pc:spChg>
-        <pc:spChg chg="add del">
-          <ac:chgData name="Rubén González Villanueva" userId="c8c16a74-be0f-439b-9b67-6b666a436255" providerId="ADAL" clId="{2129604C-F01F-40CD-8BD8-E7558B492AD4}" dt="2019-11-01T18:06:09.528" v="77" actId="26606"/>
-          <ac:spMkLst>
-            <pc:docMk/>
-            <pc:sldMk cId="405230702" sldId="257"/>
-            <ac:spMk id="39" creationId="{A8D10092-A860-4EFB-963F-A14DA3648858}"/>
-          </ac:spMkLst>
-        </pc:spChg>
-        <pc:spChg chg="add del">
-          <ac:chgData name="Rubén González Villanueva" userId="c8c16a74-be0f-439b-9b67-6b666a436255" providerId="ADAL" clId="{2129604C-F01F-40CD-8BD8-E7558B492AD4}" dt="2019-11-01T18:06:09.528" v="77" actId="26606"/>
-          <ac:spMkLst>
-            <pc:docMk/>
-            <pc:sldMk cId="405230702" sldId="257"/>
-            <ac:spMk id="41" creationId="{4AE9D071-98CF-435C-BD2B-976514544DC5}"/>
-          </ac:spMkLst>
-        </pc:spChg>
-        <pc:spChg chg="add del">
-          <ac:chgData name="Rubén González Villanueva" userId="c8c16a74-be0f-439b-9b67-6b666a436255" providerId="ADAL" clId="{2129604C-F01F-40CD-8BD8-E7558B492AD4}" dt="2019-11-01T18:06:11.286" v="79" actId="26606"/>
-          <ac:spMkLst>
-            <pc:docMk/>
-            <pc:sldMk cId="405230702" sldId="257"/>
-            <ac:spMk id="48" creationId="{A078A52F-85EA-4C0B-962B-D9D9DD4DD78C}"/>
-          </ac:spMkLst>
-        </pc:spChg>
-        <pc:spChg chg="add del">
-          <ac:chgData name="Rubén González Villanueva" userId="c8c16a74-be0f-439b-9b67-6b666a436255" providerId="ADAL" clId="{2129604C-F01F-40CD-8BD8-E7558B492AD4}" dt="2019-11-01T18:06:11.286" v="79" actId="26606"/>
-          <ac:spMkLst>
-            <pc:docMk/>
-            <pc:sldMk cId="405230702" sldId="257"/>
-            <ac:spMk id="49" creationId="{919797D5-5700-4683-B30A-5B4D56CB8270}"/>
-          </ac:spMkLst>
-        </pc:spChg>
-        <pc:spChg chg="add del">
-          <ac:chgData name="Rubén González Villanueva" userId="c8c16a74-be0f-439b-9b67-6b666a436255" providerId="ADAL" clId="{2129604C-F01F-40CD-8BD8-E7558B492AD4}" dt="2019-11-01T18:06:11.286" v="79" actId="26606"/>
-          <ac:spMkLst>
-            <pc:docMk/>
-            <pc:sldMk cId="405230702" sldId="257"/>
-            <ac:spMk id="50" creationId="{4856A7B9-9801-42EC-A4C9-7E22A56EF53D}"/>
-          </ac:spMkLst>
-        </pc:spChg>
-        <pc:spChg chg="add del">
-          <ac:chgData name="Rubén González Villanueva" userId="c8c16a74-be0f-439b-9b67-6b666a436255" providerId="ADAL" clId="{2129604C-F01F-40CD-8BD8-E7558B492AD4}" dt="2019-11-01T18:06:11.286" v="79" actId="26606"/>
-          <ac:spMkLst>
-            <pc:docMk/>
-            <pc:sldMk cId="405230702" sldId="257"/>
-            <ac:spMk id="51" creationId="{A8D10092-A860-4EFB-963F-A14DA3648858}"/>
-          </ac:spMkLst>
-        </pc:spChg>
-        <pc:spChg chg="add del">
-          <ac:chgData name="Rubén González Villanueva" userId="c8c16a74-be0f-439b-9b67-6b666a436255" providerId="ADAL" clId="{2129604C-F01F-40CD-8BD8-E7558B492AD4}" dt="2019-11-01T18:06:11.286" v="79" actId="26606"/>
-          <ac:spMkLst>
-            <pc:docMk/>
-            <pc:sldMk cId="405230702" sldId="257"/>
-            <ac:spMk id="52" creationId="{5FFDA8B7-D418-45DE-8976-038DCE51654C}"/>
-          </ac:spMkLst>
-        </pc:spChg>
-        <pc:spChg chg="add del">
-          <ac:chgData name="Rubén González Villanueva" userId="c8c16a74-be0f-439b-9b67-6b666a436255" providerId="ADAL" clId="{2129604C-F01F-40CD-8BD8-E7558B492AD4}" dt="2019-11-01T18:16:41.232" v="254"/>
-          <ac:spMkLst>
-            <pc:docMk/>
-            <pc:sldMk cId="405230702" sldId="257"/>
-            <ac:spMk id="55" creationId="{A078A52F-85EA-4C0B-962B-D9D9DD4DD78C}"/>
-          </ac:spMkLst>
-        </pc:spChg>
-        <pc:spChg chg="add del">
-          <ac:chgData name="Rubén González Villanueva" userId="c8c16a74-be0f-439b-9b67-6b666a436255" providerId="ADAL" clId="{2129604C-F01F-40CD-8BD8-E7558B492AD4}" dt="2019-11-01T18:16:41.232" v="254"/>
-          <ac:spMkLst>
-            <pc:docMk/>
-            <pc:sldMk cId="405230702" sldId="257"/>
-            <ac:spMk id="56" creationId="{919797D5-5700-4683-B30A-5B4D56CB8270}"/>
-          </ac:spMkLst>
-        </pc:spChg>
-        <pc:spChg chg="add del">
-          <ac:chgData name="Rubén González Villanueva" userId="c8c16a74-be0f-439b-9b67-6b666a436255" providerId="ADAL" clId="{2129604C-F01F-40CD-8BD8-E7558B492AD4}" dt="2019-11-01T18:16:41.232" v="254"/>
-          <ac:spMkLst>
-            <pc:docMk/>
-            <pc:sldMk cId="405230702" sldId="257"/>
-            <ac:spMk id="57" creationId="{4856A7B9-9801-42EC-A4C9-7E22A56EF53D}"/>
-          </ac:spMkLst>
-        </pc:spChg>
-        <pc:spChg chg="add del">
-          <ac:chgData name="Rubén González Villanueva" userId="c8c16a74-be0f-439b-9b67-6b666a436255" providerId="ADAL" clId="{2129604C-F01F-40CD-8BD8-E7558B492AD4}" dt="2019-11-01T18:16:41.232" v="254"/>
-          <ac:spMkLst>
-            <pc:docMk/>
-            <pc:sldMk cId="405230702" sldId="257"/>
-            <ac:spMk id="58" creationId="{A8D10092-A860-4EFB-963F-A14DA3648858}"/>
-          </ac:spMkLst>
-        </pc:spChg>
-        <pc:spChg chg="add del">
-          <ac:chgData name="Rubén González Villanueva" userId="c8c16a74-be0f-439b-9b67-6b666a436255" providerId="ADAL" clId="{2129604C-F01F-40CD-8BD8-E7558B492AD4}" dt="2019-11-01T18:16:41.232" v="254"/>
-          <ac:spMkLst>
-            <pc:docMk/>
-            <pc:sldMk cId="405230702" sldId="257"/>
-            <ac:spMk id="59" creationId="{4AE9D071-98CF-435C-BD2B-976514544DC5}"/>
-          </ac:spMkLst>
-        </pc:spChg>
-        <pc:spChg chg="add">
-          <ac:chgData name="Rubén González Villanueva" userId="c8c16a74-be0f-439b-9b67-6b666a436255" providerId="ADAL" clId="{2129604C-F01F-40CD-8BD8-E7558B492AD4}" dt="2019-11-01T18:16:45.664" v="256" actId="26606"/>
-          <ac:spMkLst>
-            <pc:docMk/>
-            <pc:sldMk cId="405230702" sldId="257"/>
-            <ac:spMk id="66" creationId="{4AE9D071-98CF-435C-BD2B-976514544DC5}"/>
-          </ac:spMkLst>
-        </pc:spChg>
-        <pc:grpChg chg="add del">
-          <ac:chgData name="Rubén González Villanueva" userId="c8c16a74-be0f-439b-9b67-6b666a436255" providerId="ADAL" clId="{2129604C-F01F-40CD-8BD8-E7558B492AD4}" dt="2019-11-01T17:58:25.667" v="6" actId="26606"/>
-          <ac:grpSpMkLst>
-            <pc:docMk/>
-            <pc:sldMk cId="405230702" sldId="257"/>
-            <ac:grpSpMk id="16" creationId="{01D4AEDF-0CF9-4271-ABB7-3D3489BB42D0}"/>
-          </ac:grpSpMkLst>
-        </pc:grpChg>
-        <pc:grpChg chg="add del">
-          <ac:chgData name="Rubén González Villanueva" userId="c8c16a74-be0f-439b-9b67-6b666a436255" providerId="ADAL" clId="{2129604C-F01F-40CD-8BD8-E7558B492AD4}" dt="2019-11-01T18:06:11.320" v="80" actId="26606"/>
-          <ac:grpSpMkLst>
-            <pc:docMk/>
-            <pc:sldMk cId="405230702" sldId="257"/>
-            <ac:grpSpMk id="25" creationId="{7E6B15A5-F4B5-4786-934F-E57C7FA30298}"/>
-          </ac:grpSpMkLst>
-        </pc:grpChg>
-        <pc:grpChg chg="add del">
-          <ac:chgData name="Rubén González Villanueva" userId="c8c16a74-be0f-439b-9b67-6b666a436255" providerId="ADAL" clId="{2129604C-F01F-40CD-8BD8-E7558B492AD4}" dt="2019-11-01T18:06:09.528" v="77" actId="26606"/>
-          <ac:grpSpMkLst>
-            <pc:docMk/>
-            <pc:sldMk cId="405230702" sldId="257"/>
-            <ac:grpSpMk id="43" creationId="{D619FC33-16ED-4246-9596-BEFEB55E4CF6}"/>
-          </ac:grpSpMkLst>
-        </pc:grpChg>
-        <pc:grpChg chg="add del">
-          <ac:chgData name="Rubén González Villanueva" userId="c8c16a74-be0f-439b-9b67-6b666a436255" providerId="ADAL" clId="{2129604C-F01F-40CD-8BD8-E7558B492AD4}" dt="2019-11-01T18:06:11.286" v="79" actId="26606"/>
-          <ac:grpSpMkLst>
-            <pc:docMk/>
-            <pc:sldMk cId="405230702" sldId="257"/>
-            <ac:grpSpMk id="53" creationId="{4B0B5642-77FE-45F3-BA88-6E83123BD28F}"/>
-          </ac:grpSpMkLst>
-        </pc:grpChg>
-        <pc:grpChg chg="add del">
-          <ac:chgData name="Rubén González Villanueva" userId="c8c16a74-be0f-439b-9b67-6b666a436255" providerId="ADAL" clId="{2129604C-F01F-40CD-8BD8-E7558B492AD4}" dt="2019-11-01T18:16:41.232" v="254"/>
-          <ac:grpSpMkLst>
-            <pc:docMk/>
-            <pc:sldMk cId="405230702" sldId="257"/>
-            <ac:grpSpMk id="60" creationId="{D619FC33-16ED-4246-9596-BEFEB55E4CF6}"/>
-          </ac:grpSpMkLst>
-        </pc:grpChg>
-        <pc:grpChg chg="add">
-          <ac:chgData name="Rubén González Villanueva" userId="c8c16a74-be0f-439b-9b67-6b666a436255" providerId="ADAL" clId="{2129604C-F01F-40CD-8BD8-E7558B492AD4}" dt="2019-11-01T18:16:45.664" v="256" actId="26606"/>
-          <ac:grpSpMkLst>
-            <pc:docMk/>
-            <pc:sldMk cId="405230702" sldId="257"/>
-            <ac:grpSpMk id="68" creationId="{D619FC33-16ED-4246-9596-BEFEB55E4CF6}"/>
-          </ac:grpSpMkLst>
-        </pc:grpChg>
-        <pc:picChg chg="del mod">
-          <ac:chgData name="Rubén González Villanueva" userId="c8c16a74-be0f-439b-9b67-6b666a436255" providerId="ADAL" clId="{2129604C-F01F-40CD-8BD8-E7558B492AD4}" dt="2019-11-01T18:12:17.629" v="179" actId="478"/>
-          <ac:picMkLst>
-            <pc:docMk/>
-            <pc:sldMk cId="405230702" sldId="257"/>
-            <ac:picMk id="7" creationId="{C96961FD-7768-4B3C-B656-5FE33C6FC340}"/>
-          </ac:picMkLst>
-        </pc:picChg>
-        <pc:picChg chg="add del">
-          <ac:chgData name="Rubén González Villanueva" userId="c8c16a74-be0f-439b-9b67-6b666a436255" providerId="ADAL" clId="{2129604C-F01F-40CD-8BD8-E7558B492AD4}" dt="2019-11-01T18:16:15.671" v="247" actId="478"/>
-          <ac:picMkLst>
-            <pc:docMk/>
-            <pc:sldMk cId="405230702" sldId="257"/>
-            <ac:picMk id="47" creationId="{7AA3CF8D-B84A-4228-B903-20553B2A999C}"/>
-          </ac:picMkLst>
-        </pc:picChg>
-        <pc:picChg chg="add del">
-          <ac:chgData name="Rubén González Villanueva" userId="c8c16a74-be0f-439b-9b67-6b666a436255" providerId="ADAL" clId="{2129604C-F01F-40CD-8BD8-E7558B492AD4}" dt="2019-11-01T18:16:13.588" v="246"/>
-          <ac:picMkLst>
-            <pc:docMk/>
-            <pc:sldMk cId="405230702" sldId="257"/>
-            <ac:picMk id="54" creationId="{5FDD1E64-46C5-4B52-B0AD-88A7558F5FF4}"/>
-          </ac:picMkLst>
-        </pc:picChg>
-        <pc:picChg chg="add mod ord">
-          <ac:chgData name="Rubén González Villanueva" userId="c8c16a74-be0f-439b-9b67-6b666a436255" providerId="ADAL" clId="{2129604C-F01F-40CD-8BD8-E7558B492AD4}" dt="2019-11-01T18:16:45.664" v="256" actId="26606"/>
-          <ac:picMkLst>
-            <pc:docMk/>
-            <pc:sldMk cId="405230702" sldId="257"/>
-            <ac:picMk id="61" creationId="{052FCFAE-1A38-436C-85A0-2F4259F4281A}"/>
-          </ac:picMkLst>
-        </pc:picChg>
-      </pc:sldChg>
-      <pc:sldChg chg="addSp delSp modSp add modTransition">
-        <pc:chgData name="Rubén González Villanueva" userId="c8c16a74-be0f-439b-9b67-6b666a436255" providerId="ADAL" clId="{2129604C-F01F-40CD-8BD8-E7558B492AD4}" dt="2019-11-01T18:16:57.698" v="262" actId="1076"/>
-        <pc:sldMkLst>
-          <pc:docMk/>
-          <pc:sldMk cId="4006534359" sldId="258"/>
-        </pc:sldMkLst>
-        <pc:spChg chg="mod">
-          <ac:chgData name="Rubén González Villanueva" userId="c8c16a74-be0f-439b-9b67-6b666a436255" providerId="ADAL" clId="{2129604C-F01F-40CD-8BD8-E7558B492AD4}" dt="2019-11-01T18:04:27.958" v="72" actId="20577"/>
-          <ac:spMkLst>
-            <pc:docMk/>
-            <pc:sldMk cId="4006534359" sldId="258"/>
-            <ac:spMk id="2" creationId="{95AF7728-5CDB-45BD-94F9-C8062FF60583}"/>
-          </ac:spMkLst>
-        </pc:spChg>
-        <pc:spChg chg="add del mod">
-          <ac:chgData name="Rubén González Villanueva" userId="c8c16a74-be0f-439b-9b67-6b666a436255" providerId="ADAL" clId="{2129604C-F01F-40CD-8BD8-E7558B492AD4}" dt="2019-11-01T18:08:41.769" v="141" actId="27636"/>
-          <ac:spMkLst>
-            <pc:docMk/>
-            <pc:sldMk cId="4006534359" sldId="258"/>
-            <ac:spMk id="3" creationId="{CACE088F-D1B1-498E-941F-DEB7C7104F69}"/>
-          </ac:spMkLst>
-        </pc:spChg>
-        <pc:spChg chg="mod">
-          <ac:chgData name="Rubén González Villanueva" userId="c8c16a74-be0f-439b-9b67-6b666a436255" providerId="ADAL" clId="{2129604C-F01F-40CD-8BD8-E7558B492AD4}" dt="2019-11-01T18:08:41.772" v="142" actId="27636"/>
-          <ac:spMkLst>
-            <pc:docMk/>
-            <pc:sldMk cId="4006534359" sldId="258"/>
-            <ac:spMk id="4" creationId="{3CD0E60B-8AB2-4C81-88B9-741CB5CAD2C5}"/>
-          </ac:spMkLst>
-        </pc:spChg>
-        <pc:spChg chg="add mod">
-          <ac:chgData name="Rubén González Villanueva" userId="c8c16a74-be0f-439b-9b67-6b666a436255" providerId="ADAL" clId="{2129604C-F01F-40CD-8BD8-E7558B492AD4}" dt="2019-11-01T18:08:35.446" v="136" actId="20577"/>
-          <ac:spMkLst>
-            <pc:docMk/>
-            <pc:sldMk cId="4006534359" sldId="258"/>
-            <ac:spMk id="6" creationId="{794D0E0A-99FC-4A0F-9B7C-92915C73F626}"/>
-          </ac:spMkLst>
-        </pc:spChg>
-        <pc:spChg chg="add mod">
-          <ac:chgData name="Rubén González Villanueva" userId="c8c16a74-be0f-439b-9b67-6b666a436255" providerId="ADAL" clId="{2129604C-F01F-40CD-8BD8-E7558B492AD4}" dt="2019-11-01T18:08:43.639" v="144" actId="20577"/>
-          <ac:spMkLst>
-            <pc:docMk/>
-            <pc:sldMk cId="4006534359" sldId="258"/>
-            <ac:spMk id="7" creationId="{3CF58345-CE78-4205-A8ED-DEFFAAB5BA0A}"/>
-          </ac:spMkLst>
-        </pc:spChg>
-        <pc:picChg chg="add del">
-          <ac:chgData name="Rubén González Villanueva" userId="c8c16a74-be0f-439b-9b67-6b666a436255" providerId="ADAL" clId="{2129604C-F01F-40CD-8BD8-E7558B492AD4}" dt="2019-11-01T18:06:37.812" v="82"/>
-          <ac:picMkLst>
-            <pc:docMk/>
-            <pc:sldMk cId="4006534359" sldId="258"/>
-            <ac:picMk id="5" creationId="{AAFC23C4-12D6-49FE-84E2-B9929C1B55B9}"/>
-          </ac:picMkLst>
-        </pc:picChg>
-        <pc:picChg chg="add del mod">
-          <ac:chgData name="Rubén González Villanueva" userId="c8c16a74-be0f-439b-9b67-6b666a436255" providerId="ADAL" clId="{2129604C-F01F-40CD-8BD8-E7558B492AD4}" dt="2019-11-01T18:16:51.235" v="257" actId="478"/>
-          <ac:picMkLst>
-            <pc:docMk/>
-            <pc:sldMk cId="4006534359" sldId="258"/>
-            <ac:picMk id="8" creationId="{91390A97-73A7-4F93-8D22-BD1434D9DC26}"/>
-          </ac:picMkLst>
-        </pc:picChg>
-        <pc:picChg chg="add mod">
-          <ac:chgData name="Rubén González Villanueva" userId="c8c16a74-be0f-439b-9b67-6b666a436255" providerId="ADAL" clId="{2129604C-F01F-40CD-8BD8-E7558B492AD4}" dt="2019-11-01T18:16:57.698" v="262" actId="1076"/>
-          <ac:picMkLst>
-            <pc:docMk/>
-            <pc:sldMk cId="4006534359" sldId="258"/>
-            <ac:picMk id="9" creationId="{FA69D7F2-F553-423E-9C42-65D164A2303C}"/>
-          </ac:picMkLst>
-        </pc:picChg>
-      </pc:sldChg>
-      <pc:sldChg chg="addSp delSp modSp add modTransition">
-        <pc:chgData name="Rubén González Villanueva" userId="c8c16a74-be0f-439b-9b67-6b666a436255" providerId="ADAL" clId="{2129604C-F01F-40CD-8BD8-E7558B492AD4}" dt="2019-11-01T18:22:57.937" v="430" actId="27636"/>
-        <pc:sldMkLst>
-          <pc:docMk/>
-          <pc:sldMk cId="2183553396" sldId="259"/>
-        </pc:sldMkLst>
-        <pc:spChg chg="del">
-          <ac:chgData name="Rubén González Villanueva" userId="c8c16a74-be0f-439b-9b67-6b666a436255" providerId="ADAL" clId="{2129604C-F01F-40CD-8BD8-E7558B492AD4}" dt="2019-11-01T18:15:55.050" v="233"/>
-          <ac:spMkLst>
-            <pc:docMk/>
-            <pc:sldMk cId="2183553396" sldId="259"/>
-            <ac:spMk id="2" creationId="{169B8E74-6DD6-4B9F-BA1D-8DA139D1DCA8}"/>
-          </ac:spMkLst>
-        </pc:spChg>
-        <pc:spChg chg="del">
-          <ac:chgData name="Rubén González Villanueva" userId="c8c16a74-be0f-439b-9b67-6b666a436255" providerId="ADAL" clId="{2129604C-F01F-40CD-8BD8-E7558B492AD4}" dt="2019-11-01T18:15:55.050" v="233"/>
-          <ac:spMkLst>
-            <pc:docMk/>
-            <pc:sldMk cId="2183553396" sldId="259"/>
-            <ac:spMk id="3" creationId="{3C3DD84D-BE5F-4F6A-B44F-16748F5DE40B}"/>
-          </ac:spMkLst>
-        </pc:spChg>
-        <pc:spChg chg="del">
-          <ac:chgData name="Rubén González Villanueva" userId="c8c16a74-be0f-439b-9b67-6b666a436255" providerId="ADAL" clId="{2129604C-F01F-40CD-8BD8-E7558B492AD4}" dt="2019-11-01T18:15:55.050" v="233"/>
-          <ac:spMkLst>
-            <pc:docMk/>
-            <pc:sldMk cId="2183553396" sldId="259"/>
-            <ac:spMk id="4" creationId="{45E2BF4A-1255-4773-8DB0-6ABCAFF2AC46}"/>
-          </ac:spMkLst>
-        </pc:spChg>
-        <pc:spChg chg="del">
-          <ac:chgData name="Rubén González Villanueva" userId="c8c16a74-be0f-439b-9b67-6b666a436255" providerId="ADAL" clId="{2129604C-F01F-40CD-8BD8-E7558B492AD4}" dt="2019-11-01T18:15:55.050" v="233"/>
-          <ac:spMkLst>
-            <pc:docMk/>
-            <pc:sldMk cId="2183553396" sldId="259"/>
-            <ac:spMk id="5" creationId="{5AE523E7-DED7-46D9-A64E-0E537DB583BC}"/>
-          </ac:spMkLst>
-        </pc:spChg>
-        <pc:spChg chg="del">
-          <ac:chgData name="Rubén González Villanueva" userId="c8c16a74-be0f-439b-9b67-6b666a436255" providerId="ADAL" clId="{2129604C-F01F-40CD-8BD8-E7558B492AD4}" dt="2019-11-01T18:15:55.050" v="233"/>
-          <ac:spMkLst>
-            <pc:docMk/>
-            <pc:sldMk cId="2183553396" sldId="259"/>
-            <ac:spMk id="6" creationId="{2D47DCEE-1E3E-4914-B946-054C22862C82}"/>
-          </ac:spMkLst>
-        </pc:spChg>
-        <pc:spChg chg="add mod">
-          <ac:chgData name="Rubén González Villanueva" userId="c8c16a74-be0f-439b-9b67-6b666a436255" providerId="ADAL" clId="{2129604C-F01F-40CD-8BD8-E7558B492AD4}" dt="2019-11-01T18:16:01.749" v="243" actId="20577"/>
-          <ac:spMkLst>
-            <pc:docMk/>
-            <pc:sldMk cId="2183553396" sldId="259"/>
-            <ac:spMk id="7" creationId="{7A63CBD4-BF79-47E1-927B-F35FC3B78E17}"/>
-          </ac:spMkLst>
-        </pc:spChg>
-        <pc:spChg chg="add del mod">
-          <ac:chgData name="Rubén González Villanueva" userId="c8c16a74-be0f-439b-9b67-6b666a436255" providerId="ADAL" clId="{2129604C-F01F-40CD-8BD8-E7558B492AD4}" dt="2019-11-01T18:16:05.979" v="244" actId="478"/>
-          <ac:spMkLst>
-            <pc:docMk/>
-            <pc:sldMk cId="2183553396" sldId="259"/>
-            <ac:spMk id="8" creationId="{580C37CA-C9A4-4B1F-92E0-1DB0222050D6}"/>
-          </ac:spMkLst>
-        </pc:spChg>
-        <pc:spChg chg="add del mod">
-          <ac:chgData name="Rubén González Villanueva" userId="c8c16a74-be0f-439b-9b67-6b666a436255" providerId="ADAL" clId="{2129604C-F01F-40CD-8BD8-E7558B492AD4}" dt="2019-11-01T18:22:51.605" v="426"/>
-          <ac:spMkLst>
-            <pc:docMk/>
-            <pc:sldMk cId="2183553396" sldId="259"/>
-            <ac:spMk id="10" creationId="{0407B1D5-9705-422D-87F2-29F232A3AAFE}"/>
-          </ac:spMkLst>
-        </pc:spChg>
-        <pc:spChg chg="add mod">
-          <ac:chgData name="Rubén González Villanueva" userId="c8c16a74-be0f-439b-9b67-6b666a436255" providerId="ADAL" clId="{2129604C-F01F-40CD-8BD8-E7558B492AD4}" dt="2019-11-01T18:22:57.937" v="430" actId="27636"/>
-          <ac:spMkLst>
-            <pc:docMk/>
-            <pc:sldMk cId="2183553396" sldId="259"/>
-            <ac:spMk id="11" creationId="{AA36E30A-A112-48F5-B417-C6CD0FB4093F}"/>
-          </ac:spMkLst>
-        </pc:spChg>
-        <pc:spChg chg="add mod">
-          <ac:chgData name="Rubén González Villanueva" userId="c8c16a74-be0f-439b-9b67-6b666a436255" providerId="ADAL" clId="{2129604C-F01F-40CD-8BD8-E7558B492AD4}" dt="2019-11-01T18:22:57.835" v="429"/>
-          <ac:spMkLst>
-            <pc:docMk/>
-            <pc:sldMk cId="2183553396" sldId="259"/>
-            <ac:spMk id="12" creationId="{7AA28FEA-A436-4D31-B02C-504862B03FCB}"/>
-          </ac:spMkLst>
-        </pc:spChg>
-        <pc:picChg chg="add mod">
-          <ac:chgData name="Rubén González Villanueva" userId="c8c16a74-be0f-439b-9b67-6b666a436255" providerId="ADAL" clId="{2129604C-F01F-40CD-8BD8-E7558B492AD4}" dt="2019-11-01T18:21:54.595" v="422" actId="1076"/>
-          <ac:picMkLst>
-            <pc:docMk/>
-            <pc:sldMk cId="2183553396" sldId="259"/>
-            <ac:picMk id="9" creationId="{D8B0F239-9FF8-47DA-BE11-452A081BBFA2}"/>
-          </ac:picMkLst>
-        </pc:picChg>
-      </pc:sldChg>
-      <pc:sldChg chg="addSp delSp modSp add modTransition">
-        <pc:chgData name="Rubén González Villanueva" userId="c8c16a74-be0f-439b-9b67-6b666a436255" providerId="ADAL" clId="{2129604C-F01F-40CD-8BD8-E7558B492AD4}" dt="2019-11-01T18:22:04.171" v="424"/>
-        <pc:sldMkLst>
-          <pc:docMk/>
-          <pc:sldMk cId="925306443" sldId="261"/>
-        </pc:sldMkLst>
-        <pc:spChg chg="del">
-          <ac:chgData name="Rubén González Villanueva" userId="c8c16a74-be0f-439b-9b67-6b666a436255" providerId="ADAL" clId="{2129604C-F01F-40CD-8BD8-E7558B492AD4}" dt="2019-11-01T18:18:15.332" v="281"/>
-          <ac:spMkLst>
-            <pc:docMk/>
-            <pc:sldMk cId="925306443" sldId="261"/>
-            <ac:spMk id="2" creationId="{F3E0BB72-CB93-4B93-B62D-EA34AFCCA7A7}"/>
-          </ac:spMkLst>
-        </pc:spChg>
-        <pc:spChg chg="del">
-          <ac:chgData name="Rubén González Villanueva" userId="c8c16a74-be0f-439b-9b67-6b666a436255" providerId="ADAL" clId="{2129604C-F01F-40CD-8BD8-E7558B492AD4}" dt="2019-11-01T18:18:15.332" v="281"/>
-          <ac:spMkLst>
-            <pc:docMk/>
-            <pc:sldMk cId="925306443" sldId="261"/>
-            <ac:spMk id="3" creationId="{8FB14324-8CC8-4D83-9F89-DE440C8C71E2}"/>
-          </ac:spMkLst>
-        </pc:spChg>
-        <pc:spChg chg="add del mod">
-          <ac:chgData name="Rubén González Villanueva" userId="c8c16a74-be0f-439b-9b67-6b666a436255" providerId="ADAL" clId="{2129604C-F01F-40CD-8BD8-E7558B492AD4}" dt="2019-11-01T18:19:47.270" v="325"/>
-          <ac:spMkLst>
-            <pc:docMk/>
-            <pc:sldMk cId="925306443" sldId="261"/>
-            <ac:spMk id="4" creationId="{1AE6707E-6B6E-47D1-A74C-92A278704106}"/>
-          </ac:spMkLst>
-        </pc:spChg>
-        <pc:spChg chg="add del mod">
-          <ac:chgData name="Rubén González Villanueva" userId="c8c16a74-be0f-439b-9b67-6b666a436255" providerId="ADAL" clId="{2129604C-F01F-40CD-8BD8-E7558B492AD4}" dt="2019-11-01T18:20:10.031" v="355" actId="478"/>
-          <ac:spMkLst>
-            <pc:docMk/>
-            <pc:sldMk cId="925306443" sldId="261"/>
-            <ac:spMk id="5" creationId="{98D2E9CF-BF9D-4170-A2AB-5D67D61B99FA}"/>
-          </ac:spMkLst>
-        </pc:spChg>
-        <pc:spChg chg="add mod">
-          <ac:chgData name="Rubén González Villanueva" userId="c8c16a74-be0f-439b-9b67-6b666a436255" providerId="ADAL" clId="{2129604C-F01F-40CD-8BD8-E7558B492AD4}" dt="2019-11-01T18:21:25.075" v="415" actId="14100"/>
-          <ac:spMkLst>
-            <pc:docMk/>
-            <pc:sldMk cId="925306443" sldId="261"/>
-            <ac:spMk id="6" creationId="{3D1994B9-EC4C-48B0-9517-4FB987929E6D}"/>
-          </ac:spMkLst>
-        </pc:spChg>
-        <pc:spChg chg="add del mod">
-          <ac:chgData name="Rubén González Villanueva" userId="c8c16a74-be0f-439b-9b67-6b666a436255" providerId="ADAL" clId="{2129604C-F01F-40CD-8BD8-E7558B492AD4}" dt="2019-11-01T18:20:12.938" v="357" actId="478"/>
-          <ac:spMkLst>
-            <pc:docMk/>
-            <pc:sldMk cId="925306443" sldId="261"/>
-            <ac:spMk id="7" creationId="{0A47D344-4D6F-42C8-9297-D9983EF0DC47}"/>
-          </ac:spMkLst>
-        </pc:spChg>
-        <pc:spChg chg="add mod">
-          <ac:chgData name="Rubén González Villanueva" userId="c8c16a74-be0f-439b-9b67-6b666a436255" providerId="ADAL" clId="{2129604C-F01F-40CD-8BD8-E7558B492AD4}" dt="2019-11-01T18:21:29.015" v="416" actId="14100"/>
-          <ac:spMkLst>
-            <pc:docMk/>
-            <pc:sldMk cId="925306443" sldId="261"/>
-            <ac:spMk id="8" creationId="{5B5D8A8C-B81E-4795-A128-7F710114091E}"/>
-          </ac:spMkLst>
-        </pc:spChg>
-        <pc:spChg chg="add del mod">
-          <ac:chgData name="Rubén González Villanueva" userId="c8c16a74-be0f-439b-9b67-6b666a436255" providerId="ADAL" clId="{2129604C-F01F-40CD-8BD8-E7558B492AD4}" dt="2019-11-01T18:19:47.270" v="325"/>
-          <ac:spMkLst>
-            <pc:docMk/>
-            <pc:sldMk cId="925306443" sldId="261"/>
-            <ac:spMk id="9" creationId="{BE66AB64-698B-40FC-9186-07CC9D9F41E2}"/>
-          </ac:spMkLst>
-        </pc:spChg>
-        <pc:spChg chg="add del mod">
-          <ac:chgData name="Rubén González Villanueva" userId="c8c16a74-be0f-439b-9b67-6b666a436255" providerId="ADAL" clId="{2129604C-F01F-40CD-8BD8-E7558B492AD4}" dt="2019-11-01T18:19:47.270" v="325"/>
-          <ac:spMkLst>
-            <pc:docMk/>
-            <pc:sldMk cId="925306443" sldId="261"/>
-            <ac:spMk id="10" creationId="{C15321D7-B87E-477E-873F-79B24936DDA3}"/>
-          </ac:spMkLst>
-        </pc:spChg>
-        <pc:spChg chg="add del mod">
-          <ac:chgData name="Rubén González Villanueva" userId="c8c16a74-be0f-439b-9b67-6b666a436255" providerId="ADAL" clId="{2129604C-F01F-40CD-8BD8-E7558B492AD4}" dt="2019-11-01T18:19:47.270" v="325"/>
-          <ac:spMkLst>
-            <pc:docMk/>
-            <pc:sldMk cId="925306443" sldId="261"/>
-            <ac:spMk id="11" creationId="{518706C4-743C-4899-8CD5-B734FA164D50}"/>
-          </ac:spMkLst>
-        </pc:spChg>
-        <pc:spChg chg="add del mod">
-          <ac:chgData name="Rubén González Villanueva" userId="c8c16a74-be0f-439b-9b67-6b666a436255" providerId="ADAL" clId="{2129604C-F01F-40CD-8BD8-E7558B492AD4}" dt="2019-11-01T18:19:47.270" v="325"/>
-          <ac:spMkLst>
-            <pc:docMk/>
-            <pc:sldMk cId="925306443" sldId="261"/>
-            <ac:spMk id="12" creationId="{71509A6B-2EFB-498F-BAA3-7ED9F6C63510}"/>
-          </ac:spMkLst>
-        </pc:spChg>
-        <pc:spChg chg="add del mod">
-          <ac:chgData name="Rubén González Villanueva" userId="c8c16a74-be0f-439b-9b67-6b666a436255" providerId="ADAL" clId="{2129604C-F01F-40CD-8BD8-E7558B492AD4}" dt="2019-11-01T18:19:51.813" v="326"/>
-          <ac:spMkLst>
-            <pc:docMk/>
-            <pc:sldMk cId="925306443" sldId="261"/>
-            <ac:spMk id="13" creationId="{B21ED0BC-AACD-4F8B-B8DE-8CE0D0DB1948}"/>
-          </ac:spMkLst>
-        </pc:spChg>
-        <pc:spChg chg="add mod">
-          <ac:chgData name="Rubén González Villanueva" userId="c8c16a74-be0f-439b-9b67-6b666a436255" providerId="ADAL" clId="{2129604C-F01F-40CD-8BD8-E7558B492AD4}" dt="2019-11-01T18:20:52.882" v="414" actId="14100"/>
-          <ac:spMkLst>
-            <pc:docMk/>
-            <pc:sldMk cId="925306443" sldId="261"/>
-            <ac:spMk id="14" creationId="{CA42A7FF-1F67-427F-A084-5023863AB68E}"/>
-          </ac:spMkLst>
-        </pc:spChg>
-        <pc:spChg chg="add del mod">
-          <ac:chgData name="Rubén González Villanueva" userId="c8c16a74-be0f-439b-9b67-6b666a436255" providerId="ADAL" clId="{2129604C-F01F-40CD-8BD8-E7558B492AD4}" dt="2019-11-01T18:20:11.453" v="356" actId="478"/>
-          <ac:spMkLst>
-            <pc:docMk/>
-            <pc:sldMk cId="925306443" sldId="261"/>
-            <ac:spMk id="16" creationId="{252E38B0-FF4A-4102-A4CB-744C0B34BD64}"/>
-          </ac:spMkLst>
-        </pc:spChg>
-        <pc:spChg chg="add del mod">
-          <ac:chgData name="Rubén González Villanueva" userId="c8c16a74-be0f-439b-9b67-6b666a436255" providerId="ADAL" clId="{2129604C-F01F-40CD-8BD8-E7558B492AD4}" dt="2019-11-01T18:20:14.306" v="358" actId="478"/>
-          <ac:spMkLst>
-            <pc:docMk/>
-            <pc:sldMk cId="925306443" sldId="261"/>
-            <ac:spMk id="18" creationId="{F76A7474-73B9-4540-B183-851FEDCB7298}"/>
-          </ac:spMkLst>
-        </pc:spChg>
-        <pc:picChg chg="add mod">
-          <ac:chgData name="Rubén González Villanueva" userId="c8c16a74-be0f-439b-9b67-6b666a436255" providerId="ADAL" clId="{2129604C-F01F-40CD-8BD8-E7558B492AD4}" dt="2019-11-01T18:21:50.306" v="420" actId="1076"/>
-          <ac:picMkLst>
-            <pc:docMk/>
-            <pc:sldMk cId="925306443" sldId="261"/>
-            <ac:picMk id="19" creationId="{3D5F8449-5863-43B5-8C99-25B181CD7E3C}"/>
           </ac:picMkLst>
         </pc:picChg>
       </pc:sldChg>
@@ -1364,34 +930,34 @@
     </pc:docChg>
   </pc:docChgLst>
   <pc:docChgLst>
-    <pc:chgData name="Usuario invitado" providerId="Windows Live" clId="Web-{049E3096-6EA6-4CD1-8E07-F944FC9CC900}"/>
+    <pc:chgData name="Gabriel Vindas Brenes" userId="33bbea57a04d846b" providerId="Windows Live" clId="Web-{E803B68A-CA84-4C08-BC57-D86D5B8F2DBA}"/>
     <pc:docChg chg="modSld">
-      <pc:chgData name="Usuario invitado" userId="" providerId="Windows Live" clId="Web-{049E3096-6EA6-4CD1-8E07-F944FC9CC900}" dt="2019-11-11T18:55:38.570" v="96" actId="14100"/>
+      <pc:chgData name="Gabriel Vindas Brenes" userId="33bbea57a04d846b" providerId="Windows Live" clId="Web-{E803B68A-CA84-4C08-BC57-D86D5B8F2DBA}" dt="2019-11-12T21:31:01.686" v="487" actId="20577"/>
       <pc:docMkLst>
         <pc:docMk/>
       </pc:docMkLst>
       <pc:sldChg chg="modSp">
-        <pc:chgData name="Usuario invitado" userId="" providerId="Windows Live" clId="Web-{049E3096-6EA6-4CD1-8E07-F944FC9CC900}" dt="2019-11-11T18:55:38.570" v="96" actId="14100"/>
+        <pc:chgData name="Gabriel Vindas Brenes" userId="33bbea57a04d846b" providerId="Windows Live" clId="Web-{E803B68A-CA84-4C08-BC57-D86D5B8F2DBA}" dt="2019-11-12T21:31:01.686" v="486" actId="20577"/>
         <pc:sldMkLst>
           <pc:docMk/>
-          <pc:sldMk cId="3571924505" sldId="262"/>
+          <pc:sldMk cId="925306443" sldId="261"/>
         </pc:sldMkLst>
         <pc:spChg chg="mod">
-          <ac:chgData name="Usuario invitado" userId="" providerId="Windows Live" clId="Web-{049E3096-6EA6-4CD1-8E07-F944FC9CC900}" dt="2019-11-11T18:55:38.570" v="96" actId="14100"/>
-          <ac:spMkLst>
-            <pc:docMk/>
-            <pc:sldMk cId="3571924505" sldId="262"/>
-            <ac:spMk id="3" creationId="{6DA9A8D3-9343-4B0A-B6C2-6E8B84A4F58D}"/>
-          </ac:spMkLst>
-        </pc:spChg>
-        <pc:picChg chg="mod">
-          <ac:chgData name="Usuario invitado" userId="" providerId="Windows Live" clId="Web-{049E3096-6EA6-4CD1-8E07-F944FC9CC900}" dt="2019-11-11T18:54:20.710" v="1" actId="1076"/>
-          <ac:picMkLst>
-            <pc:docMk/>
-            <pc:sldMk cId="3571924505" sldId="262"/>
-            <ac:picMk id="4" creationId="{37DBDBF7-C1A7-4C8A-9A5E-196CD5615A7D}"/>
-          </ac:picMkLst>
-        </pc:picChg>
+          <ac:chgData name="Gabriel Vindas Brenes" userId="33bbea57a04d846b" providerId="Windows Live" clId="Web-{E803B68A-CA84-4C08-BC57-D86D5B8F2DBA}" dt="2019-11-12T21:31:01.686" v="486" actId="20577"/>
+          <ac:spMkLst>
+            <pc:docMk/>
+            <pc:sldMk cId="925306443" sldId="261"/>
+            <ac:spMk id="6" creationId="{3D1994B9-EC4C-48B0-9517-4FB987929E6D}"/>
+          </ac:spMkLst>
+        </pc:spChg>
+        <pc:spChg chg="mod">
+          <ac:chgData name="Gabriel Vindas Brenes" userId="33bbea57a04d846b" providerId="Windows Live" clId="Web-{E803B68A-CA84-4C08-BC57-D86D5B8F2DBA}" dt="2019-11-12T21:20:34.256" v="188" actId="20577"/>
+          <ac:spMkLst>
+            <pc:docMk/>
+            <pc:sldMk cId="925306443" sldId="261"/>
+            <ac:spMk id="8" creationId="{5B5D8A8C-B81E-4795-A128-7F710114091E}"/>
+          </ac:spMkLst>
+        </pc:spChg>
       </pc:sldChg>
     </pc:docChg>
   </pc:docChgLst>
@@ -1420,186 +986,670 @@
     </pc:docChg>
   </pc:docChgLst>
   <pc:docChgLst>
-    <pc:chgData name="Gerardo Villalobos" userId="41038f17c8568cbf" providerId="Windows Live" clId="Web-{88BBAFC7-5965-490D-9A21-068BC1627F7A}"/>
-    <pc:docChg chg="modSld">
-      <pc:chgData name="Gerardo Villalobos" userId="41038f17c8568cbf" providerId="Windows Live" clId="Web-{88BBAFC7-5965-490D-9A21-068BC1627F7A}" dt="2019-11-12T05:35:09.804" v="655" actId="20577"/>
+    <pc:chgData name="Rubén González Villanueva" userId="c8c16a74-be0f-439b-9b67-6b666a436255" providerId="ADAL" clId="{2129604C-F01F-40CD-8BD8-E7558B492AD4}"/>
+    <pc:docChg chg="undo custSel mod addSld delSld modSld">
+      <pc:chgData name="Rubén González Villanueva" userId="c8c16a74-be0f-439b-9b67-6b666a436255" providerId="ADAL" clId="{2129604C-F01F-40CD-8BD8-E7558B492AD4}" dt="2019-11-01T18:22:57.937" v="430" actId="27636"/>
       <pc:docMkLst>
         <pc:docMk/>
       </pc:docMkLst>
-      <pc:sldChg chg="modSp">
-        <pc:chgData name="Gerardo Villalobos" userId="41038f17c8568cbf" providerId="Windows Live" clId="Web-{88BBAFC7-5965-490D-9A21-068BC1627F7A}" dt="2019-11-12T05:28:15.037" v="653" actId="20577"/>
+      <pc:sldChg chg="addSp delSp modSp delDesignElem">
+        <pc:chgData name="Rubén González Villanueva" userId="c8c16a74-be0f-439b-9b67-6b666a436255" providerId="ADAL" clId="{2129604C-F01F-40CD-8BD8-E7558B492AD4}" dt="2019-11-01T18:13:50.124" v="231"/>
+        <pc:sldMkLst>
+          <pc:docMk/>
+          <pc:sldMk cId="567220051" sldId="256"/>
+        </pc:sldMkLst>
+        <pc:spChg chg="mod">
+          <ac:chgData name="Rubén González Villanueva" userId="c8c16a74-be0f-439b-9b67-6b666a436255" providerId="ADAL" clId="{2129604C-F01F-40CD-8BD8-E7558B492AD4}" dt="2019-11-01T17:58:10.859" v="4"/>
+          <ac:spMkLst>
+            <pc:docMk/>
+            <pc:sldMk cId="567220051" sldId="256"/>
+            <ac:spMk id="3" creationId="{305387FA-9453-424C-8F0D-19742859F9C6}"/>
+          </ac:spMkLst>
+        </pc:spChg>
+        <pc:spChg chg="add del mod">
+          <ac:chgData name="Rubén González Villanueva" userId="c8c16a74-be0f-439b-9b67-6b666a436255" providerId="ADAL" clId="{2129604C-F01F-40CD-8BD8-E7558B492AD4}" dt="2019-11-01T17:58:10.859" v="4"/>
+          <ac:spMkLst>
+            <pc:docMk/>
+            <pc:sldMk cId="567220051" sldId="256"/>
+            <ac:spMk id="8" creationId="{D803034F-E74E-47ED-9904-73FD2C2E8839}"/>
+          </ac:spMkLst>
+        </pc:spChg>
+        <pc:spChg chg="add del">
+          <ac:chgData name="Rubén González Villanueva" userId="c8c16a74-be0f-439b-9b67-6b666a436255" providerId="ADAL" clId="{2129604C-F01F-40CD-8BD8-E7558B492AD4}" dt="2019-11-01T17:58:10.859" v="4"/>
+          <ac:spMkLst>
+            <pc:docMk/>
+            <pc:sldMk cId="567220051" sldId="256"/>
+            <ac:spMk id="23" creationId="{379F11E2-8BA5-4C5C-AE7C-361E5EA011FF}"/>
+          </ac:spMkLst>
+        </pc:spChg>
+        <pc:spChg chg="add del">
+          <ac:chgData name="Rubén González Villanueva" userId="c8c16a74-be0f-439b-9b67-6b666a436255" providerId="ADAL" clId="{2129604C-F01F-40CD-8BD8-E7558B492AD4}" dt="2019-11-01T17:58:10.859" v="4"/>
+          <ac:spMkLst>
+            <pc:docMk/>
+            <pc:sldMk cId="567220051" sldId="256"/>
+            <ac:spMk id="25" creationId="{7C00E1DA-EC7C-40FC-95E3-11FDCD2E4291}"/>
+          </ac:spMkLst>
+        </pc:spChg>
+        <pc:grpChg chg="add del">
+          <ac:chgData name="Rubén González Villanueva" userId="c8c16a74-be0f-439b-9b67-6b666a436255" providerId="ADAL" clId="{2129604C-F01F-40CD-8BD8-E7558B492AD4}" dt="2019-11-01T17:58:10.859" v="4"/>
+          <ac:grpSpMkLst>
+            <pc:docMk/>
+            <pc:sldMk cId="567220051" sldId="256"/>
+            <ac:grpSpMk id="27" creationId="{9A421166-2996-41A7-B094-AE5316F347DD}"/>
+          </ac:grpSpMkLst>
+        </pc:grpChg>
+        <pc:picChg chg="mod">
+          <ac:chgData name="Rubén González Villanueva" userId="c8c16a74-be0f-439b-9b67-6b666a436255" providerId="ADAL" clId="{2129604C-F01F-40CD-8BD8-E7558B492AD4}" dt="2019-11-01T18:13:50.124" v="231"/>
+          <ac:picMkLst>
+            <pc:docMk/>
+            <pc:sldMk cId="567220051" sldId="256"/>
+            <ac:picMk id="5" creationId="{B8F98EAE-13DD-4C7F-A54F-445FD8605DF4}"/>
+          </ac:picMkLst>
+        </pc:picChg>
+      </pc:sldChg>
+      <pc:sldChg chg="addSp delSp modSp mod setBg delDesignElem">
+        <pc:chgData name="Rubén González Villanueva" userId="c8c16a74-be0f-439b-9b67-6b666a436255" providerId="ADAL" clId="{2129604C-F01F-40CD-8BD8-E7558B492AD4}" dt="2019-11-01T18:16:45.664" v="256" actId="26606"/>
+        <pc:sldMkLst>
+          <pc:docMk/>
+          <pc:sldMk cId="405230702" sldId="257"/>
+        </pc:sldMkLst>
+        <pc:spChg chg="mod ord">
+          <ac:chgData name="Rubén González Villanueva" userId="c8c16a74-be0f-439b-9b67-6b666a436255" providerId="ADAL" clId="{2129604C-F01F-40CD-8BD8-E7558B492AD4}" dt="2019-11-01T18:16:45.664" v="256" actId="26606"/>
+          <ac:spMkLst>
+            <pc:docMk/>
+            <pc:sldMk cId="405230702" sldId="257"/>
+            <ac:spMk id="2" creationId="{DB4BD388-4E4C-4729-9C98-FDCE73F701DE}"/>
+          </ac:spMkLst>
+        </pc:spChg>
+        <pc:spChg chg="add mod">
+          <ac:chgData name="Rubén González Villanueva" userId="c8c16a74-be0f-439b-9b67-6b666a436255" providerId="ADAL" clId="{2129604C-F01F-40CD-8BD8-E7558B492AD4}" dt="2019-11-01T18:16:45.664" v="256" actId="26606"/>
+          <ac:spMkLst>
+            <pc:docMk/>
+            <pc:sldMk cId="405230702" sldId="257"/>
+            <ac:spMk id="8" creationId="{115E2BAF-7EC9-45CB-AE80-C410061A963D}"/>
+          </ac:spMkLst>
+        </pc:spChg>
+        <pc:spChg chg="add del mod">
+          <ac:chgData name="Rubén González Villanueva" userId="c8c16a74-be0f-439b-9b67-6b666a436255" providerId="ADAL" clId="{2129604C-F01F-40CD-8BD8-E7558B492AD4}" dt="2019-11-01T18:16:41.232" v="254"/>
+          <ac:spMkLst>
+            <pc:docMk/>
+            <pc:sldMk cId="405230702" sldId="257"/>
+            <ac:spMk id="10" creationId="{9DD38617-F584-483B-9033-3D4FDA203276}"/>
+          </ac:spMkLst>
+        </pc:spChg>
+        <pc:spChg chg="add del">
+          <ac:chgData name="Rubén González Villanueva" userId="c8c16a74-be0f-439b-9b67-6b666a436255" providerId="ADAL" clId="{2129604C-F01F-40CD-8BD8-E7558B492AD4}" dt="2019-11-01T17:58:25.667" v="6" actId="26606"/>
+          <ac:spMkLst>
+            <pc:docMk/>
+            <pc:sldMk cId="405230702" sldId="257"/>
+            <ac:spMk id="11" creationId="{317F59F4-9C4A-42AF-B61E-D2B155EBD20A}"/>
+          </ac:spMkLst>
+        </pc:spChg>
+        <pc:spChg chg="add del">
+          <ac:chgData name="Rubén González Villanueva" userId="c8c16a74-be0f-439b-9b67-6b666a436255" providerId="ADAL" clId="{2129604C-F01F-40CD-8BD8-E7558B492AD4}" dt="2019-11-01T18:06:11.320" v="80" actId="26606"/>
+          <ac:spMkLst>
+            <pc:docMk/>
+            <pc:sldMk cId="405230702" sldId="257"/>
+            <ac:spMk id="13" creationId="{A078A52F-85EA-4C0B-962B-D9D9DD4DD78C}"/>
+          </ac:spMkLst>
+        </pc:spChg>
+        <pc:spChg chg="add del">
+          <ac:chgData name="Rubén González Villanueva" userId="c8c16a74-be0f-439b-9b67-6b666a436255" providerId="ADAL" clId="{2129604C-F01F-40CD-8BD8-E7558B492AD4}" dt="2019-11-01T17:58:25.667" v="6" actId="26606"/>
+          <ac:spMkLst>
+            <pc:docMk/>
+            <pc:sldMk cId="405230702" sldId="257"/>
+            <ac:spMk id="14" creationId="{EE15E636-2C9E-42CB-B482-436AA81BF93B}"/>
+          </ac:spMkLst>
+        </pc:spChg>
+        <pc:spChg chg="add del">
+          <ac:chgData name="Rubén González Villanueva" userId="c8c16a74-be0f-439b-9b67-6b666a436255" providerId="ADAL" clId="{2129604C-F01F-40CD-8BD8-E7558B492AD4}" dt="2019-11-01T18:06:11.320" v="80" actId="26606"/>
+          <ac:spMkLst>
+            <pc:docMk/>
+            <pc:sldMk cId="405230702" sldId="257"/>
+            <ac:spMk id="15" creationId="{919797D5-5700-4683-B30A-5B4D56CB8270}"/>
+          </ac:spMkLst>
+        </pc:spChg>
+        <pc:spChg chg="add del">
+          <ac:chgData name="Rubén González Villanueva" userId="c8c16a74-be0f-439b-9b67-6b666a436255" providerId="ADAL" clId="{2129604C-F01F-40CD-8BD8-E7558B492AD4}" dt="2019-11-01T18:06:11.320" v="80" actId="26606"/>
+          <ac:spMkLst>
+            <pc:docMk/>
+            <pc:sldMk cId="405230702" sldId="257"/>
+            <ac:spMk id="17" creationId="{4856A7B9-9801-42EC-A4C9-7E22A56EF53D}"/>
+          </ac:spMkLst>
+        </pc:spChg>
+        <pc:spChg chg="add del">
+          <ac:chgData name="Rubén González Villanueva" userId="c8c16a74-be0f-439b-9b67-6b666a436255" providerId="ADAL" clId="{2129604C-F01F-40CD-8BD8-E7558B492AD4}" dt="2019-11-01T18:06:11.320" v="80" actId="26606"/>
+          <ac:spMkLst>
+            <pc:docMk/>
+            <pc:sldMk cId="405230702" sldId="257"/>
+            <ac:spMk id="19" creationId="{A8D10092-A860-4EFB-963F-A14DA3648858}"/>
+          </ac:spMkLst>
+        </pc:spChg>
+        <pc:spChg chg="add del">
+          <ac:chgData name="Rubén González Villanueva" userId="c8c16a74-be0f-439b-9b67-6b666a436255" providerId="ADAL" clId="{2129604C-F01F-40CD-8BD8-E7558B492AD4}" dt="2019-11-01T18:06:11.320" v="80" actId="26606"/>
+          <ac:spMkLst>
+            <pc:docMk/>
+            <pc:sldMk cId="405230702" sldId="257"/>
+            <ac:spMk id="21" creationId="{BABD8CBF-1782-456F-AF12-36CD021CCCF6}"/>
+          </ac:spMkLst>
+        </pc:spChg>
+        <pc:spChg chg="add del">
+          <ac:chgData name="Rubén González Villanueva" userId="c8c16a74-be0f-439b-9b67-6b666a436255" providerId="ADAL" clId="{2129604C-F01F-40CD-8BD8-E7558B492AD4}" dt="2019-11-01T18:06:11.320" v="80" actId="26606"/>
+          <ac:spMkLst>
+            <pc:docMk/>
+            <pc:sldMk cId="405230702" sldId="257"/>
+            <ac:spMk id="23" creationId="{18A186C0-DD3C-4FF4-B165-943244CBD116}"/>
+          </ac:spMkLst>
+        </pc:spChg>
+        <pc:spChg chg="add del">
+          <ac:chgData name="Rubén González Villanueva" userId="c8c16a74-be0f-439b-9b67-6b666a436255" providerId="ADAL" clId="{2129604C-F01F-40CD-8BD8-E7558B492AD4}" dt="2019-11-01T18:06:09.528" v="77" actId="26606"/>
+          <ac:spMkLst>
+            <pc:docMk/>
+            <pc:sldMk cId="405230702" sldId="257"/>
+            <ac:spMk id="33" creationId="{A078A52F-85EA-4C0B-962B-D9D9DD4DD78C}"/>
+          </ac:spMkLst>
+        </pc:spChg>
+        <pc:spChg chg="add del">
+          <ac:chgData name="Rubén González Villanueva" userId="c8c16a74-be0f-439b-9b67-6b666a436255" providerId="ADAL" clId="{2129604C-F01F-40CD-8BD8-E7558B492AD4}" dt="2019-11-01T18:06:09.528" v="77" actId="26606"/>
+          <ac:spMkLst>
+            <pc:docMk/>
+            <pc:sldMk cId="405230702" sldId="257"/>
+            <ac:spMk id="35" creationId="{919797D5-5700-4683-B30A-5B4D56CB8270}"/>
+          </ac:spMkLst>
+        </pc:spChg>
+        <pc:spChg chg="add del">
+          <ac:chgData name="Rubén González Villanueva" userId="c8c16a74-be0f-439b-9b67-6b666a436255" providerId="ADAL" clId="{2129604C-F01F-40CD-8BD8-E7558B492AD4}" dt="2019-11-01T18:06:09.528" v="77" actId="26606"/>
+          <ac:spMkLst>
+            <pc:docMk/>
+            <pc:sldMk cId="405230702" sldId="257"/>
+            <ac:spMk id="37" creationId="{4856A7B9-9801-42EC-A4C9-7E22A56EF53D}"/>
+          </ac:spMkLst>
+        </pc:spChg>
+        <pc:spChg chg="add del">
+          <ac:chgData name="Rubén González Villanueva" userId="c8c16a74-be0f-439b-9b67-6b666a436255" providerId="ADAL" clId="{2129604C-F01F-40CD-8BD8-E7558B492AD4}" dt="2019-11-01T18:06:09.528" v="77" actId="26606"/>
+          <ac:spMkLst>
+            <pc:docMk/>
+            <pc:sldMk cId="405230702" sldId="257"/>
+            <ac:spMk id="39" creationId="{A8D10092-A860-4EFB-963F-A14DA3648858}"/>
+          </ac:spMkLst>
+        </pc:spChg>
+        <pc:spChg chg="add del">
+          <ac:chgData name="Rubén González Villanueva" userId="c8c16a74-be0f-439b-9b67-6b666a436255" providerId="ADAL" clId="{2129604C-F01F-40CD-8BD8-E7558B492AD4}" dt="2019-11-01T18:06:09.528" v="77" actId="26606"/>
+          <ac:spMkLst>
+            <pc:docMk/>
+            <pc:sldMk cId="405230702" sldId="257"/>
+            <ac:spMk id="41" creationId="{4AE9D071-98CF-435C-BD2B-976514544DC5}"/>
+          </ac:spMkLst>
+        </pc:spChg>
+        <pc:spChg chg="add del">
+          <ac:chgData name="Rubén González Villanueva" userId="c8c16a74-be0f-439b-9b67-6b666a436255" providerId="ADAL" clId="{2129604C-F01F-40CD-8BD8-E7558B492AD4}" dt="2019-11-01T18:06:11.286" v="79" actId="26606"/>
+          <ac:spMkLst>
+            <pc:docMk/>
+            <pc:sldMk cId="405230702" sldId="257"/>
+            <ac:spMk id="48" creationId="{A078A52F-85EA-4C0B-962B-D9D9DD4DD78C}"/>
+          </ac:spMkLst>
+        </pc:spChg>
+        <pc:spChg chg="add del">
+          <ac:chgData name="Rubén González Villanueva" userId="c8c16a74-be0f-439b-9b67-6b666a436255" providerId="ADAL" clId="{2129604C-F01F-40CD-8BD8-E7558B492AD4}" dt="2019-11-01T18:06:11.286" v="79" actId="26606"/>
+          <ac:spMkLst>
+            <pc:docMk/>
+            <pc:sldMk cId="405230702" sldId="257"/>
+            <ac:spMk id="49" creationId="{919797D5-5700-4683-B30A-5B4D56CB8270}"/>
+          </ac:spMkLst>
+        </pc:spChg>
+        <pc:spChg chg="add del">
+          <ac:chgData name="Rubén González Villanueva" userId="c8c16a74-be0f-439b-9b67-6b666a436255" providerId="ADAL" clId="{2129604C-F01F-40CD-8BD8-E7558B492AD4}" dt="2019-11-01T18:06:11.286" v="79" actId="26606"/>
+          <ac:spMkLst>
+            <pc:docMk/>
+            <pc:sldMk cId="405230702" sldId="257"/>
+            <ac:spMk id="50" creationId="{4856A7B9-9801-42EC-A4C9-7E22A56EF53D}"/>
+          </ac:spMkLst>
+        </pc:spChg>
+        <pc:spChg chg="add del">
+          <ac:chgData name="Rubén González Villanueva" userId="c8c16a74-be0f-439b-9b67-6b666a436255" providerId="ADAL" clId="{2129604C-F01F-40CD-8BD8-E7558B492AD4}" dt="2019-11-01T18:06:11.286" v="79" actId="26606"/>
+          <ac:spMkLst>
+            <pc:docMk/>
+            <pc:sldMk cId="405230702" sldId="257"/>
+            <ac:spMk id="51" creationId="{A8D10092-A860-4EFB-963F-A14DA3648858}"/>
+          </ac:spMkLst>
+        </pc:spChg>
+        <pc:spChg chg="add del">
+          <ac:chgData name="Rubén González Villanueva" userId="c8c16a74-be0f-439b-9b67-6b666a436255" providerId="ADAL" clId="{2129604C-F01F-40CD-8BD8-E7558B492AD4}" dt="2019-11-01T18:06:11.286" v="79" actId="26606"/>
+          <ac:spMkLst>
+            <pc:docMk/>
+            <pc:sldMk cId="405230702" sldId="257"/>
+            <ac:spMk id="52" creationId="{5FFDA8B7-D418-45DE-8976-038DCE51654C}"/>
+          </ac:spMkLst>
+        </pc:spChg>
+        <pc:spChg chg="add del">
+          <ac:chgData name="Rubén González Villanueva" userId="c8c16a74-be0f-439b-9b67-6b666a436255" providerId="ADAL" clId="{2129604C-F01F-40CD-8BD8-E7558B492AD4}" dt="2019-11-01T18:16:41.232" v="254"/>
+          <ac:spMkLst>
+            <pc:docMk/>
+            <pc:sldMk cId="405230702" sldId="257"/>
+            <ac:spMk id="55" creationId="{A078A52F-85EA-4C0B-962B-D9D9DD4DD78C}"/>
+          </ac:spMkLst>
+        </pc:spChg>
+        <pc:spChg chg="add del">
+          <ac:chgData name="Rubén González Villanueva" userId="c8c16a74-be0f-439b-9b67-6b666a436255" providerId="ADAL" clId="{2129604C-F01F-40CD-8BD8-E7558B492AD4}" dt="2019-11-01T18:16:41.232" v="254"/>
+          <ac:spMkLst>
+            <pc:docMk/>
+            <pc:sldMk cId="405230702" sldId="257"/>
+            <ac:spMk id="56" creationId="{919797D5-5700-4683-B30A-5B4D56CB8270}"/>
+          </ac:spMkLst>
+        </pc:spChg>
+        <pc:spChg chg="add del">
+          <ac:chgData name="Rubén González Villanueva" userId="c8c16a74-be0f-439b-9b67-6b666a436255" providerId="ADAL" clId="{2129604C-F01F-40CD-8BD8-E7558B492AD4}" dt="2019-11-01T18:16:41.232" v="254"/>
+          <ac:spMkLst>
+            <pc:docMk/>
+            <pc:sldMk cId="405230702" sldId="257"/>
+            <ac:spMk id="57" creationId="{4856A7B9-9801-42EC-A4C9-7E22A56EF53D}"/>
+          </ac:spMkLst>
+        </pc:spChg>
+        <pc:spChg chg="add del">
+          <ac:chgData name="Rubén González Villanueva" userId="c8c16a74-be0f-439b-9b67-6b666a436255" providerId="ADAL" clId="{2129604C-F01F-40CD-8BD8-E7558B492AD4}" dt="2019-11-01T18:16:41.232" v="254"/>
+          <ac:spMkLst>
+            <pc:docMk/>
+            <pc:sldMk cId="405230702" sldId="257"/>
+            <ac:spMk id="58" creationId="{A8D10092-A860-4EFB-963F-A14DA3648858}"/>
+          </ac:spMkLst>
+        </pc:spChg>
+        <pc:spChg chg="add del">
+          <ac:chgData name="Rubén González Villanueva" userId="c8c16a74-be0f-439b-9b67-6b666a436255" providerId="ADAL" clId="{2129604C-F01F-40CD-8BD8-E7558B492AD4}" dt="2019-11-01T18:16:41.232" v="254"/>
+          <ac:spMkLst>
+            <pc:docMk/>
+            <pc:sldMk cId="405230702" sldId="257"/>
+            <ac:spMk id="59" creationId="{4AE9D071-98CF-435C-BD2B-976514544DC5}"/>
+          </ac:spMkLst>
+        </pc:spChg>
+        <pc:spChg chg="add">
+          <ac:chgData name="Rubén González Villanueva" userId="c8c16a74-be0f-439b-9b67-6b666a436255" providerId="ADAL" clId="{2129604C-F01F-40CD-8BD8-E7558B492AD4}" dt="2019-11-01T18:16:45.664" v="256" actId="26606"/>
+          <ac:spMkLst>
+            <pc:docMk/>
+            <pc:sldMk cId="405230702" sldId="257"/>
+            <ac:spMk id="66" creationId="{4AE9D071-98CF-435C-BD2B-976514544DC5}"/>
+          </ac:spMkLst>
+        </pc:spChg>
+        <pc:grpChg chg="add del">
+          <ac:chgData name="Rubén González Villanueva" userId="c8c16a74-be0f-439b-9b67-6b666a436255" providerId="ADAL" clId="{2129604C-F01F-40CD-8BD8-E7558B492AD4}" dt="2019-11-01T17:58:25.667" v="6" actId="26606"/>
+          <ac:grpSpMkLst>
+            <pc:docMk/>
+            <pc:sldMk cId="405230702" sldId="257"/>
+            <ac:grpSpMk id="16" creationId="{01D4AEDF-0CF9-4271-ABB7-3D3489BB42D0}"/>
+          </ac:grpSpMkLst>
+        </pc:grpChg>
+        <pc:grpChg chg="add del">
+          <ac:chgData name="Rubén González Villanueva" userId="c8c16a74-be0f-439b-9b67-6b666a436255" providerId="ADAL" clId="{2129604C-F01F-40CD-8BD8-E7558B492AD4}" dt="2019-11-01T18:06:11.320" v="80" actId="26606"/>
+          <ac:grpSpMkLst>
+            <pc:docMk/>
+            <pc:sldMk cId="405230702" sldId="257"/>
+            <ac:grpSpMk id="25" creationId="{7E6B15A5-F4B5-4786-934F-E57C7FA30298}"/>
+          </ac:grpSpMkLst>
+        </pc:grpChg>
+        <pc:grpChg chg="add del">
+          <ac:chgData name="Rubén González Villanueva" userId="c8c16a74-be0f-439b-9b67-6b666a436255" providerId="ADAL" clId="{2129604C-F01F-40CD-8BD8-E7558B492AD4}" dt="2019-11-01T18:06:09.528" v="77" actId="26606"/>
+          <ac:grpSpMkLst>
+            <pc:docMk/>
+            <pc:sldMk cId="405230702" sldId="257"/>
+            <ac:grpSpMk id="43" creationId="{D619FC33-16ED-4246-9596-BEFEB55E4CF6}"/>
+          </ac:grpSpMkLst>
+        </pc:grpChg>
+        <pc:grpChg chg="add del">
+          <ac:chgData name="Rubén González Villanueva" userId="c8c16a74-be0f-439b-9b67-6b666a436255" providerId="ADAL" clId="{2129604C-F01F-40CD-8BD8-E7558B492AD4}" dt="2019-11-01T18:06:11.286" v="79" actId="26606"/>
+          <ac:grpSpMkLst>
+            <pc:docMk/>
+            <pc:sldMk cId="405230702" sldId="257"/>
+            <ac:grpSpMk id="53" creationId="{4B0B5642-77FE-45F3-BA88-6E83123BD28F}"/>
+          </ac:grpSpMkLst>
+        </pc:grpChg>
+        <pc:grpChg chg="add del">
+          <ac:chgData name="Rubén González Villanueva" userId="c8c16a74-be0f-439b-9b67-6b666a436255" providerId="ADAL" clId="{2129604C-F01F-40CD-8BD8-E7558B492AD4}" dt="2019-11-01T18:16:41.232" v="254"/>
+          <ac:grpSpMkLst>
+            <pc:docMk/>
+            <pc:sldMk cId="405230702" sldId="257"/>
+            <ac:grpSpMk id="60" creationId="{D619FC33-16ED-4246-9596-BEFEB55E4CF6}"/>
+          </ac:grpSpMkLst>
+        </pc:grpChg>
+        <pc:grpChg chg="add">
+          <ac:chgData name="Rubén González Villanueva" userId="c8c16a74-be0f-439b-9b67-6b666a436255" providerId="ADAL" clId="{2129604C-F01F-40CD-8BD8-E7558B492AD4}" dt="2019-11-01T18:16:45.664" v="256" actId="26606"/>
+          <ac:grpSpMkLst>
+            <pc:docMk/>
+            <pc:sldMk cId="405230702" sldId="257"/>
+            <ac:grpSpMk id="68" creationId="{D619FC33-16ED-4246-9596-BEFEB55E4CF6}"/>
+          </ac:grpSpMkLst>
+        </pc:grpChg>
+        <pc:picChg chg="del mod">
+          <ac:chgData name="Rubén González Villanueva" userId="c8c16a74-be0f-439b-9b67-6b666a436255" providerId="ADAL" clId="{2129604C-F01F-40CD-8BD8-E7558B492AD4}" dt="2019-11-01T18:12:17.629" v="179" actId="478"/>
+          <ac:picMkLst>
+            <pc:docMk/>
+            <pc:sldMk cId="405230702" sldId="257"/>
+            <ac:picMk id="7" creationId="{C96961FD-7768-4B3C-B656-5FE33C6FC340}"/>
+          </ac:picMkLst>
+        </pc:picChg>
+        <pc:picChg chg="add del">
+          <ac:chgData name="Rubén González Villanueva" userId="c8c16a74-be0f-439b-9b67-6b666a436255" providerId="ADAL" clId="{2129604C-F01F-40CD-8BD8-E7558B492AD4}" dt="2019-11-01T18:16:15.671" v="247" actId="478"/>
+          <ac:picMkLst>
+            <pc:docMk/>
+            <pc:sldMk cId="405230702" sldId="257"/>
+            <ac:picMk id="47" creationId="{7AA3CF8D-B84A-4228-B903-20553B2A999C}"/>
+          </ac:picMkLst>
+        </pc:picChg>
+        <pc:picChg chg="add del">
+          <ac:chgData name="Rubén González Villanueva" userId="c8c16a74-be0f-439b-9b67-6b666a436255" providerId="ADAL" clId="{2129604C-F01F-40CD-8BD8-E7558B492AD4}" dt="2019-11-01T18:16:13.588" v="246"/>
+          <ac:picMkLst>
+            <pc:docMk/>
+            <pc:sldMk cId="405230702" sldId="257"/>
+            <ac:picMk id="54" creationId="{5FDD1E64-46C5-4B52-B0AD-88A7558F5FF4}"/>
+          </ac:picMkLst>
+        </pc:picChg>
+        <pc:picChg chg="add mod ord">
+          <ac:chgData name="Rubén González Villanueva" userId="c8c16a74-be0f-439b-9b67-6b666a436255" providerId="ADAL" clId="{2129604C-F01F-40CD-8BD8-E7558B492AD4}" dt="2019-11-01T18:16:45.664" v="256" actId="26606"/>
+          <ac:picMkLst>
+            <pc:docMk/>
+            <pc:sldMk cId="405230702" sldId="257"/>
+            <ac:picMk id="61" creationId="{052FCFAE-1A38-436C-85A0-2F4259F4281A}"/>
+          </ac:picMkLst>
+        </pc:picChg>
+      </pc:sldChg>
+      <pc:sldChg chg="addSp delSp modSp add modTransition">
+        <pc:chgData name="Rubén González Villanueva" userId="c8c16a74-be0f-439b-9b67-6b666a436255" providerId="ADAL" clId="{2129604C-F01F-40CD-8BD8-E7558B492AD4}" dt="2019-11-01T18:16:57.698" v="262" actId="1076"/>
+        <pc:sldMkLst>
+          <pc:docMk/>
+          <pc:sldMk cId="4006534359" sldId="258"/>
+        </pc:sldMkLst>
+        <pc:spChg chg="mod">
+          <ac:chgData name="Rubén González Villanueva" userId="c8c16a74-be0f-439b-9b67-6b666a436255" providerId="ADAL" clId="{2129604C-F01F-40CD-8BD8-E7558B492AD4}" dt="2019-11-01T18:04:27.958" v="72" actId="20577"/>
+          <ac:spMkLst>
+            <pc:docMk/>
+            <pc:sldMk cId="4006534359" sldId="258"/>
+            <ac:spMk id="2" creationId="{95AF7728-5CDB-45BD-94F9-C8062FF60583}"/>
+          </ac:spMkLst>
+        </pc:spChg>
+        <pc:spChg chg="add del mod">
+          <ac:chgData name="Rubén González Villanueva" userId="c8c16a74-be0f-439b-9b67-6b666a436255" providerId="ADAL" clId="{2129604C-F01F-40CD-8BD8-E7558B492AD4}" dt="2019-11-01T18:08:41.769" v="141" actId="27636"/>
+          <ac:spMkLst>
+            <pc:docMk/>
+            <pc:sldMk cId="4006534359" sldId="258"/>
+            <ac:spMk id="3" creationId="{CACE088F-D1B1-498E-941F-DEB7C7104F69}"/>
+          </ac:spMkLst>
+        </pc:spChg>
+        <pc:spChg chg="mod">
+          <ac:chgData name="Rubén González Villanueva" userId="c8c16a74-be0f-439b-9b67-6b666a436255" providerId="ADAL" clId="{2129604C-F01F-40CD-8BD8-E7558B492AD4}" dt="2019-11-01T18:08:41.772" v="142" actId="27636"/>
+          <ac:spMkLst>
+            <pc:docMk/>
+            <pc:sldMk cId="4006534359" sldId="258"/>
+            <ac:spMk id="4" creationId="{3CD0E60B-8AB2-4C81-88B9-741CB5CAD2C5}"/>
+          </ac:spMkLst>
+        </pc:spChg>
+        <pc:spChg chg="add mod">
+          <ac:chgData name="Rubén González Villanueva" userId="c8c16a74-be0f-439b-9b67-6b666a436255" providerId="ADAL" clId="{2129604C-F01F-40CD-8BD8-E7558B492AD4}" dt="2019-11-01T18:08:35.446" v="136" actId="20577"/>
+          <ac:spMkLst>
+            <pc:docMk/>
+            <pc:sldMk cId="4006534359" sldId="258"/>
+            <ac:spMk id="6" creationId="{794D0E0A-99FC-4A0F-9B7C-92915C73F626}"/>
+          </ac:spMkLst>
+        </pc:spChg>
+        <pc:spChg chg="add mod">
+          <ac:chgData name="Rubén González Villanueva" userId="c8c16a74-be0f-439b-9b67-6b666a436255" providerId="ADAL" clId="{2129604C-F01F-40CD-8BD8-E7558B492AD4}" dt="2019-11-01T18:08:43.639" v="144" actId="20577"/>
+          <ac:spMkLst>
+            <pc:docMk/>
+            <pc:sldMk cId="4006534359" sldId="258"/>
+            <ac:spMk id="7" creationId="{3CF58345-CE78-4205-A8ED-DEFFAAB5BA0A}"/>
+          </ac:spMkLst>
+        </pc:spChg>
+        <pc:picChg chg="add del">
+          <ac:chgData name="Rubén González Villanueva" userId="c8c16a74-be0f-439b-9b67-6b666a436255" providerId="ADAL" clId="{2129604C-F01F-40CD-8BD8-E7558B492AD4}" dt="2019-11-01T18:06:37.812" v="82"/>
+          <ac:picMkLst>
+            <pc:docMk/>
+            <pc:sldMk cId="4006534359" sldId="258"/>
+            <ac:picMk id="5" creationId="{AAFC23C4-12D6-49FE-84E2-B9929C1B55B9}"/>
+          </ac:picMkLst>
+        </pc:picChg>
+        <pc:picChg chg="add del mod">
+          <ac:chgData name="Rubén González Villanueva" userId="c8c16a74-be0f-439b-9b67-6b666a436255" providerId="ADAL" clId="{2129604C-F01F-40CD-8BD8-E7558B492AD4}" dt="2019-11-01T18:16:51.235" v="257" actId="478"/>
+          <ac:picMkLst>
+            <pc:docMk/>
+            <pc:sldMk cId="4006534359" sldId="258"/>
+            <ac:picMk id="8" creationId="{91390A97-73A7-4F93-8D22-BD1434D9DC26}"/>
+          </ac:picMkLst>
+        </pc:picChg>
+        <pc:picChg chg="add mod">
+          <ac:chgData name="Rubén González Villanueva" userId="c8c16a74-be0f-439b-9b67-6b666a436255" providerId="ADAL" clId="{2129604C-F01F-40CD-8BD8-E7558B492AD4}" dt="2019-11-01T18:16:57.698" v="262" actId="1076"/>
+          <ac:picMkLst>
+            <pc:docMk/>
+            <pc:sldMk cId="4006534359" sldId="258"/>
+            <ac:picMk id="9" creationId="{FA69D7F2-F553-423E-9C42-65D164A2303C}"/>
+          </ac:picMkLst>
+        </pc:picChg>
+      </pc:sldChg>
+      <pc:sldChg chg="addSp delSp modSp add modTransition">
+        <pc:chgData name="Rubén González Villanueva" userId="c8c16a74-be0f-439b-9b67-6b666a436255" providerId="ADAL" clId="{2129604C-F01F-40CD-8BD8-E7558B492AD4}" dt="2019-11-01T18:22:57.937" v="430" actId="27636"/>
+        <pc:sldMkLst>
+          <pc:docMk/>
+          <pc:sldMk cId="2183553396" sldId="259"/>
+        </pc:sldMkLst>
+        <pc:spChg chg="del">
+          <ac:chgData name="Rubén González Villanueva" userId="c8c16a74-be0f-439b-9b67-6b666a436255" providerId="ADAL" clId="{2129604C-F01F-40CD-8BD8-E7558B492AD4}" dt="2019-11-01T18:15:55.050" v="233"/>
+          <ac:spMkLst>
+            <pc:docMk/>
+            <pc:sldMk cId="2183553396" sldId="259"/>
+            <ac:spMk id="2" creationId="{169B8E74-6DD6-4B9F-BA1D-8DA139D1DCA8}"/>
+          </ac:spMkLst>
+        </pc:spChg>
+        <pc:spChg chg="del">
+          <ac:chgData name="Rubén González Villanueva" userId="c8c16a74-be0f-439b-9b67-6b666a436255" providerId="ADAL" clId="{2129604C-F01F-40CD-8BD8-E7558B492AD4}" dt="2019-11-01T18:15:55.050" v="233"/>
+          <ac:spMkLst>
+            <pc:docMk/>
+            <pc:sldMk cId="2183553396" sldId="259"/>
+            <ac:spMk id="3" creationId="{3C3DD84D-BE5F-4F6A-B44F-16748F5DE40B}"/>
+          </ac:spMkLst>
+        </pc:spChg>
+        <pc:spChg chg="del">
+          <ac:chgData name="Rubén González Villanueva" userId="c8c16a74-be0f-439b-9b67-6b666a436255" providerId="ADAL" clId="{2129604C-F01F-40CD-8BD8-E7558B492AD4}" dt="2019-11-01T18:15:55.050" v="233"/>
+          <ac:spMkLst>
+            <pc:docMk/>
+            <pc:sldMk cId="2183553396" sldId="259"/>
+            <ac:spMk id="4" creationId="{45E2BF4A-1255-4773-8DB0-6ABCAFF2AC46}"/>
+          </ac:spMkLst>
+        </pc:spChg>
+        <pc:spChg chg="del">
+          <ac:chgData name="Rubén González Villanueva" userId="c8c16a74-be0f-439b-9b67-6b666a436255" providerId="ADAL" clId="{2129604C-F01F-40CD-8BD8-E7558B492AD4}" dt="2019-11-01T18:15:55.050" v="233"/>
+          <ac:spMkLst>
+            <pc:docMk/>
+            <pc:sldMk cId="2183553396" sldId="259"/>
+            <ac:spMk id="5" creationId="{5AE523E7-DED7-46D9-A64E-0E537DB583BC}"/>
+          </ac:spMkLst>
+        </pc:spChg>
+        <pc:spChg chg="del">
+          <ac:chgData name="Rubén González Villanueva" userId="c8c16a74-be0f-439b-9b67-6b666a436255" providerId="ADAL" clId="{2129604C-F01F-40CD-8BD8-E7558B492AD4}" dt="2019-11-01T18:15:55.050" v="233"/>
+          <ac:spMkLst>
+            <pc:docMk/>
+            <pc:sldMk cId="2183553396" sldId="259"/>
+            <ac:spMk id="6" creationId="{2D47DCEE-1E3E-4914-B946-054C22862C82}"/>
+          </ac:spMkLst>
+        </pc:spChg>
+        <pc:spChg chg="add mod">
+          <ac:chgData name="Rubén González Villanueva" userId="c8c16a74-be0f-439b-9b67-6b666a436255" providerId="ADAL" clId="{2129604C-F01F-40CD-8BD8-E7558B492AD4}" dt="2019-11-01T18:16:01.749" v="243" actId="20577"/>
+          <ac:spMkLst>
+            <pc:docMk/>
+            <pc:sldMk cId="2183553396" sldId="259"/>
+            <ac:spMk id="7" creationId="{7A63CBD4-BF79-47E1-927B-F35FC3B78E17}"/>
+          </ac:spMkLst>
+        </pc:spChg>
+        <pc:spChg chg="add del mod">
+          <ac:chgData name="Rubén González Villanueva" userId="c8c16a74-be0f-439b-9b67-6b666a436255" providerId="ADAL" clId="{2129604C-F01F-40CD-8BD8-E7558B492AD4}" dt="2019-11-01T18:16:05.979" v="244" actId="478"/>
+          <ac:spMkLst>
+            <pc:docMk/>
+            <pc:sldMk cId="2183553396" sldId="259"/>
+            <ac:spMk id="8" creationId="{580C37CA-C9A4-4B1F-92E0-1DB0222050D6}"/>
+          </ac:spMkLst>
+        </pc:spChg>
+        <pc:spChg chg="add del mod">
+          <ac:chgData name="Rubén González Villanueva" userId="c8c16a74-be0f-439b-9b67-6b666a436255" providerId="ADAL" clId="{2129604C-F01F-40CD-8BD8-E7558B492AD4}" dt="2019-11-01T18:22:51.605" v="426"/>
+          <ac:spMkLst>
+            <pc:docMk/>
+            <pc:sldMk cId="2183553396" sldId="259"/>
+            <ac:spMk id="10" creationId="{0407B1D5-9705-422D-87F2-29F232A3AAFE}"/>
+          </ac:spMkLst>
+        </pc:spChg>
+        <pc:spChg chg="add mod">
+          <ac:chgData name="Rubén González Villanueva" userId="c8c16a74-be0f-439b-9b67-6b666a436255" providerId="ADAL" clId="{2129604C-F01F-40CD-8BD8-E7558B492AD4}" dt="2019-11-01T18:22:57.937" v="430" actId="27636"/>
+          <ac:spMkLst>
+            <pc:docMk/>
+            <pc:sldMk cId="2183553396" sldId="259"/>
+            <ac:spMk id="11" creationId="{AA36E30A-A112-48F5-B417-C6CD0FB4093F}"/>
+          </ac:spMkLst>
+        </pc:spChg>
+        <pc:spChg chg="add mod">
+          <ac:chgData name="Rubén González Villanueva" userId="c8c16a74-be0f-439b-9b67-6b666a436255" providerId="ADAL" clId="{2129604C-F01F-40CD-8BD8-E7558B492AD4}" dt="2019-11-01T18:22:57.835" v="429"/>
+          <ac:spMkLst>
+            <pc:docMk/>
+            <pc:sldMk cId="2183553396" sldId="259"/>
+            <ac:spMk id="12" creationId="{7AA28FEA-A436-4D31-B02C-504862B03FCB}"/>
+          </ac:spMkLst>
+        </pc:spChg>
+        <pc:picChg chg="add mod">
+          <ac:chgData name="Rubén González Villanueva" userId="c8c16a74-be0f-439b-9b67-6b666a436255" providerId="ADAL" clId="{2129604C-F01F-40CD-8BD8-E7558B492AD4}" dt="2019-11-01T18:21:54.595" v="422" actId="1076"/>
+          <ac:picMkLst>
+            <pc:docMk/>
+            <pc:sldMk cId="2183553396" sldId="259"/>
+            <ac:picMk id="9" creationId="{D8B0F239-9FF8-47DA-BE11-452A081BBFA2}"/>
+          </ac:picMkLst>
+        </pc:picChg>
+      </pc:sldChg>
+      <pc:sldChg chg="addSp delSp modSp add modTransition">
+        <pc:chgData name="Rubén González Villanueva" userId="c8c16a74-be0f-439b-9b67-6b666a436255" providerId="ADAL" clId="{2129604C-F01F-40CD-8BD8-E7558B492AD4}" dt="2019-11-01T18:22:04.171" v="424"/>
         <pc:sldMkLst>
           <pc:docMk/>
           <pc:sldMk cId="925306443" sldId="261"/>
         </pc:sldMkLst>
-        <pc:spChg chg="mod">
-          <ac:chgData name="Gerardo Villalobos" userId="41038f17c8568cbf" providerId="Windows Live" clId="Web-{88BBAFC7-5965-490D-9A21-068BC1627F7A}" dt="2019-11-12T05:28:15.037" v="653" actId="20577"/>
+        <pc:spChg chg="del">
+          <ac:chgData name="Rubén González Villanueva" userId="c8c16a74-be0f-439b-9b67-6b666a436255" providerId="ADAL" clId="{2129604C-F01F-40CD-8BD8-E7558B492AD4}" dt="2019-11-01T18:18:15.332" v="281"/>
+          <ac:spMkLst>
+            <pc:docMk/>
+            <pc:sldMk cId="925306443" sldId="261"/>
+            <ac:spMk id="2" creationId="{F3E0BB72-CB93-4B93-B62D-EA34AFCCA7A7}"/>
+          </ac:spMkLst>
+        </pc:spChg>
+        <pc:spChg chg="del">
+          <ac:chgData name="Rubén González Villanueva" userId="c8c16a74-be0f-439b-9b67-6b666a436255" providerId="ADAL" clId="{2129604C-F01F-40CD-8BD8-E7558B492AD4}" dt="2019-11-01T18:18:15.332" v="281"/>
+          <ac:spMkLst>
+            <pc:docMk/>
+            <pc:sldMk cId="925306443" sldId="261"/>
+            <ac:spMk id="3" creationId="{8FB14324-8CC8-4D83-9F89-DE440C8C71E2}"/>
+          </ac:spMkLst>
+        </pc:spChg>
+        <pc:spChg chg="add del mod">
+          <ac:chgData name="Rubén González Villanueva" userId="c8c16a74-be0f-439b-9b67-6b666a436255" providerId="ADAL" clId="{2129604C-F01F-40CD-8BD8-E7558B492AD4}" dt="2019-11-01T18:19:47.270" v="325"/>
+          <ac:spMkLst>
+            <pc:docMk/>
+            <pc:sldMk cId="925306443" sldId="261"/>
+            <ac:spMk id="4" creationId="{1AE6707E-6B6E-47D1-A74C-92A278704106}"/>
+          </ac:spMkLst>
+        </pc:spChg>
+        <pc:spChg chg="add del mod">
+          <ac:chgData name="Rubén González Villanueva" userId="c8c16a74-be0f-439b-9b67-6b666a436255" providerId="ADAL" clId="{2129604C-F01F-40CD-8BD8-E7558B492AD4}" dt="2019-11-01T18:20:10.031" v="355" actId="478"/>
+          <ac:spMkLst>
+            <pc:docMk/>
+            <pc:sldMk cId="925306443" sldId="261"/>
+            <ac:spMk id="5" creationId="{98D2E9CF-BF9D-4170-A2AB-5D67D61B99FA}"/>
+          </ac:spMkLst>
+        </pc:spChg>
+        <pc:spChg chg="add mod">
+          <ac:chgData name="Rubén González Villanueva" userId="c8c16a74-be0f-439b-9b67-6b666a436255" providerId="ADAL" clId="{2129604C-F01F-40CD-8BD8-E7558B492AD4}" dt="2019-11-01T18:21:25.075" v="415" actId="14100"/>
+          <ac:spMkLst>
+            <pc:docMk/>
+            <pc:sldMk cId="925306443" sldId="261"/>
+            <ac:spMk id="6" creationId="{3D1994B9-EC4C-48B0-9517-4FB987929E6D}"/>
+          </ac:spMkLst>
+        </pc:spChg>
+        <pc:spChg chg="add del mod">
+          <ac:chgData name="Rubén González Villanueva" userId="c8c16a74-be0f-439b-9b67-6b666a436255" providerId="ADAL" clId="{2129604C-F01F-40CD-8BD8-E7558B492AD4}" dt="2019-11-01T18:20:12.938" v="357" actId="478"/>
+          <ac:spMkLst>
+            <pc:docMk/>
+            <pc:sldMk cId="925306443" sldId="261"/>
+            <ac:spMk id="7" creationId="{0A47D344-4D6F-42C8-9297-D9983EF0DC47}"/>
+          </ac:spMkLst>
+        </pc:spChg>
+        <pc:spChg chg="add mod">
+          <ac:chgData name="Rubén González Villanueva" userId="c8c16a74-be0f-439b-9b67-6b666a436255" providerId="ADAL" clId="{2129604C-F01F-40CD-8BD8-E7558B492AD4}" dt="2019-11-01T18:21:29.015" v="416" actId="14100"/>
           <ac:spMkLst>
             <pc:docMk/>
             <pc:sldMk cId="925306443" sldId="261"/>
             <ac:spMk id="8" creationId="{5B5D8A8C-B81E-4795-A128-7F710114091E}"/>
           </ac:spMkLst>
         </pc:spChg>
-      </pc:sldChg>
-    </pc:docChg>
-  </pc:docChgLst>
-  <pc:docChgLst>
-    <pc:chgData name="Gabriel Vindas Brenes" userId="33bbea57a04d846b" providerId="Windows Live" clId="Web-{A3B6E14B-498D-4114-99F1-91619386FF99}"/>
-    <pc:docChg chg="modSld">
-      <pc:chgData name="Gabriel Vindas Brenes" userId="33bbea57a04d846b" providerId="Windows Live" clId="Web-{A3B6E14B-498D-4114-99F1-91619386FF99}" dt="2019-11-12T16:57:54.164" v="94" actId="20577"/>
-      <pc:docMkLst>
-        <pc:docMk/>
-      </pc:docMkLst>
-      <pc:sldChg chg="modSp">
-        <pc:chgData name="Gabriel Vindas Brenes" userId="33bbea57a04d846b" providerId="Windows Live" clId="Web-{A3B6E14B-498D-4114-99F1-91619386FF99}" dt="2019-11-12T16:57:54.164" v="93" actId="20577"/>
-        <pc:sldMkLst>
-          <pc:docMk/>
-          <pc:sldMk cId="925306443" sldId="261"/>
-        </pc:sldMkLst>
-        <pc:spChg chg="mod">
-          <ac:chgData name="Gabriel Vindas Brenes" userId="33bbea57a04d846b" providerId="Windows Live" clId="Web-{A3B6E14B-498D-4114-99F1-91619386FF99}" dt="2019-11-12T16:57:54.164" v="93" actId="20577"/>
+        <pc:spChg chg="add del mod">
+          <ac:chgData name="Rubén González Villanueva" userId="c8c16a74-be0f-439b-9b67-6b666a436255" providerId="ADAL" clId="{2129604C-F01F-40CD-8BD8-E7558B492AD4}" dt="2019-11-01T18:19:47.270" v="325"/>
           <ac:spMkLst>
             <pc:docMk/>
             <pc:sldMk cId="925306443" sldId="261"/>
-            <ac:spMk id="6" creationId="{3D1994B9-EC4C-48B0-9517-4FB987929E6D}"/>
-          </ac:spMkLst>
-        </pc:spChg>
-      </pc:sldChg>
-    </pc:docChg>
-  </pc:docChgLst>
-  <pc:docChgLst>
-    <pc:chgData name="Guest User" providerId="Windows Live" clId="Web-{B87B94C5-AAC6-480D-9E68-5D343D30B5C7}"/>
-    <pc:docChg chg="modSld">
-      <pc:chgData name="Guest User" userId="" providerId="Windows Live" clId="Web-{B87B94C5-AAC6-480D-9E68-5D343D30B5C7}" dt="2019-11-11T18:52:44.388" v="319"/>
-      <pc:docMkLst>
-        <pc:docMk/>
-      </pc:docMkLst>
-      <pc:sldChg chg="addSp delSp modSp mod setBg">
-        <pc:chgData name="Guest User" userId="" providerId="Windows Live" clId="Web-{B87B94C5-AAC6-480D-9E68-5D343D30B5C7}" dt="2019-11-11T18:52:44.388" v="319"/>
-        <pc:sldMkLst>
-          <pc:docMk/>
-          <pc:sldMk cId="3571924505" sldId="262"/>
-        </pc:sldMkLst>
-        <pc:spChg chg="mod">
-          <ac:chgData name="Guest User" userId="" providerId="Windows Live" clId="Web-{B87B94C5-AAC6-480D-9E68-5D343D30B5C7}" dt="2019-11-11T18:52:44.388" v="319"/>
-          <ac:spMkLst>
-            <pc:docMk/>
-            <pc:sldMk cId="3571924505" sldId="262"/>
-            <ac:spMk id="2" creationId="{61DD6FAC-6BAA-4C07-B6B2-0E9A3567DF65}"/>
-          </ac:spMkLst>
-        </pc:spChg>
-        <pc:spChg chg="mod ord">
-          <ac:chgData name="Guest User" userId="" providerId="Windows Live" clId="Web-{B87B94C5-AAC6-480D-9E68-5D343D30B5C7}" dt="2019-11-11T18:52:44.388" v="319"/>
-          <ac:spMkLst>
-            <pc:docMk/>
-            <pc:sldMk cId="3571924505" sldId="262"/>
-            <ac:spMk id="3" creationId="{6DA9A8D3-9343-4B0A-B6C2-6E8B84A4F58D}"/>
-          </ac:spMkLst>
-        </pc:spChg>
-        <pc:spChg chg="add del">
-          <ac:chgData name="Guest User" userId="" providerId="Windows Live" clId="Web-{B87B94C5-AAC6-480D-9E68-5D343D30B5C7}" dt="2019-11-11T18:52:04.513" v="273"/>
-          <ac:spMkLst>
-            <pc:docMk/>
-            <pc:sldMk cId="3571924505" sldId="262"/>
-            <ac:spMk id="6" creationId="{8F404549-B4DC-481C-926C-DED3EF1C585B}"/>
-          </ac:spMkLst>
-        </pc:spChg>
-        <pc:spChg chg="add del">
-          <ac:chgData name="Guest User" userId="" providerId="Windows Live" clId="Web-{B87B94C5-AAC6-480D-9E68-5D343D30B5C7}" dt="2019-11-11T18:52:04.513" v="273"/>
-          <ac:spMkLst>
-            <pc:docMk/>
-            <pc:sldMk cId="3571924505" sldId="262"/>
-            <ac:spMk id="7" creationId="{1E8FD5CD-351E-4B06-8B78-BD5102D00908}"/>
-          </ac:spMkLst>
-        </pc:spChg>
-        <pc:spChg chg="add del">
-          <ac:chgData name="Guest User" userId="" providerId="Windows Live" clId="Web-{B87B94C5-AAC6-480D-9E68-5D343D30B5C7}" dt="2019-11-11T18:52:44.388" v="319"/>
-          <ac:spMkLst>
-            <pc:docMk/>
-            <pc:sldMk cId="3571924505" sldId="262"/>
-            <ac:spMk id="8" creationId="{3FE9758B-E361-4084-8D9F-729FA6C4AD7E}"/>
-          </ac:spMkLst>
-        </pc:spChg>
-        <pc:spChg chg="add del">
-          <ac:chgData name="Guest User" userId="" providerId="Windows Live" clId="Web-{B87B94C5-AAC6-480D-9E68-5D343D30B5C7}" dt="2019-11-11T18:51:56.278" v="271"/>
-          <ac:spMkLst>
-            <pc:docMk/>
-            <pc:sldMk cId="3571924505" sldId="262"/>
-            <ac:spMk id="9" creationId="{B871AE93-72B2-4545-989F-4B08DCD7872E}"/>
-          </ac:spMkLst>
-        </pc:spChg>
-        <pc:spChg chg="add del">
-          <ac:chgData name="Guest User" userId="" providerId="Windows Live" clId="Web-{B87B94C5-AAC6-480D-9E68-5D343D30B5C7}" dt="2019-11-11T18:51:56.278" v="271"/>
-          <ac:spMkLst>
-            <pc:docMk/>
-            <pc:sldMk cId="3571924505" sldId="262"/>
-            <ac:spMk id="11" creationId="{C1B0F13F-C83B-4678-ABCC-5F6FB1D38827}"/>
-          </ac:spMkLst>
-        </pc:spChg>
-        <pc:spChg chg="add del">
-          <ac:chgData name="Guest User" userId="" providerId="Windows Live" clId="Web-{B87B94C5-AAC6-480D-9E68-5D343D30B5C7}" dt="2019-11-11T18:51:56.278" v="271"/>
-          <ac:spMkLst>
-            <pc:docMk/>
-            <pc:sldMk cId="3571924505" sldId="262"/>
-            <ac:spMk id="13" creationId="{02074ED4-9DB5-4D14-BDCF-BD7D0C145176}"/>
-          </ac:spMkLst>
-        </pc:spChg>
-        <pc:spChg chg="add del">
-          <ac:chgData name="Guest User" userId="" providerId="Windows Live" clId="Web-{B87B94C5-AAC6-480D-9E68-5D343D30B5C7}" dt="2019-11-11T18:51:56.278" v="271"/>
-          <ac:spMkLst>
-            <pc:docMk/>
-            <pc:sldMk cId="3571924505" sldId="262"/>
-            <ac:spMk id="15" creationId="{C48FF616-1F75-49FC-861B-7B794054AA6B}"/>
-          </ac:spMkLst>
-        </pc:spChg>
-        <pc:spChg chg="add del">
-          <ac:chgData name="Guest User" userId="" providerId="Windows Live" clId="Web-{B87B94C5-AAC6-480D-9E68-5D343D30B5C7}" dt="2019-11-11T18:51:56.278" v="271"/>
-          <ac:spMkLst>
-            <pc:docMk/>
-            <pc:sldMk cId="3571924505" sldId="262"/>
-            <ac:spMk id="17" creationId="{9184B385-16B6-44A9-9A47-1C765B376324}"/>
+            <ac:spMk id="9" creationId="{BE66AB64-698B-40FC-9186-07CC9D9F41E2}"/>
+          </ac:spMkLst>
+        </pc:spChg>
+        <pc:spChg chg="add del mod">
+          <ac:chgData name="Rubén González Villanueva" userId="c8c16a74-be0f-439b-9b67-6b666a436255" providerId="ADAL" clId="{2129604C-F01F-40CD-8BD8-E7558B492AD4}" dt="2019-11-01T18:19:47.270" v="325"/>
+          <ac:spMkLst>
+            <pc:docMk/>
+            <pc:sldMk cId="925306443" sldId="261"/>
+            <ac:spMk id="10" creationId="{C15321D7-B87E-477E-873F-79B24936DDA3}"/>
+          </ac:spMkLst>
+        </pc:spChg>
+        <pc:spChg chg="add del mod">
+          <ac:chgData name="Rubén González Villanueva" userId="c8c16a74-be0f-439b-9b67-6b666a436255" providerId="ADAL" clId="{2129604C-F01F-40CD-8BD8-E7558B492AD4}" dt="2019-11-01T18:19:47.270" v="325"/>
+          <ac:spMkLst>
+            <pc:docMk/>
+            <pc:sldMk cId="925306443" sldId="261"/>
+            <ac:spMk id="11" creationId="{518706C4-743C-4899-8CD5-B734FA164D50}"/>
+          </ac:spMkLst>
+        </pc:spChg>
+        <pc:spChg chg="add del mod">
+          <ac:chgData name="Rubén González Villanueva" userId="c8c16a74-be0f-439b-9b67-6b666a436255" providerId="ADAL" clId="{2129604C-F01F-40CD-8BD8-E7558B492AD4}" dt="2019-11-01T18:19:47.270" v="325"/>
+          <ac:spMkLst>
+            <pc:docMk/>
+            <pc:sldMk cId="925306443" sldId="261"/>
+            <ac:spMk id="12" creationId="{71509A6B-2EFB-498F-BAA3-7ED9F6C63510}"/>
+          </ac:spMkLst>
+        </pc:spChg>
+        <pc:spChg chg="add del mod">
+          <ac:chgData name="Rubén González Villanueva" userId="c8c16a74-be0f-439b-9b67-6b666a436255" providerId="ADAL" clId="{2129604C-F01F-40CD-8BD8-E7558B492AD4}" dt="2019-11-01T18:19:51.813" v="326"/>
+          <ac:spMkLst>
+            <pc:docMk/>
+            <pc:sldMk cId="925306443" sldId="261"/>
+            <ac:spMk id="13" creationId="{B21ED0BC-AACD-4F8B-B8DE-8CE0D0DB1948}"/>
+          </ac:spMkLst>
+        </pc:spChg>
+        <pc:spChg chg="add mod">
+          <ac:chgData name="Rubén González Villanueva" userId="c8c16a74-be0f-439b-9b67-6b666a436255" providerId="ADAL" clId="{2129604C-F01F-40CD-8BD8-E7558B492AD4}" dt="2019-11-01T18:20:52.882" v="414" actId="14100"/>
+          <ac:spMkLst>
+            <pc:docMk/>
+            <pc:sldMk cId="925306443" sldId="261"/>
+            <ac:spMk id="14" creationId="{CA42A7FF-1F67-427F-A084-5023863AB68E}"/>
+          </ac:spMkLst>
+        </pc:spChg>
+        <pc:spChg chg="add del mod">
+          <ac:chgData name="Rubén González Villanueva" userId="c8c16a74-be0f-439b-9b67-6b666a436255" providerId="ADAL" clId="{2129604C-F01F-40CD-8BD8-E7558B492AD4}" dt="2019-11-01T18:20:11.453" v="356" actId="478"/>
+          <ac:spMkLst>
+            <pc:docMk/>
+            <pc:sldMk cId="925306443" sldId="261"/>
+            <ac:spMk id="16" creationId="{252E38B0-FF4A-4102-A4CB-744C0B34BD64}"/>
+          </ac:spMkLst>
+        </pc:spChg>
+        <pc:spChg chg="add del mod">
+          <ac:chgData name="Rubén González Villanueva" userId="c8c16a74-be0f-439b-9b67-6b666a436255" providerId="ADAL" clId="{2129604C-F01F-40CD-8BD8-E7558B492AD4}" dt="2019-11-01T18:20:14.306" v="358" actId="478"/>
+          <ac:spMkLst>
+            <pc:docMk/>
+            <pc:sldMk cId="925306443" sldId="261"/>
+            <ac:spMk id="18" creationId="{F76A7474-73B9-4540-B183-851FEDCB7298}"/>
           </ac:spMkLst>
         </pc:spChg>
         <pc:picChg chg="add mod">
-          <ac:chgData name="Guest User" userId="" providerId="Windows Live" clId="Web-{B87B94C5-AAC6-480D-9E68-5D343D30B5C7}" dt="2019-11-11T18:52:44.388" v="319"/>
+          <ac:chgData name="Rubén González Villanueva" userId="c8c16a74-be0f-439b-9b67-6b666a436255" providerId="ADAL" clId="{2129604C-F01F-40CD-8BD8-E7558B492AD4}" dt="2019-11-01T18:21:50.306" v="420" actId="1076"/>
           <ac:picMkLst>
             <pc:docMk/>
-            <pc:sldMk cId="3571924505" sldId="262"/>
-            <ac:picMk id="4" creationId="{37DBDBF7-C1A7-4C8A-9A5E-196CD5615A7D}"/>
+            <pc:sldMk cId="925306443" sldId="261"/>
+            <ac:picMk id="19" creationId="{3D5F8449-5863-43B5-8C99-25B181CD7E3C}"/>
           </ac:picMkLst>
         </pc:picChg>
-      </pc:sldChg>
-    </pc:docChg>
-  </pc:docChgLst>
-  <pc:docChgLst>
-    <pc:chgData name="Guest User" providerId="Windows Live" clId="Web-{4765F7DB-991B-45CE-8130-4661E06E94B6}"/>
-    <pc:docChg chg="modSld">
-      <pc:chgData name="Guest User" userId="" providerId="Windows Live" clId="Web-{4765F7DB-991B-45CE-8130-4661E06E94B6}" dt="2019-11-11T18:30:04.594" v="25" actId="14100"/>
-      <pc:docMkLst>
-        <pc:docMk/>
-      </pc:docMkLst>
-      <pc:sldChg chg="addSp delSp modSp">
-        <pc:chgData name="Guest User" userId="" providerId="Windows Live" clId="Web-{4765F7DB-991B-45CE-8130-4661E06E94B6}" dt="2019-11-11T18:30:04.594" v="25" actId="14100"/>
-        <pc:sldMkLst>
-          <pc:docMk/>
-          <pc:sldMk cId="3571924505" sldId="262"/>
-        </pc:sldMkLst>
-        <pc:spChg chg="mod">
-          <ac:chgData name="Guest User" userId="" providerId="Windows Live" clId="Web-{4765F7DB-991B-45CE-8130-4661E06E94B6}" dt="2019-11-11T18:30:04.594" v="25" actId="14100"/>
-          <ac:spMkLst>
-            <pc:docMk/>
-            <pc:sldMk cId="3571924505" sldId="262"/>
-            <ac:spMk id="3" creationId="{6DA9A8D3-9343-4B0A-B6C2-6E8B84A4F58D}"/>
-          </ac:spMkLst>
-        </pc:spChg>
-        <pc:spChg chg="add del mod">
-          <ac:chgData name="Guest User" userId="" providerId="Windows Live" clId="Web-{4765F7DB-991B-45CE-8130-4661E06E94B6}" dt="2019-11-11T18:30:00.110" v="24"/>
-          <ac:spMkLst>
-            <pc:docMk/>
-            <pc:sldMk cId="3571924505" sldId="262"/>
-            <ac:spMk id="4" creationId="{261DA91F-CEF2-4302-91C9-B20C917DB682}"/>
-          </ac:spMkLst>
-        </pc:spChg>
       </pc:sldChg>
     </pc:docChg>
   </pc:docChgLst>
@@ -1852,7 +1902,7 @@
             <a:fld id="{B61BEF0D-F0BB-DE4B-95CE-6DB70DBA9567}" type="datetimeFigureOut">
               <a:rPr lang="en-US" dirty="0"/>
               <a:pPr/>
-              <a:t>11/12/2019</a:t>
+              <a:t>11/13/2019</a:t>
             </a:fld>
             <a:endParaRPr lang="en-US" dirty="0"/>
           </a:p>
@@ -2111,7 +2161,7 @@
             <a:fld id="{B61BEF0D-F0BB-DE4B-95CE-6DB70DBA9567}" type="datetimeFigureOut">
               <a:rPr lang="en-US" dirty="0"/>
               <a:pPr/>
-              <a:t>11/12/2019</a:t>
+              <a:t>11/13/2019</a:t>
             </a:fld>
             <a:endParaRPr lang="en-US" dirty="0"/>
           </a:p>
@@ -2343,7 +2393,7 @@
             <a:fld id="{B61BEF0D-F0BB-DE4B-95CE-6DB70DBA9567}" type="datetimeFigureOut">
               <a:rPr lang="en-US" dirty="0"/>
               <a:pPr/>
-              <a:t>11/12/2019</a:t>
+              <a:t>11/13/2019</a:t>
             </a:fld>
             <a:endParaRPr lang="en-US" dirty="0"/>
           </a:p>
@@ -2580,7 +2630,7 @@
             <a:fld id="{B61BEF0D-F0BB-DE4B-95CE-6DB70DBA9567}" type="datetimeFigureOut">
               <a:rPr lang="en-US" dirty="0"/>
               <a:pPr/>
-              <a:t>11/12/2019</a:t>
+              <a:t>11/13/2019</a:t>
             </a:fld>
             <a:endParaRPr lang="en-US" dirty="0"/>
           </a:p>
@@ -2884,7 +2934,7 @@
             <a:fld id="{B61BEF0D-F0BB-DE4B-95CE-6DB70DBA9567}" type="datetimeFigureOut">
               <a:rPr lang="en-US" dirty="0"/>
               <a:pPr/>
-              <a:t>11/12/2019</a:t>
+              <a:t>11/13/2019</a:t>
             </a:fld>
             <a:endParaRPr lang="en-US" dirty="0"/>
           </a:p>
@@ -3183,7 +3233,7 @@
             <a:fld id="{B61BEF0D-F0BB-DE4B-95CE-6DB70DBA9567}" type="datetimeFigureOut">
               <a:rPr lang="en-US" dirty="0"/>
               <a:pPr/>
-              <a:t>11/12/2019</a:t>
+              <a:t>11/13/2019</a:t>
             </a:fld>
             <a:endParaRPr lang="en-US" dirty="0"/>
           </a:p>
@@ -3602,7 +3652,7 @@
             <a:fld id="{B61BEF0D-F0BB-DE4B-95CE-6DB70DBA9567}" type="datetimeFigureOut">
               <a:rPr lang="en-US" dirty="0"/>
               <a:pPr/>
-              <a:t>11/12/2019</a:t>
+              <a:t>11/13/2019</a:t>
             </a:fld>
             <a:endParaRPr lang="en-US" dirty="0"/>
           </a:p>
@@ -3694,7 +3744,7 @@
             <a:fld id="{B61BEF0D-F0BB-DE4B-95CE-6DB70DBA9567}" type="datetimeFigureOut">
               <a:rPr lang="en-US" dirty="0"/>
               <a:pPr/>
-              <a:t>11/12/2019</a:t>
+              <a:t>11/13/2019</a:t>
             </a:fld>
             <a:endParaRPr lang="en-US" dirty="0"/>
           </a:p>
@@ -3853,7 +3903,7 @@
             <a:fld id="{B61BEF0D-F0BB-DE4B-95CE-6DB70DBA9567}" type="datetimeFigureOut">
               <a:rPr lang="en-US" dirty="0"/>
               <a:pPr/>
-              <a:t>11/12/2019</a:t>
+              <a:t>11/13/2019</a:t>
             </a:fld>
             <a:endParaRPr lang="en-US" dirty="0"/>
           </a:p>
@@ -4228,7 +4278,7 @@
             <a:fld id="{B61BEF0D-F0BB-DE4B-95CE-6DB70DBA9567}" type="datetimeFigureOut">
               <a:rPr lang="en-US" dirty="0"/>
               <a:pPr/>
-              <a:t>11/12/2019</a:t>
+              <a:t>11/13/2019</a:t>
             </a:fld>
             <a:endParaRPr lang="en-US" dirty="0"/>
           </a:p>
@@ -4514,7 +4564,7 @@
             <a:fld id="{B61BEF0D-F0BB-DE4B-95CE-6DB70DBA9567}" type="datetimeFigureOut">
               <a:rPr lang="en-US" dirty="0"/>
               <a:pPr/>
-              <a:t>11/12/2019</a:t>
+              <a:t>11/13/2019</a:t>
             </a:fld>
             <a:endParaRPr lang="en-US" dirty="0"/>
           </a:p>
@@ -4722,7 +4772,7 @@
             <a:fld id="{B61BEF0D-F0BB-DE4B-95CE-6DB70DBA9567}" type="datetimeFigureOut">
               <a:rPr lang="en-US" dirty="0"/>
               <a:pPr/>
-              <a:t>11/12/2019</a:t>
+              <a:t>11/13/2019</a:t>
             </a:fld>
             <a:endParaRPr lang="en-US" dirty="0"/>
           </a:p>
@@ -5591,7 +5641,19 @@
                 </a:solidFill>
                 <a:latin typeface="Century Gothic Pro" panose="020B0502020202020204" pitchFamily="34" charset="0"/>
               </a:rPr>
-              <a:t> José Fabio Hidalgo (2017100950)</a:t>
+              <a:t> José Fabio Hidalgo</a:t>
+            </a:r>
+          </a:p>
+          <a:p>
+            <a:pPr algn="ctr"/>
+            <a:r>
+              <a:rPr lang="en-US" dirty="0">
+                <a:solidFill>
+                  <a:schemeClr val="bg2"/>
+                </a:solidFill>
+                <a:latin typeface="Century Gothic Pro" panose="020B0502020202020204" pitchFamily="34" charset="0"/>
+              </a:rPr>
+              <a:t>(2017100950)</a:t>
             </a:r>
           </a:p>
           <a:p>
@@ -8592,7 +8654,7 @@
             <a:pPr marL="305435" indent="-305435"/>
             <a:r>
               <a:rPr lang="es-CR" dirty="0"/>
-              <a:t>Simulación no es 100% acertada, ya que se orientó mucho a los visual por lo que se podría mejorar en este aspecto.</a:t>
+              <a:t>Simulación no es 100% acertada, ya que se orientó mucho a lo visual por lo que se podría mejorar en este aspecto.</a:t>
             </a:r>
           </a:p>
           <a:p>
@@ -9308,15 +9370,15 @@
             </a:r>
             <a:r>
               <a:rPr lang="en-US" dirty="0" err="1"/>
-              <a:t>orientación</a:t>
-            </a:r>
-            <a:r>
-              <a:rPr lang="en-US" dirty="0"/>
-              <a:t> </a:t>
+              <a:t>programación</a:t>
+            </a:r>
+            <a:r>
+              <a:rPr lang="en-US" dirty="0"/>
+              <a:t> </a:t>
             </a:r>
             <a:r>
               <a:rPr lang="en-US" dirty="0" err="1"/>
-              <a:t>programada</a:t>
+              <a:t>orientada</a:t>
             </a:r>
             <a:r>
               <a:rPr lang="en-US" dirty="0"/>
@@ -9912,18 +9974,18 @@
 </file>
 
 <file path=customXml/item2.xml><?xml version="1.0" encoding="utf-8"?>
+<p:properties xmlns:p="http://schemas.microsoft.com/office/2006/metadata/properties" xmlns:xsi="http://www.w3.org/2001/XMLSchema-instance" xmlns:pc="http://schemas.microsoft.com/office/infopath/2007/PartnerControls">
+  <documentManagement/>
+</p:properties>
+</file>
+
+<file path=customXml/item3.xml><?xml version="1.0" encoding="utf-8"?>
 <?mso-contentType ?>
 <FormTemplates xmlns="http://schemas.microsoft.com/sharepoint/v3/contenttype/forms">
   <Display>DocumentLibraryForm</Display>
   <Edit>DocumentLibraryForm</Edit>
   <New>DocumentLibraryForm</New>
 </FormTemplates>
-</file>
-
-<file path=customXml/item3.xml><?xml version="1.0" encoding="utf-8"?>
-<p:properties xmlns:p="http://schemas.microsoft.com/office/2006/metadata/properties" xmlns:xsi="http://www.w3.org/2001/XMLSchema-instance" xmlns:pc="http://schemas.microsoft.com/office/infopath/2007/PartnerControls">
-  <documentManagement/>
-</p:properties>
 </file>
 
 <file path=customXml/itemProps1.xml><?xml version="1.0" encoding="utf-8"?>
@@ -9945,18 +10007,18 @@
 </file>
 
 <file path=customXml/itemProps2.xml><?xml version="1.0" encoding="utf-8"?>
-<ds:datastoreItem xmlns:ds="http://schemas.openxmlformats.org/officeDocument/2006/customXml" ds:itemID="{084214A2-5E5B-4F3C-91D2-90F682A9FB22}">
-  <ds:schemaRefs>
-    <ds:schemaRef ds:uri="http://schemas.microsoft.com/sharepoint/v3/contenttype/forms"/>
-  </ds:schemaRefs>
-</ds:datastoreItem>
-</file>
-
-<file path=customXml/itemProps3.xml><?xml version="1.0" encoding="utf-8"?>
 <ds:datastoreItem xmlns:ds="http://schemas.openxmlformats.org/officeDocument/2006/customXml" ds:itemID="{1D62F7FD-2AED-4AAA-96DB-99B2DDF24ED4}">
   <ds:schemaRefs>
     <ds:schemaRef ds:uri="http://schemas.microsoft.com/office/2006/metadata/properties"/>
     <ds:schemaRef ds:uri="http://schemas.microsoft.com/office/infopath/2007/PartnerControls"/>
   </ds:schemaRefs>
 </ds:datastoreItem>
+</file>
+
+<file path=customXml/itemProps3.xml><?xml version="1.0" encoding="utf-8"?>
+<ds:datastoreItem xmlns:ds="http://schemas.openxmlformats.org/officeDocument/2006/customXml" ds:itemID="{084214A2-5E5B-4F3C-91D2-90F682A9FB22}">
+  <ds:schemaRefs>
+    <ds:schemaRef ds:uri="http://schemas.microsoft.com/sharepoint/v3/contenttype/forms"/>
+  </ds:schemaRefs>
+</ds:datastoreItem>
 </file>